--- a/Documentation/Audit_2/Powerpoint/Audit_Presentation.pptx
+++ b/Documentation/Audit_2/Powerpoint/Audit_Presentation.pptx
@@ -8,16 +8,17 @@
     <p:sldId id="256" r:id="rId2"/>
     <p:sldId id="257" r:id="rId3"/>
     <p:sldId id="268" r:id="rId4"/>
-    <p:sldId id="258" r:id="rId5"/>
-    <p:sldId id="259" r:id="rId6"/>
-    <p:sldId id="260" r:id="rId7"/>
-    <p:sldId id="261" r:id="rId8"/>
-    <p:sldId id="262" r:id="rId9"/>
-    <p:sldId id="264" r:id="rId10"/>
-    <p:sldId id="263" r:id="rId11"/>
-    <p:sldId id="267" r:id="rId12"/>
-    <p:sldId id="265" r:id="rId13"/>
-    <p:sldId id="266" r:id="rId14"/>
+    <p:sldId id="269" r:id="rId5"/>
+    <p:sldId id="258" r:id="rId6"/>
+    <p:sldId id="259" r:id="rId7"/>
+    <p:sldId id="260" r:id="rId8"/>
+    <p:sldId id="261" r:id="rId9"/>
+    <p:sldId id="262" r:id="rId10"/>
+    <p:sldId id="264" r:id="rId11"/>
+    <p:sldId id="263" r:id="rId12"/>
+    <p:sldId id="267" r:id="rId13"/>
+    <p:sldId id="265" r:id="rId14"/>
+    <p:sldId id="266" r:id="rId15"/>
   </p:sldIdLst>
   <p:sldSz cx="12192000" cy="6858000"/>
   <p:notesSz cx="6858000" cy="9144000"/>
@@ -1034,6 +1035,5396 @@
 </cs:chartStyle>
 </file>
 
+<file path=ppt/diagrams/colors1.xml><?xml version="1.0" encoding="utf-8"?>
+<dgm:colorsDef xmlns:dgm="http://schemas.openxmlformats.org/drawingml/2006/diagram" xmlns:a="http://schemas.openxmlformats.org/drawingml/2006/main" uniqueId="urn:microsoft.com/office/officeart/2005/8/colors/accent1_2">
+  <dgm:title val=""/>
+  <dgm:desc val=""/>
+  <dgm:catLst>
+    <dgm:cat type="accent1" pri="11200"/>
+  </dgm:catLst>
+  <dgm:styleLbl name="node0">
+    <dgm:fillClrLst meth="repeat">
+      <a:schemeClr val="accent1"/>
+    </dgm:fillClrLst>
+    <dgm:linClrLst meth="repeat">
+      <a:schemeClr val="lt1"/>
+    </dgm:linClrLst>
+    <dgm:effectClrLst/>
+    <dgm:txLinClrLst/>
+    <dgm:txFillClrLst/>
+    <dgm:txEffectClrLst/>
+  </dgm:styleLbl>
+  <dgm:styleLbl name="alignNode1">
+    <dgm:fillClrLst meth="repeat">
+      <a:schemeClr val="accent1"/>
+    </dgm:fillClrLst>
+    <dgm:linClrLst meth="repeat">
+      <a:schemeClr val="accent1"/>
+    </dgm:linClrLst>
+    <dgm:effectClrLst/>
+    <dgm:txLinClrLst/>
+    <dgm:txFillClrLst/>
+    <dgm:txEffectClrLst/>
+  </dgm:styleLbl>
+  <dgm:styleLbl name="node1">
+    <dgm:fillClrLst meth="repeat">
+      <a:schemeClr val="accent1"/>
+    </dgm:fillClrLst>
+    <dgm:linClrLst meth="repeat">
+      <a:schemeClr val="lt1"/>
+    </dgm:linClrLst>
+    <dgm:effectClrLst/>
+    <dgm:txLinClrLst/>
+    <dgm:txFillClrLst/>
+    <dgm:txEffectClrLst/>
+  </dgm:styleLbl>
+  <dgm:styleLbl name="lnNode1">
+    <dgm:fillClrLst meth="repeat">
+      <a:schemeClr val="accent1"/>
+    </dgm:fillClrLst>
+    <dgm:linClrLst meth="repeat">
+      <a:schemeClr val="lt1"/>
+    </dgm:linClrLst>
+    <dgm:effectClrLst/>
+    <dgm:txLinClrLst/>
+    <dgm:txFillClrLst/>
+    <dgm:txEffectClrLst/>
+  </dgm:styleLbl>
+  <dgm:styleLbl name="vennNode1">
+    <dgm:fillClrLst meth="repeat">
+      <a:schemeClr val="accent1">
+        <a:alpha val="50000"/>
+      </a:schemeClr>
+    </dgm:fillClrLst>
+    <dgm:linClrLst meth="repeat">
+      <a:schemeClr val="lt1"/>
+    </dgm:linClrLst>
+    <dgm:effectClrLst/>
+    <dgm:txLinClrLst/>
+    <dgm:txFillClrLst/>
+    <dgm:txEffectClrLst/>
+  </dgm:styleLbl>
+  <dgm:styleLbl name="node2">
+    <dgm:fillClrLst meth="repeat">
+      <a:schemeClr val="accent1"/>
+    </dgm:fillClrLst>
+    <dgm:linClrLst meth="repeat">
+      <a:schemeClr val="lt1"/>
+    </dgm:linClrLst>
+    <dgm:effectClrLst/>
+    <dgm:txLinClrLst/>
+    <dgm:txFillClrLst/>
+    <dgm:txEffectClrLst/>
+  </dgm:styleLbl>
+  <dgm:styleLbl name="node3">
+    <dgm:fillClrLst meth="repeat">
+      <a:schemeClr val="accent1"/>
+    </dgm:fillClrLst>
+    <dgm:linClrLst meth="repeat">
+      <a:schemeClr val="lt1"/>
+    </dgm:linClrLst>
+    <dgm:effectClrLst/>
+    <dgm:txLinClrLst/>
+    <dgm:txFillClrLst/>
+    <dgm:txEffectClrLst/>
+  </dgm:styleLbl>
+  <dgm:styleLbl name="node4">
+    <dgm:fillClrLst meth="repeat">
+      <a:schemeClr val="accent1"/>
+    </dgm:fillClrLst>
+    <dgm:linClrLst meth="repeat">
+      <a:schemeClr val="lt1"/>
+    </dgm:linClrLst>
+    <dgm:effectClrLst/>
+    <dgm:txLinClrLst/>
+    <dgm:txFillClrLst/>
+    <dgm:txEffectClrLst/>
+  </dgm:styleLbl>
+  <dgm:styleLbl name="fgImgPlace1">
+    <dgm:fillClrLst meth="repeat">
+      <a:schemeClr val="accent1">
+        <a:tint val="50000"/>
+      </a:schemeClr>
+    </dgm:fillClrLst>
+    <dgm:linClrLst meth="repeat">
+      <a:schemeClr val="lt1"/>
+    </dgm:linClrLst>
+    <dgm:effectClrLst/>
+    <dgm:txLinClrLst/>
+    <dgm:txFillClrLst meth="repeat">
+      <a:schemeClr val="lt1"/>
+    </dgm:txFillClrLst>
+    <dgm:txEffectClrLst/>
+  </dgm:styleLbl>
+  <dgm:styleLbl name="alignImgPlace1">
+    <dgm:fillClrLst meth="repeat">
+      <a:schemeClr val="accent1">
+        <a:tint val="50000"/>
+      </a:schemeClr>
+    </dgm:fillClrLst>
+    <dgm:linClrLst meth="repeat">
+      <a:schemeClr val="lt1"/>
+    </dgm:linClrLst>
+    <dgm:effectClrLst/>
+    <dgm:txLinClrLst/>
+    <dgm:txFillClrLst meth="repeat">
+      <a:schemeClr val="lt1"/>
+    </dgm:txFillClrLst>
+    <dgm:txEffectClrLst/>
+  </dgm:styleLbl>
+  <dgm:styleLbl name="bgImgPlace1">
+    <dgm:fillClrLst meth="repeat">
+      <a:schemeClr val="accent1">
+        <a:tint val="50000"/>
+      </a:schemeClr>
+    </dgm:fillClrLst>
+    <dgm:linClrLst meth="repeat">
+      <a:schemeClr val="lt1"/>
+    </dgm:linClrLst>
+    <dgm:effectClrLst/>
+    <dgm:txLinClrLst/>
+    <dgm:txFillClrLst meth="repeat">
+      <a:schemeClr val="lt1"/>
+    </dgm:txFillClrLst>
+    <dgm:txEffectClrLst/>
+  </dgm:styleLbl>
+  <dgm:styleLbl name="sibTrans2D1">
+    <dgm:fillClrLst meth="repeat">
+      <a:schemeClr val="accent1">
+        <a:tint val="60000"/>
+      </a:schemeClr>
+    </dgm:fillClrLst>
+    <dgm:linClrLst meth="repeat">
+      <a:schemeClr val="accent1">
+        <a:tint val="60000"/>
+      </a:schemeClr>
+    </dgm:linClrLst>
+    <dgm:effectClrLst/>
+    <dgm:txLinClrLst/>
+    <dgm:txFillClrLst/>
+    <dgm:txEffectClrLst/>
+  </dgm:styleLbl>
+  <dgm:styleLbl name="fgSibTrans2D1">
+    <dgm:fillClrLst meth="repeat">
+      <a:schemeClr val="accent1">
+        <a:tint val="60000"/>
+      </a:schemeClr>
+    </dgm:fillClrLst>
+    <dgm:linClrLst meth="repeat">
+      <a:schemeClr val="accent1">
+        <a:tint val="60000"/>
+      </a:schemeClr>
+    </dgm:linClrLst>
+    <dgm:effectClrLst/>
+    <dgm:txLinClrLst/>
+    <dgm:txFillClrLst/>
+    <dgm:txEffectClrLst/>
+  </dgm:styleLbl>
+  <dgm:styleLbl name="bgSibTrans2D1">
+    <dgm:fillClrLst meth="repeat">
+      <a:schemeClr val="accent1">
+        <a:tint val="60000"/>
+      </a:schemeClr>
+    </dgm:fillClrLst>
+    <dgm:linClrLst meth="repeat">
+      <a:schemeClr val="accent1">
+        <a:tint val="60000"/>
+      </a:schemeClr>
+    </dgm:linClrLst>
+    <dgm:effectClrLst/>
+    <dgm:txLinClrLst/>
+    <dgm:txFillClrLst/>
+    <dgm:txEffectClrLst/>
+  </dgm:styleLbl>
+  <dgm:styleLbl name="sibTrans1D1">
+    <dgm:fillClrLst meth="repeat">
+      <a:schemeClr val="accent1"/>
+    </dgm:fillClrLst>
+    <dgm:linClrLst meth="repeat">
+      <a:schemeClr val="accent1"/>
+    </dgm:linClrLst>
+    <dgm:effectClrLst/>
+    <dgm:txLinClrLst/>
+    <dgm:txFillClrLst meth="repeat">
+      <a:schemeClr val="tx1"/>
+    </dgm:txFillClrLst>
+    <dgm:txEffectClrLst/>
+  </dgm:styleLbl>
+  <dgm:styleLbl name="callout">
+    <dgm:fillClrLst meth="repeat">
+      <a:schemeClr val="accent1"/>
+    </dgm:fillClrLst>
+    <dgm:linClrLst meth="repeat">
+      <a:schemeClr val="accent1">
+        <a:tint val="50000"/>
+      </a:schemeClr>
+    </dgm:linClrLst>
+    <dgm:effectClrLst/>
+    <dgm:txLinClrLst/>
+    <dgm:txFillClrLst meth="repeat">
+      <a:schemeClr val="tx1"/>
+    </dgm:txFillClrLst>
+    <dgm:txEffectClrLst/>
+  </dgm:styleLbl>
+  <dgm:styleLbl name="asst0">
+    <dgm:fillClrLst meth="repeat">
+      <a:schemeClr val="accent1"/>
+    </dgm:fillClrLst>
+    <dgm:linClrLst meth="repeat">
+      <a:schemeClr val="lt1"/>
+    </dgm:linClrLst>
+    <dgm:effectClrLst/>
+    <dgm:txLinClrLst/>
+    <dgm:txFillClrLst/>
+    <dgm:txEffectClrLst/>
+  </dgm:styleLbl>
+  <dgm:styleLbl name="asst1">
+    <dgm:fillClrLst meth="repeat">
+      <a:schemeClr val="accent1"/>
+    </dgm:fillClrLst>
+    <dgm:linClrLst meth="repeat">
+      <a:schemeClr val="lt1"/>
+    </dgm:linClrLst>
+    <dgm:effectClrLst/>
+    <dgm:txLinClrLst/>
+    <dgm:txFillClrLst/>
+    <dgm:txEffectClrLst/>
+  </dgm:styleLbl>
+  <dgm:styleLbl name="asst2">
+    <dgm:fillClrLst meth="repeat">
+      <a:schemeClr val="accent1"/>
+    </dgm:fillClrLst>
+    <dgm:linClrLst meth="repeat">
+      <a:schemeClr val="lt1"/>
+    </dgm:linClrLst>
+    <dgm:effectClrLst/>
+    <dgm:txLinClrLst/>
+    <dgm:txFillClrLst/>
+    <dgm:txEffectClrLst/>
+  </dgm:styleLbl>
+  <dgm:styleLbl name="asst3">
+    <dgm:fillClrLst meth="repeat">
+      <a:schemeClr val="accent1"/>
+    </dgm:fillClrLst>
+    <dgm:linClrLst meth="repeat">
+      <a:schemeClr val="lt1"/>
+    </dgm:linClrLst>
+    <dgm:effectClrLst/>
+    <dgm:txLinClrLst/>
+    <dgm:txFillClrLst/>
+    <dgm:txEffectClrLst/>
+  </dgm:styleLbl>
+  <dgm:styleLbl name="asst4">
+    <dgm:fillClrLst meth="repeat">
+      <a:schemeClr val="accent1"/>
+    </dgm:fillClrLst>
+    <dgm:linClrLst meth="repeat">
+      <a:schemeClr val="lt1"/>
+    </dgm:linClrLst>
+    <dgm:effectClrLst/>
+    <dgm:txLinClrLst/>
+    <dgm:txFillClrLst/>
+    <dgm:txEffectClrLst/>
+  </dgm:styleLbl>
+  <dgm:styleLbl name="parChTrans2D1">
+    <dgm:fillClrLst meth="repeat">
+      <a:schemeClr val="accent1">
+        <a:tint val="60000"/>
+      </a:schemeClr>
+    </dgm:fillClrLst>
+    <dgm:linClrLst meth="repeat">
+      <a:schemeClr val="accent1">
+        <a:tint val="60000"/>
+      </a:schemeClr>
+    </dgm:linClrLst>
+    <dgm:effectClrLst/>
+    <dgm:txLinClrLst/>
+    <dgm:txFillClrLst meth="repeat">
+      <a:schemeClr val="lt1"/>
+    </dgm:txFillClrLst>
+    <dgm:txEffectClrLst/>
+  </dgm:styleLbl>
+  <dgm:styleLbl name="parChTrans2D2">
+    <dgm:fillClrLst meth="repeat">
+      <a:schemeClr val="accent1"/>
+    </dgm:fillClrLst>
+    <dgm:linClrLst meth="repeat">
+      <a:schemeClr val="accent1"/>
+    </dgm:linClrLst>
+    <dgm:effectClrLst/>
+    <dgm:txLinClrLst/>
+    <dgm:txFillClrLst meth="repeat">
+      <a:schemeClr val="lt1"/>
+    </dgm:txFillClrLst>
+    <dgm:txEffectClrLst/>
+  </dgm:styleLbl>
+  <dgm:styleLbl name="parChTrans2D3">
+    <dgm:fillClrLst meth="repeat">
+      <a:schemeClr val="accent1"/>
+    </dgm:fillClrLst>
+    <dgm:linClrLst meth="repeat">
+      <a:schemeClr val="accent1"/>
+    </dgm:linClrLst>
+    <dgm:effectClrLst/>
+    <dgm:txLinClrLst/>
+    <dgm:txFillClrLst meth="repeat">
+      <a:schemeClr val="lt1"/>
+    </dgm:txFillClrLst>
+    <dgm:txEffectClrLst/>
+  </dgm:styleLbl>
+  <dgm:styleLbl name="parChTrans2D4">
+    <dgm:fillClrLst meth="repeat">
+      <a:schemeClr val="accent1"/>
+    </dgm:fillClrLst>
+    <dgm:linClrLst meth="repeat">
+      <a:schemeClr val="accent1"/>
+    </dgm:linClrLst>
+    <dgm:effectClrLst/>
+    <dgm:txLinClrLst/>
+    <dgm:txFillClrLst meth="repeat">
+      <a:schemeClr val="lt1"/>
+    </dgm:txFillClrLst>
+    <dgm:txEffectClrLst/>
+  </dgm:styleLbl>
+  <dgm:styleLbl name="parChTrans1D1">
+    <dgm:fillClrLst meth="repeat">
+      <a:schemeClr val="accent1"/>
+    </dgm:fillClrLst>
+    <dgm:linClrLst meth="repeat">
+      <a:schemeClr val="accent1">
+        <a:shade val="60000"/>
+      </a:schemeClr>
+    </dgm:linClrLst>
+    <dgm:effectClrLst/>
+    <dgm:txLinClrLst/>
+    <dgm:txFillClrLst meth="repeat">
+      <a:schemeClr val="tx1"/>
+    </dgm:txFillClrLst>
+    <dgm:txEffectClrLst/>
+  </dgm:styleLbl>
+  <dgm:styleLbl name="parChTrans1D2">
+    <dgm:fillClrLst meth="repeat">
+      <a:schemeClr val="accent1"/>
+    </dgm:fillClrLst>
+    <dgm:linClrLst meth="repeat">
+      <a:schemeClr val="accent1">
+        <a:shade val="60000"/>
+      </a:schemeClr>
+    </dgm:linClrLst>
+    <dgm:effectClrLst/>
+    <dgm:txLinClrLst/>
+    <dgm:txFillClrLst meth="repeat">
+      <a:schemeClr val="tx1"/>
+    </dgm:txFillClrLst>
+    <dgm:txEffectClrLst/>
+  </dgm:styleLbl>
+  <dgm:styleLbl name="parChTrans1D3">
+    <dgm:fillClrLst meth="repeat">
+      <a:schemeClr val="accent1"/>
+    </dgm:fillClrLst>
+    <dgm:linClrLst meth="repeat">
+      <a:schemeClr val="accent1">
+        <a:shade val="80000"/>
+      </a:schemeClr>
+    </dgm:linClrLst>
+    <dgm:effectClrLst/>
+    <dgm:txLinClrLst/>
+    <dgm:txFillClrLst meth="repeat">
+      <a:schemeClr val="tx1"/>
+    </dgm:txFillClrLst>
+    <dgm:txEffectClrLst/>
+  </dgm:styleLbl>
+  <dgm:styleLbl name="parChTrans1D4">
+    <dgm:fillClrLst meth="repeat">
+      <a:schemeClr val="accent1"/>
+    </dgm:fillClrLst>
+    <dgm:linClrLst meth="repeat">
+      <a:schemeClr val="accent1">
+        <a:shade val="80000"/>
+      </a:schemeClr>
+    </dgm:linClrLst>
+    <dgm:effectClrLst/>
+    <dgm:txLinClrLst/>
+    <dgm:txFillClrLst meth="repeat">
+      <a:schemeClr val="tx1"/>
+    </dgm:txFillClrLst>
+    <dgm:txEffectClrLst/>
+  </dgm:styleLbl>
+  <dgm:styleLbl name="fgAcc1">
+    <dgm:fillClrLst meth="repeat">
+      <a:schemeClr val="lt1">
+        <a:alpha val="90000"/>
+      </a:schemeClr>
+    </dgm:fillClrLst>
+    <dgm:linClrLst meth="repeat">
+      <a:schemeClr val="accent1"/>
+    </dgm:linClrLst>
+    <dgm:effectClrLst/>
+    <dgm:txLinClrLst/>
+    <dgm:txFillClrLst meth="repeat">
+      <a:schemeClr val="dk1"/>
+    </dgm:txFillClrLst>
+    <dgm:txEffectClrLst/>
+  </dgm:styleLbl>
+  <dgm:styleLbl name="conFgAcc1">
+    <dgm:fillClrLst meth="repeat">
+      <a:schemeClr val="lt1">
+        <a:alpha val="90000"/>
+      </a:schemeClr>
+    </dgm:fillClrLst>
+    <dgm:linClrLst meth="repeat">
+      <a:schemeClr val="accent1"/>
+    </dgm:linClrLst>
+    <dgm:effectClrLst/>
+    <dgm:txLinClrLst/>
+    <dgm:txFillClrLst meth="repeat">
+      <a:schemeClr val="dk1"/>
+    </dgm:txFillClrLst>
+    <dgm:txEffectClrLst/>
+  </dgm:styleLbl>
+  <dgm:styleLbl name="alignAcc1">
+    <dgm:fillClrLst meth="repeat">
+      <a:schemeClr val="lt1">
+        <a:alpha val="90000"/>
+      </a:schemeClr>
+    </dgm:fillClrLst>
+    <dgm:linClrLst meth="repeat">
+      <a:schemeClr val="accent1"/>
+    </dgm:linClrLst>
+    <dgm:effectClrLst/>
+    <dgm:txLinClrLst/>
+    <dgm:txFillClrLst meth="repeat">
+      <a:schemeClr val="dk1"/>
+    </dgm:txFillClrLst>
+    <dgm:txEffectClrLst/>
+  </dgm:styleLbl>
+  <dgm:styleLbl name="trAlignAcc1">
+    <dgm:fillClrLst meth="repeat">
+      <a:schemeClr val="lt1">
+        <a:alpha val="40000"/>
+      </a:schemeClr>
+    </dgm:fillClrLst>
+    <dgm:linClrLst meth="repeat">
+      <a:schemeClr val="accent1"/>
+    </dgm:linClrLst>
+    <dgm:effectClrLst/>
+    <dgm:txLinClrLst/>
+    <dgm:txFillClrLst meth="repeat">
+      <a:schemeClr val="dk1"/>
+    </dgm:txFillClrLst>
+    <dgm:txEffectClrLst/>
+  </dgm:styleLbl>
+  <dgm:styleLbl name="bgAcc1">
+    <dgm:fillClrLst meth="repeat">
+      <a:schemeClr val="lt1">
+        <a:alpha val="90000"/>
+      </a:schemeClr>
+    </dgm:fillClrLst>
+    <dgm:linClrLst meth="repeat">
+      <a:schemeClr val="accent1"/>
+    </dgm:linClrLst>
+    <dgm:effectClrLst/>
+    <dgm:txLinClrLst/>
+    <dgm:txFillClrLst meth="repeat">
+      <a:schemeClr val="dk1"/>
+    </dgm:txFillClrLst>
+    <dgm:txEffectClrLst/>
+  </dgm:styleLbl>
+  <dgm:styleLbl name="solidFgAcc1">
+    <dgm:fillClrLst meth="repeat">
+      <a:schemeClr val="lt1"/>
+    </dgm:fillClrLst>
+    <dgm:linClrLst meth="repeat">
+      <a:schemeClr val="accent1"/>
+    </dgm:linClrLst>
+    <dgm:effectClrLst/>
+    <dgm:txLinClrLst/>
+    <dgm:txFillClrLst meth="repeat">
+      <a:schemeClr val="dk1"/>
+    </dgm:txFillClrLst>
+    <dgm:txEffectClrLst/>
+  </dgm:styleLbl>
+  <dgm:styleLbl name="solidAlignAcc1">
+    <dgm:fillClrLst meth="repeat">
+      <a:schemeClr val="lt1"/>
+    </dgm:fillClrLst>
+    <dgm:linClrLst meth="repeat">
+      <a:schemeClr val="accent1"/>
+    </dgm:linClrLst>
+    <dgm:effectClrLst/>
+    <dgm:txLinClrLst/>
+    <dgm:txFillClrLst meth="repeat">
+      <a:schemeClr val="dk1"/>
+    </dgm:txFillClrLst>
+    <dgm:txEffectClrLst/>
+  </dgm:styleLbl>
+  <dgm:styleLbl name="solidBgAcc1">
+    <dgm:fillClrLst meth="repeat">
+      <a:schemeClr val="lt1"/>
+    </dgm:fillClrLst>
+    <dgm:linClrLst meth="repeat">
+      <a:schemeClr val="accent1"/>
+    </dgm:linClrLst>
+    <dgm:effectClrLst/>
+    <dgm:txLinClrLst/>
+    <dgm:txFillClrLst meth="repeat">
+      <a:schemeClr val="dk1"/>
+    </dgm:txFillClrLst>
+    <dgm:txEffectClrLst/>
+  </dgm:styleLbl>
+  <dgm:styleLbl name="fgAccFollowNode1">
+    <dgm:fillClrLst meth="repeat">
+      <a:schemeClr val="accent1">
+        <a:alpha val="90000"/>
+        <a:tint val="40000"/>
+      </a:schemeClr>
+    </dgm:fillClrLst>
+    <dgm:linClrLst meth="repeat">
+      <a:schemeClr val="accent1">
+        <a:alpha val="90000"/>
+        <a:tint val="40000"/>
+      </a:schemeClr>
+    </dgm:linClrLst>
+    <dgm:effectClrLst/>
+    <dgm:txLinClrLst/>
+    <dgm:txFillClrLst meth="repeat">
+      <a:schemeClr val="dk1"/>
+    </dgm:txFillClrLst>
+    <dgm:txEffectClrLst/>
+  </dgm:styleLbl>
+  <dgm:styleLbl name="alignAccFollowNode1">
+    <dgm:fillClrLst meth="repeat">
+      <a:schemeClr val="accent1">
+        <a:alpha val="90000"/>
+        <a:tint val="40000"/>
+      </a:schemeClr>
+    </dgm:fillClrLst>
+    <dgm:linClrLst meth="repeat">
+      <a:schemeClr val="accent1">
+        <a:alpha val="90000"/>
+        <a:tint val="40000"/>
+      </a:schemeClr>
+    </dgm:linClrLst>
+    <dgm:effectClrLst/>
+    <dgm:txLinClrLst/>
+    <dgm:txFillClrLst meth="repeat">
+      <a:schemeClr val="dk1"/>
+    </dgm:txFillClrLst>
+    <dgm:txEffectClrLst/>
+  </dgm:styleLbl>
+  <dgm:styleLbl name="bgAccFollowNode1">
+    <dgm:fillClrLst meth="repeat">
+      <a:schemeClr val="accent1">
+        <a:alpha val="90000"/>
+        <a:tint val="40000"/>
+      </a:schemeClr>
+    </dgm:fillClrLst>
+    <dgm:linClrLst meth="repeat">
+      <a:schemeClr val="accent1">
+        <a:alpha val="90000"/>
+        <a:tint val="40000"/>
+      </a:schemeClr>
+    </dgm:linClrLst>
+    <dgm:effectClrLst/>
+    <dgm:txLinClrLst/>
+    <dgm:txFillClrLst meth="repeat">
+      <a:schemeClr val="dk1"/>
+    </dgm:txFillClrLst>
+    <dgm:txEffectClrLst/>
+  </dgm:styleLbl>
+  <dgm:styleLbl name="fgAcc0">
+    <dgm:fillClrLst meth="repeat">
+      <a:schemeClr val="lt1">
+        <a:alpha val="90000"/>
+      </a:schemeClr>
+    </dgm:fillClrLst>
+    <dgm:linClrLst meth="repeat">
+      <a:schemeClr val="accent1"/>
+    </dgm:linClrLst>
+    <dgm:effectClrLst/>
+    <dgm:txLinClrLst/>
+    <dgm:txFillClrLst meth="repeat">
+      <a:schemeClr val="dk1"/>
+    </dgm:txFillClrLst>
+    <dgm:txEffectClrLst/>
+  </dgm:styleLbl>
+  <dgm:styleLbl name="fgAcc2">
+    <dgm:fillClrLst meth="repeat">
+      <a:schemeClr val="lt1">
+        <a:alpha val="90000"/>
+      </a:schemeClr>
+    </dgm:fillClrLst>
+    <dgm:linClrLst meth="repeat">
+      <a:schemeClr val="accent1"/>
+    </dgm:linClrLst>
+    <dgm:effectClrLst/>
+    <dgm:txLinClrLst/>
+    <dgm:txFillClrLst meth="repeat">
+      <a:schemeClr val="dk1"/>
+    </dgm:txFillClrLst>
+    <dgm:txEffectClrLst/>
+  </dgm:styleLbl>
+  <dgm:styleLbl name="fgAcc3">
+    <dgm:fillClrLst meth="repeat">
+      <a:schemeClr val="lt1">
+        <a:alpha val="90000"/>
+      </a:schemeClr>
+    </dgm:fillClrLst>
+    <dgm:linClrLst meth="repeat">
+      <a:schemeClr val="accent1"/>
+    </dgm:linClrLst>
+    <dgm:effectClrLst/>
+    <dgm:txLinClrLst/>
+    <dgm:txFillClrLst meth="repeat">
+      <a:schemeClr val="dk1"/>
+    </dgm:txFillClrLst>
+    <dgm:txEffectClrLst/>
+  </dgm:styleLbl>
+  <dgm:styleLbl name="fgAcc4">
+    <dgm:fillClrLst meth="repeat">
+      <a:schemeClr val="lt1">
+        <a:alpha val="90000"/>
+      </a:schemeClr>
+    </dgm:fillClrLst>
+    <dgm:linClrLst meth="repeat">
+      <a:schemeClr val="accent1"/>
+    </dgm:linClrLst>
+    <dgm:effectClrLst/>
+    <dgm:txLinClrLst/>
+    <dgm:txFillClrLst meth="repeat">
+      <a:schemeClr val="dk1"/>
+    </dgm:txFillClrLst>
+    <dgm:txEffectClrLst/>
+  </dgm:styleLbl>
+  <dgm:styleLbl name="bgShp">
+    <dgm:fillClrLst meth="repeat">
+      <a:schemeClr val="accent1">
+        <a:tint val="40000"/>
+      </a:schemeClr>
+    </dgm:fillClrLst>
+    <dgm:linClrLst meth="repeat">
+      <a:schemeClr val="accent1"/>
+    </dgm:linClrLst>
+    <dgm:effectClrLst/>
+    <dgm:txLinClrLst/>
+    <dgm:txFillClrLst meth="repeat">
+      <a:schemeClr val="dk1"/>
+    </dgm:txFillClrLst>
+    <dgm:txEffectClrLst/>
+  </dgm:styleLbl>
+  <dgm:styleLbl name="dkBgShp">
+    <dgm:fillClrLst meth="repeat">
+      <a:schemeClr val="accent1">
+        <a:shade val="80000"/>
+      </a:schemeClr>
+    </dgm:fillClrLst>
+    <dgm:linClrLst meth="repeat">
+      <a:schemeClr val="accent1"/>
+    </dgm:linClrLst>
+    <dgm:effectClrLst/>
+    <dgm:txLinClrLst/>
+    <dgm:txFillClrLst meth="repeat">
+      <a:schemeClr val="lt1"/>
+    </dgm:txFillClrLst>
+    <dgm:txEffectClrLst/>
+  </dgm:styleLbl>
+  <dgm:styleLbl name="trBgShp">
+    <dgm:fillClrLst meth="repeat">
+      <a:schemeClr val="accent1">
+        <a:tint val="50000"/>
+        <a:alpha val="40000"/>
+      </a:schemeClr>
+    </dgm:fillClrLst>
+    <dgm:linClrLst meth="repeat">
+      <a:schemeClr val="accent1"/>
+    </dgm:linClrLst>
+    <dgm:effectClrLst/>
+    <dgm:txLinClrLst/>
+    <dgm:txFillClrLst meth="repeat">
+      <a:schemeClr val="lt1"/>
+    </dgm:txFillClrLst>
+    <dgm:txEffectClrLst/>
+  </dgm:styleLbl>
+  <dgm:styleLbl name="fgShp">
+    <dgm:fillClrLst meth="repeat">
+      <a:schemeClr val="accent1">
+        <a:tint val="60000"/>
+      </a:schemeClr>
+    </dgm:fillClrLst>
+    <dgm:linClrLst meth="repeat">
+      <a:schemeClr val="lt1"/>
+    </dgm:linClrLst>
+    <dgm:effectClrLst/>
+    <dgm:txLinClrLst/>
+    <dgm:txFillClrLst meth="repeat">
+      <a:schemeClr val="dk1"/>
+    </dgm:txFillClrLst>
+    <dgm:txEffectClrLst/>
+  </dgm:styleLbl>
+  <dgm:styleLbl name="revTx">
+    <dgm:fillClrLst meth="repeat">
+      <a:schemeClr val="lt1">
+        <a:alpha val="0"/>
+      </a:schemeClr>
+    </dgm:fillClrLst>
+    <dgm:linClrLst meth="repeat">
+      <a:schemeClr val="dk1">
+        <a:alpha val="0"/>
+      </a:schemeClr>
+    </dgm:linClrLst>
+    <dgm:effectClrLst/>
+    <dgm:txLinClrLst/>
+    <dgm:txFillClrLst meth="repeat">
+      <a:schemeClr val="tx1"/>
+    </dgm:txFillClrLst>
+    <dgm:txEffectClrLst/>
+  </dgm:styleLbl>
+</dgm:colorsDef>
+</file>
+
+<file path=ppt/diagrams/data1.xml><?xml version="1.0" encoding="utf-8"?>
+<dgm:dataModel xmlns:dgm="http://schemas.openxmlformats.org/drawingml/2006/diagram" xmlns:a="http://schemas.openxmlformats.org/drawingml/2006/main">
+  <dgm:ptLst>
+    <dgm:pt modelId="{B553F24F-5771-42C5-8C0C-830472185243}" type="doc">
+      <dgm:prSet loTypeId="urn:microsoft.com/office/officeart/2005/8/layout/hList1" loCatId="list" qsTypeId="urn:microsoft.com/office/officeart/2005/8/quickstyle/simple4" qsCatId="simple" csTypeId="urn:microsoft.com/office/officeart/2005/8/colors/accent1_2" csCatId="accent1" phldr="1"/>
+      <dgm:spPr/>
+      <dgm:t>
+        <a:bodyPr/>
+        <a:lstStyle/>
+        <a:p>
+          <a:endParaRPr lang="en-US"/>
+        </a:p>
+      </dgm:t>
+    </dgm:pt>
+    <dgm:pt modelId="{E7BCF1D7-5919-4267-8CDB-9D45BC217A9A}">
+      <dgm:prSet phldrT="[Text]"/>
+      <dgm:spPr/>
+      <dgm:t>
+        <a:bodyPr/>
+        <a:lstStyle/>
+        <a:p>
+          <a:r>
+            <a:rPr lang="en-US" dirty="0" smtClean="0"/>
+            <a:t>Poll</a:t>
+          </a:r>
+          <a:endParaRPr lang="en-US" dirty="0"/>
+        </a:p>
+      </dgm:t>
+    </dgm:pt>
+    <dgm:pt modelId="{50B3FCAD-243B-4640-99AF-57CEDE6F7CDD}" type="parTrans" cxnId="{503C96AA-56B9-465D-9954-CA1DEC18391D}">
+      <dgm:prSet/>
+      <dgm:spPr/>
+      <dgm:t>
+        <a:bodyPr/>
+        <a:lstStyle/>
+        <a:p>
+          <a:endParaRPr lang="en-US"/>
+        </a:p>
+      </dgm:t>
+    </dgm:pt>
+    <dgm:pt modelId="{34E7AB95-5297-4B5B-8B15-C739EB18E8CB}" type="sibTrans" cxnId="{503C96AA-56B9-465D-9954-CA1DEC18391D}">
+      <dgm:prSet/>
+      <dgm:spPr/>
+      <dgm:t>
+        <a:bodyPr/>
+        <a:lstStyle/>
+        <a:p>
+          <a:endParaRPr lang="en-US"/>
+        </a:p>
+      </dgm:t>
+    </dgm:pt>
+    <dgm:pt modelId="{E299E7D4-A885-49A4-BC20-03CDFC18D4EF}">
+      <dgm:prSet phldrT="[Text]"/>
+      <dgm:spPr/>
+      <dgm:t>
+        <a:bodyPr/>
+        <a:lstStyle/>
+        <a:p>
+          <a:pPr>
+            <a:lnSpc>
+              <a:spcPct val="114000"/>
+            </a:lnSpc>
+          </a:pPr>
+          <a:r>
+            <a:rPr lang="en-US" dirty="0" smtClean="0"/>
+            <a:t>ANU Facebook</a:t>
+          </a:r>
+          <a:endParaRPr lang="en-US" dirty="0"/>
+        </a:p>
+      </dgm:t>
+    </dgm:pt>
+    <dgm:pt modelId="{459B9591-AF8E-46CA-B509-58E80964CDC4}" type="parTrans" cxnId="{EF7E8A15-4C06-4950-B969-6D6B86D840B6}">
+      <dgm:prSet/>
+      <dgm:spPr/>
+      <dgm:t>
+        <a:bodyPr/>
+        <a:lstStyle/>
+        <a:p>
+          <a:endParaRPr lang="en-US"/>
+        </a:p>
+      </dgm:t>
+    </dgm:pt>
+    <dgm:pt modelId="{F6B2C977-B4AD-4A55-B48D-616622D8C7A8}" type="sibTrans" cxnId="{EF7E8A15-4C06-4950-B969-6D6B86D840B6}">
+      <dgm:prSet/>
+      <dgm:spPr/>
+      <dgm:t>
+        <a:bodyPr/>
+        <a:lstStyle/>
+        <a:p>
+          <a:endParaRPr lang="en-US"/>
+        </a:p>
+      </dgm:t>
+    </dgm:pt>
+    <dgm:pt modelId="{91E4A154-1AC5-4E89-A5FF-2BA1FBB46F0B}">
+      <dgm:prSet phldrT="[Text]"/>
+      <dgm:spPr/>
+      <dgm:t>
+        <a:bodyPr/>
+        <a:lstStyle/>
+        <a:p>
+          <a:r>
+            <a:rPr lang="en-US" dirty="0" smtClean="0"/>
+            <a:t>Survey</a:t>
+          </a:r>
+          <a:endParaRPr lang="en-US" dirty="0"/>
+        </a:p>
+      </dgm:t>
+    </dgm:pt>
+    <dgm:pt modelId="{85218045-4F6A-4C34-A42E-46F2765AE988}" type="parTrans" cxnId="{EF35CEDA-82F5-47A3-867F-FED5FC772F83}">
+      <dgm:prSet/>
+      <dgm:spPr/>
+      <dgm:t>
+        <a:bodyPr/>
+        <a:lstStyle/>
+        <a:p>
+          <a:endParaRPr lang="en-US"/>
+        </a:p>
+      </dgm:t>
+    </dgm:pt>
+    <dgm:pt modelId="{2C6E0207-4AC5-49A9-A14C-AFCF09EDDA8B}" type="sibTrans" cxnId="{EF35CEDA-82F5-47A3-867F-FED5FC772F83}">
+      <dgm:prSet/>
+      <dgm:spPr/>
+      <dgm:t>
+        <a:bodyPr/>
+        <a:lstStyle/>
+        <a:p>
+          <a:endParaRPr lang="en-US"/>
+        </a:p>
+      </dgm:t>
+    </dgm:pt>
+    <dgm:pt modelId="{51AEC496-8627-466F-87E3-FE82C2C4503D}">
+      <dgm:prSet phldrT="[Text]"/>
+      <dgm:spPr/>
+      <dgm:t>
+        <a:bodyPr/>
+        <a:lstStyle/>
+        <a:p>
+          <a:pPr>
+            <a:lnSpc>
+              <a:spcPct val="114000"/>
+            </a:lnSpc>
+          </a:pPr>
+          <a:r>
+            <a:rPr lang="en-US" dirty="0" smtClean="0"/>
+            <a:t>ANU Facebook</a:t>
+          </a:r>
+          <a:endParaRPr lang="en-US" dirty="0"/>
+        </a:p>
+      </dgm:t>
+    </dgm:pt>
+    <dgm:pt modelId="{E3854CBD-659F-4607-B9FB-89D7C554707F}" type="parTrans" cxnId="{073DEA32-353E-4CF3-B53A-4BF24BDF001B}">
+      <dgm:prSet/>
+      <dgm:spPr/>
+      <dgm:t>
+        <a:bodyPr/>
+        <a:lstStyle/>
+        <a:p>
+          <a:endParaRPr lang="en-US"/>
+        </a:p>
+      </dgm:t>
+    </dgm:pt>
+    <dgm:pt modelId="{5D885E7A-161F-49BB-990E-59C3886A7320}" type="sibTrans" cxnId="{073DEA32-353E-4CF3-B53A-4BF24BDF001B}">
+      <dgm:prSet/>
+      <dgm:spPr/>
+      <dgm:t>
+        <a:bodyPr/>
+        <a:lstStyle/>
+        <a:p>
+          <a:endParaRPr lang="en-US"/>
+        </a:p>
+      </dgm:t>
+    </dgm:pt>
+    <dgm:pt modelId="{386BB72C-8E01-465D-B095-FE2A85B32949}">
+      <dgm:prSet phldrT="[Text]"/>
+      <dgm:spPr/>
+      <dgm:t>
+        <a:bodyPr/>
+        <a:lstStyle/>
+        <a:p>
+          <a:r>
+            <a:rPr lang="en-US" dirty="0" smtClean="0"/>
+            <a:t>Interview</a:t>
+          </a:r>
+          <a:endParaRPr lang="en-US" dirty="0"/>
+        </a:p>
+      </dgm:t>
+    </dgm:pt>
+    <dgm:pt modelId="{64C74B00-32CE-4B68-B00C-DCD90C204496}" type="parTrans" cxnId="{4DBA3270-B8DE-4B8E-9DD4-614117672ED8}">
+      <dgm:prSet/>
+      <dgm:spPr/>
+      <dgm:t>
+        <a:bodyPr/>
+        <a:lstStyle/>
+        <a:p>
+          <a:endParaRPr lang="en-US"/>
+        </a:p>
+      </dgm:t>
+    </dgm:pt>
+    <dgm:pt modelId="{2A534369-D44A-438D-ABA2-2BEA6A741D1E}" type="sibTrans" cxnId="{4DBA3270-B8DE-4B8E-9DD4-614117672ED8}">
+      <dgm:prSet/>
+      <dgm:spPr/>
+      <dgm:t>
+        <a:bodyPr/>
+        <a:lstStyle/>
+        <a:p>
+          <a:endParaRPr lang="en-US"/>
+        </a:p>
+      </dgm:t>
+    </dgm:pt>
+    <dgm:pt modelId="{74BE64DC-B28F-4F73-B164-2DBB45789BC5}">
+      <dgm:prSet phldrT="[Text]"/>
+      <dgm:spPr/>
+      <dgm:t>
+        <a:bodyPr/>
+        <a:lstStyle/>
+        <a:p>
+          <a:pPr>
+            <a:lnSpc>
+              <a:spcPct val="114000"/>
+            </a:lnSpc>
+          </a:pPr>
+          <a:r>
+            <a:rPr lang="en-US" dirty="0" smtClean="0"/>
+            <a:t>APO at </a:t>
+          </a:r>
+          <a:r>
+            <a:rPr lang="en-US" dirty="0" err="1" smtClean="0"/>
+            <a:t>Fenner</a:t>
+          </a:r>
+          <a:r>
+            <a:rPr lang="en-US" dirty="0" smtClean="0"/>
+            <a:t> Hall</a:t>
+          </a:r>
+          <a:endParaRPr lang="en-US" dirty="0"/>
+        </a:p>
+      </dgm:t>
+    </dgm:pt>
+    <dgm:pt modelId="{2BA237BA-8DDE-402F-A7CF-1E3BB2A34015}" type="parTrans" cxnId="{31E747A4-CCE6-44B4-832C-6D92F2596AD7}">
+      <dgm:prSet/>
+      <dgm:spPr/>
+      <dgm:t>
+        <a:bodyPr/>
+        <a:lstStyle/>
+        <a:p>
+          <a:endParaRPr lang="en-US"/>
+        </a:p>
+      </dgm:t>
+    </dgm:pt>
+    <dgm:pt modelId="{1F0C1C32-E747-4FFA-82AB-629BC93192D3}" type="sibTrans" cxnId="{31E747A4-CCE6-44B4-832C-6D92F2596AD7}">
+      <dgm:prSet/>
+      <dgm:spPr/>
+      <dgm:t>
+        <a:bodyPr/>
+        <a:lstStyle/>
+        <a:p>
+          <a:endParaRPr lang="en-US"/>
+        </a:p>
+      </dgm:t>
+    </dgm:pt>
+    <dgm:pt modelId="{9B1CD7DD-28A4-4EE8-B535-99AC1EF92659}">
+      <dgm:prSet phldrT="[Text]"/>
+      <dgm:spPr/>
+      <dgm:t>
+        <a:bodyPr/>
+        <a:lstStyle/>
+        <a:p>
+          <a:r>
+            <a:rPr lang="en-US" dirty="0" smtClean="0"/>
+            <a:t>Imitation Chatbot</a:t>
+          </a:r>
+          <a:endParaRPr lang="en-US" dirty="0"/>
+        </a:p>
+      </dgm:t>
+    </dgm:pt>
+    <dgm:pt modelId="{20BCB436-D669-47B2-BA12-F97B3C6F9CBD}" type="parTrans" cxnId="{B78267E8-1729-43A6-B1F6-5DE25B2161C0}">
+      <dgm:prSet/>
+      <dgm:spPr/>
+      <dgm:t>
+        <a:bodyPr/>
+        <a:lstStyle/>
+        <a:p>
+          <a:endParaRPr lang="en-US"/>
+        </a:p>
+      </dgm:t>
+    </dgm:pt>
+    <dgm:pt modelId="{48BFBFE0-176E-4728-85D6-773ADA3B0FEB}" type="sibTrans" cxnId="{B78267E8-1729-43A6-B1F6-5DE25B2161C0}">
+      <dgm:prSet/>
+      <dgm:spPr/>
+      <dgm:t>
+        <a:bodyPr/>
+        <a:lstStyle/>
+        <a:p>
+          <a:endParaRPr lang="en-US"/>
+        </a:p>
+      </dgm:t>
+    </dgm:pt>
+    <dgm:pt modelId="{04356CC5-77BD-4476-9BDC-E15F2B3441ED}">
+      <dgm:prSet phldrT="[Text]"/>
+      <dgm:spPr/>
+      <dgm:t>
+        <a:bodyPr/>
+        <a:lstStyle/>
+        <a:p>
+          <a:r>
+            <a:rPr lang="en-US" dirty="0" smtClean="0"/>
+            <a:t>Distributed Survey</a:t>
+          </a:r>
+          <a:endParaRPr lang="en-US" dirty="0"/>
+        </a:p>
+      </dgm:t>
+    </dgm:pt>
+    <dgm:pt modelId="{C89EC4CB-8FEA-4439-BAB0-D4FDFCCEFF02}" type="parTrans" cxnId="{5435268C-A590-4EF5-AD6A-A546E444F770}">
+      <dgm:prSet/>
+      <dgm:spPr/>
+      <dgm:t>
+        <a:bodyPr/>
+        <a:lstStyle/>
+        <a:p>
+          <a:endParaRPr lang="en-US"/>
+        </a:p>
+      </dgm:t>
+    </dgm:pt>
+    <dgm:pt modelId="{47A3F8B9-0BF9-4097-9D2A-A74E919F9F33}" type="sibTrans" cxnId="{5435268C-A590-4EF5-AD6A-A546E444F770}">
+      <dgm:prSet/>
+      <dgm:spPr/>
+      <dgm:t>
+        <a:bodyPr/>
+        <a:lstStyle/>
+        <a:p>
+          <a:endParaRPr lang="en-US"/>
+        </a:p>
+      </dgm:t>
+    </dgm:pt>
+    <dgm:pt modelId="{F6185E7D-1280-4DCE-BFC6-9FA2A49D54BF}">
+      <dgm:prSet phldrT="[Text]"/>
+      <dgm:spPr/>
+      <dgm:t>
+        <a:bodyPr/>
+        <a:lstStyle/>
+        <a:p>
+          <a:pPr>
+            <a:lnSpc>
+              <a:spcPct val="114000"/>
+            </a:lnSpc>
+          </a:pPr>
+          <a:r>
+            <a:rPr lang="en-US" dirty="0" smtClean="0"/>
+            <a:t>ANU Facebook</a:t>
+          </a:r>
+          <a:endParaRPr lang="en-US" dirty="0"/>
+        </a:p>
+      </dgm:t>
+    </dgm:pt>
+    <dgm:pt modelId="{2B42C72C-31B3-476E-8696-81C1D667A0E7}" type="parTrans" cxnId="{83537A97-3D9D-45AB-9B79-E25DCC9067A0}">
+      <dgm:prSet/>
+      <dgm:spPr/>
+      <dgm:t>
+        <a:bodyPr/>
+        <a:lstStyle/>
+        <a:p>
+          <a:endParaRPr lang="en-US"/>
+        </a:p>
+      </dgm:t>
+    </dgm:pt>
+    <dgm:pt modelId="{B9874F82-321D-4225-B5F5-4694BF15D4E3}" type="sibTrans" cxnId="{83537A97-3D9D-45AB-9B79-E25DCC9067A0}">
+      <dgm:prSet/>
+      <dgm:spPr/>
+      <dgm:t>
+        <a:bodyPr/>
+        <a:lstStyle/>
+        <a:p>
+          <a:endParaRPr lang="en-US"/>
+        </a:p>
+      </dgm:t>
+    </dgm:pt>
+    <dgm:pt modelId="{E24F98FE-2636-459A-8F65-5A5A1A99046A}">
+      <dgm:prSet phldrT="[Text]"/>
+      <dgm:spPr/>
+      <dgm:t>
+        <a:bodyPr/>
+        <a:lstStyle/>
+        <a:p>
+          <a:pPr>
+            <a:lnSpc>
+              <a:spcPct val="100000"/>
+            </a:lnSpc>
+          </a:pPr>
+          <a:r>
+            <a:rPr lang="en-US" dirty="0" smtClean="0"/>
+            <a:t>ANUSA</a:t>
+          </a:r>
+          <a:endParaRPr lang="en-US" dirty="0"/>
+        </a:p>
+      </dgm:t>
+    </dgm:pt>
+    <dgm:pt modelId="{48611D49-3600-44C3-81BE-3D0CB49BD6E9}" type="parTrans" cxnId="{6D99D357-3BC7-4FF0-9E6C-09A3A3E8B1C7}">
+      <dgm:prSet/>
+      <dgm:spPr/>
+      <dgm:t>
+        <a:bodyPr/>
+        <a:lstStyle/>
+        <a:p>
+          <a:endParaRPr lang="en-US"/>
+        </a:p>
+      </dgm:t>
+    </dgm:pt>
+    <dgm:pt modelId="{86B99E6D-721B-4311-A714-F7A378F93F7F}" type="sibTrans" cxnId="{6D99D357-3BC7-4FF0-9E6C-09A3A3E8B1C7}">
+      <dgm:prSet/>
+      <dgm:spPr/>
+      <dgm:t>
+        <a:bodyPr/>
+        <a:lstStyle/>
+        <a:p>
+          <a:endParaRPr lang="en-US"/>
+        </a:p>
+      </dgm:t>
+    </dgm:pt>
+    <dgm:pt modelId="{7F989885-DF6B-4927-B3F2-5FF6DCE6F5F1}">
+      <dgm:prSet phldrT="[Text]"/>
+      <dgm:spPr/>
+      <dgm:t>
+        <a:bodyPr/>
+        <a:lstStyle/>
+        <a:p>
+          <a:pPr>
+            <a:lnSpc>
+              <a:spcPct val="100000"/>
+            </a:lnSpc>
+          </a:pPr>
+          <a:r>
+            <a:rPr lang="en-US" dirty="0" smtClean="0"/>
+            <a:t>Planning and Performance Measurement (PPM)</a:t>
+          </a:r>
+          <a:endParaRPr lang="en-US" dirty="0"/>
+        </a:p>
+      </dgm:t>
+    </dgm:pt>
+    <dgm:pt modelId="{37821720-AC2D-4E51-9439-C6248CBB27D2}" type="parTrans" cxnId="{0575C6D4-2F09-43B5-8831-9026575026A4}">
+      <dgm:prSet/>
+      <dgm:spPr/>
+      <dgm:t>
+        <a:bodyPr/>
+        <a:lstStyle/>
+        <a:p>
+          <a:endParaRPr lang="en-US"/>
+        </a:p>
+      </dgm:t>
+    </dgm:pt>
+    <dgm:pt modelId="{8DF64D84-307D-4B82-A06E-7EC474445F87}" type="sibTrans" cxnId="{0575C6D4-2F09-43B5-8831-9026575026A4}">
+      <dgm:prSet/>
+      <dgm:spPr/>
+      <dgm:t>
+        <a:bodyPr/>
+        <a:lstStyle/>
+        <a:p>
+          <a:endParaRPr lang="en-US"/>
+        </a:p>
+      </dgm:t>
+    </dgm:pt>
+    <dgm:pt modelId="{3EA68997-6558-4CC7-9C28-984343CE00DD}">
+      <dgm:prSet phldrT="[Text]"/>
+      <dgm:spPr/>
+      <dgm:t>
+        <a:bodyPr/>
+        <a:lstStyle/>
+        <a:p>
+          <a:pPr>
+            <a:lnSpc>
+              <a:spcPct val="114000"/>
+            </a:lnSpc>
+          </a:pPr>
+          <a:r>
+            <a:rPr lang="en-US" dirty="0" smtClean="0"/>
+            <a:t>Limited results</a:t>
+          </a:r>
+          <a:endParaRPr lang="en-US" dirty="0"/>
+        </a:p>
+      </dgm:t>
+    </dgm:pt>
+    <dgm:pt modelId="{B1E3C209-6EA7-4804-89BF-A2E0C329E541}" type="parTrans" cxnId="{F0A7E8CC-E0D0-4C7B-83A7-3115E607BE54}">
+      <dgm:prSet/>
+      <dgm:spPr/>
+      <dgm:t>
+        <a:bodyPr/>
+        <a:lstStyle/>
+        <a:p>
+          <a:endParaRPr lang="en-US"/>
+        </a:p>
+      </dgm:t>
+    </dgm:pt>
+    <dgm:pt modelId="{0099A9E4-EB57-4061-A93F-B1B0178AE245}" type="sibTrans" cxnId="{F0A7E8CC-E0D0-4C7B-83A7-3115E607BE54}">
+      <dgm:prSet/>
+      <dgm:spPr/>
+      <dgm:t>
+        <a:bodyPr/>
+        <a:lstStyle/>
+        <a:p>
+          <a:endParaRPr lang="en-US"/>
+        </a:p>
+      </dgm:t>
+    </dgm:pt>
+    <dgm:pt modelId="{1E6E943B-B7C8-4D29-B4C2-DDDA55F07CA9}">
+      <dgm:prSet phldrT="[Text]"/>
+      <dgm:spPr/>
+      <dgm:t>
+        <a:bodyPr/>
+        <a:lstStyle/>
+        <a:p>
+          <a:pPr>
+            <a:lnSpc>
+              <a:spcPct val="100000"/>
+            </a:lnSpc>
+          </a:pPr>
+          <a:r>
+            <a:rPr lang="en-US" dirty="0" smtClean="0"/>
+            <a:t>Recommended action: Ethics approval</a:t>
+          </a:r>
+          <a:endParaRPr lang="en-US" dirty="0"/>
+        </a:p>
+      </dgm:t>
+    </dgm:pt>
+    <dgm:pt modelId="{BB3EDC71-1DB2-4775-B426-AD33A5E4D456}" type="parTrans" cxnId="{68ABF2A5-167F-41FF-A22D-01FBA9966ACC}">
+      <dgm:prSet/>
+      <dgm:spPr/>
+      <dgm:t>
+        <a:bodyPr/>
+        <a:lstStyle/>
+        <a:p>
+          <a:endParaRPr lang="en-US"/>
+        </a:p>
+      </dgm:t>
+    </dgm:pt>
+    <dgm:pt modelId="{22CCFD62-61B1-49EB-AD04-199845723D92}" type="sibTrans" cxnId="{68ABF2A5-167F-41FF-A22D-01FBA9966ACC}">
+      <dgm:prSet/>
+      <dgm:spPr/>
+      <dgm:t>
+        <a:bodyPr/>
+        <a:lstStyle/>
+        <a:p>
+          <a:endParaRPr lang="en-US"/>
+        </a:p>
+      </dgm:t>
+    </dgm:pt>
+    <dgm:pt modelId="{20B27A03-EC4A-4D01-A5B2-A944605BF90D}">
+      <dgm:prSet phldrT="[Text]"/>
+      <dgm:spPr/>
+      <dgm:t>
+        <a:bodyPr/>
+        <a:lstStyle/>
+        <a:p>
+          <a:pPr>
+            <a:lnSpc>
+              <a:spcPct val="114000"/>
+            </a:lnSpc>
+          </a:pPr>
+          <a:r>
+            <a:rPr lang="en-US" dirty="0" smtClean="0"/>
+            <a:t>Questions for Intelligent Search</a:t>
+          </a:r>
+          <a:endParaRPr lang="en-US" dirty="0"/>
+        </a:p>
+      </dgm:t>
+    </dgm:pt>
+    <dgm:pt modelId="{1B9D9A31-16A4-4FF9-85EC-AC941A10698E}" type="parTrans" cxnId="{0E75A263-D628-4BB0-B74A-84DA65E99B1A}">
+      <dgm:prSet/>
+      <dgm:spPr/>
+      <dgm:t>
+        <a:bodyPr/>
+        <a:lstStyle/>
+        <a:p>
+          <a:endParaRPr lang="en-US"/>
+        </a:p>
+      </dgm:t>
+    </dgm:pt>
+    <dgm:pt modelId="{02739645-FB19-4312-A280-801A4817EE17}" type="sibTrans" cxnId="{0E75A263-D628-4BB0-B74A-84DA65E99B1A}">
+      <dgm:prSet/>
+      <dgm:spPr/>
+      <dgm:t>
+        <a:bodyPr/>
+        <a:lstStyle/>
+        <a:p>
+          <a:endParaRPr lang="en-US"/>
+        </a:p>
+      </dgm:t>
+    </dgm:pt>
+    <dgm:pt modelId="{E9E961A0-5CDF-48D5-8924-893F6E32D394}">
+      <dgm:prSet phldrT="[Text]"/>
+      <dgm:spPr/>
+      <dgm:t>
+        <a:bodyPr/>
+        <a:lstStyle/>
+        <a:p>
+          <a:pPr>
+            <a:lnSpc>
+              <a:spcPct val="100000"/>
+            </a:lnSpc>
+          </a:pPr>
+          <a:r>
+            <a:rPr lang="en-US" dirty="0" smtClean="0"/>
+            <a:t>Contacts</a:t>
+          </a:r>
+          <a:endParaRPr lang="en-US" dirty="0"/>
+        </a:p>
+      </dgm:t>
+    </dgm:pt>
+    <dgm:pt modelId="{CD9A31E1-839D-479F-A5B4-743E41FDD003}" type="parTrans" cxnId="{EF76311D-EB0C-429F-A6D5-4EB3674A5672}">
+      <dgm:prSet/>
+      <dgm:spPr/>
+      <dgm:t>
+        <a:bodyPr/>
+        <a:lstStyle/>
+        <a:p>
+          <a:endParaRPr lang="en-US"/>
+        </a:p>
+      </dgm:t>
+    </dgm:pt>
+    <dgm:pt modelId="{08A2587D-A3A2-401C-B472-DA086524AAE5}" type="sibTrans" cxnId="{EF76311D-EB0C-429F-A6D5-4EB3674A5672}">
+      <dgm:prSet/>
+      <dgm:spPr/>
+      <dgm:t>
+        <a:bodyPr/>
+        <a:lstStyle/>
+        <a:p>
+          <a:endParaRPr lang="en-US"/>
+        </a:p>
+      </dgm:t>
+    </dgm:pt>
+    <dgm:pt modelId="{EBC746FF-9DB3-4542-A3B7-FE7EE87CCB41}">
+      <dgm:prSet phldrT="[Text]"/>
+      <dgm:spPr/>
+      <dgm:t>
+        <a:bodyPr/>
+        <a:lstStyle/>
+        <a:p>
+          <a:pPr>
+            <a:lnSpc>
+              <a:spcPct val="100000"/>
+            </a:lnSpc>
+          </a:pPr>
+          <a:r>
+            <a:rPr lang="en-US" dirty="0" smtClean="0"/>
+            <a:t>Unbiased sample</a:t>
+          </a:r>
+          <a:endParaRPr lang="en-US" dirty="0"/>
+        </a:p>
+      </dgm:t>
+    </dgm:pt>
+    <dgm:pt modelId="{69CA8308-C74A-4BD5-AC14-0D2C2B666E05}" type="parTrans" cxnId="{BDF930CE-D6DC-4A0A-9A52-811439A42684}">
+      <dgm:prSet/>
+      <dgm:spPr/>
+      <dgm:t>
+        <a:bodyPr/>
+        <a:lstStyle/>
+        <a:p>
+          <a:endParaRPr lang="en-US"/>
+        </a:p>
+      </dgm:t>
+    </dgm:pt>
+    <dgm:pt modelId="{A648440C-B5E8-4443-9DE3-8D9DA96A4D5E}" type="sibTrans" cxnId="{BDF930CE-D6DC-4A0A-9A52-811439A42684}">
+      <dgm:prSet/>
+      <dgm:spPr/>
+      <dgm:t>
+        <a:bodyPr/>
+        <a:lstStyle/>
+        <a:p>
+          <a:endParaRPr lang="en-US"/>
+        </a:p>
+      </dgm:t>
+    </dgm:pt>
+    <dgm:pt modelId="{BE084C3E-D872-4BD3-8C77-92194B5041D6}">
+      <dgm:prSet phldrT="[Text]"/>
+      <dgm:spPr/>
+      <dgm:t>
+        <a:bodyPr/>
+        <a:lstStyle/>
+        <a:p>
+          <a:pPr>
+            <a:lnSpc>
+              <a:spcPct val="114000"/>
+            </a:lnSpc>
+          </a:pPr>
+          <a:r>
+            <a:rPr lang="en-US" dirty="0" smtClean="0"/>
+            <a:t>31 responses</a:t>
+          </a:r>
+          <a:endParaRPr lang="en-US" dirty="0"/>
+        </a:p>
+      </dgm:t>
+    </dgm:pt>
+    <dgm:pt modelId="{A4771617-C2B6-466A-94F9-AF278A0D763F}" type="parTrans" cxnId="{306DECB8-41F8-4F5C-AE21-31BA96222673}">
+      <dgm:prSet/>
+      <dgm:spPr/>
+      <dgm:t>
+        <a:bodyPr/>
+        <a:lstStyle/>
+        <a:p>
+          <a:endParaRPr lang="en-US"/>
+        </a:p>
+      </dgm:t>
+    </dgm:pt>
+    <dgm:pt modelId="{3E9F1C24-20A1-48C5-9B8F-B03945C3A8F3}" type="sibTrans" cxnId="{306DECB8-41F8-4F5C-AE21-31BA96222673}">
+      <dgm:prSet/>
+      <dgm:spPr/>
+      <dgm:t>
+        <a:bodyPr/>
+        <a:lstStyle/>
+        <a:p>
+          <a:endParaRPr lang="en-US"/>
+        </a:p>
+      </dgm:t>
+    </dgm:pt>
+    <dgm:pt modelId="{8C4C518F-00D1-403B-954A-F0DEE0D0E55C}">
+      <dgm:prSet phldrT="[Text]"/>
+      <dgm:spPr/>
+      <dgm:t>
+        <a:bodyPr/>
+        <a:lstStyle/>
+        <a:p>
+          <a:pPr>
+            <a:lnSpc>
+              <a:spcPct val="114000"/>
+            </a:lnSpc>
+          </a:pPr>
+          <a:r>
+            <a:rPr lang="en-US" dirty="0" smtClean="0"/>
+            <a:t>Useful and clear data</a:t>
+          </a:r>
+          <a:endParaRPr lang="en-US" dirty="0"/>
+        </a:p>
+      </dgm:t>
+    </dgm:pt>
+    <dgm:pt modelId="{EE3814E6-E849-4494-83C1-3B43ECD75C82}" type="parTrans" cxnId="{99E62B14-D96D-45FE-9B6C-CB697AC37D5E}">
+      <dgm:prSet/>
+      <dgm:spPr/>
+      <dgm:t>
+        <a:bodyPr/>
+        <a:lstStyle/>
+        <a:p>
+          <a:endParaRPr lang="en-US"/>
+        </a:p>
+      </dgm:t>
+    </dgm:pt>
+    <dgm:pt modelId="{66C12D41-1D1D-40AB-BDD8-2CFCCD87EDC4}" type="sibTrans" cxnId="{99E62B14-D96D-45FE-9B6C-CB697AC37D5E}">
+      <dgm:prSet/>
+      <dgm:spPr/>
+      <dgm:t>
+        <a:bodyPr/>
+        <a:lstStyle/>
+        <a:p>
+          <a:endParaRPr lang="en-US"/>
+        </a:p>
+      </dgm:t>
+    </dgm:pt>
+    <dgm:pt modelId="{AF426444-E686-4FE3-9BE0-BA3CB1B4A5F3}">
+      <dgm:prSet phldrT="[Text]"/>
+      <dgm:spPr/>
+      <dgm:t>
+        <a:bodyPr/>
+        <a:lstStyle/>
+        <a:p>
+          <a:pPr>
+            <a:lnSpc>
+              <a:spcPct val="114000"/>
+            </a:lnSpc>
+          </a:pPr>
+          <a:r>
+            <a:rPr lang="en-US" dirty="0" smtClean="0"/>
+            <a:t>Large sample</a:t>
+          </a:r>
+          <a:endParaRPr lang="en-US" dirty="0"/>
+        </a:p>
+      </dgm:t>
+    </dgm:pt>
+    <dgm:pt modelId="{9FFB7F70-4B4F-433B-A846-B9A2E4DBCC9F}" type="parTrans" cxnId="{95D822F5-9475-4EFB-AB68-0B523C9C89FF}">
+      <dgm:prSet/>
+      <dgm:spPr/>
+      <dgm:t>
+        <a:bodyPr/>
+        <a:lstStyle/>
+        <a:p>
+          <a:endParaRPr lang="en-US"/>
+        </a:p>
+      </dgm:t>
+    </dgm:pt>
+    <dgm:pt modelId="{951E8C3E-F5F2-4EE5-8622-960A765B3244}" type="sibTrans" cxnId="{95D822F5-9475-4EFB-AB68-0B523C9C89FF}">
+      <dgm:prSet/>
+      <dgm:spPr/>
+      <dgm:t>
+        <a:bodyPr/>
+        <a:lstStyle/>
+        <a:p>
+          <a:endParaRPr lang="en-US"/>
+        </a:p>
+      </dgm:t>
+    </dgm:pt>
+    <dgm:pt modelId="{D04F2501-98BA-4268-AFC6-A581E1483882}">
+      <dgm:prSet phldrT="[Text]"/>
+      <dgm:spPr/>
+      <dgm:t>
+        <a:bodyPr/>
+        <a:lstStyle/>
+        <a:p>
+          <a:pPr>
+            <a:lnSpc>
+              <a:spcPct val="114000"/>
+            </a:lnSpc>
+          </a:pPr>
+          <a:r>
+            <a:rPr lang="en-US" dirty="0" smtClean="0"/>
+            <a:t>Definitive answer</a:t>
+          </a:r>
+          <a:endParaRPr lang="en-US" dirty="0"/>
+        </a:p>
+      </dgm:t>
+    </dgm:pt>
+    <dgm:pt modelId="{AEFE89F5-E1F0-4337-9D21-C4EBF870D1BC}" type="parTrans" cxnId="{5D47C81F-70A8-4A5E-8D4D-B54DB14BC3BD}">
+      <dgm:prSet/>
+      <dgm:spPr/>
+      <dgm:t>
+        <a:bodyPr/>
+        <a:lstStyle/>
+        <a:p>
+          <a:endParaRPr lang="en-US"/>
+        </a:p>
+      </dgm:t>
+    </dgm:pt>
+    <dgm:pt modelId="{B66EA159-7BC0-4D9C-B953-BB501EBA530B}" type="sibTrans" cxnId="{5D47C81F-70A8-4A5E-8D4D-B54DB14BC3BD}">
+      <dgm:prSet/>
+      <dgm:spPr/>
+      <dgm:t>
+        <a:bodyPr/>
+        <a:lstStyle/>
+        <a:p>
+          <a:endParaRPr lang="en-US"/>
+        </a:p>
+      </dgm:t>
+    </dgm:pt>
+    <dgm:pt modelId="{19523335-1CBC-4702-B97E-8F247913B5DD}">
+      <dgm:prSet phldrT="[Text]"/>
+      <dgm:spPr/>
+      <dgm:t>
+        <a:bodyPr/>
+        <a:lstStyle/>
+        <a:p>
+          <a:pPr>
+            <a:lnSpc>
+              <a:spcPct val="114000"/>
+            </a:lnSpc>
+          </a:pPr>
+          <a:r>
+            <a:rPr lang="en-US" dirty="0" smtClean="0"/>
+            <a:t>Refined survey questions</a:t>
+          </a:r>
+          <a:endParaRPr lang="en-US" dirty="0"/>
+        </a:p>
+      </dgm:t>
+    </dgm:pt>
+    <dgm:pt modelId="{CD5BE79A-9854-4523-AE69-41279BC5E5C0}" type="parTrans" cxnId="{F2FB5819-68B7-40BE-AE23-B26A3FC9C31D}">
+      <dgm:prSet/>
+      <dgm:spPr/>
+      <dgm:t>
+        <a:bodyPr/>
+        <a:lstStyle/>
+        <a:p>
+          <a:endParaRPr lang="en-US"/>
+        </a:p>
+      </dgm:t>
+    </dgm:pt>
+    <dgm:pt modelId="{2D2D86C6-FDD8-4570-8EDC-6B9B177BD2A9}" type="sibTrans" cxnId="{F2FB5819-68B7-40BE-AE23-B26A3FC9C31D}">
+      <dgm:prSet/>
+      <dgm:spPr/>
+      <dgm:t>
+        <a:bodyPr/>
+        <a:lstStyle/>
+        <a:p>
+          <a:endParaRPr lang="en-US"/>
+        </a:p>
+      </dgm:t>
+    </dgm:pt>
+    <dgm:pt modelId="{8367A2EC-B50E-4490-A5E2-DBEACD8D8F2A}">
+      <dgm:prSet phldrT="[Text]"/>
+      <dgm:spPr/>
+      <dgm:t>
+        <a:bodyPr/>
+        <a:lstStyle/>
+        <a:p>
+          <a:pPr>
+            <a:lnSpc>
+              <a:spcPct val="114000"/>
+            </a:lnSpc>
+          </a:pPr>
+          <a:endParaRPr lang="en-US" dirty="0"/>
+        </a:p>
+      </dgm:t>
+    </dgm:pt>
+    <dgm:pt modelId="{F7689A1C-E137-4651-B331-3F2EAC810FB6}" type="parTrans" cxnId="{562E3624-08C8-484D-8164-B626BC2B811F}">
+      <dgm:prSet/>
+      <dgm:spPr/>
+      <dgm:t>
+        <a:bodyPr/>
+        <a:lstStyle/>
+        <a:p>
+          <a:endParaRPr lang="en-US"/>
+        </a:p>
+      </dgm:t>
+    </dgm:pt>
+    <dgm:pt modelId="{17783083-4192-4473-A6EA-DFC08737C16E}" type="sibTrans" cxnId="{562E3624-08C8-484D-8164-B626BC2B811F}">
+      <dgm:prSet/>
+      <dgm:spPr/>
+      <dgm:t>
+        <a:bodyPr/>
+        <a:lstStyle/>
+        <a:p>
+          <a:endParaRPr lang="en-US"/>
+        </a:p>
+      </dgm:t>
+    </dgm:pt>
+    <dgm:pt modelId="{4E6099E6-ED20-4989-8384-D95F9BB84E64}">
+      <dgm:prSet phldrT="[Text]"/>
+      <dgm:spPr/>
+      <dgm:t>
+        <a:bodyPr/>
+        <a:lstStyle/>
+        <a:p>
+          <a:pPr>
+            <a:lnSpc>
+              <a:spcPct val="114000"/>
+            </a:lnSpc>
+          </a:pPr>
+          <a:endParaRPr lang="en-US" dirty="0"/>
+        </a:p>
+      </dgm:t>
+    </dgm:pt>
+    <dgm:pt modelId="{1B2D4456-1814-4306-A38A-039C1F7B0169}" type="parTrans" cxnId="{1D70AEBF-98E1-42C0-A722-93E604E018A0}">
+      <dgm:prSet/>
+      <dgm:spPr/>
+      <dgm:t>
+        <a:bodyPr/>
+        <a:lstStyle/>
+        <a:p>
+          <a:endParaRPr lang="en-US"/>
+        </a:p>
+      </dgm:t>
+    </dgm:pt>
+    <dgm:pt modelId="{E55A9CBC-1324-45C6-BBC7-BA8338BC11DF}" type="sibTrans" cxnId="{1D70AEBF-98E1-42C0-A722-93E604E018A0}">
+      <dgm:prSet/>
+      <dgm:spPr/>
+      <dgm:t>
+        <a:bodyPr/>
+        <a:lstStyle/>
+        <a:p>
+          <a:endParaRPr lang="en-US"/>
+        </a:p>
+      </dgm:t>
+    </dgm:pt>
+    <dgm:pt modelId="{10B5F3C7-DF24-45CA-8D10-CB4BA9CFB275}">
+      <dgm:prSet phldrT="[Text]"/>
+      <dgm:spPr/>
+      <dgm:t>
+        <a:bodyPr/>
+        <a:lstStyle/>
+        <a:p>
+          <a:pPr>
+            <a:lnSpc>
+              <a:spcPct val="114000"/>
+            </a:lnSpc>
+          </a:pPr>
+          <a:endParaRPr lang="en-US" dirty="0"/>
+        </a:p>
+      </dgm:t>
+    </dgm:pt>
+    <dgm:pt modelId="{6C2AE9B6-A7A6-4578-A46F-10920BB13A1E}" type="parTrans" cxnId="{85B2A2D6-FDD5-477E-BF3C-865326774C5B}">
+      <dgm:prSet/>
+      <dgm:spPr/>
+      <dgm:t>
+        <a:bodyPr/>
+        <a:lstStyle/>
+        <a:p>
+          <a:endParaRPr lang="en-US"/>
+        </a:p>
+      </dgm:t>
+    </dgm:pt>
+    <dgm:pt modelId="{368FEE0C-4FB7-4E01-9EAD-BBD953290EFB}" type="sibTrans" cxnId="{85B2A2D6-FDD5-477E-BF3C-865326774C5B}">
+      <dgm:prSet/>
+      <dgm:spPr/>
+      <dgm:t>
+        <a:bodyPr/>
+        <a:lstStyle/>
+        <a:p>
+          <a:endParaRPr lang="en-US"/>
+        </a:p>
+      </dgm:t>
+    </dgm:pt>
+    <dgm:pt modelId="{93B3D1B6-0B1F-4023-9AD9-1C62E9F4573A}">
+      <dgm:prSet phldrT="[Text]"/>
+      <dgm:spPr/>
+      <dgm:t>
+        <a:bodyPr/>
+        <a:lstStyle/>
+        <a:p>
+          <a:pPr>
+            <a:lnSpc>
+              <a:spcPct val="114000"/>
+            </a:lnSpc>
+          </a:pPr>
+          <a:endParaRPr lang="en-US" dirty="0"/>
+        </a:p>
+      </dgm:t>
+    </dgm:pt>
+    <dgm:pt modelId="{C549C734-17F7-4ECC-8227-BBA94AF0B4AD}" type="parTrans" cxnId="{22529319-29AE-4CF8-8DB3-C6FFB3D2A6C9}">
+      <dgm:prSet/>
+      <dgm:spPr/>
+      <dgm:t>
+        <a:bodyPr/>
+        <a:lstStyle/>
+        <a:p>
+          <a:endParaRPr lang="en-US"/>
+        </a:p>
+      </dgm:t>
+    </dgm:pt>
+    <dgm:pt modelId="{2E1DE3DB-0E51-4F12-88B8-E47F445B8AFC}" type="sibTrans" cxnId="{22529319-29AE-4CF8-8DB3-C6FFB3D2A6C9}">
+      <dgm:prSet/>
+      <dgm:spPr/>
+      <dgm:t>
+        <a:bodyPr/>
+        <a:lstStyle/>
+        <a:p>
+          <a:endParaRPr lang="en-US"/>
+        </a:p>
+      </dgm:t>
+    </dgm:pt>
+    <dgm:pt modelId="{2FAB0024-9ABE-418E-B6FA-37BE89EA9EA0}">
+      <dgm:prSet phldrT="[Text]"/>
+      <dgm:spPr/>
+      <dgm:t>
+        <a:bodyPr/>
+        <a:lstStyle/>
+        <a:p>
+          <a:pPr>
+            <a:lnSpc>
+              <a:spcPct val="114000"/>
+            </a:lnSpc>
+          </a:pPr>
+          <a:endParaRPr lang="en-US" dirty="0"/>
+        </a:p>
+      </dgm:t>
+    </dgm:pt>
+    <dgm:pt modelId="{47A22ABF-80E1-42AF-9BAD-616E2F873232}" type="parTrans" cxnId="{FFCA0CC5-9047-46C0-91E3-35D96C4676BA}">
+      <dgm:prSet/>
+      <dgm:spPr/>
+      <dgm:t>
+        <a:bodyPr/>
+        <a:lstStyle/>
+        <a:p>
+          <a:endParaRPr lang="en-US"/>
+        </a:p>
+      </dgm:t>
+    </dgm:pt>
+    <dgm:pt modelId="{667EC5D4-A458-49AC-AE6B-03F98561E74D}" type="sibTrans" cxnId="{FFCA0CC5-9047-46C0-91E3-35D96C4676BA}">
+      <dgm:prSet/>
+      <dgm:spPr/>
+      <dgm:t>
+        <a:bodyPr/>
+        <a:lstStyle/>
+        <a:p>
+          <a:endParaRPr lang="en-US"/>
+        </a:p>
+      </dgm:t>
+    </dgm:pt>
+    <dgm:pt modelId="{14F13172-7A02-4563-9591-97349C7B15BE}">
+      <dgm:prSet phldrT="[Text]"/>
+      <dgm:spPr/>
+      <dgm:t>
+        <a:bodyPr/>
+        <a:lstStyle/>
+        <a:p>
+          <a:pPr>
+            <a:lnSpc>
+              <a:spcPct val="114000"/>
+            </a:lnSpc>
+          </a:pPr>
+          <a:endParaRPr lang="en-US" dirty="0"/>
+        </a:p>
+      </dgm:t>
+    </dgm:pt>
+    <dgm:pt modelId="{84EBACCE-FD58-4F0D-847E-DF689483B437}" type="parTrans" cxnId="{2C51F09B-DF09-4B7D-953F-36A6ADD98043}">
+      <dgm:prSet/>
+      <dgm:spPr/>
+      <dgm:t>
+        <a:bodyPr/>
+        <a:lstStyle/>
+        <a:p>
+          <a:endParaRPr lang="en-US"/>
+        </a:p>
+      </dgm:t>
+    </dgm:pt>
+    <dgm:pt modelId="{B752C099-D543-491A-BA6D-C2A2C1155B04}" type="sibTrans" cxnId="{2C51F09B-DF09-4B7D-953F-36A6ADD98043}">
+      <dgm:prSet/>
+      <dgm:spPr/>
+      <dgm:t>
+        <a:bodyPr/>
+        <a:lstStyle/>
+        <a:p>
+          <a:endParaRPr lang="en-US"/>
+        </a:p>
+      </dgm:t>
+    </dgm:pt>
+    <dgm:pt modelId="{AEBCD51D-ECE1-4B19-B467-D6036003E466}">
+      <dgm:prSet phldrT="[Text]"/>
+      <dgm:spPr/>
+      <dgm:t>
+        <a:bodyPr/>
+        <a:lstStyle/>
+        <a:p>
+          <a:pPr>
+            <a:lnSpc>
+              <a:spcPct val="114000"/>
+            </a:lnSpc>
+          </a:pPr>
+          <a:endParaRPr lang="en-US" dirty="0"/>
+        </a:p>
+      </dgm:t>
+    </dgm:pt>
+    <dgm:pt modelId="{1CD4414D-9ED8-4494-BA37-23C096F432AD}" type="parTrans" cxnId="{A0862A74-9FCB-481E-B5B4-07A59D469000}">
+      <dgm:prSet/>
+      <dgm:spPr/>
+      <dgm:t>
+        <a:bodyPr/>
+        <a:lstStyle/>
+        <a:p>
+          <a:endParaRPr lang="en-US"/>
+        </a:p>
+      </dgm:t>
+    </dgm:pt>
+    <dgm:pt modelId="{F3FF6848-ED5B-4CF5-823F-79AEEDB2173D}" type="sibTrans" cxnId="{A0862A74-9FCB-481E-B5B4-07A59D469000}">
+      <dgm:prSet/>
+      <dgm:spPr/>
+      <dgm:t>
+        <a:bodyPr/>
+        <a:lstStyle/>
+        <a:p>
+          <a:endParaRPr lang="en-US"/>
+        </a:p>
+      </dgm:t>
+    </dgm:pt>
+    <dgm:pt modelId="{91F14D65-3EB6-46A6-A65E-ACA6411728F3}">
+      <dgm:prSet phldrT="[Text]"/>
+      <dgm:spPr/>
+      <dgm:t>
+        <a:bodyPr/>
+        <a:lstStyle/>
+        <a:p>
+          <a:pPr>
+            <a:lnSpc>
+              <a:spcPct val="114000"/>
+            </a:lnSpc>
+          </a:pPr>
+          <a:endParaRPr lang="en-US" dirty="0"/>
+        </a:p>
+      </dgm:t>
+    </dgm:pt>
+    <dgm:pt modelId="{F7E490BD-0547-49B5-9AC5-C859DF4825D9}" type="parTrans" cxnId="{4FDE4F8A-231F-44B1-9A6B-8DF40487A939}">
+      <dgm:prSet/>
+      <dgm:spPr/>
+      <dgm:t>
+        <a:bodyPr/>
+        <a:lstStyle/>
+        <a:p>
+          <a:endParaRPr lang="en-US"/>
+        </a:p>
+      </dgm:t>
+    </dgm:pt>
+    <dgm:pt modelId="{D08447EF-7181-4548-9D42-68AC648B3406}" type="sibTrans" cxnId="{4FDE4F8A-231F-44B1-9A6B-8DF40487A939}">
+      <dgm:prSet/>
+      <dgm:spPr/>
+      <dgm:t>
+        <a:bodyPr/>
+        <a:lstStyle/>
+        <a:p>
+          <a:endParaRPr lang="en-US"/>
+        </a:p>
+      </dgm:t>
+    </dgm:pt>
+    <dgm:pt modelId="{B51F2E48-E297-490C-A3D6-E4E13ACDAAFC}">
+      <dgm:prSet phldrT="[Text]"/>
+      <dgm:spPr/>
+      <dgm:t>
+        <a:bodyPr/>
+        <a:lstStyle/>
+        <a:p>
+          <a:pPr>
+            <a:lnSpc>
+              <a:spcPct val="114000"/>
+            </a:lnSpc>
+          </a:pPr>
+          <a:endParaRPr lang="en-US" dirty="0"/>
+        </a:p>
+      </dgm:t>
+    </dgm:pt>
+    <dgm:pt modelId="{DA35C2F9-9D52-49B5-8BDE-4AFE31C65D80}" type="parTrans" cxnId="{63057670-FE11-46BE-874B-21B7682DCAFD}">
+      <dgm:prSet/>
+      <dgm:spPr/>
+      <dgm:t>
+        <a:bodyPr/>
+        <a:lstStyle/>
+        <a:p>
+          <a:endParaRPr lang="en-US"/>
+        </a:p>
+      </dgm:t>
+    </dgm:pt>
+    <dgm:pt modelId="{EF6A64C8-AA3D-4A79-B443-1195DFAD7559}" type="sibTrans" cxnId="{63057670-FE11-46BE-874B-21B7682DCAFD}">
+      <dgm:prSet/>
+      <dgm:spPr/>
+      <dgm:t>
+        <a:bodyPr/>
+        <a:lstStyle/>
+        <a:p>
+          <a:endParaRPr lang="en-US"/>
+        </a:p>
+      </dgm:t>
+    </dgm:pt>
+    <dgm:pt modelId="{9ED0DAF6-BC52-49F4-8193-F6D2E26CD330}">
+      <dgm:prSet phldrT="[Text]"/>
+      <dgm:spPr/>
+      <dgm:t>
+        <a:bodyPr/>
+        <a:lstStyle/>
+        <a:p>
+          <a:pPr>
+            <a:lnSpc>
+              <a:spcPct val="114000"/>
+            </a:lnSpc>
+          </a:pPr>
+          <a:endParaRPr lang="en-US" dirty="0"/>
+        </a:p>
+      </dgm:t>
+    </dgm:pt>
+    <dgm:pt modelId="{F7C4265F-00AC-4DD3-9123-19A19E479A74}" type="parTrans" cxnId="{63B514CA-C8EF-4AA2-9531-F298D5CB9012}">
+      <dgm:prSet/>
+      <dgm:spPr/>
+      <dgm:t>
+        <a:bodyPr/>
+        <a:lstStyle/>
+        <a:p>
+          <a:endParaRPr lang="en-US"/>
+        </a:p>
+      </dgm:t>
+    </dgm:pt>
+    <dgm:pt modelId="{15FFB9FC-ECFC-4DBB-9544-849A0024FE39}" type="sibTrans" cxnId="{63B514CA-C8EF-4AA2-9531-F298D5CB9012}">
+      <dgm:prSet/>
+      <dgm:spPr/>
+      <dgm:t>
+        <a:bodyPr/>
+        <a:lstStyle/>
+        <a:p>
+          <a:endParaRPr lang="en-US"/>
+        </a:p>
+      </dgm:t>
+    </dgm:pt>
+    <dgm:pt modelId="{C063A018-3B66-4461-9C15-CB21BFC70D26}">
+      <dgm:prSet phldrT="[Text]"/>
+      <dgm:spPr/>
+      <dgm:t>
+        <a:bodyPr/>
+        <a:lstStyle/>
+        <a:p>
+          <a:pPr>
+            <a:lnSpc>
+              <a:spcPct val="114000"/>
+            </a:lnSpc>
+          </a:pPr>
+          <a:endParaRPr lang="en-US" dirty="0"/>
+        </a:p>
+      </dgm:t>
+    </dgm:pt>
+    <dgm:pt modelId="{3105EFDD-5F78-4F33-8EAC-5FE5B7C7575A}" type="parTrans" cxnId="{365C99C7-8DB5-4FDE-A067-A7C146A0159A}">
+      <dgm:prSet/>
+      <dgm:spPr/>
+      <dgm:t>
+        <a:bodyPr/>
+        <a:lstStyle/>
+        <a:p>
+          <a:endParaRPr lang="en-US"/>
+        </a:p>
+      </dgm:t>
+    </dgm:pt>
+    <dgm:pt modelId="{576E09C0-F320-4EA1-874D-A500D5453EA4}" type="sibTrans" cxnId="{365C99C7-8DB5-4FDE-A067-A7C146A0159A}">
+      <dgm:prSet/>
+      <dgm:spPr/>
+      <dgm:t>
+        <a:bodyPr/>
+        <a:lstStyle/>
+        <a:p>
+          <a:endParaRPr lang="en-US"/>
+        </a:p>
+      </dgm:t>
+    </dgm:pt>
+    <dgm:pt modelId="{E278F053-C17A-4A52-BB49-721F5761DB07}">
+      <dgm:prSet phldrT="[Text]"/>
+      <dgm:spPr/>
+      <dgm:t>
+        <a:bodyPr/>
+        <a:lstStyle/>
+        <a:p>
+          <a:pPr>
+            <a:lnSpc>
+              <a:spcPct val="114000"/>
+            </a:lnSpc>
+          </a:pPr>
+          <a:endParaRPr lang="en-US" dirty="0"/>
+        </a:p>
+      </dgm:t>
+    </dgm:pt>
+    <dgm:pt modelId="{4897F6D9-54C6-4B20-988E-9A8B950EFACE}" type="parTrans" cxnId="{75287BA8-7A16-4DBD-806A-D73947BFC72F}">
+      <dgm:prSet/>
+      <dgm:spPr/>
+      <dgm:t>
+        <a:bodyPr/>
+        <a:lstStyle/>
+        <a:p>
+          <a:endParaRPr lang="en-US"/>
+        </a:p>
+      </dgm:t>
+    </dgm:pt>
+    <dgm:pt modelId="{DA172165-1C0F-490A-97EE-0B7EBC031059}" type="sibTrans" cxnId="{75287BA8-7A16-4DBD-806A-D73947BFC72F}">
+      <dgm:prSet/>
+      <dgm:spPr/>
+      <dgm:t>
+        <a:bodyPr/>
+        <a:lstStyle/>
+        <a:p>
+          <a:endParaRPr lang="en-US"/>
+        </a:p>
+      </dgm:t>
+    </dgm:pt>
+    <dgm:pt modelId="{5EDCC88E-5B88-4996-BB44-5870364C57EE}">
+      <dgm:prSet phldrT="[Text]"/>
+      <dgm:spPr/>
+      <dgm:t>
+        <a:bodyPr/>
+        <a:lstStyle/>
+        <a:p>
+          <a:pPr>
+            <a:lnSpc>
+              <a:spcPct val="114000"/>
+            </a:lnSpc>
+          </a:pPr>
+          <a:endParaRPr lang="en-US" dirty="0"/>
+        </a:p>
+      </dgm:t>
+    </dgm:pt>
+    <dgm:pt modelId="{69174BE9-3CB7-4569-9063-B8B88187C235}" type="parTrans" cxnId="{E4018972-7093-4CED-A027-FC7A10D8F369}">
+      <dgm:prSet/>
+      <dgm:spPr/>
+      <dgm:t>
+        <a:bodyPr/>
+        <a:lstStyle/>
+        <a:p>
+          <a:endParaRPr lang="en-US"/>
+        </a:p>
+      </dgm:t>
+    </dgm:pt>
+    <dgm:pt modelId="{33025D33-3D54-42B5-98C7-A6E0D062B79D}" type="sibTrans" cxnId="{E4018972-7093-4CED-A027-FC7A10D8F369}">
+      <dgm:prSet/>
+      <dgm:spPr/>
+      <dgm:t>
+        <a:bodyPr/>
+        <a:lstStyle/>
+        <a:p>
+          <a:endParaRPr lang="en-US"/>
+        </a:p>
+      </dgm:t>
+    </dgm:pt>
+    <dgm:pt modelId="{B18FF318-C4EE-4789-AC85-B45EF4313EC0}">
+      <dgm:prSet phldrT="[Text]"/>
+      <dgm:spPr/>
+      <dgm:t>
+        <a:bodyPr/>
+        <a:lstStyle/>
+        <a:p>
+          <a:pPr>
+            <a:lnSpc>
+              <a:spcPct val="114000"/>
+            </a:lnSpc>
+          </a:pPr>
+          <a:endParaRPr lang="en-US" dirty="0"/>
+        </a:p>
+      </dgm:t>
+    </dgm:pt>
+    <dgm:pt modelId="{EA7645D6-B5A4-4845-890D-ED2392848371}" type="parTrans" cxnId="{CA7FD3CB-3F3C-4F1F-94EA-EC6B60B5641F}">
+      <dgm:prSet/>
+      <dgm:spPr/>
+      <dgm:t>
+        <a:bodyPr/>
+        <a:lstStyle/>
+        <a:p>
+          <a:endParaRPr lang="en-US"/>
+        </a:p>
+      </dgm:t>
+    </dgm:pt>
+    <dgm:pt modelId="{0F22E6DC-EEC9-4F15-9DB2-92F38BEA8F4D}" type="sibTrans" cxnId="{CA7FD3CB-3F3C-4F1F-94EA-EC6B60B5641F}">
+      <dgm:prSet/>
+      <dgm:spPr/>
+      <dgm:t>
+        <a:bodyPr/>
+        <a:lstStyle/>
+        <a:p>
+          <a:endParaRPr lang="en-US"/>
+        </a:p>
+      </dgm:t>
+    </dgm:pt>
+    <dgm:pt modelId="{A7395B70-7800-4673-A110-AEEA64B77177}">
+      <dgm:prSet phldrT="[Text]"/>
+      <dgm:spPr/>
+      <dgm:t>
+        <a:bodyPr/>
+        <a:lstStyle/>
+        <a:p>
+          <a:pPr>
+            <a:lnSpc>
+              <a:spcPct val="114000"/>
+            </a:lnSpc>
+          </a:pPr>
+          <a:endParaRPr lang="en-US" dirty="0"/>
+        </a:p>
+      </dgm:t>
+    </dgm:pt>
+    <dgm:pt modelId="{B4F90BB5-CE5D-43FB-9DBA-DAFDD7C03513}" type="parTrans" cxnId="{A88584AE-5B87-4454-BDAC-67AB7B8CF1DD}">
+      <dgm:prSet/>
+      <dgm:spPr/>
+      <dgm:t>
+        <a:bodyPr/>
+        <a:lstStyle/>
+        <a:p>
+          <a:endParaRPr lang="en-US"/>
+        </a:p>
+      </dgm:t>
+    </dgm:pt>
+    <dgm:pt modelId="{9CF3F2EB-7A22-400A-BC80-F4BC222BD1E8}" type="sibTrans" cxnId="{A88584AE-5B87-4454-BDAC-67AB7B8CF1DD}">
+      <dgm:prSet/>
+      <dgm:spPr/>
+      <dgm:t>
+        <a:bodyPr/>
+        <a:lstStyle/>
+        <a:p>
+          <a:endParaRPr lang="en-US"/>
+        </a:p>
+      </dgm:t>
+    </dgm:pt>
+    <dgm:pt modelId="{F221BB9E-F886-407E-9F75-429308CCB49B}">
+      <dgm:prSet phldrT="[Text]"/>
+      <dgm:spPr/>
+      <dgm:t>
+        <a:bodyPr/>
+        <a:lstStyle/>
+        <a:p>
+          <a:pPr>
+            <a:lnSpc>
+              <a:spcPct val="114000"/>
+            </a:lnSpc>
+          </a:pPr>
+          <a:endParaRPr lang="en-US" dirty="0"/>
+        </a:p>
+      </dgm:t>
+    </dgm:pt>
+    <dgm:pt modelId="{67C14A1B-0F6B-41AA-8D2E-8356434415A9}" type="parTrans" cxnId="{2DAF414F-9ECB-40E1-983E-1158060E092A}">
+      <dgm:prSet/>
+      <dgm:spPr/>
+      <dgm:t>
+        <a:bodyPr/>
+        <a:lstStyle/>
+        <a:p>
+          <a:endParaRPr lang="en-US"/>
+        </a:p>
+      </dgm:t>
+    </dgm:pt>
+    <dgm:pt modelId="{D42C66B9-1A98-42AB-BDCE-256F5A809191}" type="sibTrans" cxnId="{2DAF414F-9ECB-40E1-983E-1158060E092A}">
+      <dgm:prSet/>
+      <dgm:spPr/>
+      <dgm:t>
+        <a:bodyPr/>
+        <a:lstStyle/>
+        <a:p>
+          <a:endParaRPr lang="en-US"/>
+        </a:p>
+      </dgm:t>
+    </dgm:pt>
+    <dgm:pt modelId="{8335B330-8F3C-4F5A-B83D-16CF8C6493DE}">
+      <dgm:prSet phldrT="[Text]"/>
+      <dgm:spPr/>
+      <dgm:t>
+        <a:bodyPr/>
+        <a:lstStyle/>
+        <a:p>
+          <a:pPr>
+            <a:lnSpc>
+              <a:spcPct val="113000"/>
+            </a:lnSpc>
+          </a:pPr>
+          <a:endParaRPr lang="en-US" dirty="0"/>
+        </a:p>
+      </dgm:t>
+    </dgm:pt>
+    <dgm:pt modelId="{E2F374E9-80E3-4024-9877-7030A48B066F}" type="parTrans" cxnId="{000D8AFB-0C8B-420C-B312-D8213E7B682C}">
+      <dgm:prSet/>
+      <dgm:spPr/>
+      <dgm:t>
+        <a:bodyPr/>
+        <a:lstStyle/>
+        <a:p>
+          <a:endParaRPr lang="en-US"/>
+        </a:p>
+      </dgm:t>
+    </dgm:pt>
+    <dgm:pt modelId="{85B410EB-CDC5-432D-A7C1-B41AB7A9079B}" type="sibTrans" cxnId="{000D8AFB-0C8B-420C-B312-D8213E7B682C}">
+      <dgm:prSet/>
+      <dgm:spPr/>
+      <dgm:t>
+        <a:bodyPr/>
+        <a:lstStyle/>
+        <a:p>
+          <a:endParaRPr lang="en-US"/>
+        </a:p>
+      </dgm:t>
+    </dgm:pt>
+    <dgm:pt modelId="{D52E4CD1-1E90-4F22-89C5-47DD5D177D9E}">
+      <dgm:prSet phldrT="[Text]"/>
+      <dgm:spPr/>
+      <dgm:t>
+        <a:bodyPr/>
+        <a:lstStyle/>
+        <a:p>
+          <a:pPr>
+            <a:lnSpc>
+              <a:spcPct val="113000"/>
+            </a:lnSpc>
+          </a:pPr>
+          <a:endParaRPr lang="en-US" dirty="0"/>
+        </a:p>
+      </dgm:t>
+    </dgm:pt>
+    <dgm:pt modelId="{73452E8A-880F-4B08-B17B-4D8B2466FE0E}" type="parTrans" cxnId="{8086041D-DC06-4030-881B-B9B385D1E965}">
+      <dgm:prSet/>
+      <dgm:spPr/>
+      <dgm:t>
+        <a:bodyPr/>
+        <a:lstStyle/>
+        <a:p>
+          <a:endParaRPr lang="en-US"/>
+        </a:p>
+      </dgm:t>
+    </dgm:pt>
+    <dgm:pt modelId="{53EC1ED5-1CE4-4058-90DA-87A2C3DE7DE7}" type="sibTrans" cxnId="{8086041D-DC06-4030-881B-B9B385D1E965}">
+      <dgm:prSet/>
+      <dgm:spPr/>
+      <dgm:t>
+        <a:bodyPr/>
+        <a:lstStyle/>
+        <a:p>
+          <a:endParaRPr lang="en-US"/>
+        </a:p>
+      </dgm:t>
+    </dgm:pt>
+    <dgm:pt modelId="{172076B4-9F91-423C-9222-AAB7BC75127B}">
+      <dgm:prSet phldrT="[Text]"/>
+      <dgm:spPr/>
+      <dgm:t>
+        <a:bodyPr/>
+        <a:lstStyle/>
+        <a:p>
+          <a:pPr>
+            <a:lnSpc>
+              <a:spcPct val="113000"/>
+            </a:lnSpc>
+          </a:pPr>
+          <a:endParaRPr lang="en-US" dirty="0"/>
+        </a:p>
+      </dgm:t>
+    </dgm:pt>
+    <dgm:pt modelId="{2DBBEF2C-355C-477A-8A3E-FC072C284882}" type="parTrans" cxnId="{DB6D0EE1-FFE2-4985-8B3E-275CEB4B552F}">
+      <dgm:prSet/>
+      <dgm:spPr/>
+      <dgm:t>
+        <a:bodyPr/>
+        <a:lstStyle/>
+        <a:p>
+          <a:endParaRPr lang="en-US"/>
+        </a:p>
+      </dgm:t>
+    </dgm:pt>
+    <dgm:pt modelId="{07AA7B43-676B-4DB4-ABF2-657EFCB39B81}" type="sibTrans" cxnId="{DB6D0EE1-FFE2-4985-8B3E-275CEB4B552F}">
+      <dgm:prSet/>
+      <dgm:spPr/>
+      <dgm:t>
+        <a:bodyPr/>
+        <a:lstStyle/>
+        <a:p>
+          <a:endParaRPr lang="en-US"/>
+        </a:p>
+      </dgm:t>
+    </dgm:pt>
+    <dgm:pt modelId="{2B98AEC4-AE32-4875-B223-86683A4C7025}">
+      <dgm:prSet phldrT="[Text]"/>
+      <dgm:spPr/>
+      <dgm:t>
+        <a:bodyPr/>
+        <a:lstStyle/>
+        <a:p>
+          <a:pPr>
+            <a:lnSpc>
+              <a:spcPct val="113000"/>
+            </a:lnSpc>
+          </a:pPr>
+          <a:endParaRPr lang="en-US" dirty="0"/>
+        </a:p>
+      </dgm:t>
+    </dgm:pt>
+    <dgm:pt modelId="{9BBF2483-EC16-43DC-967A-1ADF7AE8B28F}" type="parTrans" cxnId="{9D681266-2BC0-41AF-8170-5A5B6C70B50E}">
+      <dgm:prSet/>
+      <dgm:spPr/>
+      <dgm:t>
+        <a:bodyPr/>
+        <a:lstStyle/>
+        <a:p>
+          <a:endParaRPr lang="en-US"/>
+        </a:p>
+      </dgm:t>
+    </dgm:pt>
+    <dgm:pt modelId="{515EF16A-92AC-4F3A-A1AA-5238E01D0BD4}" type="sibTrans" cxnId="{9D681266-2BC0-41AF-8170-5A5B6C70B50E}">
+      <dgm:prSet/>
+      <dgm:spPr/>
+      <dgm:t>
+        <a:bodyPr/>
+        <a:lstStyle/>
+        <a:p>
+          <a:endParaRPr lang="en-US"/>
+        </a:p>
+      </dgm:t>
+    </dgm:pt>
+    <dgm:pt modelId="{314DA2A1-425F-46FA-9CC1-1D894EF04834}" type="pres">
+      <dgm:prSet presAssocID="{B553F24F-5771-42C5-8C0C-830472185243}" presName="Name0" presStyleCnt="0">
+        <dgm:presLayoutVars>
+          <dgm:dir/>
+          <dgm:animLvl val="lvl"/>
+          <dgm:resizeHandles val="exact"/>
+        </dgm:presLayoutVars>
+      </dgm:prSet>
+      <dgm:spPr/>
+    </dgm:pt>
+    <dgm:pt modelId="{3EA58DCF-9A08-4B1B-A1C8-131E96A1B5D2}" type="pres">
+      <dgm:prSet presAssocID="{E7BCF1D7-5919-4267-8CDB-9D45BC217A9A}" presName="composite" presStyleCnt="0"/>
+      <dgm:spPr/>
+    </dgm:pt>
+    <dgm:pt modelId="{38936D9E-6EC3-4350-907F-3717AEB94421}" type="pres">
+      <dgm:prSet presAssocID="{E7BCF1D7-5919-4267-8CDB-9D45BC217A9A}" presName="parTx" presStyleLbl="alignNode1" presStyleIdx="0" presStyleCnt="5">
+        <dgm:presLayoutVars>
+          <dgm:chMax val="0"/>
+          <dgm:chPref val="0"/>
+          <dgm:bulletEnabled val="1"/>
+        </dgm:presLayoutVars>
+      </dgm:prSet>
+      <dgm:spPr/>
+      <dgm:t>
+        <a:bodyPr/>
+        <a:lstStyle/>
+        <a:p>
+          <a:endParaRPr lang="en-US"/>
+        </a:p>
+      </dgm:t>
+    </dgm:pt>
+    <dgm:pt modelId="{D9F31A1D-BCFB-4F1B-A19C-9C04FC4DC1D8}" type="pres">
+      <dgm:prSet presAssocID="{E7BCF1D7-5919-4267-8CDB-9D45BC217A9A}" presName="desTx" presStyleLbl="alignAccFollowNode1" presStyleIdx="0" presStyleCnt="5">
+        <dgm:presLayoutVars>
+          <dgm:bulletEnabled val="1"/>
+        </dgm:presLayoutVars>
+      </dgm:prSet>
+      <dgm:spPr/>
+      <dgm:t>
+        <a:bodyPr/>
+        <a:lstStyle/>
+        <a:p>
+          <a:endParaRPr lang="en-US"/>
+        </a:p>
+      </dgm:t>
+    </dgm:pt>
+    <dgm:pt modelId="{51DD540E-0D73-4AA4-BC43-8D48695D8660}" type="pres">
+      <dgm:prSet presAssocID="{34E7AB95-5297-4B5B-8B15-C739EB18E8CB}" presName="space" presStyleCnt="0"/>
+      <dgm:spPr/>
+    </dgm:pt>
+    <dgm:pt modelId="{8B85B0D4-C5FA-47A8-9057-EC980E309182}" type="pres">
+      <dgm:prSet presAssocID="{91E4A154-1AC5-4E89-A5FF-2BA1FBB46F0B}" presName="composite" presStyleCnt="0"/>
+      <dgm:spPr/>
+    </dgm:pt>
+    <dgm:pt modelId="{A1B3B5B0-0496-4B66-948C-623982EAC071}" type="pres">
+      <dgm:prSet presAssocID="{91E4A154-1AC5-4E89-A5FF-2BA1FBB46F0B}" presName="parTx" presStyleLbl="alignNode1" presStyleIdx="1" presStyleCnt="5">
+        <dgm:presLayoutVars>
+          <dgm:chMax val="0"/>
+          <dgm:chPref val="0"/>
+          <dgm:bulletEnabled val="1"/>
+        </dgm:presLayoutVars>
+      </dgm:prSet>
+      <dgm:spPr/>
+    </dgm:pt>
+    <dgm:pt modelId="{53EC3F8E-CE24-46D9-AED4-C244126C8EF1}" type="pres">
+      <dgm:prSet presAssocID="{91E4A154-1AC5-4E89-A5FF-2BA1FBB46F0B}" presName="desTx" presStyleLbl="alignAccFollowNode1" presStyleIdx="1" presStyleCnt="5">
+        <dgm:presLayoutVars>
+          <dgm:bulletEnabled val="1"/>
+        </dgm:presLayoutVars>
+      </dgm:prSet>
+      <dgm:spPr/>
+      <dgm:t>
+        <a:bodyPr/>
+        <a:lstStyle/>
+        <a:p>
+          <a:endParaRPr lang="en-US"/>
+        </a:p>
+      </dgm:t>
+    </dgm:pt>
+    <dgm:pt modelId="{C4D4FB72-4E1F-4D8A-9BA6-65752D2830E4}" type="pres">
+      <dgm:prSet presAssocID="{2C6E0207-4AC5-49A9-A14C-AFCF09EDDA8B}" presName="space" presStyleCnt="0"/>
+      <dgm:spPr/>
+    </dgm:pt>
+    <dgm:pt modelId="{56940FA2-6250-4803-B536-3F2BBDA8C6DA}" type="pres">
+      <dgm:prSet presAssocID="{386BB72C-8E01-465D-B095-FE2A85B32949}" presName="composite" presStyleCnt="0"/>
+      <dgm:spPr/>
+    </dgm:pt>
+    <dgm:pt modelId="{FD00F77E-643B-46CD-8432-09B8A1B2C181}" type="pres">
+      <dgm:prSet presAssocID="{386BB72C-8E01-465D-B095-FE2A85B32949}" presName="parTx" presStyleLbl="alignNode1" presStyleIdx="2" presStyleCnt="5">
+        <dgm:presLayoutVars>
+          <dgm:chMax val="0"/>
+          <dgm:chPref val="0"/>
+          <dgm:bulletEnabled val="1"/>
+        </dgm:presLayoutVars>
+      </dgm:prSet>
+      <dgm:spPr/>
+      <dgm:t>
+        <a:bodyPr/>
+        <a:lstStyle/>
+        <a:p>
+          <a:endParaRPr lang="en-US"/>
+        </a:p>
+      </dgm:t>
+    </dgm:pt>
+    <dgm:pt modelId="{9C9C4B6E-B56A-4C37-8305-2EA6E23B1EEE}" type="pres">
+      <dgm:prSet presAssocID="{386BB72C-8E01-465D-B095-FE2A85B32949}" presName="desTx" presStyleLbl="alignAccFollowNode1" presStyleIdx="2" presStyleCnt="5">
+        <dgm:presLayoutVars>
+          <dgm:bulletEnabled val="1"/>
+        </dgm:presLayoutVars>
+      </dgm:prSet>
+      <dgm:spPr/>
+      <dgm:t>
+        <a:bodyPr/>
+        <a:lstStyle/>
+        <a:p>
+          <a:endParaRPr lang="en-US"/>
+        </a:p>
+      </dgm:t>
+    </dgm:pt>
+    <dgm:pt modelId="{D7E83F96-30B9-4DBC-AECA-7B0B9D19EACE}" type="pres">
+      <dgm:prSet presAssocID="{2A534369-D44A-438D-ABA2-2BEA6A741D1E}" presName="space" presStyleCnt="0"/>
+      <dgm:spPr/>
+    </dgm:pt>
+    <dgm:pt modelId="{A93DEB07-2684-4CB8-89D9-7F5A0907D1F5}" type="pres">
+      <dgm:prSet presAssocID="{9B1CD7DD-28A4-4EE8-B535-99AC1EF92659}" presName="composite" presStyleCnt="0"/>
+      <dgm:spPr/>
+    </dgm:pt>
+    <dgm:pt modelId="{C11FF14D-5887-4DC6-B4AD-F2BC86227811}" type="pres">
+      <dgm:prSet presAssocID="{9B1CD7DD-28A4-4EE8-B535-99AC1EF92659}" presName="parTx" presStyleLbl="alignNode1" presStyleIdx="3" presStyleCnt="5">
+        <dgm:presLayoutVars>
+          <dgm:chMax val="0"/>
+          <dgm:chPref val="0"/>
+          <dgm:bulletEnabled val="1"/>
+        </dgm:presLayoutVars>
+      </dgm:prSet>
+      <dgm:spPr/>
+      <dgm:t>
+        <a:bodyPr/>
+        <a:lstStyle/>
+        <a:p>
+          <a:endParaRPr lang="en-US"/>
+        </a:p>
+      </dgm:t>
+    </dgm:pt>
+    <dgm:pt modelId="{0CB36A8D-E631-41F5-A656-AC04C175B272}" type="pres">
+      <dgm:prSet presAssocID="{9B1CD7DD-28A4-4EE8-B535-99AC1EF92659}" presName="desTx" presStyleLbl="alignAccFollowNode1" presStyleIdx="3" presStyleCnt="5">
+        <dgm:presLayoutVars>
+          <dgm:bulletEnabled val="1"/>
+        </dgm:presLayoutVars>
+      </dgm:prSet>
+      <dgm:spPr/>
+      <dgm:t>
+        <a:bodyPr/>
+        <a:lstStyle/>
+        <a:p>
+          <a:endParaRPr lang="en-US"/>
+        </a:p>
+      </dgm:t>
+    </dgm:pt>
+    <dgm:pt modelId="{EA0A5C6A-D3D1-4802-B9A5-CE7E45E024B3}" type="pres">
+      <dgm:prSet presAssocID="{48BFBFE0-176E-4728-85D6-773ADA3B0FEB}" presName="space" presStyleCnt="0"/>
+      <dgm:spPr/>
+    </dgm:pt>
+    <dgm:pt modelId="{9EA570CC-FCD4-48D3-9733-9F434A796C1B}" type="pres">
+      <dgm:prSet presAssocID="{04356CC5-77BD-4476-9BDC-E15F2B3441ED}" presName="composite" presStyleCnt="0"/>
+      <dgm:spPr/>
+    </dgm:pt>
+    <dgm:pt modelId="{238B5F8F-CC6F-47A8-A69A-E9FB77787786}" type="pres">
+      <dgm:prSet presAssocID="{04356CC5-77BD-4476-9BDC-E15F2B3441ED}" presName="parTx" presStyleLbl="alignNode1" presStyleIdx="4" presStyleCnt="5">
+        <dgm:presLayoutVars>
+          <dgm:chMax val="0"/>
+          <dgm:chPref val="0"/>
+          <dgm:bulletEnabled val="1"/>
+        </dgm:presLayoutVars>
+      </dgm:prSet>
+      <dgm:spPr/>
+      <dgm:t>
+        <a:bodyPr/>
+        <a:lstStyle/>
+        <a:p>
+          <a:endParaRPr lang="en-US"/>
+        </a:p>
+      </dgm:t>
+    </dgm:pt>
+    <dgm:pt modelId="{F92B99B9-EBB8-473C-8F33-1798AEC82375}" type="pres">
+      <dgm:prSet presAssocID="{04356CC5-77BD-4476-9BDC-E15F2B3441ED}" presName="desTx" presStyleLbl="alignAccFollowNode1" presStyleIdx="4" presStyleCnt="5">
+        <dgm:presLayoutVars>
+          <dgm:bulletEnabled val="1"/>
+        </dgm:presLayoutVars>
+      </dgm:prSet>
+      <dgm:spPr/>
+      <dgm:t>
+        <a:bodyPr/>
+        <a:lstStyle/>
+        <a:p>
+          <a:endParaRPr lang="en-US"/>
+        </a:p>
+      </dgm:t>
+    </dgm:pt>
+  </dgm:ptLst>
+  <dgm:cxnLst>
+    <dgm:cxn modelId="{562E3624-08C8-484D-8164-B626BC2B811F}" srcId="{E7BCF1D7-5919-4267-8CDB-9D45BC217A9A}" destId="{8367A2EC-B50E-4490-A5E2-DBEACD8D8F2A}" srcOrd="0" destOrd="0" parTransId="{F7689A1C-E137-4651-B331-3F2EAC810FB6}" sibTransId="{17783083-4192-4473-A6EA-DFC08737C16E}"/>
+    <dgm:cxn modelId="{2F95DCFF-2B7D-48BB-BCA7-3BFC268D2DB4}" type="presOf" srcId="{3EA68997-6558-4CC7-9C28-984343CE00DD}" destId="{0CB36A8D-E631-41F5-A656-AC04C175B272}" srcOrd="0" destOrd="5" presId="urn:microsoft.com/office/officeart/2005/8/layout/hList1"/>
+    <dgm:cxn modelId="{365C99C7-8DB5-4FDE-A067-A7C146A0159A}" srcId="{386BB72C-8E01-465D-B095-FE2A85B32949}" destId="{C063A018-3B66-4461-9C15-CB21BFC70D26}" srcOrd="2" destOrd="0" parTransId="{3105EFDD-5F78-4F33-8EAC-5FE5B7C7575A}" sibTransId="{576E09C0-F320-4EA1-874D-A500D5453EA4}"/>
+    <dgm:cxn modelId="{4DBA3270-B8DE-4B8E-9DD4-614117672ED8}" srcId="{B553F24F-5771-42C5-8C0C-830472185243}" destId="{386BB72C-8E01-465D-B095-FE2A85B32949}" srcOrd="2" destOrd="0" parTransId="{64C74B00-32CE-4B68-B00C-DCD90C204496}" sibTransId="{2A534369-D44A-438D-ABA2-2BEA6A741D1E}"/>
+    <dgm:cxn modelId="{B5C8597A-C5BB-4BEC-890F-F14D40F344BC}" type="presOf" srcId="{E7BCF1D7-5919-4267-8CDB-9D45BC217A9A}" destId="{38936D9E-6EC3-4350-907F-3717AEB94421}" srcOrd="0" destOrd="0" presId="urn:microsoft.com/office/officeart/2005/8/layout/hList1"/>
+    <dgm:cxn modelId="{1D70AEBF-98E1-42C0-A722-93E604E018A0}" srcId="{E7BCF1D7-5919-4267-8CDB-9D45BC217A9A}" destId="{4E6099E6-ED20-4989-8384-D95F9BB84E64}" srcOrd="1" destOrd="0" parTransId="{1B2D4456-1814-4306-A38A-039C1F7B0169}" sibTransId="{E55A9CBC-1324-45C6-BBC7-BA8338BC11DF}"/>
+    <dgm:cxn modelId="{CDB9A998-BA56-46E8-B341-6784CD450098}" type="presOf" srcId="{AF426444-E686-4FE3-9BE0-BA3CB1B4A5F3}" destId="{D9F31A1D-BCFB-4F1B-A19C-9C04FC4DC1D8}" srcOrd="0" destOrd="5" presId="urn:microsoft.com/office/officeart/2005/8/layout/hList1"/>
+    <dgm:cxn modelId="{AFE892A6-E81F-4103-B0AD-34C87430F7E2}" type="presOf" srcId="{E299E7D4-A885-49A4-BC20-03CDFC18D4EF}" destId="{D9F31A1D-BCFB-4F1B-A19C-9C04FC4DC1D8}" srcOrd="0" destOrd="4" presId="urn:microsoft.com/office/officeart/2005/8/layout/hList1"/>
+    <dgm:cxn modelId="{D3B7505A-FC6A-472F-B75B-EE2AAC01C76C}" type="presOf" srcId="{F6185E7D-1280-4DCE-BFC6-9FA2A49D54BF}" destId="{0CB36A8D-E631-41F5-A656-AC04C175B272}" srcOrd="0" destOrd="4" presId="urn:microsoft.com/office/officeart/2005/8/layout/hList1"/>
+    <dgm:cxn modelId="{E4018972-7093-4CED-A027-FC7A10D8F369}" srcId="{9B1CD7DD-28A4-4EE8-B535-99AC1EF92659}" destId="{5EDCC88E-5B88-4996-BB44-5870364C57EE}" srcOrd="0" destOrd="0" parTransId="{69174BE9-3CB7-4569-9063-B8B88187C235}" sibTransId="{33025D33-3D54-42B5-98C7-A6E0D062B79D}"/>
+    <dgm:cxn modelId="{83537A97-3D9D-45AB-9B79-E25DCC9067A0}" srcId="{9B1CD7DD-28A4-4EE8-B535-99AC1EF92659}" destId="{F6185E7D-1280-4DCE-BFC6-9FA2A49D54BF}" srcOrd="4" destOrd="0" parTransId="{2B42C72C-31B3-476E-8696-81C1D667A0E7}" sibTransId="{B9874F82-321D-4225-B5F5-4694BF15D4E3}"/>
+    <dgm:cxn modelId="{FA01F052-4EB2-46B7-A220-973654F78B61}" type="presOf" srcId="{1E6E943B-B7C8-4D29-B4C2-DDDA55F07CA9}" destId="{F92B99B9-EBB8-473C-8F33-1798AEC82375}" srcOrd="0" destOrd="8" presId="urn:microsoft.com/office/officeart/2005/8/layout/hList1"/>
+    <dgm:cxn modelId="{8169E898-05DA-4E9B-94CF-C4FD923A8C9C}" type="presOf" srcId="{172076B4-9F91-423C-9222-AAB7BC75127B}" destId="{F92B99B9-EBB8-473C-8F33-1798AEC82375}" srcOrd="0" destOrd="2" presId="urn:microsoft.com/office/officeart/2005/8/layout/hList1"/>
+    <dgm:cxn modelId="{C3668D51-B501-44DD-908B-AEA2D4E1FAD2}" type="presOf" srcId="{E9E961A0-5CDF-48D5-8924-893F6E32D394}" destId="{F92B99B9-EBB8-473C-8F33-1798AEC82375}" srcOrd="0" destOrd="5" presId="urn:microsoft.com/office/officeart/2005/8/layout/hList1"/>
+    <dgm:cxn modelId="{E440ABC2-59BD-4452-928F-3E95B96EB17B}" type="presOf" srcId="{EBC746FF-9DB3-4542-A3B7-FE7EE87CCB41}" destId="{F92B99B9-EBB8-473C-8F33-1798AEC82375}" srcOrd="0" destOrd="4" presId="urn:microsoft.com/office/officeart/2005/8/layout/hList1"/>
+    <dgm:cxn modelId="{6580C598-503F-4440-921F-61C8CC37FF2C}" type="presOf" srcId="{B553F24F-5771-42C5-8C0C-830472185243}" destId="{314DA2A1-425F-46FA-9CC1-1D894EF04834}" srcOrd="0" destOrd="0" presId="urn:microsoft.com/office/officeart/2005/8/layout/hList1"/>
+    <dgm:cxn modelId="{EF7E8A15-4C06-4950-B969-6D6B86D840B6}" srcId="{E7BCF1D7-5919-4267-8CDB-9D45BC217A9A}" destId="{E299E7D4-A885-49A4-BC20-03CDFC18D4EF}" srcOrd="4" destOrd="0" parTransId="{459B9591-AF8E-46CA-B509-58E80964CDC4}" sibTransId="{F6B2C977-B4AD-4A55-B48D-616622D8C7A8}"/>
+    <dgm:cxn modelId="{2C51F09B-DF09-4B7D-953F-36A6ADD98043}" srcId="{91E4A154-1AC5-4E89-A5FF-2BA1FBB46F0B}" destId="{14F13172-7A02-4563-9591-97349C7B15BE}" srcOrd="1" destOrd="0" parTransId="{84EBACCE-FD58-4F0D-847E-DF689483B437}" sibTransId="{B752C099-D543-491A-BA6D-C2A2C1155B04}"/>
+    <dgm:cxn modelId="{EF76311D-EB0C-429F-A6D5-4EB3674A5672}" srcId="{04356CC5-77BD-4476-9BDC-E15F2B3441ED}" destId="{E9E961A0-5CDF-48D5-8924-893F6E32D394}" srcOrd="5" destOrd="0" parTransId="{CD9A31E1-839D-479F-A5B4-743E41FDD003}" sibTransId="{08A2587D-A3A2-401C-B472-DA086524AAE5}"/>
+    <dgm:cxn modelId="{F2FB5819-68B7-40BE-AE23-B26A3FC9C31D}" srcId="{386BB72C-8E01-465D-B095-FE2A85B32949}" destId="{19523335-1CBC-4702-B97E-8F247913B5DD}" srcOrd="5" destOrd="0" parTransId="{CD5BE79A-9854-4523-AE69-41279BC5E5C0}" sibTransId="{2D2D86C6-FDD8-4570-8EDC-6B9B177BD2A9}"/>
+    <dgm:cxn modelId="{DB6D0EE1-FFE2-4985-8B3E-275CEB4B552F}" srcId="{04356CC5-77BD-4476-9BDC-E15F2B3441ED}" destId="{172076B4-9F91-423C-9222-AAB7BC75127B}" srcOrd="2" destOrd="0" parTransId="{2DBBEF2C-355C-477A-8A3E-FC072C284882}" sibTransId="{07AA7B43-676B-4DB4-ABF2-657EFCB39B81}"/>
+    <dgm:cxn modelId="{A0862A74-9FCB-481E-B5B4-07A59D469000}" srcId="{91E4A154-1AC5-4E89-A5FF-2BA1FBB46F0B}" destId="{AEBCD51D-ECE1-4B19-B467-D6036003E466}" srcOrd="2" destOrd="0" parTransId="{1CD4414D-9ED8-4494-BA37-23C096F432AD}" sibTransId="{F3FF6848-ED5B-4CF5-823F-79AEEDB2173D}"/>
+    <dgm:cxn modelId="{68ABF2A5-167F-41FF-A22D-01FBA9966ACC}" srcId="{04356CC5-77BD-4476-9BDC-E15F2B3441ED}" destId="{1E6E943B-B7C8-4D29-B4C2-DDDA55F07CA9}" srcOrd="6" destOrd="0" parTransId="{BB3EDC71-1DB2-4775-B426-AD33A5E4D456}" sibTransId="{22CCFD62-61B1-49EB-AD04-199845723D92}"/>
+    <dgm:cxn modelId="{F56FEE57-7768-4C97-AB8D-B152FA337D4A}" type="presOf" srcId="{20B27A03-EC4A-4D01-A5B2-A944605BF90D}" destId="{0CB36A8D-E631-41F5-A656-AC04C175B272}" srcOrd="0" destOrd="6" presId="urn:microsoft.com/office/officeart/2005/8/layout/hList1"/>
+    <dgm:cxn modelId="{BF0173FC-3C5F-45D9-87E0-AE43A63201EC}" type="presOf" srcId="{10B5F3C7-DF24-45CA-8D10-CB4BA9CFB275}" destId="{D9F31A1D-BCFB-4F1B-A19C-9C04FC4DC1D8}" srcOrd="0" destOrd="2" presId="urn:microsoft.com/office/officeart/2005/8/layout/hList1"/>
+    <dgm:cxn modelId="{B288FC6A-A1F3-47ED-95BC-DBDFB82C172A}" type="presOf" srcId="{91F14D65-3EB6-46A6-A65E-ACA6411728F3}" destId="{53EC3F8E-CE24-46D9-AED4-C244126C8EF1}" srcOrd="0" destOrd="3" presId="urn:microsoft.com/office/officeart/2005/8/layout/hList1"/>
+    <dgm:cxn modelId="{99CAB91E-8E71-49AE-831E-4C4823A04DA3}" type="presOf" srcId="{91E4A154-1AC5-4E89-A5FF-2BA1FBB46F0B}" destId="{A1B3B5B0-0496-4B66-948C-623982EAC071}" srcOrd="0" destOrd="0" presId="urn:microsoft.com/office/officeart/2005/8/layout/hList1"/>
+    <dgm:cxn modelId="{7652AB20-23E5-48AF-A2C9-4D8610239BA9}" type="presOf" srcId="{AEBCD51D-ECE1-4B19-B467-D6036003E466}" destId="{53EC3F8E-CE24-46D9-AED4-C244126C8EF1}" srcOrd="0" destOrd="2" presId="urn:microsoft.com/office/officeart/2005/8/layout/hList1"/>
+    <dgm:cxn modelId="{0E75A263-D628-4BB0-B74A-84DA65E99B1A}" srcId="{9B1CD7DD-28A4-4EE8-B535-99AC1EF92659}" destId="{20B27A03-EC4A-4D01-A5B2-A944605BF90D}" srcOrd="6" destOrd="0" parTransId="{1B9D9A31-16A4-4FF9-85EC-AC941A10698E}" sibTransId="{02739645-FB19-4312-A280-801A4817EE17}"/>
+    <dgm:cxn modelId="{63B514CA-C8EF-4AA2-9531-F298D5CB9012}" srcId="{386BB72C-8E01-465D-B095-FE2A85B32949}" destId="{9ED0DAF6-BC52-49F4-8193-F6D2E26CD330}" srcOrd="1" destOrd="0" parTransId="{F7C4265F-00AC-4DD3-9123-19A19E479A74}" sibTransId="{15FFB9FC-ECFC-4DBB-9544-849A0024FE39}"/>
+    <dgm:cxn modelId="{B12E00EB-FB54-46C8-8B0F-A8FDDCDE1235}" type="presOf" srcId="{8C4C518F-00D1-403B-954A-F0DEE0D0E55C}" destId="{53EC3F8E-CE24-46D9-AED4-C244126C8EF1}" srcOrd="0" destOrd="6" presId="urn:microsoft.com/office/officeart/2005/8/layout/hList1"/>
+    <dgm:cxn modelId="{A88584AE-5B87-4454-BDAC-67AB7B8CF1DD}" srcId="{9B1CD7DD-28A4-4EE8-B535-99AC1EF92659}" destId="{A7395B70-7800-4673-A110-AEEA64B77177}" srcOrd="2" destOrd="0" parTransId="{B4F90BB5-CE5D-43FB-9DBA-DAFDD7C03513}" sibTransId="{9CF3F2EB-7A22-400A-BC80-F4BC222BD1E8}"/>
+    <dgm:cxn modelId="{95D822F5-9475-4EFB-AB68-0B523C9C89FF}" srcId="{E7BCF1D7-5919-4267-8CDB-9D45BC217A9A}" destId="{AF426444-E686-4FE3-9BE0-BA3CB1B4A5F3}" srcOrd="5" destOrd="0" parTransId="{9FFB7F70-4B4F-433B-A846-B9A2E4DBCC9F}" sibTransId="{951E8C3E-F5F2-4EE5-8622-960A765B3244}"/>
+    <dgm:cxn modelId="{BFEE8A5D-3B8F-44ED-ABB9-2B14558667C3}" type="presOf" srcId="{F221BB9E-F886-407E-9F75-429308CCB49B}" destId="{0CB36A8D-E631-41F5-A656-AC04C175B272}" srcOrd="0" destOrd="3" presId="urn:microsoft.com/office/officeart/2005/8/layout/hList1"/>
+    <dgm:cxn modelId="{BD749246-EF51-4F15-A3EC-791E6A19CF23}" type="presOf" srcId="{9ED0DAF6-BC52-49F4-8193-F6D2E26CD330}" destId="{9C9C4B6E-B56A-4C37-8305-2EA6E23B1EEE}" srcOrd="0" destOrd="1" presId="urn:microsoft.com/office/officeart/2005/8/layout/hList1"/>
+    <dgm:cxn modelId="{38B1A8C8-359E-49D7-B801-48AB329E3139}" type="presOf" srcId="{4E6099E6-ED20-4989-8384-D95F9BB84E64}" destId="{D9F31A1D-BCFB-4F1B-A19C-9C04FC4DC1D8}" srcOrd="0" destOrd="1" presId="urn:microsoft.com/office/officeart/2005/8/layout/hList1"/>
+    <dgm:cxn modelId="{B78267E8-1729-43A6-B1F6-5DE25B2161C0}" srcId="{B553F24F-5771-42C5-8C0C-830472185243}" destId="{9B1CD7DD-28A4-4EE8-B535-99AC1EF92659}" srcOrd="3" destOrd="0" parTransId="{20BCB436-D669-47B2-BA12-F97B3C6F9CBD}" sibTransId="{48BFBFE0-176E-4728-85D6-773ADA3B0FEB}"/>
+    <dgm:cxn modelId="{85B2A2D6-FDD5-477E-BF3C-865326774C5B}" srcId="{E7BCF1D7-5919-4267-8CDB-9D45BC217A9A}" destId="{10B5F3C7-DF24-45CA-8D10-CB4BA9CFB275}" srcOrd="2" destOrd="0" parTransId="{6C2AE9B6-A7A6-4578-A46F-10920BB13A1E}" sibTransId="{368FEE0C-4FB7-4E01-9EAD-BBD953290EFB}"/>
+    <dgm:cxn modelId="{E71D8366-EF75-4B61-AF93-3E8FD9BE194D}" type="presOf" srcId="{14F13172-7A02-4563-9591-97349C7B15BE}" destId="{53EC3F8E-CE24-46D9-AED4-C244126C8EF1}" srcOrd="0" destOrd="1" presId="urn:microsoft.com/office/officeart/2005/8/layout/hList1"/>
+    <dgm:cxn modelId="{503C96AA-56B9-465D-9954-CA1DEC18391D}" srcId="{B553F24F-5771-42C5-8C0C-830472185243}" destId="{E7BCF1D7-5919-4267-8CDB-9D45BC217A9A}" srcOrd="0" destOrd="0" parTransId="{50B3FCAD-243B-4640-99AF-57CEDE6F7CDD}" sibTransId="{34E7AB95-5297-4B5B-8B15-C739EB18E8CB}"/>
+    <dgm:cxn modelId="{38AF1F70-97EE-4A76-AA4D-6FB5FDDC9435}" type="presOf" srcId="{51AEC496-8627-466F-87E3-FE82C2C4503D}" destId="{53EC3F8E-CE24-46D9-AED4-C244126C8EF1}" srcOrd="0" destOrd="4" presId="urn:microsoft.com/office/officeart/2005/8/layout/hList1"/>
+    <dgm:cxn modelId="{27D893B4-6602-473D-B823-8CB3A36BDF89}" type="presOf" srcId="{C063A018-3B66-4461-9C15-CB21BFC70D26}" destId="{9C9C4B6E-B56A-4C37-8305-2EA6E23B1EEE}" srcOrd="0" destOrd="2" presId="urn:microsoft.com/office/officeart/2005/8/layout/hList1"/>
+    <dgm:cxn modelId="{306DECB8-41F8-4F5C-AE21-31BA96222673}" srcId="{91E4A154-1AC5-4E89-A5FF-2BA1FBB46F0B}" destId="{BE084C3E-D872-4BD3-8C77-92194B5041D6}" srcOrd="5" destOrd="0" parTransId="{A4771617-C2B6-466A-94F9-AF278A0D763F}" sibTransId="{3E9F1C24-20A1-48C5-9B8F-B03945C3A8F3}"/>
+    <dgm:cxn modelId="{79748B0A-2AC0-46A4-A7E4-69577249D56C}" type="presOf" srcId="{8367A2EC-B50E-4490-A5E2-DBEACD8D8F2A}" destId="{D9F31A1D-BCFB-4F1B-A19C-9C04FC4DC1D8}" srcOrd="0" destOrd="0" presId="urn:microsoft.com/office/officeart/2005/8/layout/hList1"/>
+    <dgm:cxn modelId="{63057670-FE11-46BE-874B-21B7682DCAFD}" srcId="{386BB72C-8E01-465D-B095-FE2A85B32949}" destId="{B51F2E48-E297-490C-A3D6-E4E13ACDAAFC}" srcOrd="0" destOrd="0" parTransId="{DA35C2F9-9D52-49B5-8BDE-4AFE31C65D80}" sibTransId="{EF6A64C8-AA3D-4A79-B443-1195DFAD7559}"/>
+    <dgm:cxn modelId="{55DCEB03-E9CF-434F-B6F4-40BC70404548}" type="presOf" srcId="{B18FF318-C4EE-4789-AC85-B45EF4313EC0}" destId="{0CB36A8D-E631-41F5-A656-AC04C175B272}" srcOrd="0" destOrd="1" presId="urn:microsoft.com/office/officeart/2005/8/layout/hList1"/>
+    <dgm:cxn modelId="{5D47C81F-70A8-4A5E-8D4D-B54DB14BC3BD}" srcId="{E7BCF1D7-5919-4267-8CDB-9D45BC217A9A}" destId="{D04F2501-98BA-4268-AFC6-A581E1483882}" srcOrd="6" destOrd="0" parTransId="{AEFE89F5-E1F0-4337-9D21-C4EBF870D1BC}" sibTransId="{B66EA159-7BC0-4D9C-B953-BB501EBA530B}"/>
+    <dgm:cxn modelId="{073DEA32-353E-4CF3-B53A-4BF24BDF001B}" srcId="{91E4A154-1AC5-4E89-A5FF-2BA1FBB46F0B}" destId="{51AEC496-8627-466F-87E3-FE82C2C4503D}" srcOrd="4" destOrd="0" parTransId="{E3854CBD-659F-4607-B9FB-89D7C554707F}" sibTransId="{5D885E7A-161F-49BB-990E-59C3886A7320}"/>
+    <dgm:cxn modelId="{0575C6D4-2F09-43B5-8831-9026575026A4}" srcId="{E9E961A0-5CDF-48D5-8924-893F6E32D394}" destId="{7F989885-DF6B-4927-B3F2-5FF6DCE6F5F1}" srcOrd="1" destOrd="0" parTransId="{37821720-AC2D-4E51-9439-C6248CBB27D2}" sibTransId="{8DF64D84-307D-4B82-A06E-7EC474445F87}"/>
+    <dgm:cxn modelId="{229FC068-B8E0-4576-8B41-9FFD05FDD444}" type="presOf" srcId="{386BB72C-8E01-465D-B095-FE2A85B32949}" destId="{FD00F77E-643B-46CD-8432-09B8A1B2C181}" srcOrd="0" destOrd="0" presId="urn:microsoft.com/office/officeart/2005/8/layout/hList1"/>
+    <dgm:cxn modelId="{F0407430-F8D6-409F-B516-F6D80AFE3D2E}" type="presOf" srcId="{19523335-1CBC-4702-B97E-8F247913B5DD}" destId="{9C9C4B6E-B56A-4C37-8305-2EA6E23B1EEE}" srcOrd="0" destOrd="5" presId="urn:microsoft.com/office/officeart/2005/8/layout/hList1"/>
+    <dgm:cxn modelId="{331E21CA-6FD1-4E67-A0C4-71528A8A3FE6}" type="presOf" srcId="{5EDCC88E-5B88-4996-BB44-5870364C57EE}" destId="{0CB36A8D-E631-41F5-A656-AC04C175B272}" srcOrd="0" destOrd="0" presId="urn:microsoft.com/office/officeart/2005/8/layout/hList1"/>
+    <dgm:cxn modelId="{34268B14-1202-4DE5-9148-8B92C397F056}" type="presOf" srcId="{A7395B70-7800-4673-A110-AEEA64B77177}" destId="{0CB36A8D-E631-41F5-A656-AC04C175B272}" srcOrd="0" destOrd="2" presId="urn:microsoft.com/office/officeart/2005/8/layout/hList1"/>
+    <dgm:cxn modelId="{2DAF414F-9ECB-40E1-983E-1158060E092A}" srcId="{9B1CD7DD-28A4-4EE8-B535-99AC1EF92659}" destId="{F221BB9E-F886-407E-9F75-429308CCB49B}" srcOrd="3" destOrd="0" parTransId="{67C14A1B-0F6B-41AA-8D2E-8356434415A9}" sibTransId="{D42C66B9-1A98-42AB-BDCE-256F5A809191}"/>
+    <dgm:cxn modelId="{4FDE4F8A-231F-44B1-9A6B-8DF40487A939}" srcId="{91E4A154-1AC5-4E89-A5FF-2BA1FBB46F0B}" destId="{91F14D65-3EB6-46A6-A65E-ACA6411728F3}" srcOrd="3" destOrd="0" parTransId="{F7E490BD-0547-49B5-9AC5-C859DF4825D9}" sibTransId="{D08447EF-7181-4548-9D42-68AC648B3406}"/>
+    <dgm:cxn modelId="{31E747A4-CCE6-44B4-832C-6D92F2596AD7}" srcId="{386BB72C-8E01-465D-B095-FE2A85B32949}" destId="{74BE64DC-B28F-4F73-B164-2DBB45789BC5}" srcOrd="4" destOrd="0" parTransId="{2BA237BA-8DDE-402F-A7CF-1E3BB2A34015}" sibTransId="{1F0C1C32-E747-4FFA-82AB-629BC93192D3}"/>
+    <dgm:cxn modelId="{F0A7E8CC-E0D0-4C7B-83A7-3115E607BE54}" srcId="{9B1CD7DD-28A4-4EE8-B535-99AC1EF92659}" destId="{3EA68997-6558-4CC7-9C28-984343CE00DD}" srcOrd="5" destOrd="0" parTransId="{B1E3C209-6EA7-4804-89BF-A2E0C329E541}" sibTransId="{0099A9E4-EB57-4061-A93F-B1B0178AE245}"/>
+    <dgm:cxn modelId="{6F684752-186C-41C7-A977-E61958E56844}" type="presOf" srcId="{8335B330-8F3C-4F5A-B83D-16CF8C6493DE}" destId="{F92B99B9-EBB8-473C-8F33-1798AEC82375}" srcOrd="0" destOrd="0" presId="urn:microsoft.com/office/officeart/2005/8/layout/hList1"/>
+    <dgm:cxn modelId="{CA7FD3CB-3F3C-4F1F-94EA-EC6B60B5641F}" srcId="{9B1CD7DD-28A4-4EE8-B535-99AC1EF92659}" destId="{B18FF318-C4EE-4789-AC85-B45EF4313EC0}" srcOrd="1" destOrd="0" parTransId="{EA7645D6-B5A4-4845-890D-ED2392848371}" sibTransId="{0F22E6DC-EEC9-4F15-9DB2-92F38BEA8F4D}"/>
+    <dgm:cxn modelId="{081EEE63-1BDB-4971-9B9F-9AF49CDC9FE9}" type="presOf" srcId="{2B98AEC4-AE32-4875-B223-86683A4C7025}" destId="{F92B99B9-EBB8-473C-8F33-1798AEC82375}" srcOrd="0" destOrd="3" presId="urn:microsoft.com/office/officeart/2005/8/layout/hList1"/>
+    <dgm:cxn modelId="{27BEB345-4540-439A-8DC3-A477FB6DF282}" type="presOf" srcId="{93B3D1B6-0B1F-4023-9AD9-1C62E9F4573A}" destId="{D9F31A1D-BCFB-4F1B-A19C-9C04FC4DC1D8}" srcOrd="0" destOrd="3" presId="urn:microsoft.com/office/officeart/2005/8/layout/hList1"/>
+    <dgm:cxn modelId="{4948F4E8-59D7-4B62-9925-642C2CA62005}" type="presOf" srcId="{9B1CD7DD-28A4-4EE8-B535-99AC1EF92659}" destId="{C11FF14D-5887-4DC6-B4AD-F2BC86227811}" srcOrd="0" destOrd="0" presId="urn:microsoft.com/office/officeart/2005/8/layout/hList1"/>
+    <dgm:cxn modelId="{C5E6F532-B3BF-44D0-B123-380A9B60A8E8}" type="presOf" srcId="{B51F2E48-E297-490C-A3D6-E4E13ACDAAFC}" destId="{9C9C4B6E-B56A-4C37-8305-2EA6E23B1EEE}" srcOrd="0" destOrd="0" presId="urn:microsoft.com/office/officeart/2005/8/layout/hList1"/>
+    <dgm:cxn modelId="{4F2FBBB8-4561-414F-9C0E-ACAFCB87667B}" type="presOf" srcId="{04356CC5-77BD-4476-9BDC-E15F2B3441ED}" destId="{238B5F8F-CC6F-47A8-A69A-E9FB77787786}" srcOrd="0" destOrd="0" presId="urn:microsoft.com/office/officeart/2005/8/layout/hList1"/>
+    <dgm:cxn modelId="{22529319-29AE-4CF8-8DB3-C6FFB3D2A6C9}" srcId="{E7BCF1D7-5919-4267-8CDB-9D45BC217A9A}" destId="{93B3D1B6-0B1F-4023-9AD9-1C62E9F4573A}" srcOrd="3" destOrd="0" parTransId="{C549C734-17F7-4ECC-8227-BBA94AF0B4AD}" sibTransId="{2E1DE3DB-0E51-4F12-88B8-E47F445B8AFC}"/>
+    <dgm:cxn modelId="{A6772D05-77EF-427A-B4B5-B91C2EA95B23}" type="presOf" srcId="{E278F053-C17A-4A52-BB49-721F5761DB07}" destId="{9C9C4B6E-B56A-4C37-8305-2EA6E23B1EEE}" srcOrd="0" destOrd="3" presId="urn:microsoft.com/office/officeart/2005/8/layout/hList1"/>
+    <dgm:cxn modelId="{8086041D-DC06-4030-881B-B9B385D1E965}" srcId="{04356CC5-77BD-4476-9BDC-E15F2B3441ED}" destId="{D52E4CD1-1E90-4F22-89C5-47DD5D177D9E}" srcOrd="1" destOrd="0" parTransId="{73452E8A-880F-4B08-B17B-4D8B2466FE0E}" sibTransId="{53EC1ED5-1CE4-4058-90DA-87A2C3DE7DE7}"/>
+    <dgm:cxn modelId="{EF35CEDA-82F5-47A3-867F-FED5FC772F83}" srcId="{B553F24F-5771-42C5-8C0C-830472185243}" destId="{91E4A154-1AC5-4E89-A5FF-2BA1FBB46F0B}" srcOrd="1" destOrd="0" parTransId="{85218045-4F6A-4C34-A42E-46F2765AE988}" sibTransId="{2C6E0207-4AC5-49A9-A14C-AFCF09EDDA8B}"/>
+    <dgm:cxn modelId="{5BA10B44-8E06-4701-9459-2F0073B00202}" type="presOf" srcId="{7F989885-DF6B-4927-B3F2-5FF6DCE6F5F1}" destId="{F92B99B9-EBB8-473C-8F33-1798AEC82375}" srcOrd="0" destOrd="7" presId="urn:microsoft.com/office/officeart/2005/8/layout/hList1"/>
+    <dgm:cxn modelId="{000D8AFB-0C8B-420C-B312-D8213E7B682C}" srcId="{04356CC5-77BD-4476-9BDC-E15F2B3441ED}" destId="{8335B330-8F3C-4F5A-B83D-16CF8C6493DE}" srcOrd="0" destOrd="0" parTransId="{E2F374E9-80E3-4024-9877-7030A48B066F}" sibTransId="{85B410EB-CDC5-432D-A7C1-B41AB7A9079B}"/>
+    <dgm:cxn modelId="{67ADD224-70CB-413E-9A29-88A47B08B990}" type="presOf" srcId="{74BE64DC-B28F-4F73-B164-2DBB45789BC5}" destId="{9C9C4B6E-B56A-4C37-8305-2EA6E23B1EEE}" srcOrd="0" destOrd="4" presId="urn:microsoft.com/office/officeart/2005/8/layout/hList1"/>
+    <dgm:cxn modelId="{9FBAD34D-088A-4BA7-9A7F-5E1BF7A81D74}" type="presOf" srcId="{BE084C3E-D872-4BD3-8C77-92194B5041D6}" destId="{53EC3F8E-CE24-46D9-AED4-C244126C8EF1}" srcOrd="0" destOrd="5" presId="urn:microsoft.com/office/officeart/2005/8/layout/hList1"/>
+    <dgm:cxn modelId="{B2A45CAD-F156-4898-BEA5-8C93F36EDE49}" type="presOf" srcId="{D04F2501-98BA-4268-AFC6-A581E1483882}" destId="{D9F31A1D-BCFB-4F1B-A19C-9C04FC4DC1D8}" srcOrd="0" destOrd="6" presId="urn:microsoft.com/office/officeart/2005/8/layout/hList1"/>
+    <dgm:cxn modelId="{99E62B14-D96D-45FE-9B6C-CB697AC37D5E}" srcId="{91E4A154-1AC5-4E89-A5FF-2BA1FBB46F0B}" destId="{8C4C518F-00D1-403B-954A-F0DEE0D0E55C}" srcOrd="6" destOrd="0" parTransId="{EE3814E6-E849-4494-83C1-3B43ECD75C82}" sibTransId="{66C12D41-1D1D-40AB-BDD8-2CFCCD87EDC4}"/>
+    <dgm:cxn modelId="{5435268C-A590-4EF5-AD6A-A546E444F770}" srcId="{B553F24F-5771-42C5-8C0C-830472185243}" destId="{04356CC5-77BD-4476-9BDC-E15F2B3441ED}" srcOrd="4" destOrd="0" parTransId="{C89EC4CB-8FEA-4439-BAB0-D4FDFCCEFF02}" sibTransId="{47A3F8B9-0BF9-4097-9D2A-A74E919F9F33}"/>
+    <dgm:cxn modelId="{75287BA8-7A16-4DBD-806A-D73947BFC72F}" srcId="{386BB72C-8E01-465D-B095-FE2A85B32949}" destId="{E278F053-C17A-4A52-BB49-721F5761DB07}" srcOrd="3" destOrd="0" parTransId="{4897F6D9-54C6-4B20-988E-9A8B950EFACE}" sibTransId="{DA172165-1C0F-490A-97EE-0B7EBC031059}"/>
+    <dgm:cxn modelId="{BDF930CE-D6DC-4A0A-9A52-811439A42684}" srcId="{04356CC5-77BD-4476-9BDC-E15F2B3441ED}" destId="{EBC746FF-9DB3-4542-A3B7-FE7EE87CCB41}" srcOrd="4" destOrd="0" parTransId="{69CA8308-C74A-4BD5-AC14-0D2C2B666E05}" sibTransId="{A648440C-B5E8-4443-9DE3-8D9DA96A4D5E}"/>
+    <dgm:cxn modelId="{6D99D357-3BC7-4FF0-9E6C-09A3A3E8B1C7}" srcId="{E9E961A0-5CDF-48D5-8924-893F6E32D394}" destId="{E24F98FE-2636-459A-8F65-5A5A1A99046A}" srcOrd="0" destOrd="0" parTransId="{48611D49-3600-44C3-81BE-3D0CB49BD6E9}" sibTransId="{86B99E6D-721B-4311-A714-F7A378F93F7F}"/>
+    <dgm:cxn modelId="{9D681266-2BC0-41AF-8170-5A5B6C70B50E}" srcId="{04356CC5-77BD-4476-9BDC-E15F2B3441ED}" destId="{2B98AEC4-AE32-4875-B223-86683A4C7025}" srcOrd="3" destOrd="0" parTransId="{9BBF2483-EC16-43DC-967A-1ADF7AE8B28F}" sibTransId="{515EF16A-92AC-4F3A-A1AA-5238E01D0BD4}"/>
+    <dgm:cxn modelId="{5CCF3F40-B328-41AF-9326-4D6E9FFEF744}" type="presOf" srcId="{2FAB0024-9ABE-418E-B6FA-37BE89EA9EA0}" destId="{53EC3F8E-CE24-46D9-AED4-C244126C8EF1}" srcOrd="0" destOrd="0" presId="urn:microsoft.com/office/officeart/2005/8/layout/hList1"/>
+    <dgm:cxn modelId="{C8237F03-DFA4-440B-B59A-4788E7EB29E2}" type="presOf" srcId="{E24F98FE-2636-459A-8F65-5A5A1A99046A}" destId="{F92B99B9-EBB8-473C-8F33-1798AEC82375}" srcOrd="0" destOrd="6" presId="urn:microsoft.com/office/officeart/2005/8/layout/hList1"/>
+    <dgm:cxn modelId="{DE4969BB-E341-43D6-B1F7-C4765BC19017}" type="presOf" srcId="{D52E4CD1-1E90-4F22-89C5-47DD5D177D9E}" destId="{F92B99B9-EBB8-473C-8F33-1798AEC82375}" srcOrd="0" destOrd="1" presId="urn:microsoft.com/office/officeart/2005/8/layout/hList1"/>
+    <dgm:cxn modelId="{FFCA0CC5-9047-46C0-91E3-35D96C4676BA}" srcId="{91E4A154-1AC5-4E89-A5FF-2BA1FBB46F0B}" destId="{2FAB0024-9ABE-418E-B6FA-37BE89EA9EA0}" srcOrd="0" destOrd="0" parTransId="{47A22ABF-80E1-42AF-9BAD-616E2F873232}" sibTransId="{667EC5D4-A458-49AC-AE6B-03F98561E74D}"/>
+    <dgm:cxn modelId="{BBFA5058-3E28-4355-A52D-8E8B5D54C566}" type="presParOf" srcId="{314DA2A1-425F-46FA-9CC1-1D894EF04834}" destId="{3EA58DCF-9A08-4B1B-A1C8-131E96A1B5D2}" srcOrd="0" destOrd="0" presId="urn:microsoft.com/office/officeart/2005/8/layout/hList1"/>
+    <dgm:cxn modelId="{868C4B1C-1269-4EE8-86E2-7228655C167F}" type="presParOf" srcId="{3EA58DCF-9A08-4B1B-A1C8-131E96A1B5D2}" destId="{38936D9E-6EC3-4350-907F-3717AEB94421}" srcOrd="0" destOrd="0" presId="urn:microsoft.com/office/officeart/2005/8/layout/hList1"/>
+    <dgm:cxn modelId="{79E7A108-03C9-4F9D-A1ED-758A89657B5E}" type="presParOf" srcId="{3EA58DCF-9A08-4B1B-A1C8-131E96A1B5D2}" destId="{D9F31A1D-BCFB-4F1B-A19C-9C04FC4DC1D8}" srcOrd="1" destOrd="0" presId="urn:microsoft.com/office/officeart/2005/8/layout/hList1"/>
+    <dgm:cxn modelId="{381FC013-DEEA-4801-8458-72935584DA20}" type="presParOf" srcId="{314DA2A1-425F-46FA-9CC1-1D894EF04834}" destId="{51DD540E-0D73-4AA4-BC43-8D48695D8660}" srcOrd="1" destOrd="0" presId="urn:microsoft.com/office/officeart/2005/8/layout/hList1"/>
+    <dgm:cxn modelId="{76EFD2C7-2E48-48EA-943B-44485E148E46}" type="presParOf" srcId="{314DA2A1-425F-46FA-9CC1-1D894EF04834}" destId="{8B85B0D4-C5FA-47A8-9057-EC980E309182}" srcOrd="2" destOrd="0" presId="urn:microsoft.com/office/officeart/2005/8/layout/hList1"/>
+    <dgm:cxn modelId="{095B27CA-7259-4C02-81E2-C3695A5380F1}" type="presParOf" srcId="{8B85B0D4-C5FA-47A8-9057-EC980E309182}" destId="{A1B3B5B0-0496-4B66-948C-623982EAC071}" srcOrd="0" destOrd="0" presId="urn:microsoft.com/office/officeart/2005/8/layout/hList1"/>
+    <dgm:cxn modelId="{BDF44C0B-71A7-42E5-82EC-E016D7F1FEB1}" type="presParOf" srcId="{8B85B0D4-C5FA-47A8-9057-EC980E309182}" destId="{53EC3F8E-CE24-46D9-AED4-C244126C8EF1}" srcOrd="1" destOrd="0" presId="urn:microsoft.com/office/officeart/2005/8/layout/hList1"/>
+    <dgm:cxn modelId="{393829C2-D08F-4C42-8BE2-6A09F09694CC}" type="presParOf" srcId="{314DA2A1-425F-46FA-9CC1-1D894EF04834}" destId="{C4D4FB72-4E1F-4D8A-9BA6-65752D2830E4}" srcOrd="3" destOrd="0" presId="urn:microsoft.com/office/officeart/2005/8/layout/hList1"/>
+    <dgm:cxn modelId="{E4E82B9B-C6BB-47CC-99DD-37FC9CBD8A37}" type="presParOf" srcId="{314DA2A1-425F-46FA-9CC1-1D894EF04834}" destId="{56940FA2-6250-4803-B536-3F2BBDA8C6DA}" srcOrd="4" destOrd="0" presId="urn:microsoft.com/office/officeart/2005/8/layout/hList1"/>
+    <dgm:cxn modelId="{D5842735-FC83-4B85-9B50-AEDA7A2F80B3}" type="presParOf" srcId="{56940FA2-6250-4803-B536-3F2BBDA8C6DA}" destId="{FD00F77E-643B-46CD-8432-09B8A1B2C181}" srcOrd="0" destOrd="0" presId="urn:microsoft.com/office/officeart/2005/8/layout/hList1"/>
+    <dgm:cxn modelId="{90DEA712-56B1-49FA-97AD-D3B9E8DE304C}" type="presParOf" srcId="{56940FA2-6250-4803-B536-3F2BBDA8C6DA}" destId="{9C9C4B6E-B56A-4C37-8305-2EA6E23B1EEE}" srcOrd="1" destOrd="0" presId="urn:microsoft.com/office/officeart/2005/8/layout/hList1"/>
+    <dgm:cxn modelId="{B91027CB-C327-42F0-B3D9-153EDD92141D}" type="presParOf" srcId="{314DA2A1-425F-46FA-9CC1-1D894EF04834}" destId="{D7E83F96-30B9-4DBC-AECA-7B0B9D19EACE}" srcOrd="5" destOrd="0" presId="urn:microsoft.com/office/officeart/2005/8/layout/hList1"/>
+    <dgm:cxn modelId="{04FD32B6-8CBE-40AA-85D0-D5AB7EC0719A}" type="presParOf" srcId="{314DA2A1-425F-46FA-9CC1-1D894EF04834}" destId="{A93DEB07-2684-4CB8-89D9-7F5A0907D1F5}" srcOrd="6" destOrd="0" presId="urn:microsoft.com/office/officeart/2005/8/layout/hList1"/>
+    <dgm:cxn modelId="{165BB3E5-5404-400B-BCF3-9D5BB7F4C8FA}" type="presParOf" srcId="{A93DEB07-2684-4CB8-89D9-7F5A0907D1F5}" destId="{C11FF14D-5887-4DC6-B4AD-F2BC86227811}" srcOrd="0" destOrd="0" presId="urn:microsoft.com/office/officeart/2005/8/layout/hList1"/>
+    <dgm:cxn modelId="{4D151D11-FF7A-4FD6-8B05-5B5BF852AD7E}" type="presParOf" srcId="{A93DEB07-2684-4CB8-89D9-7F5A0907D1F5}" destId="{0CB36A8D-E631-41F5-A656-AC04C175B272}" srcOrd="1" destOrd="0" presId="urn:microsoft.com/office/officeart/2005/8/layout/hList1"/>
+    <dgm:cxn modelId="{479451EC-395B-48BA-B197-D7AB91F91B00}" type="presParOf" srcId="{314DA2A1-425F-46FA-9CC1-1D894EF04834}" destId="{EA0A5C6A-D3D1-4802-B9A5-CE7E45E024B3}" srcOrd="7" destOrd="0" presId="urn:microsoft.com/office/officeart/2005/8/layout/hList1"/>
+    <dgm:cxn modelId="{7A9BAE38-018C-4A46-B68C-A6C7A83E0BAF}" type="presParOf" srcId="{314DA2A1-425F-46FA-9CC1-1D894EF04834}" destId="{9EA570CC-FCD4-48D3-9733-9F434A796C1B}" srcOrd="8" destOrd="0" presId="urn:microsoft.com/office/officeart/2005/8/layout/hList1"/>
+    <dgm:cxn modelId="{33891340-8D3C-4513-91A3-57E2137FC3A3}" type="presParOf" srcId="{9EA570CC-FCD4-48D3-9733-9F434A796C1B}" destId="{238B5F8F-CC6F-47A8-A69A-E9FB77787786}" srcOrd="0" destOrd="0" presId="urn:microsoft.com/office/officeart/2005/8/layout/hList1"/>
+    <dgm:cxn modelId="{9A3EA1ED-DE56-42AB-9F3D-8D58C6B57325}" type="presParOf" srcId="{9EA570CC-FCD4-48D3-9733-9F434A796C1B}" destId="{F92B99B9-EBB8-473C-8F33-1798AEC82375}" srcOrd="1" destOrd="0" presId="urn:microsoft.com/office/officeart/2005/8/layout/hList1"/>
+  </dgm:cxnLst>
+  <dgm:bg/>
+  <dgm:whole/>
+  <dgm:extLst>
+    <a:ext uri="http://schemas.microsoft.com/office/drawing/2008/diagram">
+      <dsp:dataModelExt xmlns:dsp="http://schemas.microsoft.com/office/drawing/2008/diagram" relId="rId6" minVer="http://schemas.openxmlformats.org/drawingml/2006/diagram"/>
+    </a:ext>
+  </dgm:extLst>
+</dgm:dataModel>
+</file>
+
+<file path=ppt/diagrams/drawing1.xml><?xml version="1.0" encoding="utf-8"?>
+<dsp:drawing xmlns:dgm="http://schemas.openxmlformats.org/drawingml/2006/diagram" xmlns:dsp="http://schemas.microsoft.com/office/drawing/2008/diagram" xmlns:a="http://schemas.openxmlformats.org/drawingml/2006/main">
+  <dsp:spTree>
+    <dsp:nvGrpSpPr>
+      <dsp:cNvPr id="0" name=""/>
+      <dsp:cNvGrpSpPr/>
+    </dsp:nvGrpSpPr>
+    <dsp:grpSpPr/>
+    <dsp:sp modelId="{38936D9E-6EC3-4350-907F-3717AEB94421}">
+      <dsp:nvSpPr>
+        <dsp:cNvPr id="0" name=""/>
+        <dsp:cNvSpPr/>
+      </dsp:nvSpPr>
+      <dsp:spPr>
+        <a:xfrm>
+          <a:off x="4028" y="4217"/>
+          <a:ext cx="1544364" cy="503768"/>
+        </a:xfrm>
+        <a:prstGeom prst="rect">
+          <a:avLst/>
+        </a:prstGeom>
+        <a:solidFill>
+          <a:schemeClr val="accent1">
+            <a:hueOff val="0"/>
+            <a:satOff val="0"/>
+            <a:lumOff val="0"/>
+            <a:alphaOff val="0"/>
+          </a:schemeClr>
+        </a:solidFill>
+        <a:ln w="9525" cap="flat" cmpd="sng" algn="ctr">
+          <a:solidFill>
+            <a:schemeClr val="accent1">
+              <a:hueOff val="0"/>
+              <a:satOff val="0"/>
+              <a:lumOff val="0"/>
+              <a:alphaOff val="0"/>
+            </a:schemeClr>
+          </a:solidFill>
+          <a:prstDash val="solid"/>
+        </a:ln>
+        <a:effectLst>
+          <a:outerShdw blurRad="50800" dist="15240" dir="5400000" algn="tl" rotWithShape="0">
+            <a:srgbClr val="000000">
+              <a:alpha val="75000"/>
+            </a:srgbClr>
+          </a:outerShdw>
+        </a:effectLst>
+        <a:scene3d>
+          <a:camera prst="orthographicFront">
+            <a:rot lat="0" lon="0" rev="0"/>
+          </a:camera>
+          <a:lightRig rig="brightRoom" dir="tl"/>
+        </a:scene3d>
+        <a:sp3d contourW="9525" prstMaterial="flat">
+          <a:bevelT w="0" h="0" prst="coolSlant"/>
+          <a:contourClr>
+            <a:schemeClr val="accent1">
+              <a:hueOff val="0"/>
+              <a:satOff val="0"/>
+              <a:lumOff val="0"/>
+              <a:alphaOff val="0"/>
+              <a:shade val="35000"/>
+              <a:satMod val="130000"/>
+            </a:schemeClr>
+          </a:contourClr>
+        </a:sp3d>
+      </dsp:spPr>
+      <dsp:style>
+        <a:lnRef idx="1">
+          <a:scrgbClr r="0" g="0" b="0"/>
+        </a:lnRef>
+        <a:fillRef idx="3">
+          <a:scrgbClr r="0" g="0" b="0"/>
+        </a:fillRef>
+        <a:effectRef idx="2">
+          <a:scrgbClr r="0" g="0" b="0"/>
+        </a:effectRef>
+        <a:fontRef idx="minor">
+          <a:schemeClr val="lt1"/>
+        </a:fontRef>
+      </dsp:style>
+      <dsp:txBody>
+        <a:bodyPr spcFirstLastPara="0" vert="horz" wrap="square" lIns="99568" tIns="56896" rIns="99568" bIns="56896" numCol="1" spcCol="1270" anchor="ctr" anchorCtr="0">
+          <a:noAutofit/>
+        </a:bodyPr>
+        <a:lstStyle/>
+        <a:p>
+          <a:pPr lvl="0" algn="ctr" defTabSz="622300">
+            <a:lnSpc>
+              <a:spcPct val="90000"/>
+            </a:lnSpc>
+            <a:spcBef>
+              <a:spcPct val="0"/>
+            </a:spcBef>
+            <a:spcAft>
+              <a:spcPct val="35000"/>
+            </a:spcAft>
+          </a:pPr>
+          <a:r>
+            <a:rPr lang="en-US" sz="1400" kern="1200" dirty="0" smtClean="0"/>
+            <a:t>Poll</a:t>
+          </a:r>
+          <a:endParaRPr lang="en-US" sz="1400" kern="1200" dirty="0"/>
+        </a:p>
+      </dsp:txBody>
+      <dsp:txXfrm>
+        <a:off x="4028" y="4217"/>
+        <a:ext cx="1544364" cy="503768"/>
+      </dsp:txXfrm>
+    </dsp:sp>
+    <dsp:sp modelId="{D9F31A1D-BCFB-4F1B-A19C-9C04FC4DC1D8}">
+      <dsp:nvSpPr>
+        <dsp:cNvPr id="0" name=""/>
+        <dsp:cNvSpPr/>
+      </dsp:nvSpPr>
+      <dsp:spPr>
+        <a:xfrm>
+          <a:off x="4028" y="507985"/>
+          <a:ext cx="1544364" cy="3839134"/>
+        </a:xfrm>
+        <a:prstGeom prst="rect">
+          <a:avLst/>
+        </a:prstGeom>
+        <a:solidFill>
+          <a:schemeClr val="accent1">
+            <a:alpha val="90000"/>
+            <a:tint val="40000"/>
+            <a:hueOff val="0"/>
+            <a:satOff val="0"/>
+            <a:lumOff val="0"/>
+            <a:alphaOff val="0"/>
+          </a:schemeClr>
+        </a:solidFill>
+        <a:ln w="9525" cap="flat" cmpd="sng" algn="ctr">
+          <a:solidFill>
+            <a:schemeClr val="accent1">
+              <a:alpha val="90000"/>
+              <a:tint val="40000"/>
+              <a:hueOff val="0"/>
+              <a:satOff val="0"/>
+              <a:lumOff val="0"/>
+              <a:alphaOff val="0"/>
+            </a:schemeClr>
+          </a:solidFill>
+          <a:prstDash val="solid"/>
+        </a:ln>
+        <a:effectLst/>
+      </dsp:spPr>
+      <dsp:style>
+        <a:lnRef idx="1">
+          <a:scrgbClr r="0" g="0" b="0"/>
+        </a:lnRef>
+        <a:fillRef idx="1">
+          <a:scrgbClr r="0" g="0" b="0"/>
+        </a:fillRef>
+        <a:effectRef idx="0">
+          <a:scrgbClr r="0" g="0" b="0"/>
+        </a:effectRef>
+        <a:fontRef idx="minor"/>
+      </dsp:style>
+      <dsp:txBody>
+        <a:bodyPr spcFirstLastPara="0" vert="horz" wrap="square" lIns="74676" tIns="74676" rIns="99568" bIns="112014" numCol="1" spcCol="1270" anchor="t" anchorCtr="0">
+          <a:noAutofit/>
+        </a:bodyPr>
+        <a:lstStyle/>
+        <a:p>
+          <a:pPr marL="114300" lvl="1" indent="-114300" algn="l" defTabSz="622300">
+            <a:lnSpc>
+              <a:spcPct val="114000"/>
+            </a:lnSpc>
+            <a:spcBef>
+              <a:spcPct val="0"/>
+            </a:spcBef>
+            <a:spcAft>
+              <a:spcPct val="15000"/>
+            </a:spcAft>
+            <a:buChar char="••"/>
+          </a:pPr>
+          <a:endParaRPr lang="en-US" sz="1400" kern="1200" dirty="0"/>
+        </a:p>
+        <a:p>
+          <a:pPr marL="114300" lvl="1" indent="-114300" algn="l" defTabSz="622300">
+            <a:lnSpc>
+              <a:spcPct val="114000"/>
+            </a:lnSpc>
+            <a:spcBef>
+              <a:spcPct val="0"/>
+            </a:spcBef>
+            <a:spcAft>
+              <a:spcPct val="15000"/>
+            </a:spcAft>
+            <a:buChar char="••"/>
+          </a:pPr>
+          <a:endParaRPr lang="en-US" sz="1400" kern="1200" dirty="0"/>
+        </a:p>
+        <a:p>
+          <a:pPr marL="114300" lvl="1" indent="-114300" algn="l" defTabSz="622300">
+            <a:lnSpc>
+              <a:spcPct val="114000"/>
+            </a:lnSpc>
+            <a:spcBef>
+              <a:spcPct val="0"/>
+            </a:spcBef>
+            <a:spcAft>
+              <a:spcPct val="15000"/>
+            </a:spcAft>
+            <a:buChar char="••"/>
+          </a:pPr>
+          <a:endParaRPr lang="en-US" sz="1400" kern="1200" dirty="0"/>
+        </a:p>
+        <a:p>
+          <a:pPr marL="114300" lvl="1" indent="-114300" algn="l" defTabSz="622300">
+            <a:lnSpc>
+              <a:spcPct val="114000"/>
+            </a:lnSpc>
+            <a:spcBef>
+              <a:spcPct val="0"/>
+            </a:spcBef>
+            <a:spcAft>
+              <a:spcPct val="15000"/>
+            </a:spcAft>
+            <a:buChar char="••"/>
+          </a:pPr>
+          <a:endParaRPr lang="en-US" sz="1400" kern="1200" dirty="0"/>
+        </a:p>
+        <a:p>
+          <a:pPr marL="114300" lvl="1" indent="-114300" algn="l" defTabSz="622300">
+            <a:lnSpc>
+              <a:spcPct val="114000"/>
+            </a:lnSpc>
+            <a:spcBef>
+              <a:spcPct val="0"/>
+            </a:spcBef>
+            <a:spcAft>
+              <a:spcPct val="15000"/>
+            </a:spcAft>
+            <a:buChar char="••"/>
+          </a:pPr>
+          <a:r>
+            <a:rPr lang="en-US" sz="1400" kern="1200" dirty="0" smtClean="0"/>
+            <a:t>ANU Facebook</a:t>
+          </a:r>
+          <a:endParaRPr lang="en-US" sz="1400" kern="1200" dirty="0"/>
+        </a:p>
+        <a:p>
+          <a:pPr marL="114300" lvl="1" indent="-114300" algn="l" defTabSz="622300">
+            <a:lnSpc>
+              <a:spcPct val="114000"/>
+            </a:lnSpc>
+            <a:spcBef>
+              <a:spcPct val="0"/>
+            </a:spcBef>
+            <a:spcAft>
+              <a:spcPct val="15000"/>
+            </a:spcAft>
+            <a:buChar char="••"/>
+          </a:pPr>
+          <a:r>
+            <a:rPr lang="en-US" sz="1400" kern="1200" dirty="0" smtClean="0"/>
+            <a:t>Large sample</a:t>
+          </a:r>
+          <a:endParaRPr lang="en-US" sz="1400" kern="1200" dirty="0"/>
+        </a:p>
+        <a:p>
+          <a:pPr marL="114300" lvl="1" indent="-114300" algn="l" defTabSz="622300">
+            <a:lnSpc>
+              <a:spcPct val="114000"/>
+            </a:lnSpc>
+            <a:spcBef>
+              <a:spcPct val="0"/>
+            </a:spcBef>
+            <a:spcAft>
+              <a:spcPct val="15000"/>
+            </a:spcAft>
+            <a:buChar char="••"/>
+          </a:pPr>
+          <a:r>
+            <a:rPr lang="en-US" sz="1400" kern="1200" dirty="0" smtClean="0"/>
+            <a:t>Definitive answer</a:t>
+          </a:r>
+          <a:endParaRPr lang="en-US" sz="1400" kern="1200" dirty="0"/>
+        </a:p>
+      </dsp:txBody>
+      <dsp:txXfrm>
+        <a:off x="4028" y="507985"/>
+        <a:ext cx="1544364" cy="3839134"/>
+      </dsp:txXfrm>
+    </dsp:sp>
+    <dsp:sp modelId="{A1B3B5B0-0496-4B66-948C-623982EAC071}">
+      <dsp:nvSpPr>
+        <dsp:cNvPr id="0" name=""/>
+        <dsp:cNvSpPr/>
+      </dsp:nvSpPr>
+      <dsp:spPr>
+        <a:xfrm>
+          <a:off x="1764604" y="4217"/>
+          <a:ext cx="1544364" cy="503768"/>
+        </a:xfrm>
+        <a:prstGeom prst="rect">
+          <a:avLst/>
+        </a:prstGeom>
+        <a:solidFill>
+          <a:schemeClr val="accent1">
+            <a:hueOff val="0"/>
+            <a:satOff val="0"/>
+            <a:lumOff val="0"/>
+            <a:alphaOff val="0"/>
+          </a:schemeClr>
+        </a:solidFill>
+        <a:ln w="9525" cap="flat" cmpd="sng" algn="ctr">
+          <a:solidFill>
+            <a:schemeClr val="accent1">
+              <a:hueOff val="0"/>
+              <a:satOff val="0"/>
+              <a:lumOff val="0"/>
+              <a:alphaOff val="0"/>
+            </a:schemeClr>
+          </a:solidFill>
+          <a:prstDash val="solid"/>
+        </a:ln>
+        <a:effectLst>
+          <a:outerShdw blurRad="50800" dist="15240" dir="5400000" algn="tl" rotWithShape="0">
+            <a:srgbClr val="000000">
+              <a:alpha val="75000"/>
+            </a:srgbClr>
+          </a:outerShdw>
+        </a:effectLst>
+        <a:scene3d>
+          <a:camera prst="orthographicFront">
+            <a:rot lat="0" lon="0" rev="0"/>
+          </a:camera>
+          <a:lightRig rig="brightRoom" dir="tl"/>
+        </a:scene3d>
+        <a:sp3d contourW="9525" prstMaterial="flat">
+          <a:bevelT w="0" h="0" prst="coolSlant"/>
+          <a:contourClr>
+            <a:schemeClr val="accent1">
+              <a:hueOff val="0"/>
+              <a:satOff val="0"/>
+              <a:lumOff val="0"/>
+              <a:alphaOff val="0"/>
+              <a:shade val="35000"/>
+              <a:satMod val="130000"/>
+            </a:schemeClr>
+          </a:contourClr>
+        </a:sp3d>
+      </dsp:spPr>
+      <dsp:style>
+        <a:lnRef idx="1">
+          <a:scrgbClr r="0" g="0" b="0"/>
+        </a:lnRef>
+        <a:fillRef idx="3">
+          <a:scrgbClr r="0" g="0" b="0"/>
+        </a:fillRef>
+        <a:effectRef idx="2">
+          <a:scrgbClr r="0" g="0" b="0"/>
+        </a:effectRef>
+        <a:fontRef idx="minor">
+          <a:schemeClr val="lt1"/>
+        </a:fontRef>
+      </dsp:style>
+      <dsp:txBody>
+        <a:bodyPr spcFirstLastPara="0" vert="horz" wrap="square" lIns="99568" tIns="56896" rIns="99568" bIns="56896" numCol="1" spcCol="1270" anchor="ctr" anchorCtr="0">
+          <a:noAutofit/>
+        </a:bodyPr>
+        <a:lstStyle/>
+        <a:p>
+          <a:pPr lvl="0" algn="ctr" defTabSz="622300">
+            <a:lnSpc>
+              <a:spcPct val="90000"/>
+            </a:lnSpc>
+            <a:spcBef>
+              <a:spcPct val="0"/>
+            </a:spcBef>
+            <a:spcAft>
+              <a:spcPct val="35000"/>
+            </a:spcAft>
+          </a:pPr>
+          <a:r>
+            <a:rPr lang="en-US" sz="1400" kern="1200" dirty="0" smtClean="0"/>
+            <a:t>Survey</a:t>
+          </a:r>
+          <a:endParaRPr lang="en-US" sz="1400" kern="1200" dirty="0"/>
+        </a:p>
+      </dsp:txBody>
+      <dsp:txXfrm>
+        <a:off x="1764604" y="4217"/>
+        <a:ext cx="1544364" cy="503768"/>
+      </dsp:txXfrm>
+    </dsp:sp>
+    <dsp:sp modelId="{53EC3F8E-CE24-46D9-AED4-C244126C8EF1}">
+      <dsp:nvSpPr>
+        <dsp:cNvPr id="0" name=""/>
+        <dsp:cNvSpPr/>
+      </dsp:nvSpPr>
+      <dsp:spPr>
+        <a:xfrm>
+          <a:off x="1764604" y="507985"/>
+          <a:ext cx="1544364" cy="3839134"/>
+        </a:xfrm>
+        <a:prstGeom prst="rect">
+          <a:avLst/>
+        </a:prstGeom>
+        <a:solidFill>
+          <a:schemeClr val="accent1">
+            <a:alpha val="90000"/>
+            <a:tint val="40000"/>
+            <a:hueOff val="0"/>
+            <a:satOff val="0"/>
+            <a:lumOff val="0"/>
+            <a:alphaOff val="0"/>
+          </a:schemeClr>
+        </a:solidFill>
+        <a:ln w="9525" cap="flat" cmpd="sng" algn="ctr">
+          <a:solidFill>
+            <a:schemeClr val="accent1">
+              <a:alpha val="90000"/>
+              <a:tint val="40000"/>
+              <a:hueOff val="0"/>
+              <a:satOff val="0"/>
+              <a:lumOff val="0"/>
+              <a:alphaOff val="0"/>
+            </a:schemeClr>
+          </a:solidFill>
+          <a:prstDash val="solid"/>
+        </a:ln>
+        <a:effectLst/>
+      </dsp:spPr>
+      <dsp:style>
+        <a:lnRef idx="1">
+          <a:scrgbClr r="0" g="0" b="0"/>
+        </a:lnRef>
+        <a:fillRef idx="1">
+          <a:scrgbClr r="0" g="0" b="0"/>
+        </a:fillRef>
+        <a:effectRef idx="0">
+          <a:scrgbClr r="0" g="0" b="0"/>
+        </a:effectRef>
+        <a:fontRef idx="minor"/>
+      </dsp:style>
+      <dsp:txBody>
+        <a:bodyPr spcFirstLastPara="0" vert="horz" wrap="square" lIns="74676" tIns="74676" rIns="99568" bIns="112014" numCol="1" spcCol="1270" anchor="t" anchorCtr="0">
+          <a:noAutofit/>
+        </a:bodyPr>
+        <a:lstStyle/>
+        <a:p>
+          <a:pPr marL="114300" lvl="1" indent="-114300" algn="l" defTabSz="622300">
+            <a:lnSpc>
+              <a:spcPct val="114000"/>
+            </a:lnSpc>
+            <a:spcBef>
+              <a:spcPct val="0"/>
+            </a:spcBef>
+            <a:spcAft>
+              <a:spcPct val="15000"/>
+            </a:spcAft>
+            <a:buChar char="••"/>
+          </a:pPr>
+          <a:endParaRPr lang="en-US" sz="1400" kern="1200" dirty="0"/>
+        </a:p>
+        <a:p>
+          <a:pPr marL="114300" lvl="1" indent="-114300" algn="l" defTabSz="622300">
+            <a:lnSpc>
+              <a:spcPct val="114000"/>
+            </a:lnSpc>
+            <a:spcBef>
+              <a:spcPct val="0"/>
+            </a:spcBef>
+            <a:spcAft>
+              <a:spcPct val="15000"/>
+            </a:spcAft>
+            <a:buChar char="••"/>
+          </a:pPr>
+          <a:endParaRPr lang="en-US" sz="1400" kern="1200" dirty="0"/>
+        </a:p>
+        <a:p>
+          <a:pPr marL="114300" lvl="1" indent="-114300" algn="l" defTabSz="622300">
+            <a:lnSpc>
+              <a:spcPct val="114000"/>
+            </a:lnSpc>
+            <a:spcBef>
+              <a:spcPct val="0"/>
+            </a:spcBef>
+            <a:spcAft>
+              <a:spcPct val="15000"/>
+            </a:spcAft>
+            <a:buChar char="••"/>
+          </a:pPr>
+          <a:endParaRPr lang="en-US" sz="1400" kern="1200" dirty="0"/>
+        </a:p>
+        <a:p>
+          <a:pPr marL="114300" lvl="1" indent="-114300" algn="l" defTabSz="622300">
+            <a:lnSpc>
+              <a:spcPct val="114000"/>
+            </a:lnSpc>
+            <a:spcBef>
+              <a:spcPct val="0"/>
+            </a:spcBef>
+            <a:spcAft>
+              <a:spcPct val="15000"/>
+            </a:spcAft>
+            <a:buChar char="••"/>
+          </a:pPr>
+          <a:endParaRPr lang="en-US" sz="1400" kern="1200" dirty="0"/>
+        </a:p>
+        <a:p>
+          <a:pPr marL="114300" lvl="1" indent="-114300" algn="l" defTabSz="622300">
+            <a:lnSpc>
+              <a:spcPct val="114000"/>
+            </a:lnSpc>
+            <a:spcBef>
+              <a:spcPct val="0"/>
+            </a:spcBef>
+            <a:spcAft>
+              <a:spcPct val="15000"/>
+            </a:spcAft>
+            <a:buChar char="••"/>
+          </a:pPr>
+          <a:r>
+            <a:rPr lang="en-US" sz="1400" kern="1200" dirty="0" smtClean="0"/>
+            <a:t>ANU Facebook</a:t>
+          </a:r>
+          <a:endParaRPr lang="en-US" sz="1400" kern="1200" dirty="0"/>
+        </a:p>
+        <a:p>
+          <a:pPr marL="114300" lvl="1" indent="-114300" algn="l" defTabSz="622300">
+            <a:lnSpc>
+              <a:spcPct val="114000"/>
+            </a:lnSpc>
+            <a:spcBef>
+              <a:spcPct val="0"/>
+            </a:spcBef>
+            <a:spcAft>
+              <a:spcPct val="15000"/>
+            </a:spcAft>
+            <a:buChar char="••"/>
+          </a:pPr>
+          <a:r>
+            <a:rPr lang="en-US" sz="1400" kern="1200" dirty="0" smtClean="0"/>
+            <a:t>31 responses</a:t>
+          </a:r>
+          <a:endParaRPr lang="en-US" sz="1400" kern="1200" dirty="0"/>
+        </a:p>
+        <a:p>
+          <a:pPr marL="114300" lvl="1" indent="-114300" algn="l" defTabSz="622300">
+            <a:lnSpc>
+              <a:spcPct val="114000"/>
+            </a:lnSpc>
+            <a:spcBef>
+              <a:spcPct val="0"/>
+            </a:spcBef>
+            <a:spcAft>
+              <a:spcPct val="15000"/>
+            </a:spcAft>
+            <a:buChar char="••"/>
+          </a:pPr>
+          <a:r>
+            <a:rPr lang="en-US" sz="1400" kern="1200" dirty="0" smtClean="0"/>
+            <a:t>Useful and clear data</a:t>
+          </a:r>
+          <a:endParaRPr lang="en-US" sz="1400" kern="1200" dirty="0"/>
+        </a:p>
+      </dsp:txBody>
+      <dsp:txXfrm>
+        <a:off x="1764604" y="507985"/>
+        <a:ext cx="1544364" cy="3839134"/>
+      </dsp:txXfrm>
+    </dsp:sp>
+    <dsp:sp modelId="{FD00F77E-643B-46CD-8432-09B8A1B2C181}">
+      <dsp:nvSpPr>
+        <dsp:cNvPr id="0" name=""/>
+        <dsp:cNvSpPr/>
+      </dsp:nvSpPr>
+      <dsp:spPr>
+        <a:xfrm>
+          <a:off x="3525180" y="4217"/>
+          <a:ext cx="1544364" cy="503768"/>
+        </a:xfrm>
+        <a:prstGeom prst="rect">
+          <a:avLst/>
+        </a:prstGeom>
+        <a:solidFill>
+          <a:schemeClr val="accent1">
+            <a:hueOff val="0"/>
+            <a:satOff val="0"/>
+            <a:lumOff val="0"/>
+            <a:alphaOff val="0"/>
+          </a:schemeClr>
+        </a:solidFill>
+        <a:ln w="9525" cap="flat" cmpd="sng" algn="ctr">
+          <a:solidFill>
+            <a:schemeClr val="accent1">
+              <a:hueOff val="0"/>
+              <a:satOff val="0"/>
+              <a:lumOff val="0"/>
+              <a:alphaOff val="0"/>
+            </a:schemeClr>
+          </a:solidFill>
+          <a:prstDash val="solid"/>
+        </a:ln>
+        <a:effectLst>
+          <a:outerShdw blurRad="50800" dist="15240" dir="5400000" algn="tl" rotWithShape="0">
+            <a:srgbClr val="000000">
+              <a:alpha val="75000"/>
+            </a:srgbClr>
+          </a:outerShdw>
+        </a:effectLst>
+        <a:scene3d>
+          <a:camera prst="orthographicFront">
+            <a:rot lat="0" lon="0" rev="0"/>
+          </a:camera>
+          <a:lightRig rig="brightRoom" dir="tl"/>
+        </a:scene3d>
+        <a:sp3d contourW="9525" prstMaterial="flat">
+          <a:bevelT w="0" h="0" prst="coolSlant"/>
+          <a:contourClr>
+            <a:schemeClr val="accent1">
+              <a:hueOff val="0"/>
+              <a:satOff val="0"/>
+              <a:lumOff val="0"/>
+              <a:alphaOff val="0"/>
+              <a:shade val="35000"/>
+              <a:satMod val="130000"/>
+            </a:schemeClr>
+          </a:contourClr>
+        </a:sp3d>
+      </dsp:spPr>
+      <dsp:style>
+        <a:lnRef idx="1">
+          <a:scrgbClr r="0" g="0" b="0"/>
+        </a:lnRef>
+        <a:fillRef idx="3">
+          <a:scrgbClr r="0" g="0" b="0"/>
+        </a:fillRef>
+        <a:effectRef idx="2">
+          <a:scrgbClr r="0" g="0" b="0"/>
+        </a:effectRef>
+        <a:fontRef idx="minor">
+          <a:schemeClr val="lt1"/>
+        </a:fontRef>
+      </dsp:style>
+      <dsp:txBody>
+        <a:bodyPr spcFirstLastPara="0" vert="horz" wrap="square" lIns="99568" tIns="56896" rIns="99568" bIns="56896" numCol="1" spcCol="1270" anchor="ctr" anchorCtr="0">
+          <a:noAutofit/>
+        </a:bodyPr>
+        <a:lstStyle/>
+        <a:p>
+          <a:pPr lvl="0" algn="ctr" defTabSz="622300">
+            <a:lnSpc>
+              <a:spcPct val="90000"/>
+            </a:lnSpc>
+            <a:spcBef>
+              <a:spcPct val="0"/>
+            </a:spcBef>
+            <a:spcAft>
+              <a:spcPct val="35000"/>
+            </a:spcAft>
+          </a:pPr>
+          <a:r>
+            <a:rPr lang="en-US" sz="1400" kern="1200" dirty="0" smtClean="0"/>
+            <a:t>Interview</a:t>
+          </a:r>
+          <a:endParaRPr lang="en-US" sz="1400" kern="1200" dirty="0"/>
+        </a:p>
+      </dsp:txBody>
+      <dsp:txXfrm>
+        <a:off x="3525180" y="4217"/>
+        <a:ext cx="1544364" cy="503768"/>
+      </dsp:txXfrm>
+    </dsp:sp>
+    <dsp:sp modelId="{9C9C4B6E-B56A-4C37-8305-2EA6E23B1EEE}">
+      <dsp:nvSpPr>
+        <dsp:cNvPr id="0" name=""/>
+        <dsp:cNvSpPr/>
+      </dsp:nvSpPr>
+      <dsp:spPr>
+        <a:xfrm>
+          <a:off x="3525180" y="507985"/>
+          <a:ext cx="1544364" cy="3839134"/>
+        </a:xfrm>
+        <a:prstGeom prst="rect">
+          <a:avLst/>
+        </a:prstGeom>
+        <a:solidFill>
+          <a:schemeClr val="accent1">
+            <a:alpha val="90000"/>
+            <a:tint val="40000"/>
+            <a:hueOff val="0"/>
+            <a:satOff val="0"/>
+            <a:lumOff val="0"/>
+            <a:alphaOff val="0"/>
+          </a:schemeClr>
+        </a:solidFill>
+        <a:ln w="9525" cap="flat" cmpd="sng" algn="ctr">
+          <a:solidFill>
+            <a:schemeClr val="accent1">
+              <a:alpha val="90000"/>
+              <a:tint val="40000"/>
+              <a:hueOff val="0"/>
+              <a:satOff val="0"/>
+              <a:lumOff val="0"/>
+              <a:alphaOff val="0"/>
+            </a:schemeClr>
+          </a:solidFill>
+          <a:prstDash val="solid"/>
+        </a:ln>
+        <a:effectLst/>
+      </dsp:spPr>
+      <dsp:style>
+        <a:lnRef idx="1">
+          <a:scrgbClr r="0" g="0" b="0"/>
+        </a:lnRef>
+        <a:fillRef idx="1">
+          <a:scrgbClr r="0" g="0" b="0"/>
+        </a:fillRef>
+        <a:effectRef idx="0">
+          <a:scrgbClr r="0" g="0" b="0"/>
+        </a:effectRef>
+        <a:fontRef idx="minor"/>
+      </dsp:style>
+      <dsp:txBody>
+        <a:bodyPr spcFirstLastPara="0" vert="horz" wrap="square" lIns="74676" tIns="74676" rIns="99568" bIns="112014" numCol="1" spcCol="1270" anchor="t" anchorCtr="0">
+          <a:noAutofit/>
+        </a:bodyPr>
+        <a:lstStyle/>
+        <a:p>
+          <a:pPr marL="114300" lvl="1" indent="-114300" algn="l" defTabSz="622300">
+            <a:lnSpc>
+              <a:spcPct val="114000"/>
+            </a:lnSpc>
+            <a:spcBef>
+              <a:spcPct val="0"/>
+            </a:spcBef>
+            <a:spcAft>
+              <a:spcPct val="15000"/>
+            </a:spcAft>
+            <a:buChar char="••"/>
+          </a:pPr>
+          <a:endParaRPr lang="en-US" sz="1400" kern="1200" dirty="0"/>
+        </a:p>
+        <a:p>
+          <a:pPr marL="114300" lvl="1" indent="-114300" algn="l" defTabSz="622300">
+            <a:lnSpc>
+              <a:spcPct val="114000"/>
+            </a:lnSpc>
+            <a:spcBef>
+              <a:spcPct val="0"/>
+            </a:spcBef>
+            <a:spcAft>
+              <a:spcPct val="15000"/>
+            </a:spcAft>
+            <a:buChar char="••"/>
+          </a:pPr>
+          <a:endParaRPr lang="en-US" sz="1400" kern="1200" dirty="0"/>
+        </a:p>
+        <a:p>
+          <a:pPr marL="114300" lvl="1" indent="-114300" algn="l" defTabSz="622300">
+            <a:lnSpc>
+              <a:spcPct val="114000"/>
+            </a:lnSpc>
+            <a:spcBef>
+              <a:spcPct val="0"/>
+            </a:spcBef>
+            <a:spcAft>
+              <a:spcPct val="15000"/>
+            </a:spcAft>
+            <a:buChar char="••"/>
+          </a:pPr>
+          <a:endParaRPr lang="en-US" sz="1400" kern="1200" dirty="0"/>
+        </a:p>
+        <a:p>
+          <a:pPr marL="114300" lvl="1" indent="-114300" algn="l" defTabSz="622300">
+            <a:lnSpc>
+              <a:spcPct val="114000"/>
+            </a:lnSpc>
+            <a:spcBef>
+              <a:spcPct val="0"/>
+            </a:spcBef>
+            <a:spcAft>
+              <a:spcPct val="15000"/>
+            </a:spcAft>
+            <a:buChar char="••"/>
+          </a:pPr>
+          <a:endParaRPr lang="en-US" sz="1400" kern="1200" dirty="0"/>
+        </a:p>
+        <a:p>
+          <a:pPr marL="114300" lvl="1" indent="-114300" algn="l" defTabSz="622300">
+            <a:lnSpc>
+              <a:spcPct val="114000"/>
+            </a:lnSpc>
+            <a:spcBef>
+              <a:spcPct val="0"/>
+            </a:spcBef>
+            <a:spcAft>
+              <a:spcPct val="15000"/>
+            </a:spcAft>
+            <a:buChar char="••"/>
+          </a:pPr>
+          <a:r>
+            <a:rPr lang="en-US" sz="1400" kern="1200" dirty="0" smtClean="0"/>
+            <a:t>APO at </a:t>
+          </a:r>
+          <a:r>
+            <a:rPr lang="en-US" sz="1400" kern="1200" dirty="0" err="1" smtClean="0"/>
+            <a:t>Fenner</a:t>
+          </a:r>
+          <a:r>
+            <a:rPr lang="en-US" sz="1400" kern="1200" dirty="0" smtClean="0"/>
+            <a:t> Hall</a:t>
+          </a:r>
+          <a:endParaRPr lang="en-US" sz="1400" kern="1200" dirty="0"/>
+        </a:p>
+        <a:p>
+          <a:pPr marL="114300" lvl="1" indent="-114300" algn="l" defTabSz="622300">
+            <a:lnSpc>
+              <a:spcPct val="114000"/>
+            </a:lnSpc>
+            <a:spcBef>
+              <a:spcPct val="0"/>
+            </a:spcBef>
+            <a:spcAft>
+              <a:spcPct val="15000"/>
+            </a:spcAft>
+            <a:buChar char="••"/>
+          </a:pPr>
+          <a:r>
+            <a:rPr lang="en-US" sz="1400" kern="1200" dirty="0" smtClean="0"/>
+            <a:t>Refined survey questions</a:t>
+          </a:r>
+          <a:endParaRPr lang="en-US" sz="1400" kern="1200" dirty="0"/>
+        </a:p>
+      </dsp:txBody>
+      <dsp:txXfrm>
+        <a:off x="3525180" y="507985"/>
+        <a:ext cx="1544364" cy="3839134"/>
+      </dsp:txXfrm>
+    </dsp:sp>
+    <dsp:sp modelId="{C11FF14D-5887-4DC6-B4AD-F2BC86227811}">
+      <dsp:nvSpPr>
+        <dsp:cNvPr id="0" name=""/>
+        <dsp:cNvSpPr/>
+      </dsp:nvSpPr>
+      <dsp:spPr>
+        <a:xfrm>
+          <a:off x="5285755" y="4217"/>
+          <a:ext cx="1544364" cy="503768"/>
+        </a:xfrm>
+        <a:prstGeom prst="rect">
+          <a:avLst/>
+        </a:prstGeom>
+        <a:solidFill>
+          <a:schemeClr val="accent1">
+            <a:hueOff val="0"/>
+            <a:satOff val="0"/>
+            <a:lumOff val="0"/>
+            <a:alphaOff val="0"/>
+          </a:schemeClr>
+        </a:solidFill>
+        <a:ln w="9525" cap="flat" cmpd="sng" algn="ctr">
+          <a:solidFill>
+            <a:schemeClr val="accent1">
+              <a:hueOff val="0"/>
+              <a:satOff val="0"/>
+              <a:lumOff val="0"/>
+              <a:alphaOff val="0"/>
+            </a:schemeClr>
+          </a:solidFill>
+          <a:prstDash val="solid"/>
+        </a:ln>
+        <a:effectLst>
+          <a:outerShdw blurRad="50800" dist="15240" dir="5400000" algn="tl" rotWithShape="0">
+            <a:srgbClr val="000000">
+              <a:alpha val="75000"/>
+            </a:srgbClr>
+          </a:outerShdw>
+        </a:effectLst>
+        <a:scene3d>
+          <a:camera prst="orthographicFront">
+            <a:rot lat="0" lon="0" rev="0"/>
+          </a:camera>
+          <a:lightRig rig="brightRoom" dir="tl"/>
+        </a:scene3d>
+        <a:sp3d contourW="9525" prstMaterial="flat">
+          <a:bevelT w="0" h="0" prst="coolSlant"/>
+          <a:contourClr>
+            <a:schemeClr val="accent1">
+              <a:hueOff val="0"/>
+              <a:satOff val="0"/>
+              <a:lumOff val="0"/>
+              <a:alphaOff val="0"/>
+              <a:shade val="35000"/>
+              <a:satMod val="130000"/>
+            </a:schemeClr>
+          </a:contourClr>
+        </a:sp3d>
+      </dsp:spPr>
+      <dsp:style>
+        <a:lnRef idx="1">
+          <a:scrgbClr r="0" g="0" b="0"/>
+        </a:lnRef>
+        <a:fillRef idx="3">
+          <a:scrgbClr r="0" g="0" b="0"/>
+        </a:fillRef>
+        <a:effectRef idx="2">
+          <a:scrgbClr r="0" g="0" b="0"/>
+        </a:effectRef>
+        <a:fontRef idx="minor">
+          <a:schemeClr val="lt1"/>
+        </a:fontRef>
+      </dsp:style>
+      <dsp:txBody>
+        <a:bodyPr spcFirstLastPara="0" vert="horz" wrap="square" lIns="99568" tIns="56896" rIns="99568" bIns="56896" numCol="1" spcCol="1270" anchor="ctr" anchorCtr="0">
+          <a:noAutofit/>
+        </a:bodyPr>
+        <a:lstStyle/>
+        <a:p>
+          <a:pPr lvl="0" algn="ctr" defTabSz="622300">
+            <a:lnSpc>
+              <a:spcPct val="90000"/>
+            </a:lnSpc>
+            <a:spcBef>
+              <a:spcPct val="0"/>
+            </a:spcBef>
+            <a:spcAft>
+              <a:spcPct val="35000"/>
+            </a:spcAft>
+          </a:pPr>
+          <a:r>
+            <a:rPr lang="en-US" sz="1400" kern="1200" dirty="0" smtClean="0"/>
+            <a:t>Imitation Chatbot</a:t>
+          </a:r>
+          <a:endParaRPr lang="en-US" sz="1400" kern="1200" dirty="0"/>
+        </a:p>
+      </dsp:txBody>
+      <dsp:txXfrm>
+        <a:off x="5285755" y="4217"/>
+        <a:ext cx="1544364" cy="503768"/>
+      </dsp:txXfrm>
+    </dsp:sp>
+    <dsp:sp modelId="{0CB36A8D-E631-41F5-A656-AC04C175B272}">
+      <dsp:nvSpPr>
+        <dsp:cNvPr id="0" name=""/>
+        <dsp:cNvSpPr/>
+      </dsp:nvSpPr>
+      <dsp:spPr>
+        <a:xfrm>
+          <a:off x="5285755" y="507985"/>
+          <a:ext cx="1544364" cy="3839134"/>
+        </a:xfrm>
+        <a:prstGeom prst="rect">
+          <a:avLst/>
+        </a:prstGeom>
+        <a:solidFill>
+          <a:schemeClr val="accent1">
+            <a:alpha val="90000"/>
+            <a:tint val="40000"/>
+            <a:hueOff val="0"/>
+            <a:satOff val="0"/>
+            <a:lumOff val="0"/>
+            <a:alphaOff val="0"/>
+          </a:schemeClr>
+        </a:solidFill>
+        <a:ln w="9525" cap="flat" cmpd="sng" algn="ctr">
+          <a:solidFill>
+            <a:schemeClr val="accent1">
+              <a:alpha val="90000"/>
+              <a:tint val="40000"/>
+              <a:hueOff val="0"/>
+              <a:satOff val="0"/>
+              <a:lumOff val="0"/>
+              <a:alphaOff val="0"/>
+            </a:schemeClr>
+          </a:solidFill>
+          <a:prstDash val="solid"/>
+        </a:ln>
+        <a:effectLst/>
+      </dsp:spPr>
+      <dsp:style>
+        <a:lnRef idx="1">
+          <a:scrgbClr r="0" g="0" b="0"/>
+        </a:lnRef>
+        <a:fillRef idx="1">
+          <a:scrgbClr r="0" g="0" b="0"/>
+        </a:fillRef>
+        <a:effectRef idx="0">
+          <a:scrgbClr r="0" g="0" b="0"/>
+        </a:effectRef>
+        <a:fontRef idx="minor"/>
+      </dsp:style>
+      <dsp:txBody>
+        <a:bodyPr spcFirstLastPara="0" vert="horz" wrap="square" lIns="74676" tIns="74676" rIns="99568" bIns="112014" numCol="1" spcCol="1270" anchor="t" anchorCtr="0">
+          <a:noAutofit/>
+        </a:bodyPr>
+        <a:lstStyle/>
+        <a:p>
+          <a:pPr marL="114300" lvl="1" indent="-114300" algn="l" defTabSz="622300">
+            <a:lnSpc>
+              <a:spcPct val="114000"/>
+            </a:lnSpc>
+            <a:spcBef>
+              <a:spcPct val="0"/>
+            </a:spcBef>
+            <a:spcAft>
+              <a:spcPct val="15000"/>
+            </a:spcAft>
+            <a:buChar char="••"/>
+          </a:pPr>
+          <a:endParaRPr lang="en-US" sz="1400" kern="1200" dirty="0"/>
+        </a:p>
+        <a:p>
+          <a:pPr marL="114300" lvl="1" indent="-114300" algn="l" defTabSz="622300">
+            <a:lnSpc>
+              <a:spcPct val="114000"/>
+            </a:lnSpc>
+            <a:spcBef>
+              <a:spcPct val="0"/>
+            </a:spcBef>
+            <a:spcAft>
+              <a:spcPct val="15000"/>
+            </a:spcAft>
+            <a:buChar char="••"/>
+          </a:pPr>
+          <a:endParaRPr lang="en-US" sz="1400" kern="1200" dirty="0"/>
+        </a:p>
+        <a:p>
+          <a:pPr marL="114300" lvl="1" indent="-114300" algn="l" defTabSz="622300">
+            <a:lnSpc>
+              <a:spcPct val="114000"/>
+            </a:lnSpc>
+            <a:spcBef>
+              <a:spcPct val="0"/>
+            </a:spcBef>
+            <a:spcAft>
+              <a:spcPct val="15000"/>
+            </a:spcAft>
+            <a:buChar char="••"/>
+          </a:pPr>
+          <a:endParaRPr lang="en-US" sz="1400" kern="1200" dirty="0"/>
+        </a:p>
+        <a:p>
+          <a:pPr marL="114300" lvl="1" indent="-114300" algn="l" defTabSz="622300">
+            <a:lnSpc>
+              <a:spcPct val="114000"/>
+            </a:lnSpc>
+            <a:spcBef>
+              <a:spcPct val="0"/>
+            </a:spcBef>
+            <a:spcAft>
+              <a:spcPct val="15000"/>
+            </a:spcAft>
+            <a:buChar char="••"/>
+          </a:pPr>
+          <a:endParaRPr lang="en-US" sz="1400" kern="1200" dirty="0"/>
+        </a:p>
+        <a:p>
+          <a:pPr marL="114300" lvl="1" indent="-114300" algn="l" defTabSz="622300">
+            <a:lnSpc>
+              <a:spcPct val="114000"/>
+            </a:lnSpc>
+            <a:spcBef>
+              <a:spcPct val="0"/>
+            </a:spcBef>
+            <a:spcAft>
+              <a:spcPct val="15000"/>
+            </a:spcAft>
+            <a:buChar char="••"/>
+          </a:pPr>
+          <a:r>
+            <a:rPr lang="en-US" sz="1400" kern="1200" dirty="0" smtClean="0"/>
+            <a:t>ANU Facebook</a:t>
+          </a:r>
+          <a:endParaRPr lang="en-US" sz="1400" kern="1200" dirty="0"/>
+        </a:p>
+        <a:p>
+          <a:pPr marL="114300" lvl="1" indent="-114300" algn="l" defTabSz="622300">
+            <a:lnSpc>
+              <a:spcPct val="114000"/>
+            </a:lnSpc>
+            <a:spcBef>
+              <a:spcPct val="0"/>
+            </a:spcBef>
+            <a:spcAft>
+              <a:spcPct val="15000"/>
+            </a:spcAft>
+            <a:buChar char="••"/>
+          </a:pPr>
+          <a:r>
+            <a:rPr lang="en-US" sz="1400" kern="1200" dirty="0" smtClean="0"/>
+            <a:t>Limited results</a:t>
+          </a:r>
+          <a:endParaRPr lang="en-US" sz="1400" kern="1200" dirty="0"/>
+        </a:p>
+        <a:p>
+          <a:pPr marL="114300" lvl="1" indent="-114300" algn="l" defTabSz="622300">
+            <a:lnSpc>
+              <a:spcPct val="114000"/>
+            </a:lnSpc>
+            <a:spcBef>
+              <a:spcPct val="0"/>
+            </a:spcBef>
+            <a:spcAft>
+              <a:spcPct val="15000"/>
+            </a:spcAft>
+            <a:buChar char="••"/>
+          </a:pPr>
+          <a:r>
+            <a:rPr lang="en-US" sz="1400" kern="1200" dirty="0" smtClean="0"/>
+            <a:t>Questions for Intelligent Search</a:t>
+          </a:r>
+          <a:endParaRPr lang="en-US" sz="1400" kern="1200" dirty="0"/>
+        </a:p>
+      </dsp:txBody>
+      <dsp:txXfrm>
+        <a:off x="5285755" y="507985"/>
+        <a:ext cx="1544364" cy="3839134"/>
+      </dsp:txXfrm>
+    </dsp:sp>
+    <dsp:sp modelId="{238B5F8F-CC6F-47A8-A69A-E9FB77787786}">
+      <dsp:nvSpPr>
+        <dsp:cNvPr id="0" name=""/>
+        <dsp:cNvSpPr/>
+      </dsp:nvSpPr>
+      <dsp:spPr>
+        <a:xfrm>
+          <a:off x="7046331" y="4217"/>
+          <a:ext cx="1544364" cy="503768"/>
+        </a:xfrm>
+        <a:prstGeom prst="rect">
+          <a:avLst/>
+        </a:prstGeom>
+        <a:solidFill>
+          <a:schemeClr val="accent1">
+            <a:hueOff val="0"/>
+            <a:satOff val="0"/>
+            <a:lumOff val="0"/>
+            <a:alphaOff val="0"/>
+          </a:schemeClr>
+        </a:solidFill>
+        <a:ln w="9525" cap="flat" cmpd="sng" algn="ctr">
+          <a:solidFill>
+            <a:schemeClr val="accent1">
+              <a:hueOff val="0"/>
+              <a:satOff val="0"/>
+              <a:lumOff val="0"/>
+              <a:alphaOff val="0"/>
+            </a:schemeClr>
+          </a:solidFill>
+          <a:prstDash val="solid"/>
+        </a:ln>
+        <a:effectLst>
+          <a:outerShdw blurRad="50800" dist="15240" dir="5400000" algn="tl" rotWithShape="0">
+            <a:srgbClr val="000000">
+              <a:alpha val="75000"/>
+            </a:srgbClr>
+          </a:outerShdw>
+        </a:effectLst>
+        <a:scene3d>
+          <a:camera prst="orthographicFront">
+            <a:rot lat="0" lon="0" rev="0"/>
+          </a:camera>
+          <a:lightRig rig="brightRoom" dir="tl"/>
+        </a:scene3d>
+        <a:sp3d contourW="9525" prstMaterial="flat">
+          <a:bevelT w="0" h="0" prst="coolSlant"/>
+          <a:contourClr>
+            <a:schemeClr val="accent1">
+              <a:hueOff val="0"/>
+              <a:satOff val="0"/>
+              <a:lumOff val="0"/>
+              <a:alphaOff val="0"/>
+              <a:shade val="35000"/>
+              <a:satMod val="130000"/>
+            </a:schemeClr>
+          </a:contourClr>
+        </a:sp3d>
+      </dsp:spPr>
+      <dsp:style>
+        <a:lnRef idx="1">
+          <a:scrgbClr r="0" g="0" b="0"/>
+        </a:lnRef>
+        <a:fillRef idx="3">
+          <a:scrgbClr r="0" g="0" b="0"/>
+        </a:fillRef>
+        <a:effectRef idx="2">
+          <a:scrgbClr r="0" g="0" b="0"/>
+        </a:effectRef>
+        <a:fontRef idx="minor">
+          <a:schemeClr val="lt1"/>
+        </a:fontRef>
+      </dsp:style>
+      <dsp:txBody>
+        <a:bodyPr spcFirstLastPara="0" vert="horz" wrap="square" lIns="99568" tIns="56896" rIns="99568" bIns="56896" numCol="1" spcCol="1270" anchor="ctr" anchorCtr="0">
+          <a:noAutofit/>
+        </a:bodyPr>
+        <a:lstStyle/>
+        <a:p>
+          <a:pPr lvl="0" algn="ctr" defTabSz="622300">
+            <a:lnSpc>
+              <a:spcPct val="90000"/>
+            </a:lnSpc>
+            <a:spcBef>
+              <a:spcPct val="0"/>
+            </a:spcBef>
+            <a:spcAft>
+              <a:spcPct val="35000"/>
+            </a:spcAft>
+          </a:pPr>
+          <a:r>
+            <a:rPr lang="en-US" sz="1400" kern="1200" dirty="0" smtClean="0"/>
+            <a:t>Distributed Survey</a:t>
+          </a:r>
+          <a:endParaRPr lang="en-US" sz="1400" kern="1200" dirty="0"/>
+        </a:p>
+      </dsp:txBody>
+      <dsp:txXfrm>
+        <a:off x="7046331" y="4217"/>
+        <a:ext cx="1544364" cy="503768"/>
+      </dsp:txXfrm>
+    </dsp:sp>
+    <dsp:sp modelId="{F92B99B9-EBB8-473C-8F33-1798AEC82375}">
+      <dsp:nvSpPr>
+        <dsp:cNvPr id="0" name=""/>
+        <dsp:cNvSpPr/>
+      </dsp:nvSpPr>
+      <dsp:spPr>
+        <a:xfrm>
+          <a:off x="7046331" y="507985"/>
+          <a:ext cx="1544364" cy="3839134"/>
+        </a:xfrm>
+        <a:prstGeom prst="rect">
+          <a:avLst/>
+        </a:prstGeom>
+        <a:solidFill>
+          <a:schemeClr val="accent1">
+            <a:alpha val="90000"/>
+            <a:tint val="40000"/>
+            <a:hueOff val="0"/>
+            <a:satOff val="0"/>
+            <a:lumOff val="0"/>
+            <a:alphaOff val="0"/>
+          </a:schemeClr>
+        </a:solidFill>
+        <a:ln w="9525" cap="flat" cmpd="sng" algn="ctr">
+          <a:solidFill>
+            <a:schemeClr val="accent1">
+              <a:alpha val="90000"/>
+              <a:tint val="40000"/>
+              <a:hueOff val="0"/>
+              <a:satOff val="0"/>
+              <a:lumOff val="0"/>
+              <a:alphaOff val="0"/>
+            </a:schemeClr>
+          </a:solidFill>
+          <a:prstDash val="solid"/>
+        </a:ln>
+        <a:effectLst/>
+      </dsp:spPr>
+      <dsp:style>
+        <a:lnRef idx="1">
+          <a:scrgbClr r="0" g="0" b="0"/>
+        </a:lnRef>
+        <a:fillRef idx="1">
+          <a:scrgbClr r="0" g="0" b="0"/>
+        </a:fillRef>
+        <a:effectRef idx="0">
+          <a:scrgbClr r="0" g="0" b="0"/>
+        </a:effectRef>
+        <a:fontRef idx="minor"/>
+      </dsp:style>
+      <dsp:txBody>
+        <a:bodyPr spcFirstLastPara="0" vert="horz" wrap="square" lIns="74676" tIns="74676" rIns="99568" bIns="112014" numCol="1" spcCol="1270" anchor="t" anchorCtr="0">
+          <a:noAutofit/>
+        </a:bodyPr>
+        <a:lstStyle/>
+        <a:p>
+          <a:pPr marL="114300" lvl="1" indent="-114300" algn="l" defTabSz="622300">
+            <a:lnSpc>
+              <a:spcPct val="113000"/>
+            </a:lnSpc>
+            <a:spcBef>
+              <a:spcPct val="0"/>
+            </a:spcBef>
+            <a:spcAft>
+              <a:spcPct val="15000"/>
+            </a:spcAft>
+            <a:buChar char="••"/>
+          </a:pPr>
+          <a:endParaRPr lang="en-US" sz="1400" kern="1200" dirty="0"/>
+        </a:p>
+        <a:p>
+          <a:pPr marL="114300" lvl="1" indent="-114300" algn="l" defTabSz="622300">
+            <a:lnSpc>
+              <a:spcPct val="113000"/>
+            </a:lnSpc>
+            <a:spcBef>
+              <a:spcPct val="0"/>
+            </a:spcBef>
+            <a:spcAft>
+              <a:spcPct val="15000"/>
+            </a:spcAft>
+            <a:buChar char="••"/>
+          </a:pPr>
+          <a:endParaRPr lang="en-US" sz="1400" kern="1200" dirty="0"/>
+        </a:p>
+        <a:p>
+          <a:pPr marL="114300" lvl="1" indent="-114300" algn="l" defTabSz="622300">
+            <a:lnSpc>
+              <a:spcPct val="113000"/>
+            </a:lnSpc>
+            <a:spcBef>
+              <a:spcPct val="0"/>
+            </a:spcBef>
+            <a:spcAft>
+              <a:spcPct val="15000"/>
+            </a:spcAft>
+            <a:buChar char="••"/>
+          </a:pPr>
+          <a:endParaRPr lang="en-US" sz="1400" kern="1200" dirty="0"/>
+        </a:p>
+        <a:p>
+          <a:pPr marL="114300" lvl="1" indent="-114300" algn="l" defTabSz="622300">
+            <a:lnSpc>
+              <a:spcPct val="113000"/>
+            </a:lnSpc>
+            <a:spcBef>
+              <a:spcPct val="0"/>
+            </a:spcBef>
+            <a:spcAft>
+              <a:spcPct val="15000"/>
+            </a:spcAft>
+            <a:buChar char="••"/>
+          </a:pPr>
+          <a:endParaRPr lang="en-US" sz="1400" kern="1200" dirty="0"/>
+        </a:p>
+        <a:p>
+          <a:pPr marL="114300" lvl="1" indent="-114300" algn="l" defTabSz="622300">
+            <a:lnSpc>
+              <a:spcPct val="100000"/>
+            </a:lnSpc>
+            <a:spcBef>
+              <a:spcPct val="0"/>
+            </a:spcBef>
+            <a:spcAft>
+              <a:spcPct val="15000"/>
+            </a:spcAft>
+            <a:buChar char="••"/>
+          </a:pPr>
+          <a:r>
+            <a:rPr lang="en-US" sz="1400" kern="1200" dirty="0" smtClean="0"/>
+            <a:t>Unbiased sample</a:t>
+          </a:r>
+          <a:endParaRPr lang="en-US" sz="1400" kern="1200" dirty="0"/>
+        </a:p>
+        <a:p>
+          <a:pPr marL="114300" lvl="1" indent="-114300" algn="l" defTabSz="622300">
+            <a:lnSpc>
+              <a:spcPct val="100000"/>
+            </a:lnSpc>
+            <a:spcBef>
+              <a:spcPct val="0"/>
+            </a:spcBef>
+            <a:spcAft>
+              <a:spcPct val="15000"/>
+            </a:spcAft>
+            <a:buChar char="••"/>
+          </a:pPr>
+          <a:r>
+            <a:rPr lang="en-US" sz="1400" kern="1200" dirty="0" smtClean="0"/>
+            <a:t>Contacts</a:t>
+          </a:r>
+          <a:endParaRPr lang="en-US" sz="1400" kern="1200" dirty="0"/>
+        </a:p>
+        <a:p>
+          <a:pPr marL="228600" lvl="2" indent="-114300" algn="l" defTabSz="622300">
+            <a:lnSpc>
+              <a:spcPct val="100000"/>
+            </a:lnSpc>
+            <a:spcBef>
+              <a:spcPct val="0"/>
+            </a:spcBef>
+            <a:spcAft>
+              <a:spcPct val="15000"/>
+            </a:spcAft>
+            <a:buChar char="••"/>
+          </a:pPr>
+          <a:r>
+            <a:rPr lang="en-US" sz="1400" kern="1200" dirty="0" smtClean="0"/>
+            <a:t>ANUSA</a:t>
+          </a:r>
+          <a:endParaRPr lang="en-US" sz="1400" kern="1200" dirty="0"/>
+        </a:p>
+        <a:p>
+          <a:pPr marL="228600" lvl="2" indent="-114300" algn="l" defTabSz="622300">
+            <a:lnSpc>
+              <a:spcPct val="100000"/>
+            </a:lnSpc>
+            <a:spcBef>
+              <a:spcPct val="0"/>
+            </a:spcBef>
+            <a:spcAft>
+              <a:spcPct val="15000"/>
+            </a:spcAft>
+            <a:buChar char="••"/>
+          </a:pPr>
+          <a:r>
+            <a:rPr lang="en-US" sz="1400" kern="1200" dirty="0" smtClean="0"/>
+            <a:t>Planning and Performance Measurement (PPM)</a:t>
+          </a:r>
+          <a:endParaRPr lang="en-US" sz="1400" kern="1200" dirty="0"/>
+        </a:p>
+        <a:p>
+          <a:pPr marL="114300" lvl="1" indent="-114300" algn="l" defTabSz="622300">
+            <a:lnSpc>
+              <a:spcPct val="100000"/>
+            </a:lnSpc>
+            <a:spcBef>
+              <a:spcPct val="0"/>
+            </a:spcBef>
+            <a:spcAft>
+              <a:spcPct val="15000"/>
+            </a:spcAft>
+            <a:buChar char="••"/>
+          </a:pPr>
+          <a:r>
+            <a:rPr lang="en-US" sz="1400" kern="1200" dirty="0" smtClean="0"/>
+            <a:t>Recommended action: Ethics approval</a:t>
+          </a:r>
+          <a:endParaRPr lang="en-US" sz="1400" kern="1200" dirty="0"/>
+        </a:p>
+      </dsp:txBody>
+      <dsp:txXfrm>
+        <a:off x="7046331" y="507985"/>
+        <a:ext cx="1544364" cy="3839134"/>
+      </dsp:txXfrm>
+    </dsp:sp>
+  </dsp:spTree>
+</dsp:drawing>
+</file>
+
+<file path=ppt/diagrams/layout1.xml><?xml version="1.0" encoding="utf-8"?>
+<dgm:layoutDef xmlns:dgm="http://schemas.openxmlformats.org/drawingml/2006/diagram" xmlns:a="http://schemas.openxmlformats.org/drawingml/2006/main" uniqueId="urn:microsoft.com/office/officeart/2005/8/layout/hList1">
+  <dgm:title val=""/>
+  <dgm:desc val=""/>
+  <dgm:catLst>
+    <dgm:cat type="list" pri="5000"/>
+    <dgm:cat type="convert" pri="5000"/>
+  </dgm:catLst>
+  <dgm:sampData>
+    <dgm:dataModel>
+      <dgm:ptLst>
+        <dgm:pt modelId="0" type="doc"/>
+        <dgm:pt modelId="1">
+          <dgm:prSet phldr="1"/>
+        </dgm:pt>
+        <dgm:pt modelId="11">
+          <dgm:prSet phldr="1"/>
+        </dgm:pt>
+        <dgm:pt modelId="12">
+          <dgm:prSet phldr="1"/>
+        </dgm:pt>
+        <dgm:pt modelId="2">
+          <dgm:prSet phldr="1"/>
+        </dgm:pt>
+        <dgm:pt modelId="21">
+          <dgm:prSet phldr="1"/>
+        </dgm:pt>
+        <dgm:pt modelId="22">
+          <dgm:prSet phldr="1"/>
+        </dgm:pt>
+        <dgm:pt modelId="3">
+          <dgm:prSet phldr="1"/>
+        </dgm:pt>
+        <dgm:pt modelId="31">
+          <dgm:prSet phldr="1"/>
+        </dgm:pt>
+        <dgm:pt modelId="32">
+          <dgm:prSet phldr="1"/>
+        </dgm:pt>
+      </dgm:ptLst>
+      <dgm:cxnLst>
+        <dgm:cxn modelId="4" srcId="0" destId="1" srcOrd="0" destOrd="0"/>
+        <dgm:cxn modelId="5" srcId="0" destId="2" srcOrd="1" destOrd="0"/>
+        <dgm:cxn modelId="6" srcId="0" destId="3" srcOrd="2" destOrd="0"/>
+        <dgm:cxn modelId="13" srcId="1" destId="11" srcOrd="0" destOrd="0"/>
+        <dgm:cxn modelId="14" srcId="1" destId="12" srcOrd="1" destOrd="0"/>
+        <dgm:cxn modelId="23" srcId="2" destId="21" srcOrd="0" destOrd="0"/>
+        <dgm:cxn modelId="24" srcId="2" destId="22" srcOrd="1" destOrd="0"/>
+        <dgm:cxn modelId="33" srcId="3" destId="31" srcOrd="0" destOrd="0"/>
+        <dgm:cxn modelId="34" srcId="3" destId="32" srcOrd="1" destOrd="0"/>
+      </dgm:cxnLst>
+      <dgm:bg/>
+      <dgm:whole/>
+    </dgm:dataModel>
+  </dgm:sampData>
+  <dgm:styleData>
+    <dgm:dataModel>
+      <dgm:ptLst>
+        <dgm:pt modelId="0" type="doc"/>
+        <dgm:pt modelId="1">
+          <dgm:prSet phldr="1"/>
+        </dgm:pt>
+        <dgm:pt modelId="2">
+          <dgm:prSet phldr="1"/>
+        </dgm:pt>
+      </dgm:ptLst>
+      <dgm:cxnLst>
+        <dgm:cxn modelId="3" srcId="0" destId="1" srcOrd="0" destOrd="0"/>
+        <dgm:cxn modelId="4" srcId="0" destId="2" srcOrd="1" destOrd="0"/>
+      </dgm:cxnLst>
+      <dgm:bg/>
+      <dgm:whole/>
+    </dgm:dataModel>
+  </dgm:styleData>
+  <dgm:clrData>
+    <dgm:dataModel>
+      <dgm:ptLst>
+        <dgm:pt modelId="0" type="doc"/>
+        <dgm:pt modelId="1">
+          <dgm:prSet phldr="1"/>
+        </dgm:pt>
+        <dgm:pt modelId="2">
+          <dgm:prSet phldr="1"/>
+        </dgm:pt>
+        <dgm:pt modelId="3">
+          <dgm:prSet phldr="1"/>
+        </dgm:pt>
+        <dgm:pt modelId="4">
+          <dgm:prSet phldr="1"/>
+        </dgm:pt>
+      </dgm:ptLst>
+      <dgm:cxnLst>
+        <dgm:cxn modelId="5" srcId="0" destId="1" srcOrd="0" destOrd="0"/>
+        <dgm:cxn modelId="6" srcId="0" destId="2" srcOrd="1" destOrd="0"/>
+        <dgm:cxn modelId="7" srcId="0" destId="3" srcOrd="2" destOrd="0"/>
+        <dgm:cxn modelId="8" srcId="0" destId="4" srcOrd="3" destOrd="0"/>
+      </dgm:cxnLst>
+      <dgm:bg/>
+      <dgm:whole/>
+    </dgm:dataModel>
+  </dgm:clrData>
+  <dgm:layoutNode name="Name0">
+    <dgm:varLst>
+      <dgm:dir/>
+      <dgm:animLvl val="lvl"/>
+      <dgm:resizeHandles val="exact"/>
+    </dgm:varLst>
+    <dgm:choose name="Name1">
+      <dgm:if name="Name2" func="var" arg="dir" op="equ" val="norm">
+        <dgm:alg type="lin"/>
+      </dgm:if>
+      <dgm:else name="Name3">
+        <dgm:alg type="lin">
+          <dgm:param type="linDir" val="fromR"/>
+        </dgm:alg>
+      </dgm:else>
+    </dgm:choose>
+    <dgm:shape xmlns:r="http://schemas.openxmlformats.org/officeDocument/2006/relationships" r:blip="">
+      <dgm:adjLst/>
+    </dgm:shape>
+    <dgm:presOf/>
+    <dgm:constrLst>
+      <dgm:constr type="h" for="ch" forName="composite" refType="h"/>
+      <dgm:constr type="w" for="ch" forName="composite" refType="w"/>
+      <dgm:constr type="w" for="des" forName="parTx"/>
+      <dgm:constr type="h" for="des" forName="parTx" op="equ"/>
+      <dgm:constr type="w" for="des" forName="desTx"/>
+      <dgm:constr type="h" for="des" forName="desTx" op="equ"/>
+      <dgm:constr type="primFontSz" for="des" forName="parTx" val="65"/>
+      <dgm:constr type="secFontSz" for="des" forName="desTx" refType="primFontSz" refFor="des" refForName="parTx" op="equ"/>
+      <dgm:constr type="h" for="des" forName="parTx" refType="primFontSz" refFor="des" refForName="parTx" fact="0.8"/>
+      <dgm:constr type="h" for="des" forName="desTx" refType="primFontSz" refFor="des" refForName="parTx" fact="1.22"/>
+      <dgm:constr type="w" for="ch" forName="space" refType="w" refFor="ch" refForName="composite" op="equ" fact="0.14"/>
+    </dgm:constrLst>
+    <dgm:ruleLst>
+      <dgm:rule type="w" for="ch" forName="composite" val="0" fact="NaN" max="NaN"/>
+      <dgm:rule type="primFontSz" for="des" forName="parTx" val="5" fact="NaN" max="NaN"/>
+    </dgm:ruleLst>
+    <dgm:forEach name="Name4" axis="ch" ptType="node">
+      <dgm:layoutNode name="composite">
+        <dgm:alg type="composite"/>
+        <dgm:shape xmlns:r="http://schemas.openxmlformats.org/officeDocument/2006/relationships" r:blip="">
+          <dgm:adjLst/>
+        </dgm:shape>
+        <dgm:presOf/>
+        <dgm:constrLst>
+          <dgm:constr type="l" for="ch" forName="parTx"/>
+          <dgm:constr type="w" for="ch" forName="parTx" refType="w"/>
+          <dgm:constr type="t" for="ch" forName="parTx"/>
+          <dgm:constr type="l" for="ch" forName="desTx"/>
+          <dgm:constr type="w" for="ch" forName="desTx" refType="w" refFor="ch" refForName="parTx"/>
+          <dgm:constr type="t" for="ch" forName="desTx" refType="h" refFor="ch" refForName="parTx"/>
+        </dgm:constrLst>
+        <dgm:ruleLst>
+          <dgm:rule type="h" val="INF" fact="NaN" max="NaN"/>
+        </dgm:ruleLst>
+        <dgm:layoutNode name="parTx" styleLbl="alignNode1">
+          <dgm:varLst>
+            <dgm:chMax val="0"/>
+            <dgm:chPref val="0"/>
+            <dgm:bulletEnabled val="1"/>
+          </dgm:varLst>
+          <dgm:alg type="tx"/>
+          <dgm:shape xmlns:r="http://schemas.openxmlformats.org/officeDocument/2006/relationships" type="rect" r:blip="">
+            <dgm:adjLst/>
+          </dgm:shape>
+          <dgm:presOf axis="self" ptType="node"/>
+          <dgm:constrLst>
+            <dgm:constr type="h" refType="w" op="lte" fact="0.4"/>
+            <dgm:constr type="h"/>
+            <dgm:constr type="tMarg" refType="primFontSz" fact="0.32"/>
+            <dgm:constr type="bMarg" refType="primFontSz" fact="0.32"/>
+          </dgm:constrLst>
+          <dgm:ruleLst>
+            <dgm:rule type="h" val="INF" fact="NaN" max="NaN"/>
+          </dgm:ruleLst>
+        </dgm:layoutNode>
+        <dgm:layoutNode name="desTx" styleLbl="alignAccFollowNode1">
+          <dgm:varLst>
+            <dgm:bulletEnabled val="1"/>
+          </dgm:varLst>
+          <dgm:alg type="tx">
+            <dgm:param type="stBulletLvl" val="1"/>
+          </dgm:alg>
+          <dgm:shape xmlns:r="http://schemas.openxmlformats.org/officeDocument/2006/relationships" type="rect" r:blip="">
+            <dgm:adjLst/>
+          </dgm:shape>
+          <dgm:presOf axis="des" ptType="node"/>
+          <dgm:constrLst>
+            <dgm:constr type="secFontSz" val="65"/>
+            <dgm:constr type="primFontSz" refType="secFontSz"/>
+            <dgm:constr type="h"/>
+            <dgm:constr type="lMarg" refType="primFontSz" fact="0.42"/>
+            <dgm:constr type="tMarg" refType="primFontSz" fact="0.42"/>
+            <dgm:constr type="bMarg" refType="primFontSz" fact="0.63"/>
+          </dgm:constrLst>
+          <dgm:ruleLst>
+            <dgm:rule type="h" val="INF" fact="NaN" max="NaN"/>
+          </dgm:ruleLst>
+        </dgm:layoutNode>
+      </dgm:layoutNode>
+      <dgm:forEach name="Name5" axis="followSib" ptType="sibTrans" cnt="1">
+        <dgm:layoutNode name="space">
+          <dgm:alg type="sp"/>
+          <dgm:shape xmlns:r="http://schemas.openxmlformats.org/officeDocument/2006/relationships" r:blip="">
+            <dgm:adjLst/>
+          </dgm:shape>
+          <dgm:presOf/>
+          <dgm:constrLst/>
+          <dgm:ruleLst/>
+        </dgm:layoutNode>
+      </dgm:forEach>
+    </dgm:forEach>
+  </dgm:layoutNode>
+</dgm:layoutDef>
+</file>
+
+<file path=ppt/diagrams/quickStyle1.xml><?xml version="1.0" encoding="utf-8"?>
+<dgm:styleDef xmlns:dgm="http://schemas.openxmlformats.org/drawingml/2006/diagram" xmlns:a="http://schemas.openxmlformats.org/drawingml/2006/main" uniqueId="urn:microsoft.com/office/officeart/2005/8/quickstyle/simple4">
+  <dgm:title val=""/>
+  <dgm:desc val=""/>
+  <dgm:catLst>
+    <dgm:cat type="simple" pri="10400"/>
+  </dgm:catLst>
+  <dgm:scene3d>
+    <a:camera prst="orthographicFront"/>
+    <a:lightRig rig="threePt" dir="t"/>
+  </dgm:scene3d>
+  <dgm:styleLbl name="node0">
+    <dgm:scene3d>
+      <a:camera prst="orthographicFront"/>
+      <a:lightRig rig="threePt" dir="t"/>
+    </dgm:scene3d>
+    <dgm:sp3d/>
+    <dgm:txPr/>
+    <dgm:style>
+      <a:lnRef idx="0">
+        <a:scrgbClr r="0" g="0" b="0"/>
+      </a:lnRef>
+      <a:fillRef idx="3">
+        <a:scrgbClr r="0" g="0" b="0"/>
+      </a:fillRef>
+      <a:effectRef idx="2">
+        <a:scrgbClr r="0" g="0" b="0"/>
+      </a:effectRef>
+      <a:fontRef idx="minor">
+        <a:schemeClr val="lt1"/>
+      </a:fontRef>
+    </dgm:style>
+  </dgm:styleLbl>
+  <dgm:styleLbl name="lnNode1">
+    <dgm:scene3d>
+      <a:camera prst="orthographicFront"/>
+      <a:lightRig rig="threePt" dir="t"/>
+    </dgm:scene3d>
+    <dgm:sp3d/>
+    <dgm:txPr/>
+    <dgm:style>
+      <a:lnRef idx="1">
+        <a:scrgbClr r="0" g="0" b="0"/>
+      </a:lnRef>
+      <a:fillRef idx="3">
+        <a:scrgbClr r="0" g="0" b="0"/>
+      </a:fillRef>
+      <a:effectRef idx="2">
+        <a:scrgbClr r="0" g="0" b="0"/>
+      </a:effectRef>
+      <a:fontRef idx="minor">
+        <a:schemeClr val="lt1"/>
+      </a:fontRef>
+    </dgm:style>
+  </dgm:styleLbl>
+  <dgm:styleLbl name="vennNode1">
+    <dgm:scene3d>
+      <a:camera prst="orthographicFront"/>
+      <a:lightRig rig="threePt" dir="t"/>
+    </dgm:scene3d>
+    <dgm:sp3d/>
+    <dgm:txPr/>
+    <dgm:style>
+      <a:lnRef idx="0">
+        <a:scrgbClr r="0" g="0" b="0"/>
+      </a:lnRef>
+      <a:fillRef idx="3">
+        <a:scrgbClr r="0" g="0" b="0"/>
+      </a:fillRef>
+      <a:effectRef idx="0">
+        <a:scrgbClr r="0" g="0" b="0"/>
+      </a:effectRef>
+      <a:fontRef idx="minor">
+        <a:schemeClr val="tx1"/>
+      </a:fontRef>
+    </dgm:style>
+  </dgm:styleLbl>
+  <dgm:styleLbl name="alignNode1">
+    <dgm:scene3d>
+      <a:camera prst="orthographicFront"/>
+      <a:lightRig rig="threePt" dir="t"/>
+    </dgm:scene3d>
+    <dgm:sp3d/>
+    <dgm:txPr/>
+    <dgm:style>
+      <a:lnRef idx="1">
+        <a:scrgbClr r="0" g="0" b="0"/>
+      </a:lnRef>
+      <a:fillRef idx="3">
+        <a:scrgbClr r="0" g="0" b="0"/>
+      </a:fillRef>
+      <a:effectRef idx="2">
+        <a:scrgbClr r="0" g="0" b="0"/>
+      </a:effectRef>
+      <a:fontRef idx="minor">
+        <a:schemeClr val="lt1"/>
+      </a:fontRef>
+    </dgm:style>
+  </dgm:styleLbl>
+  <dgm:styleLbl name="node1">
+    <dgm:scene3d>
+      <a:camera prst="orthographicFront"/>
+      <a:lightRig rig="threePt" dir="t"/>
+    </dgm:scene3d>
+    <dgm:sp3d/>
+    <dgm:txPr/>
+    <dgm:style>
+      <a:lnRef idx="0">
+        <a:scrgbClr r="0" g="0" b="0"/>
+      </a:lnRef>
+      <a:fillRef idx="3">
+        <a:scrgbClr r="0" g="0" b="0"/>
+      </a:fillRef>
+      <a:effectRef idx="2">
+        <a:scrgbClr r="0" g="0" b="0"/>
+      </a:effectRef>
+      <a:fontRef idx="minor">
+        <a:schemeClr val="lt1"/>
+      </a:fontRef>
+    </dgm:style>
+  </dgm:styleLbl>
+  <dgm:styleLbl name="node2">
+    <dgm:scene3d>
+      <a:camera prst="orthographicFront"/>
+      <a:lightRig rig="threePt" dir="t"/>
+    </dgm:scene3d>
+    <dgm:sp3d/>
+    <dgm:txPr/>
+    <dgm:style>
+      <a:lnRef idx="0">
+        <a:scrgbClr r="0" g="0" b="0"/>
+      </a:lnRef>
+      <a:fillRef idx="3">
+        <a:scrgbClr r="0" g="0" b="0"/>
+      </a:fillRef>
+      <a:effectRef idx="2">
+        <a:scrgbClr r="0" g="0" b="0"/>
+      </a:effectRef>
+      <a:fontRef idx="minor">
+        <a:schemeClr val="lt1"/>
+      </a:fontRef>
+    </dgm:style>
+  </dgm:styleLbl>
+  <dgm:styleLbl name="node3">
+    <dgm:scene3d>
+      <a:camera prst="orthographicFront"/>
+      <a:lightRig rig="threePt" dir="t"/>
+    </dgm:scene3d>
+    <dgm:sp3d/>
+    <dgm:txPr/>
+    <dgm:style>
+      <a:lnRef idx="0">
+        <a:scrgbClr r="0" g="0" b="0"/>
+      </a:lnRef>
+      <a:fillRef idx="3">
+        <a:scrgbClr r="0" g="0" b="0"/>
+      </a:fillRef>
+      <a:effectRef idx="2">
+        <a:scrgbClr r="0" g="0" b="0"/>
+      </a:effectRef>
+      <a:fontRef idx="minor">
+        <a:schemeClr val="lt1"/>
+      </a:fontRef>
+    </dgm:style>
+  </dgm:styleLbl>
+  <dgm:styleLbl name="node4">
+    <dgm:scene3d>
+      <a:camera prst="orthographicFront"/>
+      <a:lightRig rig="threePt" dir="t"/>
+    </dgm:scene3d>
+    <dgm:sp3d/>
+    <dgm:txPr/>
+    <dgm:style>
+      <a:lnRef idx="0">
+        <a:scrgbClr r="0" g="0" b="0"/>
+      </a:lnRef>
+      <a:fillRef idx="3">
+        <a:scrgbClr r="0" g="0" b="0"/>
+      </a:fillRef>
+      <a:effectRef idx="2">
+        <a:scrgbClr r="0" g="0" b="0"/>
+      </a:effectRef>
+      <a:fontRef idx="minor">
+        <a:schemeClr val="lt1"/>
+      </a:fontRef>
+    </dgm:style>
+  </dgm:styleLbl>
+  <dgm:styleLbl name="fgImgPlace1">
+    <dgm:scene3d>
+      <a:camera prst="orthographicFront"/>
+      <a:lightRig rig="threePt" dir="t"/>
+    </dgm:scene3d>
+    <dgm:sp3d/>
+    <dgm:txPr/>
+    <dgm:style>
+      <a:lnRef idx="0">
+        <a:scrgbClr r="0" g="0" b="0"/>
+      </a:lnRef>
+      <a:fillRef idx="1">
+        <a:scrgbClr r="0" g="0" b="0"/>
+      </a:fillRef>
+      <a:effectRef idx="2">
+        <a:scrgbClr r="0" g="0" b="0"/>
+      </a:effectRef>
+      <a:fontRef idx="minor"/>
+    </dgm:style>
+  </dgm:styleLbl>
+  <dgm:styleLbl name="alignImgPlace1">
+    <dgm:scene3d>
+      <a:camera prst="orthographicFront"/>
+      <a:lightRig rig="threePt" dir="t"/>
+    </dgm:scene3d>
+    <dgm:sp3d/>
+    <dgm:txPr/>
+    <dgm:style>
+      <a:lnRef idx="0">
+        <a:scrgbClr r="0" g="0" b="0"/>
+      </a:lnRef>
+      <a:fillRef idx="1">
+        <a:scrgbClr r="0" g="0" b="0"/>
+      </a:fillRef>
+      <a:effectRef idx="2">
+        <a:scrgbClr r="0" g="0" b="0"/>
+      </a:effectRef>
+      <a:fontRef idx="minor"/>
+    </dgm:style>
+  </dgm:styleLbl>
+  <dgm:styleLbl name="bgImgPlace1">
+    <dgm:scene3d>
+      <a:camera prst="orthographicFront"/>
+      <a:lightRig rig="threePt" dir="t"/>
+    </dgm:scene3d>
+    <dgm:sp3d/>
+    <dgm:txPr/>
+    <dgm:style>
+      <a:lnRef idx="0">
+        <a:scrgbClr r="0" g="0" b="0"/>
+      </a:lnRef>
+      <a:fillRef idx="1">
+        <a:scrgbClr r="0" g="0" b="0"/>
+      </a:fillRef>
+      <a:effectRef idx="2">
+        <a:scrgbClr r="0" g="0" b="0"/>
+      </a:effectRef>
+      <a:fontRef idx="minor"/>
+    </dgm:style>
+  </dgm:styleLbl>
+  <dgm:styleLbl name="sibTrans2D1">
+    <dgm:scene3d>
+      <a:camera prst="orthographicFront"/>
+      <a:lightRig rig="threePt" dir="t"/>
+    </dgm:scene3d>
+    <dgm:sp3d/>
+    <dgm:txPr/>
+    <dgm:style>
+      <a:lnRef idx="0">
+        <a:scrgbClr r="0" g="0" b="0"/>
+      </a:lnRef>
+      <a:fillRef idx="3">
+        <a:scrgbClr r="0" g="0" b="0"/>
+      </a:fillRef>
+      <a:effectRef idx="2">
+        <a:scrgbClr r="0" g="0" b="0"/>
+      </a:effectRef>
+      <a:fontRef idx="minor">
+        <a:schemeClr val="lt1"/>
+      </a:fontRef>
+    </dgm:style>
+  </dgm:styleLbl>
+  <dgm:styleLbl name="fgSibTrans2D1">
+    <dgm:scene3d>
+      <a:camera prst="orthographicFront"/>
+      <a:lightRig rig="threePt" dir="t"/>
+    </dgm:scene3d>
+    <dgm:sp3d/>
+    <dgm:txPr/>
+    <dgm:style>
+      <a:lnRef idx="0">
+        <a:scrgbClr r="0" g="0" b="0"/>
+      </a:lnRef>
+      <a:fillRef idx="3">
+        <a:scrgbClr r="0" g="0" b="0"/>
+      </a:fillRef>
+      <a:effectRef idx="2">
+        <a:scrgbClr r="0" g="0" b="0"/>
+      </a:effectRef>
+      <a:fontRef idx="minor">
+        <a:schemeClr val="lt1"/>
+      </a:fontRef>
+    </dgm:style>
+  </dgm:styleLbl>
+  <dgm:styleLbl name="bgSibTrans2D1">
+    <dgm:scene3d>
+      <a:camera prst="orthographicFront"/>
+      <a:lightRig rig="threePt" dir="t"/>
+    </dgm:scene3d>
+    <dgm:sp3d/>
+    <dgm:txPr/>
+    <dgm:style>
+      <a:lnRef idx="0">
+        <a:scrgbClr r="0" g="0" b="0"/>
+      </a:lnRef>
+      <a:fillRef idx="3">
+        <a:scrgbClr r="0" g="0" b="0"/>
+      </a:fillRef>
+      <a:effectRef idx="2">
+        <a:scrgbClr r="0" g="0" b="0"/>
+      </a:effectRef>
+      <a:fontRef idx="minor">
+        <a:schemeClr val="lt1"/>
+      </a:fontRef>
+    </dgm:style>
+  </dgm:styleLbl>
+  <dgm:styleLbl name="sibTrans1D1">
+    <dgm:scene3d>
+      <a:camera prst="orthographicFront"/>
+      <a:lightRig rig="threePt" dir="t"/>
+    </dgm:scene3d>
+    <dgm:sp3d/>
+    <dgm:txPr/>
+    <dgm:style>
+      <a:lnRef idx="1">
+        <a:scrgbClr r="0" g="0" b="0"/>
+      </a:lnRef>
+      <a:fillRef idx="0">
+        <a:scrgbClr r="0" g="0" b="0"/>
+      </a:fillRef>
+      <a:effectRef idx="0">
+        <a:scrgbClr r="0" g="0" b="0"/>
+      </a:effectRef>
+      <a:fontRef idx="minor"/>
+    </dgm:style>
+  </dgm:styleLbl>
+  <dgm:styleLbl name="callout">
+    <dgm:scene3d>
+      <a:camera prst="orthographicFront"/>
+      <a:lightRig rig="threePt" dir="t"/>
+    </dgm:scene3d>
+    <dgm:sp3d/>
+    <dgm:txPr/>
+    <dgm:style>
+      <a:lnRef idx="2">
+        <a:scrgbClr r="0" g="0" b="0"/>
+      </a:lnRef>
+      <a:fillRef idx="1">
+        <a:scrgbClr r="0" g="0" b="0"/>
+      </a:fillRef>
+      <a:effectRef idx="1">
+        <a:scrgbClr r="0" g="0" b="0"/>
+      </a:effectRef>
+      <a:fontRef idx="minor"/>
+    </dgm:style>
+  </dgm:styleLbl>
+  <dgm:styleLbl name="asst0">
+    <dgm:scene3d>
+      <a:camera prst="orthographicFront"/>
+      <a:lightRig rig="threePt" dir="t"/>
+    </dgm:scene3d>
+    <dgm:sp3d/>
+    <dgm:txPr/>
+    <dgm:style>
+      <a:lnRef idx="0">
+        <a:scrgbClr r="0" g="0" b="0"/>
+      </a:lnRef>
+      <a:fillRef idx="3">
+        <a:scrgbClr r="0" g="0" b="0"/>
+      </a:fillRef>
+      <a:effectRef idx="2">
+        <a:scrgbClr r="0" g="0" b="0"/>
+      </a:effectRef>
+      <a:fontRef idx="minor">
+        <a:schemeClr val="lt1"/>
+      </a:fontRef>
+    </dgm:style>
+  </dgm:styleLbl>
+  <dgm:styleLbl name="asst1">
+    <dgm:scene3d>
+      <a:camera prst="orthographicFront"/>
+      <a:lightRig rig="threePt" dir="t"/>
+    </dgm:scene3d>
+    <dgm:sp3d/>
+    <dgm:txPr/>
+    <dgm:style>
+      <a:lnRef idx="0">
+        <a:scrgbClr r="0" g="0" b="0"/>
+      </a:lnRef>
+      <a:fillRef idx="3">
+        <a:scrgbClr r="0" g="0" b="0"/>
+      </a:fillRef>
+      <a:effectRef idx="2">
+        <a:scrgbClr r="0" g="0" b="0"/>
+      </a:effectRef>
+      <a:fontRef idx="minor">
+        <a:schemeClr val="lt1"/>
+      </a:fontRef>
+    </dgm:style>
+  </dgm:styleLbl>
+  <dgm:styleLbl name="asst2">
+    <dgm:scene3d>
+      <a:camera prst="orthographicFront"/>
+      <a:lightRig rig="threePt" dir="t"/>
+    </dgm:scene3d>
+    <dgm:sp3d/>
+    <dgm:txPr/>
+    <dgm:style>
+      <a:lnRef idx="0">
+        <a:scrgbClr r="0" g="0" b="0"/>
+      </a:lnRef>
+      <a:fillRef idx="3">
+        <a:scrgbClr r="0" g="0" b="0"/>
+      </a:fillRef>
+      <a:effectRef idx="2">
+        <a:scrgbClr r="0" g="0" b="0"/>
+      </a:effectRef>
+      <a:fontRef idx="minor">
+        <a:schemeClr val="lt1"/>
+      </a:fontRef>
+    </dgm:style>
+  </dgm:styleLbl>
+  <dgm:styleLbl name="asst3">
+    <dgm:scene3d>
+      <a:camera prst="orthographicFront"/>
+      <a:lightRig rig="threePt" dir="t"/>
+    </dgm:scene3d>
+    <dgm:sp3d/>
+    <dgm:txPr/>
+    <dgm:style>
+      <a:lnRef idx="0">
+        <a:scrgbClr r="0" g="0" b="0"/>
+      </a:lnRef>
+      <a:fillRef idx="3">
+        <a:scrgbClr r="0" g="0" b="0"/>
+      </a:fillRef>
+      <a:effectRef idx="2">
+        <a:scrgbClr r="0" g="0" b="0"/>
+      </a:effectRef>
+      <a:fontRef idx="minor">
+        <a:schemeClr val="lt1"/>
+      </a:fontRef>
+    </dgm:style>
+  </dgm:styleLbl>
+  <dgm:styleLbl name="asst4">
+    <dgm:scene3d>
+      <a:camera prst="orthographicFront"/>
+      <a:lightRig rig="threePt" dir="t"/>
+    </dgm:scene3d>
+    <dgm:sp3d/>
+    <dgm:txPr/>
+    <dgm:style>
+      <a:lnRef idx="0">
+        <a:scrgbClr r="0" g="0" b="0"/>
+      </a:lnRef>
+      <a:fillRef idx="3">
+        <a:scrgbClr r="0" g="0" b="0"/>
+      </a:fillRef>
+      <a:effectRef idx="2">
+        <a:scrgbClr r="0" g="0" b="0"/>
+      </a:effectRef>
+      <a:fontRef idx="minor">
+        <a:schemeClr val="lt1"/>
+      </a:fontRef>
+    </dgm:style>
+  </dgm:styleLbl>
+  <dgm:styleLbl name="parChTrans2D1">
+    <dgm:scene3d>
+      <a:camera prst="orthographicFront"/>
+      <a:lightRig rig="threePt" dir="t"/>
+    </dgm:scene3d>
+    <dgm:sp3d/>
+    <dgm:txPr/>
+    <dgm:style>
+      <a:lnRef idx="0">
+        <a:scrgbClr r="0" g="0" b="0"/>
+      </a:lnRef>
+      <a:fillRef idx="3">
+        <a:scrgbClr r="0" g="0" b="0"/>
+      </a:fillRef>
+      <a:effectRef idx="2">
+        <a:scrgbClr r="0" g="0" b="0"/>
+      </a:effectRef>
+      <a:fontRef idx="minor">
+        <a:schemeClr val="lt1"/>
+      </a:fontRef>
+    </dgm:style>
+  </dgm:styleLbl>
+  <dgm:styleLbl name="parChTrans2D2">
+    <dgm:scene3d>
+      <a:camera prst="orthographicFront"/>
+      <a:lightRig rig="threePt" dir="t"/>
+    </dgm:scene3d>
+    <dgm:sp3d/>
+    <dgm:txPr/>
+    <dgm:style>
+      <a:lnRef idx="0">
+        <a:scrgbClr r="0" g="0" b="0"/>
+      </a:lnRef>
+      <a:fillRef idx="3">
+        <a:scrgbClr r="0" g="0" b="0"/>
+      </a:fillRef>
+      <a:effectRef idx="2">
+        <a:scrgbClr r="0" g="0" b="0"/>
+      </a:effectRef>
+      <a:fontRef idx="minor">
+        <a:schemeClr val="lt1"/>
+      </a:fontRef>
+    </dgm:style>
+  </dgm:styleLbl>
+  <dgm:styleLbl name="parChTrans2D3">
+    <dgm:scene3d>
+      <a:camera prst="orthographicFront"/>
+      <a:lightRig rig="threePt" dir="t"/>
+    </dgm:scene3d>
+    <dgm:sp3d/>
+    <dgm:txPr/>
+    <dgm:style>
+      <a:lnRef idx="1">
+        <a:scrgbClr r="0" g="0" b="0"/>
+      </a:lnRef>
+      <a:fillRef idx="3">
+        <a:scrgbClr r="0" g="0" b="0"/>
+      </a:fillRef>
+      <a:effectRef idx="2">
+        <a:scrgbClr r="0" g="0" b="0"/>
+      </a:effectRef>
+      <a:fontRef idx="minor">
+        <a:schemeClr val="lt1"/>
+      </a:fontRef>
+    </dgm:style>
+  </dgm:styleLbl>
+  <dgm:styleLbl name="parChTrans2D4">
+    <dgm:scene3d>
+      <a:camera prst="orthographicFront"/>
+      <a:lightRig rig="threePt" dir="t"/>
+    </dgm:scene3d>
+    <dgm:sp3d/>
+    <dgm:txPr/>
+    <dgm:style>
+      <a:lnRef idx="1">
+        <a:scrgbClr r="0" g="0" b="0"/>
+      </a:lnRef>
+      <a:fillRef idx="3">
+        <a:scrgbClr r="0" g="0" b="0"/>
+      </a:fillRef>
+      <a:effectRef idx="2">
+        <a:scrgbClr r="0" g="0" b="0"/>
+      </a:effectRef>
+      <a:fontRef idx="minor">
+        <a:schemeClr val="lt1"/>
+      </a:fontRef>
+    </dgm:style>
+  </dgm:styleLbl>
+  <dgm:styleLbl name="parChTrans1D1">
+    <dgm:scene3d>
+      <a:camera prst="orthographicFront"/>
+      <a:lightRig rig="threePt" dir="t"/>
+    </dgm:scene3d>
+    <dgm:sp3d/>
+    <dgm:txPr/>
+    <dgm:style>
+      <a:lnRef idx="1">
+        <a:scrgbClr r="0" g="0" b="0"/>
+      </a:lnRef>
+      <a:fillRef idx="0">
+        <a:scrgbClr r="0" g="0" b="0"/>
+      </a:fillRef>
+      <a:effectRef idx="0">
+        <a:scrgbClr r="0" g="0" b="0"/>
+      </a:effectRef>
+      <a:fontRef idx="minor"/>
+    </dgm:style>
+  </dgm:styleLbl>
+  <dgm:styleLbl name="parChTrans1D2">
+    <dgm:scene3d>
+      <a:camera prst="orthographicFront"/>
+      <a:lightRig rig="threePt" dir="t"/>
+    </dgm:scene3d>
+    <dgm:sp3d/>
+    <dgm:txPr/>
+    <dgm:style>
+      <a:lnRef idx="1">
+        <a:scrgbClr r="0" g="0" b="0"/>
+      </a:lnRef>
+      <a:fillRef idx="0">
+        <a:scrgbClr r="0" g="0" b="0"/>
+      </a:fillRef>
+      <a:effectRef idx="0">
+        <a:scrgbClr r="0" g="0" b="0"/>
+      </a:effectRef>
+      <a:fontRef idx="minor"/>
+    </dgm:style>
+  </dgm:styleLbl>
+  <dgm:styleLbl name="parChTrans1D3">
+    <dgm:scene3d>
+      <a:camera prst="orthographicFront"/>
+      <a:lightRig rig="threePt" dir="t"/>
+    </dgm:scene3d>
+    <dgm:sp3d/>
+    <dgm:txPr/>
+    <dgm:style>
+      <a:lnRef idx="1">
+        <a:scrgbClr r="0" g="0" b="0"/>
+      </a:lnRef>
+      <a:fillRef idx="0">
+        <a:scrgbClr r="0" g="0" b="0"/>
+      </a:fillRef>
+      <a:effectRef idx="0">
+        <a:scrgbClr r="0" g="0" b="0"/>
+      </a:effectRef>
+      <a:fontRef idx="minor"/>
+    </dgm:style>
+  </dgm:styleLbl>
+  <dgm:styleLbl name="parChTrans1D4">
+    <dgm:scene3d>
+      <a:camera prst="orthographicFront"/>
+      <a:lightRig rig="threePt" dir="t"/>
+    </dgm:scene3d>
+    <dgm:sp3d/>
+    <dgm:txPr/>
+    <dgm:style>
+      <a:lnRef idx="1">
+        <a:scrgbClr r="0" g="0" b="0"/>
+      </a:lnRef>
+      <a:fillRef idx="0">
+        <a:scrgbClr r="0" g="0" b="0"/>
+      </a:fillRef>
+      <a:effectRef idx="0">
+        <a:scrgbClr r="0" g="0" b="0"/>
+      </a:effectRef>
+      <a:fontRef idx="minor"/>
+    </dgm:style>
+  </dgm:styleLbl>
+  <dgm:styleLbl name="fgAcc1">
+    <dgm:scene3d>
+      <a:camera prst="orthographicFront"/>
+      <a:lightRig rig="threePt" dir="t"/>
+    </dgm:scene3d>
+    <dgm:sp3d/>
+    <dgm:txPr/>
+    <dgm:style>
+      <a:lnRef idx="1">
+        <a:scrgbClr r="0" g="0" b="0"/>
+      </a:lnRef>
+      <a:fillRef idx="1">
+        <a:scrgbClr r="0" g="0" b="0"/>
+      </a:fillRef>
+      <a:effectRef idx="0">
+        <a:scrgbClr r="0" g="0" b="0"/>
+      </a:effectRef>
+      <a:fontRef idx="minor"/>
+    </dgm:style>
+  </dgm:styleLbl>
+  <dgm:styleLbl name="conFgAcc1">
+    <dgm:scene3d>
+      <a:camera prst="orthographicFront"/>
+      <a:lightRig rig="threePt" dir="t"/>
+    </dgm:scene3d>
+    <dgm:sp3d/>
+    <dgm:txPr/>
+    <dgm:style>
+      <a:lnRef idx="1">
+        <a:scrgbClr r="0" g="0" b="0"/>
+      </a:lnRef>
+      <a:fillRef idx="1">
+        <a:scrgbClr r="0" g="0" b="0"/>
+      </a:fillRef>
+      <a:effectRef idx="0">
+        <a:scrgbClr r="0" g="0" b="0"/>
+      </a:effectRef>
+      <a:fontRef idx="minor"/>
+    </dgm:style>
+  </dgm:styleLbl>
+  <dgm:styleLbl name="alignAcc1">
+    <dgm:scene3d>
+      <a:camera prst="orthographicFront"/>
+      <a:lightRig rig="threePt" dir="t"/>
+    </dgm:scene3d>
+    <dgm:sp3d/>
+    <dgm:txPr/>
+    <dgm:style>
+      <a:lnRef idx="1">
+        <a:scrgbClr r="0" g="0" b="0"/>
+      </a:lnRef>
+      <a:fillRef idx="1">
+        <a:scrgbClr r="0" g="0" b="0"/>
+      </a:fillRef>
+      <a:effectRef idx="0">
+        <a:scrgbClr r="0" g="0" b="0"/>
+      </a:effectRef>
+      <a:fontRef idx="minor"/>
+    </dgm:style>
+  </dgm:styleLbl>
+  <dgm:styleLbl name="trAlignAcc1">
+    <dgm:scene3d>
+      <a:camera prst="orthographicFront"/>
+      <a:lightRig rig="threePt" dir="t"/>
+    </dgm:scene3d>
+    <dgm:sp3d/>
+    <dgm:txPr/>
+    <dgm:style>
+      <a:lnRef idx="1">
+        <a:scrgbClr r="0" g="0" b="0"/>
+      </a:lnRef>
+      <a:fillRef idx="1">
+        <a:scrgbClr r="0" g="0" b="0"/>
+      </a:fillRef>
+      <a:effectRef idx="0">
+        <a:scrgbClr r="0" g="0" b="0"/>
+      </a:effectRef>
+      <a:fontRef idx="minor"/>
+    </dgm:style>
+  </dgm:styleLbl>
+  <dgm:styleLbl name="bgAcc1">
+    <dgm:scene3d>
+      <a:camera prst="orthographicFront"/>
+      <a:lightRig rig="threePt" dir="t"/>
+    </dgm:scene3d>
+    <dgm:sp3d/>
+    <dgm:txPr/>
+    <dgm:style>
+      <a:lnRef idx="1">
+        <a:scrgbClr r="0" g="0" b="0"/>
+      </a:lnRef>
+      <a:fillRef idx="1">
+        <a:scrgbClr r="0" g="0" b="0"/>
+      </a:fillRef>
+      <a:effectRef idx="0">
+        <a:scrgbClr r="0" g="0" b="0"/>
+      </a:effectRef>
+      <a:fontRef idx="minor"/>
+    </dgm:style>
+  </dgm:styleLbl>
+  <dgm:styleLbl name="solidFgAcc1">
+    <dgm:scene3d>
+      <a:camera prst="orthographicFront"/>
+      <a:lightRig rig="threePt" dir="t"/>
+    </dgm:scene3d>
+    <dgm:sp3d/>
+    <dgm:txPr/>
+    <dgm:style>
+      <a:lnRef idx="1">
+        <a:scrgbClr r="0" g="0" b="0"/>
+      </a:lnRef>
+      <a:fillRef idx="1">
+        <a:scrgbClr r="0" g="0" b="0"/>
+      </a:fillRef>
+      <a:effectRef idx="0">
+        <a:scrgbClr r="0" g="0" b="0"/>
+      </a:effectRef>
+      <a:fontRef idx="minor"/>
+    </dgm:style>
+  </dgm:styleLbl>
+  <dgm:styleLbl name="solidAlignAcc1">
+    <dgm:scene3d>
+      <a:camera prst="orthographicFront"/>
+      <a:lightRig rig="threePt" dir="t"/>
+    </dgm:scene3d>
+    <dgm:sp3d/>
+    <dgm:txPr/>
+    <dgm:style>
+      <a:lnRef idx="1">
+        <a:scrgbClr r="0" g="0" b="0"/>
+      </a:lnRef>
+      <a:fillRef idx="1">
+        <a:scrgbClr r="0" g="0" b="0"/>
+      </a:fillRef>
+      <a:effectRef idx="0">
+        <a:scrgbClr r="0" g="0" b="0"/>
+      </a:effectRef>
+      <a:fontRef idx="minor"/>
+    </dgm:style>
+  </dgm:styleLbl>
+  <dgm:styleLbl name="solidBgAcc1">
+    <dgm:scene3d>
+      <a:camera prst="orthographicFront"/>
+      <a:lightRig rig="threePt" dir="t"/>
+    </dgm:scene3d>
+    <dgm:sp3d/>
+    <dgm:txPr/>
+    <dgm:style>
+      <a:lnRef idx="1">
+        <a:scrgbClr r="0" g="0" b="0"/>
+      </a:lnRef>
+      <a:fillRef idx="1">
+        <a:scrgbClr r="0" g="0" b="0"/>
+      </a:fillRef>
+      <a:effectRef idx="0">
+        <a:scrgbClr r="0" g="0" b="0"/>
+      </a:effectRef>
+      <a:fontRef idx="minor"/>
+    </dgm:style>
+  </dgm:styleLbl>
+  <dgm:styleLbl name="fgAccFollowNode1">
+    <dgm:scene3d>
+      <a:camera prst="orthographicFront"/>
+      <a:lightRig rig="threePt" dir="t"/>
+    </dgm:scene3d>
+    <dgm:sp3d/>
+    <dgm:txPr/>
+    <dgm:style>
+      <a:lnRef idx="1">
+        <a:scrgbClr r="0" g="0" b="0"/>
+      </a:lnRef>
+      <a:fillRef idx="1">
+        <a:scrgbClr r="0" g="0" b="0"/>
+      </a:fillRef>
+      <a:effectRef idx="0">
+        <a:scrgbClr r="0" g="0" b="0"/>
+      </a:effectRef>
+      <a:fontRef idx="minor"/>
+    </dgm:style>
+  </dgm:styleLbl>
+  <dgm:styleLbl name="alignAccFollowNode1">
+    <dgm:scene3d>
+      <a:camera prst="orthographicFront"/>
+      <a:lightRig rig="threePt" dir="t"/>
+    </dgm:scene3d>
+    <dgm:sp3d/>
+    <dgm:txPr/>
+    <dgm:style>
+      <a:lnRef idx="1">
+        <a:scrgbClr r="0" g="0" b="0"/>
+      </a:lnRef>
+      <a:fillRef idx="1">
+        <a:scrgbClr r="0" g="0" b="0"/>
+      </a:fillRef>
+      <a:effectRef idx="0">
+        <a:scrgbClr r="0" g="0" b="0"/>
+      </a:effectRef>
+      <a:fontRef idx="minor"/>
+    </dgm:style>
+  </dgm:styleLbl>
+  <dgm:styleLbl name="bgAccFollowNode1">
+    <dgm:scene3d>
+      <a:camera prst="orthographicFront"/>
+      <a:lightRig rig="threePt" dir="t"/>
+    </dgm:scene3d>
+    <dgm:sp3d/>
+    <dgm:txPr/>
+    <dgm:style>
+      <a:lnRef idx="1">
+        <a:scrgbClr r="0" g="0" b="0"/>
+      </a:lnRef>
+      <a:fillRef idx="1">
+        <a:scrgbClr r="0" g="0" b="0"/>
+      </a:fillRef>
+      <a:effectRef idx="0">
+        <a:scrgbClr r="0" g="0" b="0"/>
+      </a:effectRef>
+      <a:fontRef idx="minor"/>
+    </dgm:style>
+  </dgm:styleLbl>
+  <dgm:styleLbl name="fgAcc0">
+    <dgm:scene3d>
+      <a:camera prst="orthographicFront"/>
+      <a:lightRig rig="threePt" dir="t"/>
+    </dgm:scene3d>
+    <dgm:sp3d/>
+    <dgm:txPr/>
+    <dgm:style>
+      <a:lnRef idx="1">
+        <a:scrgbClr r="0" g="0" b="0"/>
+      </a:lnRef>
+      <a:fillRef idx="1">
+        <a:scrgbClr r="0" g="0" b="0"/>
+      </a:fillRef>
+      <a:effectRef idx="0">
+        <a:scrgbClr r="0" g="0" b="0"/>
+      </a:effectRef>
+      <a:fontRef idx="minor"/>
+    </dgm:style>
+  </dgm:styleLbl>
+  <dgm:styleLbl name="fgAcc2">
+    <dgm:scene3d>
+      <a:camera prst="orthographicFront"/>
+      <a:lightRig rig="threePt" dir="t"/>
+    </dgm:scene3d>
+    <dgm:sp3d/>
+    <dgm:txPr/>
+    <dgm:style>
+      <a:lnRef idx="1">
+        <a:scrgbClr r="0" g="0" b="0"/>
+      </a:lnRef>
+      <a:fillRef idx="1">
+        <a:scrgbClr r="0" g="0" b="0"/>
+      </a:fillRef>
+      <a:effectRef idx="0">
+        <a:scrgbClr r="0" g="0" b="0"/>
+      </a:effectRef>
+      <a:fontRef idx="minor"/>
+    </dgm:style>
+  </dgm:styleLbl>
+  <dgm:styleLbl name="fgAcc3">
+    <dgm:scene3d>
+      <a:camera prst="orthographicFront"/>
+      <a:lightRig rig="threePt" dir="t"/>
+    </dgm:scene3d>
+    <dgm:sp3d/>
+    <dgm:txPr/>
+    <dgm:style>
+      <a:lnRef idx="1">
+        <a:scrgbClr r="0" g="0" b="0"/>
+      </a:lnRef>
+      <a:fillRef idx="1">
+        <a:scrgbClr r="0" g="0" b="0"/>
+      </a:fillRef>
+      <a:effectRef idx="0">
+        <a:scrgbClr r="0" g="0" b="0"/>
+      </a:effectRef>
+      <a:fontRef idx="minor"/>
+    </dgm:style>
+  </dgm:styleLbl>
+  <dgm:styleLbl name="fgAcc4">
+    <dgm:scene3d>
+      <a:camera prst="orthographicFront"/>
+      <a:lightRig rig="threePt" dir="t"/>
+    </dgm:scene3d>
+    <dgm:sp3d/>
+    <dgm:txPr/>
+    <dgm:style>
+      <a:lnRef idx="1">
+        <a:scrgbClr r="0" g="0" b="0"/>
+      </a:lnRef>
+      <a:fillRef idx="1">
+        <a:scrgbClr r="0" g="0" b="0"/>
+      </a:fillRef>
+      <a:effectRef idx="0">
+        <a:scrgbClr r="0" g="0" b="0"/>
+      </a:effectRef>
+      <a:fontRef idx="minor"/>
+    </dgm:style>
+  </dgm:styleLbl>
+  <dgm:styleLbl name="bgShp">
+    <dgm:scene3d>
+      <a:camera prst="orthographicFront"/>
+      <a:lightRig rig="threePt" dir="t"/>
+    </dgm:scene3d>
+    <dgm:sp3d/>
+    <dgm:txPr/>
+    <dgm:style>
+      <a:lnRef idx="0">
+        <a:scrgbClr r="0" g="0" b="0"/>
+      </a:lnRef>
+      <a:fillRef idx="1">
+        <a:scrgbClr r="0" g="0" b="0"/>
+      </a:fillRef>
+      <a:effectRef idx="2">
+        <a:scrgbClr r="0" g="0" b="0"/>
+      </a:effectRef>
+      <a:fontRef idx="minor"/>
+    </dgm:style>
+  </dgm:styleLbl>
+  <dgm:styleLbl name="dkBgShp">
+    <dgm:scene3d>
+      <a:camera prst="orthographicFront"/>
+      <a:lightRig rig="threePt" dir="t"/>
+    </dgm:scene3d>
+    <dgm:sp3d/>
+    <dgm:txPr/>
+    <dgm:style>
+      <a:lnRef idx="0">
+        <a:scrgbClr r="0" g="0" b="0"/>
+      </a:lnRef>
+      <a:fillRef idx="1">
+        <a:scrgbClr r="0" g="0" b="0"/>
+      </a:fillRef>
+      <a:effectRef idx="2">
+        <a:scrgbClr r="0" g="0" b="0"/>
+      </a:effectRef>
+      <a:fontRef idx="minor"/>
+    </dgm:style>
+  </dgm:styleLbl>
+  <dgm:styleLbl name="trBgShp">
+    <dgm:scene3d>
+      <a:camera prst="orthographicFront"/>
+      <a:lightRig rig="threePt" dir="t"/>
+    </dgm:scene3d>
+    <dgm:sp3d/>
+    <dgm:txPr/>
+    <dgm:style>
+      <a:lnRef idx="0">
+        <a:scrgbClr r="0" g="0" b="0"/>
+      </a:lnRef>
+      <a:fillRef idx="1">
+        <a:scrgbClr r="0" g="0" b="0"/>
+      </a:fillRef>
+      <a:effectRef idx="0">
+        <a:scrgbClr r="0" g="0" b="0"/>
+      </a:effectRef>
+      <a:fontRef idx="minor"/>
+    </dgm:style>
+  </dgm:styleLbl>
+  <dgm:styleLbl name="fgShp">
+    <dgm:scene3d>
+      <a:camera prst="orthographicFront"/>
+      <a:lightRig rig="threePt" dir="t"/>
+    </dgm:scene3d>
+    <dgm:sp3d/>
+    <dgm:txPr/>
+    <dgm:style>
+      <a:lnRef idx="0">
+        <a:scrgbClr r="0" g="0" b="0"/>
+      </a:lnRef>
+      <a:fillRef idx="3">
+        <a:scrgbClr r="0" g="0" b="0"/>
+      </a:fillRef>
+      <a:effectRef idx="2">
+        <a:scrgbClr r="0" g="0" b="0"/>
+      </a:effectRef>
+      <a:fontRef idx="minor"/>
+    </dgm:style>
+  </dgm:styleLbl>
+  <dgm:styleLbl name="revTx">
+    <dgm:scene3d>
+      <a:camera prst="orthographicFront"/>
+      <a:lightRig rig="threePt" dir="t"/>
+    </dgm:scene3d>
+    <dgm:sp3d/>
+    <dgm:txPr/>
+    <dgm:style>
+      <a:lnRef idx="0">
+        <a:scrgbClr r="0" g="0" b="0"/>
+      </a:lnRef>
+      <a:fillRef idx="0">
+        <a:scrgbClr r="0" g="0" b="0"/>
+      </a:fillRef>
+      <a:effectRef idx="0">
+        <a:scrgbClr r="0" g="0" b="0"/>
+      </a:effectRef>
+      <a:fontRef idx="minor"/>
+    </dgm:style>
+  </dgm:styleLbl>
+</dgm:styleDef>
+</file>
+
 <file path=ppt/slideLayouts/slideLayout1.xml><?xml version="1.0" encoding="utf-8"?>
 <p:sldLayout xmlns:a="http://schemas.openxmlformats.org/drawingml/2006/main" xmlns:r="http://schemas.openxmlformats.org/officeDocument/2006/relationships" xmlns:p="http://schemas.openxmlformats.org/presentationml/2006/main" showMasterSp="0" type="title" preserve="1">
   <p:cSld name="Title Slide">
@@ -4447,13 +9838,13 @@
   <p:clrMapOvr>
     <a:masterClrMapping/>
   </p:clrMapOvr>
-  <mc:AlternateContent xmlns:mc="http://schemas.openxmlformats.org/markup-compatibility/2006">
-    <mc:Choice xmlns:p14="http://schemas.microsoft.com/office/powerpoint/2010/main" Requires="p14">
+  <mc:AlternateContent xmlns:mc="http://schemas.openxmlformats.org/markup-compatibility/2006" xmlns:p14="http://schemas.microsoft.com/office/powerpoint/2010/main">
+    <mc:Choice Requires="p14">
       <p:transition spd="med" p14:dur="700">
         <p:fade/>
       </p:transition>
     </mc:Choice>
-    <mc:Fallback>
+    <mc:Fallback xmlns="">
       <p:transition spd="med">
         <p:fade/>
       </p:transition>
@@ -4491,6 +9882,123 @@
           <p:cNvPr id="2" name="Title 1">
             <a:extLst>
               <a:ext uri="{FF2B5EF4-FFF2-40B4-BE49-F238E27FC236}">
+                <a16:creationId xmlns:a16="http://schemas.microsoft.com/office/drawing/2014/main" id="{9DF8876C-9827-4658-9EEC-9DF7BB068D41}"/>
+              </a:ext>
+            </a:extLst>
+          </p:cNvPr>
+          <p:cNvSpPr>
+            <a:spLocks noGrp="1"/>
+          </p:cNvSpPr>
+          <p:nvPr>
+            <p:ph type="title"/>
+          </p:nvPr>
+        </p:nvSpPr>
+        <p:spPr/>
+        <p:txBody>
+          <a:bodyPr/>
+          <a:lstStyle/>
+          <a:p>
+            <a:r>
+              <a:rPr lang="en-AU" dirty="0"/>
+              <a:t>Define phase (Summary)</a:t>
+            </a:r>
+          </a:p>
+        </p:txBody>
+      </p:sp>
+      <p:sp>
+        <p:nvSpPr>
+          <p:cNvPr id="3" name="Content Placeholder 2">
+            <a:extLst>
+              <a:ext uri="{FF2B5EF4-FFF2-40B4-BE49-F238E27FC236}">
+                <a16:creationId xmlns:a16="http://schemas.microsoft.com/office/drawing/2014/main" id="{4A931EF9-D4A4-4BD9-A48F-98EA50200EC4}"/>
+              </a:ext>
+            </a:extLst>
+          </p:cNvPr>
+          <p:cNvSpPr>
+            <a:spLocks noGrp="1"/>
+          </p:cNvSpPr>
+          <p:nvPr>
+            <p:ph idx="1"/>
+          </p:nvPr>
+        </p:nvSpPr>
+        <p:spPr/>
+        <p:txBody>
+          <a:bodyPr/>
+          <a:lstStyle/>
+          <a:p>
+            <a:r>
+              <a:rPr lang="en-AU" dirty="0"/>
+              <a:t>Challenges faced</a:t>
+            </a:r>
+          </a:p>
+          <a:p>
+            <a:r>
+              <a:rPr lang="en-AU" dirty="0"/>
+              <a:t>Ontology</a:t>
+            </a:r>
+          </a:p>
+          <a:p>
+            <a:r>
+              <a:rPr lang="en-AU" dirty="0"/>
+              <a:t>Indexing</a:t>
+            </a:r>
+          </a:p>
+          <a:p>
+            <a:r>
+              <a:rPr lang="en-AU" dirty="0"/>
+              <a:t>What has been learnt from what has been done (chatbot)</a:t>
+            </a:r>
+          </a:p>
+          <a:p>
+            <a:r>
+              <a:rPr lang="en-AU" dirty="0"/>
+              <a:t>Could mention feedback from audit 1 here (documentation, organisation etc.)</a:t>
+            </a:r>
+          </a:p>
+        </p:txBody>
+      </p:sp>
+    </p:spTree>
+    <p:extLst>
+      <p:ext uri="{BB962C8B-B14F-4D97-AF65-F5344CB8AC3E}">
+        <p14:creationId xmlns:p14="http://schemas.microsoft.com/office/powerpoint/2010/main" val="278609819"/>
+      </p:ext>
+    </p:extLst>
+  </p:cSld>
+  <p:clrMapOvr>
+    <a:masterClrMapping/>
+  </p:clrMapOvr>
+  <p:timing>
+    <p:tnLst>
+      <p:par>
+        <p:cTn id="1" dur="indefinite" restart="never" nodeType="tmRoot"/>
+      </p:par>
+    </p:tnLst>
+  </p:timing>
+</p:sld>
+</file>
+
+<file path=ppt/slides/slide11.xml><?xml version="1.0" encoding="utf-8"?>
+<p:sld xmlns:a="http://schemas.openxmlformats.org/drawingml/2006/main" xmlns:r="http://schemas.openxmlformats.org/officeDocument/2006/relationships" xmlns:p="http://schemas.openxmlformats.org/presentationml/2006/main">
+  <p:cSld>
+    <p:spTree>
+      <p:nvGrpSpPr>
+        <p:cNvPr id="1" name=""/>
+        <p:cNvGrpSpPr/>
+        <p:nvPr/>
+      </p:nvGrpSpPr>
+      <p:grpSpPr>
+        <a:xfrm>
+          <a:off x="0" y="0"/>
+          <a:ext cx="0" cy="0"/>
+          <a:chOff x="0" y="0"/>
+          <a:chExt cx="0" cy="0"/>
+        </a:xfrm>
+      </p:grpSpPr>
+      <p:sp>
+        <p:nvSpPr>
+          <p:cNvPr id="2" name="Title 1">
+            <a:extLst>
+              <a:ext uri="{FF2B5EF4-FFF2-40B4-BE49-F238E27FC236}">
                 <a16:creationId xmlns:a16="http://schemas.microsoft.com/office/drawing/2014/main" id="{AC14304C-F2F7-4A69-BE4A-FEAF81432073}"/>
               </a:ext>
             </a:extLst>
@@ -4508,9 +10016,10 @@
           <a:lstStyle/>
           <a:p>
             <a:r>
-              <a:rPr lang="en-AU" dirty="0"/>
-              <a:t>Ideate phase</a:t>
-            </a:r>
+              <a:rPr lang="en-AU" dirty="0" smtClean="0"/>
+              <a:t>Planned Features</a:t>
+            </a:r>
+            <a:endParaRPr lang="en-AU" dirty="0"/>
           </a:p>
         </p:txBody>
       </p:sp>
@@ -4532,56 +10041,174 @@
         </p:nvSpPr>
         <p:spPr/>
         <p:txBody>
-          <a:bodyPr/>
+          <a:bodyPr>
+            <a:normAutofit fontScale="92500" lnSpcReduction="10000"/>
+          </a:bodyPr>
           <a:lstStyle/>
           <a:p>
             <a:r>
-              <a:rPr lang="en-AU" dirty="0"/>
-              <a:t>Feature list – speculation of what is to be included with the product</a:t>
+              <a:rPr lang="en-AU" sz="2000" dirty="0"/>
+              <a:t>Intelligent </a:t>
+            </a:r>
+            <a:r>
+              <a:rPr lang="en-AU" sz="2000" dirty="0" smtClean="0"/>
+              <a:t>Course Recommendation</a:t>
+            </a:r>
+            <a:br>
+              <a:rPr lang="en-AU" sz="2000" dirty="0" smtClean="0"/>
+            </a:br>
+            <a:r>
+              <a:rPr lang="en-AU" dirty="0" smtClean="0"/>
+              <a:t>based on</a:t>
             </a:r>
           </a:p>
           <a:p>
             <a:pPr lvl="1"/>
             <a:r>
-              <a:rPr lang="en-AU" dirty="0"/>
-              <a:t>We can add other survey results here</a:t>
-            </a:r>
-          </a:p>
-          <a:p>
-            <a:r>
-              <a:rPr lang="en-AU" dirty="0"/>
-              <a:t>Interactive degree planner</a:t>
-            </a:r>
-          </a:p>
-          <a:p>
-            <a:r>
-              <a:rPr lang="en-AU" dirty="0"/>
-              <a:t>Intelligent course recommendation</a:t>
+              <a:rPr lang="en-AU" sz="1800" dirty="0" smtClean="0"/>
+              <a:t>Personal interests</a:t>
             </a:r>
           </a:p>
           <a:p>
             <a:pPr lvl="1"/>
             <a:r>
-              <a:rPr lang="en-AU" dirty="0"/>
-              <a:t>Start of </a:t>
-            </a:r>
-            <a:r>
-              <a:rPr lang="en-AU" dirty="0" err="1"/>
-              <a:t>segway</a:t>
-            </a:r>
-            <a:r>
-              <a:rPr lang="en-AU" dirty="0"/>
-              <a:t> into demonstration</a:t>
-            </a:r>
-          </a:p>
-          <a:p>
-            <a:r>
-              <a:rPr lang="en-AU" dirty="0"/>
-              <a:t>AI enhanced course search</a:t>
-            </a:r>
+              <a:rPr lang="en-AU" sz="1800" dirty="0" smtClean="0"/>
+              <a:t>Relevance to degree</a:t>
+            </a:r>
+            <a:endParaRPr lang="en-AU" sz="1800" dirty="0"/>
+          </a:p>
+          <a:p>
+            <a:r>
+              <a:rPr lang="en-AU" sz="2000" dirty="0" smtClean="0"/>
+              <a:t>AI Enhanced Search</a:t>
+            </a:r>
+            <a:br>
+              <a:rPr lang="en-AU" sz="2000" dirty="0" smtClean="0"/>
+            </a:br>
+            <a:r>
+              <a:rPr lang="en-AU" dirty="0" smtClean="0"/>
+              <a:t>for</a:t>
+            </a:r>
+          </a:p>
+          <a:p>
+            <a:pPr lvl="1"/>
+            <a:r>
+              <a:rPr lang="en-AU" sz="1800" dirty="0" smtClean="0"/>
+              <a:t>Courses by area, title, description, level</a:t>
+            </a:r>
+          </a:p>
+          <a:p>
+            <a:pPr lvl="1"/>
+            <a:r>
+              <a:rPr lang="en-AU" sz="1800" dirty="0" smtClean="0"/>
+              <a:t>Simple program and course questions</a:t>
+            </a:r>
+            <a:endParaRPr lang="en-AU" sz="2000" dirty="0"/>
+          </a:p>
+          <a:p>
+            <a:pPr marL="0" indent="0">
+              <a:buNone/>
+            </a:pPr>
+            <a:r>
+              <a:rPr lang="en-AU" sz="2000" dirty="0" smtClean="0">
+                <a:solidFill>
+                  <a:srgbClr val="4D6759"/>
+                </a:solidFill>
+              </a:rPr>
+              <a:t>Stretch goals</a:t>
+            </a:r>
+          </a:p>
+          <a:p>
+            <a:r>
+              <a:rPr lang="en-AU" sz="2000" dirty="0" smtClean="0">
+                <a:solidFill>
+                  <a:srgbClr val="4D6759"/>
+                </a:solidFill>
+              </a:rPr>
+              <a:t>Interactive Degree Planner</a:t>
+            </a:r>
+          </a:p>
+          <a:p>
+            <a:r>
+              <a:rPr lang="en-AU" sz="2000" dirty="0" smtClean="0">
+                <a:solidFill>
+                  <a:srgbClr val="4D6759"/>
+                </a:solidFill>
+              </a:rPr>
+              <a:t>Course Recommendation by</a:t>
+            </a:r>
+          </a:p>
+          <a:p>
+            <a:pPr lvl="1"/>
+            <a:r>
+              <a:rPr lang="en-AU" sz="1800" dirty="0" smtClean="0">
+                <a:solidFill>
+                  <a:srgbClr val="4D6759"/>
+                </a:solidFill>
+              </a:rPr>
+              <a:t>SELT Reviews</a:t>
+            </a:r>
+          </a:p>
+          <a:p>
+            <a:pPr lvl="1"/>
+            <a:r>
+              <a:rPr lang="en-AU" sz="1800" dirty="0" smtClean="0">
+                <a:solidFill>
+                  <a:srgbClr val="4D6759"/>
+                </a:solidFill>
+              </a:rPr>
+              <a:t>Opportunity for majors/minors/specialisations</a:t>
+            </a:r>
+            <a:endParaRPr lang="en-AU" sz="1800" dirty="0" smtClean="0">
+              <a:solidFill>
+                <a:srgbClr val="4D6759"/>
+              </a:solidFill>
+            </a:endParaRPr>
+          </a:p>
+          <a:p>
+            <a:pPr lvl="1"/>
+            <a:endParaRPr lang="en-AU" sz="1800" dirty="0"/>
           </a:p>
         </p:txBody>
       </p:sp>
+      <p:cxnSp>
+        <p:nvCxnSpPr>
+          <p:cNvPr id="5" name="Straight Connector 4"/>
+          <p:cNvCxnSpPr/>
+          <p:nvPr/>
+        </p:nvCxnSpPr>
+        <p:spPr>
+          <a:xfrm>
+            <a:off x="1308518" y="4614141"/>
+            <a:ext cx="8493508" cy="0"/>
+          </a:xfrm>
+          <a:prstGeom prst="line">
+            <a:avLst/>
+          </a:prstGeom>
+          <a:ln w="19050">
+            <a:solidFill>
+              <a:schemeClr val="tx2">
+                <a:lumMod val="60000"/>
+                <a:lumOff val="40000"/>
+              </a:schemeClr>
+            </a:solidFill>
+          </a:ln>
+        </p:spPr>
+        <p:style>
+          <a:lnRef idx="1">
+            <a:schemeClr val="accent1"/>
+          </a:lnRef>
+          <a:fillRef idx="0">
+            <a:schemeClr val="accent1"/>
+          </a:fillRef>
+          <a:effectRef idx="0">
+            <a:schemeClr val="accent1"/>
+          </a:effectRef>
+          <a:fontRef idx="minor">
+            <a:schemeClr val="tx1"/>
+          </a:fontRef>
+        </p:style>
+      </p:cxnSp>
     </p:spTree>
     <p:extLst>
       <p:ext uri="{BB962C8B-B14F-4D97-AF65-F5344CB8AC3E}">
@@ -4592,10 +10219,653 @@
   <p:clrMapOvr>
     <a:masterClrMapping/>
   </p:clrMapOvr>
+  <mc:AlternateContent xmlns:mc="http://schemas.openxmlformats.org/markup-compatibility/2006">
+    <mc:Choice xmlns:p14="http://schemas.microsoft.com/office/powerpoint/2010/main" Requires="p14">
+      <p:transition spd="med" p14:dur="700">
+        <p:fade/>
+      </p:transition>
+    </mc:Choice>
+    <mc:Fallback>
+      <p:transition spd="med">
+        <p:fade/>
+      </p:transition>
+    </mc:Fallback>
+  </mc:AlternateContent>
+  <p:timing>
+    <p:tnLst>
+      <p:par>
+        <p:cTn id="1" dur="indefinite" restart="never" nodeType="tmRoot">
+          <p:childTnLst>
+            <p:seq concurrent="1" nextAc="seek">
+              <p:cTn id="2" dur="indefinite" nodeType="mainSeq">
+                <p:childTnLst>
+                  <p:par>
+                    <p:cTn id="3" fill="hold">
+                      <p:stCondLst>
+                        <p:cond delay="indefinite"/>
+                      </p:stCondLst>
+                      <p:childTnLst>
+                        <p:par>
+                          <p:cTn id="4" fill="hold">
+                            <p:stCondLst>
+                              <p:cond delay="0"/>
+                            </p:stCondLst>
+                            <p:childTnLst>
+                              <p:par>
+                                <p:cTn id="5" presetID="10" presetClass="entr" presetSubtype="0" fill="hold" grpId="0" nodeType="clickEffect">
+                                  <p:stCondLst>
+                                    <p:cond delay="0"/>
+                                  </p:stCondLst>
+                                  <p:childTnLst>
+                                    <p:set>
+                                      <p:cBhvr>
+                                        <p:cTn id="6" dur="1" fill="hold">
+                                          <p:stCondLst>
+                                            <p:cond delay="0"/>
+                                          </p:stCondLst>
+                                        </p:cTn>
+                                        <p:tgtEl>
+                                          <p:spTgt spid="3">
+                                            <p:txEl>
+                                              <p:pRg st="0" end="0"/>
+                                            </p:txEl>
+                                          </p:spTgt>
+                                        </p:tgtEl>
+                                        <p:attrNameLst>
+                                          <p:attrName>style.visibility</p:attrName>
+                                        </p:attrNameLst>
+                                      </p:cBhvr>
+                                      <p:to>
+                                        <p:strVal val="visible"/>
+                                      </p:to>
+                                    </p:set>
+                                    <p:animEffect transition="in" filter="fade">
+                                      <p:cBhvr>
+                                        <p:cTn id="7" dur="500"/>
+                                        <p:tgtEl>
+                                          <p:spTgt spid="3">
+                                            <p:txEl>
+                                              <p:pRg st="0" end="0"/>
+                                            </p:txEl>
+                                          </p:spTgt>
+                                        </p:tgtEl>
+                                      </p:cBhvr>
+                                    </p:animEffect>
+                                  </p:childTnLst>
+                                </p:cTn>
+                              </p:par>
+                              <p:par>
+                                <p:cTn id="8" presetID="10" presetClass="entr" presetSubtype="0" fill="hold" grpId="0" nodeType="withEffect">
+                                  <p:stCondLst>
+                                    <p:cond delay="0"/>
+                                  </p:stCondLst>
+                                  <p:childTnLst>
+                                    <p:set>
+                                      <p:cBhvr>
+                                        <p:cTn id="9" dur="1" fill="hold">
+                                          <p:stCondLst>
+                                            <p:cond delay="0"/>
+                                          </p:stCondLst>
+                                        </p:cTn>
+                                        <p:tgtEl>
+                                          <p:spTgt spid="3">
+                                            <p:txEl>
+                                              <p:pRg st="1" end="1"/>
+                                            </p:txEl>
+                                          </p:spTgt>
+                                        </p:tgtEl>
+                                        <p:attrNameLst>
+                                          <p:attrName>style.visibility</p:attrName>
+                                        </p:attrNameLst>
+                                      </p:cBhvr>
+                                      <p:to>
+                                        <p:strVal val="visible"/>
+                                      </p:to>
+                                    </p:set>
+                                    <p:animEffect transition="in" filter="fade">
+                                      <p:cBhvr>
+                                        <p:cTn id="10" dur="500"/>
+                                        <p:tgtEl>
+                                          <p:spTgt spid="3">
+                                            <p:txEl>
+                                              <p:pRg st="1" end="1"/>
+                                            </p:txEl>
+                                          </p:spTgt>
+                                        </p:tgtEl>
+                                      </p:cBhvr>
+                                    </p:animEffect>
+                                  </p:childTnLst>
+                                </p:cTn>
+                              </p:par>
+                              <p:par>
+                                <p:cTn id="11" presetID="10" presetClass="entr" presetSubtype="0" fill="hold" grpId="0" nodeType="withEffect">
+                                  <p:stCondLst>
+                                    <p:cond delay="0"/>
+                                  </p:stCondLst>
+                                  <p:childTnLst>
+                                    <p:set>
+                                      <p:cBhvr>
+                                        <p:cTn id="12" dur="1" fill="hold">
+                                          <p:stCondLst>
+                                            <p:cond delay="0"/>
+                                          </p:stCondLst>
+                                        </p:cTn>
+                                        <p:tgtEl>
+                                          <p:spTgt spid="3">
+                                            <p:txEl>
+                                              <p:pRg st="2" end="2"/>
+                                            </p:txEl>
+                                          </p:spTgt>
+                                        </p:tgtEl>
+                                        <p:attrNameLst>
+                                          <p:attrName>style.visibility</p:attrName>
+                                        </p:attrNameLst>
+                                      </p:cBhvr>
+                                      <p:to>
+                                        <p:strVal val="visible"/>
+                                      </p:to>
+                                    </p:set>
+                                    <p:animEffect transition="in" filter="fade">
+                                      <p:cBhvr>
+                                        <p:cTn id="13" dur="500"/>
+                                        <p:tgtEl>
+                                          <p:spTgt spid="3">
+                                            <p:txEl>
+                                              <p:pRg st="2" end="2"/>
+                                            </p:txEl>
+                                          </p:spTgt>
+                                        </p:tgtEl>
+                                      </p:cBhvr>
+                                    </p:animEffect>
+                                  </p:childTnLst>
+                                </p:cTn>
+                              </p:par>
+                            </p:childTnLst>
+                          </p:cTn>
+                        </p:par>
+                      </p:childTnLst>
+                    </p:cTn>
+                  </p:par>
+                  <p:par>
+                    <p:cTn id="14" fill="hold">
+                      <p:stCondLst>
+                        <p:cond delay="indefinite"/>
+                      </p:stCondLst>
+                      <p:childTnLst>
+                        <p:par>
+                          <p:cTn id="15" fill="hold">
+                            <p:stCondLst>
+                              <p:cond delay="0"/>
+                            </p:stCondLst>
+                            <p:childTnLst>
+                              <p:par>
+                                <p:cTn id="16" presetID="10" presetClass="entr" presetSubtype="0" fill="hold" grpId="0" nodeType="clickEffect">
+                                  <p:stCondLst>
+                                    <p:cond delay="0"/>
+                                  </p:stCondLst>
+                                  <p:childTnLst>
+                                    <p:set>
+                                      <p:cBhvr>
+                                        <p:cTn id="17" dur="1" fill="hold">
+                                          <p:stCondLst>
+                                            <p:cond delay="0"/>
+                                          </p:stCondLst>
+                                        </p:cTn>
+                                        <p:tgtEl>
+                                          <p:spTgt spid="3">
+                                            <p:txEl>
+                                              <p:pRg st="3" end="3"/>
+                                            </p:txEl>
+                                          </p:spTgt>
+                                        </p:tgtEl>
+                                        <p:attrNameLst>
+                                          <p:attrName>style.visibility</p:attrName>
+                                        </p:attrNameLst>
+                                      </p:cBhvr>
+                                      <p:to>
+                                        <p:strVal val="visible"/>
+                                      </p:to>
+                                    </p:set>
+                                    <p:animEffect transition="in" filter="fade">
+                                      <p:cBhvr>
+                                        <p:cTn id="18" dur="500"/>
+                                        <p:tgtEl>
+                                          <p:spTgt spid="3">
+                                            <p:txEl>
+                                              <p:pRg st="3" end="3"/>
+                                            </p:txEl>
+                                          </p:spTgt>
+                                        </p:tgtEl>
+                                      </p:cBhvr>
+                                    </p:animEffect>
+                                  </p:childTnLst>
+                                </p:cTn>
+                              </p:par>
+                              <p:par>
+                                <p:cTn id="19" presetID="10" presetClass="entr" presetSubtype="0" fill="hold" grpId="0" nodeType="withEffect">
+                                  <p:stCondLst>
+                                    <p:cond delay="0"/>
+                                  </p:stCondLst>
+                                  <p:childTnLst>
+                                    <p:set>
+                                      <p:cBhvr>
+                                        <p:cTn id="20" dur="1" fill="hold">
+                                          <p:stCondLst>
+                                            <p:cond delay="0"/>
+                                          </p:stCondLst>
+                                        </p:cTn>
+                                        <p:tgtEl>
+                                          <p:spTgt spid="3">
+                                            <p:txEl>
+                                              <p:pRg st="4" end="4"/>
+                                            </p:txEl>
+                                          </p:spTgt>
+                                        </p:tgtEl>
+                                        <p:attrNameLst>
+                                          <p:attrName>style.visibility</p:attrName>
+                                        </p:attrNameLst>
+                                      </p:cBhvr>
+                                      <p:to>
+                                        <p:strVal val="visible"/>
+                                      </p:to>
+                                    </p:set>
+                                    <p:animEffect transition="in" filter="fade">
+                                      <p:cBhvr>
+                                        <p:cTn id="21" dur="500"/>
+                                        <p:tgtEl>
+                                          <p:spTgt spid="3">
+                                            <p:txEl>
+                                              <p:pRg st="4" end="4"/>
+                                            </p:txEl>
+                                          </p:spTgt>
+                                        </p:tgtEl>
+                                      </p:cBhvr>
+                                    </p:animEffect>
+                                  </p:childTnLst>
+                                </p:cTn>
+                              </p:par>
+                              <p:par>
+                                <p:cTn id="22" presetID="10" presetClass="entr" presetSubtype="0" fill="hold" grpId="0" nodeType="withEffect">
+                                  <p:stCondLst>
+                                    <p:cond delay="0"/>
+                                  </p:stCondLst>
+                                  <p:childTnLst>
+                                    <p:set>
+                                      <p:cBhvr>
+                                        <p:cTn id="23" dur="1" fill="hold">
+                                          <p:stCondLst>
+                                            <p:cond delay="0"/>
+                                          </p:stCondLst>
+                                        </p:cTn>
+                                        <p:tgtEl>
+                                          <p:spTgt spid="3">
+                                            <p:txEl>
+                                              <p:pRg st="5" end="5"/>
+                                            </p:txEl>
+                                          </p:spTgt>
+                                        </p:tgtEl>
+                                        <p:attrNameLst>
+                                          <p:attrName>style.visibility</p:attrName>
+                                        </p:attrNameLst>
+                                      </p:cBhvr>
+                                      <p:to>
+                                        <p:strVal val="visible"/>
+                                      </p:to>
+                                    </p:set>
+                                    <p:animEffect transition="in" filter="fade">
+                                      <p:cBhvr>
+                                        <p:cTn id="24" dur="500"/>
+                                        <p:tgtEl>
+                                          <p:spTgt spid="3">
+                                            <p:txEl>
+                                              <p:pRg st="5" end="5"/>
+                                            </p:txEl>
+                                          </p:spTgt>
+                                        </p:tgtEl>
+                                      </p:cBhvr>
+                                    </p:animEffect>
+                                  </p:childTnLst>
+                                </p:cTn>
+                              </p:par>
+                            </p:childTnLst>
+                          </p:cTn>
+                        </p:par>
+                      </p:childTnLst>
+                    </p:cTn>
+                  </p:par>
+                  <p:par>
+                    <p:cTn id="25" fill="hold">
+                      <p:stCondLst>
+                        <p:cond delay="indefinite"/>
+                      </p:stCondLst>
+                      <p:childTnLst>
+                        <p:par>
+                          <p:cTn id="26" fill="hold">
+                            <p:stCondLst>
+                              <p:cond delay="0"/>
+                            </p:stCondLst>
+                            <p:childTnLst>
+                              <p:par>
+                                <p:cTn id="27" presetID="10" presetClass="entr" presetSubtype="0" fill="hold" grpId="0" nodeType="clickEffect">
+                                  <p:stCondLst>
+                                    <p:cond delay="0"/>
+                                  </p:stCondLst>
+                                  <p:childTnLst>
+                                    <p:set>
+                                      <p:cBhvr>
+                                        <p:cTn id="28" dur="1" fill="hold">
+                                          <p:stCondLst>
+                                            <p:cond delay="0"/>
+                                          </p:stCondLst>
+                                        </p:cTn>
+                                        <p:tgtEl>
+                                          <p:spTgt spid="3">
+                                            <p:txEl>
+                                              <p:pRg st="6" end="6"/>
+                                            </p:txEl>
+                                          </p:spTgt>
+                                        </p:tgtEl>
+                                        <p:attrNameLst>
+                                          <p:attrName>style.visibility</p:attrName>
+                                        </p:attrNameLst>
+                                      </p:cBhvr>
+                                      <p:to>
+                                        <p:strVal val="visible"/>
+                                      </p:to>
+                                    </p:set>
+                                    <p:animEffect transition="in" filter="fade">
+                                      <p:cBhvr>
+                                        <p:cTn id="29" dur="500"/>
+                                        <p:tgtEl>
+                                          <p:spTgt spid="3">
+                                            <p:txEl>
+                                              <p:pRg st="6" end="6"/>
+                                            </p:txEl>
+                                          </p:spTgt>
+                                        </p:tgtEl>
+                                      </p:cBhvr>
+                                    </p:animEffect>
+                                  </p:childTnLst>
+                                </p:cTn>
+                              </p:par>
+                              <p:par>
+                                <p:cTn id="30" presetID="10" presetClass="entr" presetSubtype="0" fill="hold" nodeType="withEffect">
+                                  <p:stCondLst>
+                                    <p:cond delay="0"/>
+                                  </p:stCondLst>
+                                  <p:childTnLst>
+                                    <p:set>
+                                      <p:cBhvr>
+                                        <p:cTn id="31" dur="1" fill="hold">
+                                          <p:stCondLst>
+                                            <p:cond delay="0"/>
+                                          </p:stCondLst>
+                                        </p:cTn>
+                                        <p:tgtEl>
+                                          <p:spTgt spid="5"/>
+                                        </p:tgtEl>
+                                        <p:attrNameLst>
+                                          <p:attrName>style.visibility</p:attrName>
+                                        </p:attrNameLst>
+                                      </p:cBhvr>
+                                      <p:to>
+                                        <p:strVal val="visible"/>
+                                      </p:to>
+                                    </p:set>
+                                    <p:animEffect transition="in" filter="fade">
+                                      <p:cBhvr>
+                                        <p:cTn id="32" dur="500"/>
+                                        <p:tgtEl>
+                                          <p:spTgt spid="5"/>
+                                        </p:tgtEl>
+                                      </p:cBhvr>
+                                    </p:animEffect>
+                                  </p:childTnLst>
+                                </p:cTn>
+                              </p:par>
+                            </p:childTnLst>
+                          </p:cTn>
+                        </p:par>
+                      </p:childTnLst>
+                    </p:cTn>
+                  </p:par>
+                  <p:par>
+                    <p:cTn id="33" fill="hold">
+                      <p:stCondLst>
+                        <p:cond delay="indefinite"/>
+                      </p:stCondLst>
+                      <p:childTnLst>
+                        <p:par>
+                          <p:cTn id="34" fill="hold">
+                            <p:stCondLst>
+                              <p:cond delay="0"/>
+                            </p:stCondLst>
+                            <p:childTnLst>
+                              <p:par>
+                                <p:cTn id="35" presetID="10" presetClass="entr" presetSubtype="0" fill="hold" grpId="0" nodeType="clickEffect">
+                                  <p:stCondLst>
+                                    <p:cond delay="0"/>
+                                  </p:stCondLst>
+                                  <p:childTnLst>
+                                    <p:set>
+                                      <p:cBhvr>
+                                        <p:cTn id="36" dur="1" fill="hold">
+                                          <p:stCondLst>
+                                            <p:cond delay="0"/>
+                                          </p:stCondLst>
+                                        </p:cTn>
+                                        <p:tgtEl>
+                                          <p:spTgt spid="3">
+                                            <p:txEl>
+                                              <p:pRg st="7" end="7"/>
+                                            </p:txEl>
+                                          </p:spTgt>
+                                        </p:tgtEl>
+                                        <p:attrNameLst>
+                                          <p:attrName>style.visibility</p:attrName>
+                                        </p:attrNameLst>
+                                      </p:cBhvr>
+                                      <p:to>
+                                        <p:strVal val="visible"/>
+                                      </p:to>
+                                    </p:set>
+                                    <p:animEffect transition="in" filter="fade">
+                                      <p:cBhvr>
+                                        <p:cTn id="37" dur="500"/>
+                                        <p:tgtEl>
+                                          <p:spTgt spid="3">
+                                            <p:txEl>
+                                              <p:pRg st="7" end="7"/>
+                                            </p:txEl>
+                                          </p:spTgt>
+                                        </p:tgtEl>
+                                      </p:cBhvr>
+                                    </p:animEffect>
+                                  </p:childTnLst>
+                                </p:cTn>
+                              </p:par>
+                            </p:childTnLst>
+                          </p:cTn>
+                        </p:par>
+                      </p:childTnLst>
+                    </p:cTn>
+                  </p:par>
+                  <p:par>
+                    <p:cTn id="38" fill="hold">
+                      <p:stCondLst>
+                        <p:cond delay="indefinite"/>
+                      </p:stCondLst>
+                      <p:childTnLst>
+                        <p:par>
+                          <p:cTn id="39" fill="hold">
+                            <p:stCondLst>
+                              <p:cond delay="0"/>
+                            </p:stCondLst>
+                            <p:childTnLst>
+                              <p:par>
+                                <p:cTn id="40" presetID="10" presetClass="entr" presetSubtype="0" fill="hold" grpId="0" nodeType="clickEffect">
+                                  <p:stCondLst>
+                                    <p:cond delay="0"/>
+                                  </p:stCondLst>
+                                  <p:childTnLst>
+                                    <p:set>
+                                      <p:cBhvr>
+                                        <p:cTn id="41" dur="1" fill="hold">
+                                          <p:stCondLst>
+                                            <p:cond delay="0"/>
+                                          </p:stCondLst>
+                                        </p:cTn>
+                                        <p:tgtEl>
+                                          <p:spTgt spid="3">
+                                            <p:txEl>
+                                              <p:pRg st="8" end="8"/>
+                                            </p:txEl>
+                                          </p:spTgt>
+                                        </p:tgtEl>
+                                        <p:attrNameLst>
+                                          <p:attrName>style.visibility</p:attrName>
+                                        </p:attrNameLst>
+                                      </p:cBhvr>
+                                      <p:to>
+                                        <p:strVal val="visible"/>
+                                      </p:to>
+                                    </p:set>
+                                    <p:animEffect transition="in" filter="fade">
+                                      <p:cBhvr>
+                                        <p:cTn id="42" dur="500"/>
+                                        <p:tgtEl>
+                                          <p:spTgt spid="3">
+                                            <p:txEl>
+                                              <p:pRg st="8" end="8"/>
+                                            </p:txEl>
+                                          </p:spTgt>
+                                        </p:tgtEl>
+                                      </p:cBhvr>
+                                    </p:animEffect>
+                                  </p:childTnLst>
+                                </p:cTn>
+                              </p:par>
+                              <p:par>
+                                <p:cTn id="43" presetID="10" presetClass="entr" presetSubtype="0" fill="hold" grpId="0" nodeType="withEffect">
+                                  <p:stCondLst>
+                                    <p:cond delay="0"/>
+                                  </p:stCondLst>
+                                  <p:childTnLst>
+                                    <p:set>
+                                      <p:cBhvr>
+                                        <p:cTn id="44" dur="1" fill="hold">
+                                          <p:stCondLst>
+                                            <p:cond delay="0"/>
+                                          </p:stCondLst>
+                                        </p:cTn>
+                                        <p:tgtEl>
+                                          <p:spTgt spid="3">
+                                            <p:txEl>
+                                              <p:pRg st="9" end="9"/>
+                                            </p:txEl>
+                                          </p:spTgt>
+                                        </p:tgtEl>
+                                        <p:attrNameLst>
+                                          <p:attrName>style.visibility</p:attrName>
+                                        </p:attrNameLst>
+                                      </p:cBhvr>
+                                      <p:to>
+                                        <p:strVal val="visible"/>
+                                      </p:to>
+                                    </p:set>
+                                    <p:animEffect transition="in" filter="fade">
+                                      <p:cBhvr>
+                                        <p:cTn id="45" dur="500"/>
+                                        <p:tgtEl>
+                                          <p:spTgt spid="3">
+                                            <p:txEl>
+                                              <p:pRg st="9" end="9"/>
+                                            </p:txEl>
+                                          </p:spTgt>
+                                        </p:tgtEl>
+                                      </p:cBhvr>
+                                    </p:animEffect>
+                                  </p:childTnLst>
+                                </p:cTn>
+                              </p:par>
+                              <p:par>
+                                <p:cTn id="46" presetID="10" presetClass="entr" presetSubtype="0" fill="hold" grpId="0" nodeType="withEffect">
+                                  <p:stCondLst>
+                                    <p:cond delay="0"/>
+                                  </p:stCondLst>
+                                  <p:childTnLst>
+                                    <p:set>
+                                      <p:cBhvr>
+                                        <p:cTn id="47" dur="1" fill="hold">
+                                          <p:stCondLst>
+                                            <p:cond delay="0"/>
+                                          </p:stCondLst>
+                                        </p:cTn>
+                                        <p:tgtEl>
+                                          <p:spTgt spid="3">
+                                            <p:txEl>
+                                              <p:pRg st="10" end="10"/>
+                                            </p:txEl>
+                                          </p:spTgt>
+                                        </p:tgtEl>
+                                        <p:attrNameLst>
+                                          <p:attrName>style.visibility</p:attrName>
+                                        </p:attrNameLst>
+                                      </p:cBhvr>
+                                      <p:to>
+                                        <p:strVal val="visible"/>
+                                      </p:to>
+                                    </p:set>
+                                    <p:animEffect transition="in" filter="fade">
+                                      <p:cBhvr>
+                                        <p:cTn id="48" dur="500"/>
+                                        <p:tgtEl>
+                                          <p:spTgt spid="3">
+                                            <p:txEl>
+                                              <p:pRg st="10" end="10"/>
+                                            </p:txEl>
+                                          </p:spTgt>
+                                        </p:tgtEl>
+                                      </p:cBhvr>
+                                    </p:animEffect>
+                                  </p:childTnLst>
+                                </p:cTn>
+                              </p:par>
+                            </p:childTnLst>
+                          </p:cTn>
+                        </p:par>
+                      </p:childTnLst>
+                    </p:cTn>
+                  </p:par>
+                </p:childTnLst>
+              </p:cTn>
+              <p:prevCondLst>
+                <p:cond evt="onPrev" delay="0">
+                  <p:tgtEl>
+                    <p:sldTgt/>
+                  </p:tgtEl>
+                </p:cond>
+              </p:prevCondLst>
+              <p:nextCondLst>
+                <p:cond evt="onNext" delay="0">
+                  <p:tgtEl>
+                    <p:sldTgt/>
+                  </p:tgtEl>
+                </p:cond>
+              </p:nextCondLst>
+            </p:seq>
+          </p:childTnLst>
+        </p:cTn>
+      </p:par>
+    </p:tnLst>
+    <p:bldLst>
+      <p:bldP spid="3" grpId="0" uiExpand="1" build="p"/>
+    </p:bldLst>
+  </p:timing>
 </p:sld>
 </file>
 
-<file path=ppt/slides/slide11.xml><?xml version="1.0" encoding="utf-8"?>
+<file path=ppt/slides/slide12.xml><?xml version="1.0" encoding="utf-8"?>
 <p:sld xmlns:a="http://schemas.openxmlformats.org/drawingml/2006/main" xmlns:r="http://schemas.openxmlformats.org/officeDocument/2006/relationships" xmlns:p="http://schemas.openxmlformats.org/presentationml/2006/main">
   <p:cSld>
     <p:spTree>
@@ -4678,10 +10948,17 @@
   <p:clrMapOvr>
     <a:masterClrMapping/>
   </p:clrMapOvr>
+  <p:timing>
+    <p:tnLst>
+      <p:par>
+        <p:cTn id="1" dur="indefinite" restart="never" nodeType="tmRoot"/>
+      </p:par>
+    </p:tnLst>
+  </p:timing>
 </p:sld>
 </file>
 
-<file path=ppt/slides/slide12.xml><?xml version="1.0" encoding="utf-8"?>
+<file path=ppt/slides/slide13.xml><?xml version="1.0" encoding="utf-8"?>
 <p:sld xmlns:a="http://schemas.openxmlformats.org/drawingml/2006/main" xmlns:r="http://schemas.openxmlformats.org/officeDocument/2006/relationships" xmlns:p="http://schemas.openxmlformats.org/presentationml/2006/main">
   <p:cSld>
     <p:spTree>
@@ -4749,7 +11026,19 @@
           <a:p>
             <a:r>
               <a:rPr lang="en-AU" dirty="0"/>
-              <a:t>Link to Tom’s recommendation system or que to exit presentation</a:t>
+              <a:t>Link to Tom’s recommendation system or </a:t>
+            </a:r>
+            <a:r>
+              <a:rPr lang="en-AU" dirty="0"/>
+              <a:t>c</a:t>
+            </a:r>
+            <a:r>
+              <a:rPr lang="en-AU" dirty="0" smtClean="0"/>
+              <a:t>ue </a:t>
+            </a:r>
+            <a:r>
+              <a:rPr lang="en-AU" dirty="0"/>
+              <a:t>to exit presentation</a:t>
             </a:r>
           </a:p>
         </p:txBody>
@@ -4764,10 +11053,17 @@
   <p:clrMapOvr>
     <a:masterClrMapping/>
   </p:clrMapOvr>
+  <p:timing>
+    <p:tnLst>
+      <p:par>
+        <p:cTn id="1" dur="indefinite" restart="never" nodeType="tmRoot"/>
+      </p:par>
+    </p:tnLst>
+  </p:timing>
 </p:sld>
 </file>
 
-<file path=ppt/slides/slide13.xml><?xml version="1.0" encoding="utf-8"?>
+<file path=ppt/slides/slide14.xml><?xml version="1.0" encoding="utf-8"?>
 <p:sld xmlns:a="http://schemas.openxmlformats.org/drawingml/2006/main" xmlns:r="http://schemas.openxmlformats.org/officeDocument/2006/relationships" xmlns:p="http://schemas.openxmlformats.org/presentationml/2006/main">
   <p:cSld>
     <p:spTree>
@@ -4806,9 +11102,10 @@
           <a:lstStyle/>
           <a:p>
             <a:r>
-              <a:rPr lang="en-AU" dirty="0"/>
-              <a:t>Further steps</a:t>
-            </a:r>
+              <a:rPr lang="en-AU" dirty="0" smtClean="0"/>
+              <a:t>Next Steps</a:t>
+            </a:r>
+            <a:endParaRPr lang="en-AU" dirty="0"/>
           </a:p>
         </p:txBody>
       </p:sp>
@@ -4856,11 +11153,18 @@
   <p:clrMapOvr>
     <a:masterClrMapping/>
   </p:clrMapOvr>
+  <p:timing>
+    <p:tnLst>
+      <p:par>
+        <p:cTn id="1" dur="indefinite" restart="never" nodeType="tmRoot"/>
+      </p:par>
+    </p:tnLst>
+  </p:timing>
 </p:sld>
 </file>
 
 <file path=ppt/slides/slide2.xml><?xml version="1.0" encoding="utf-8"?>
-<p:sld xmlns:a="http://schemas.openxmlformats.org/drawingml/2006/main" xmlns:r="http://schemas.openxmlformats.org/officeDocument/2006/relationships" xmlns:p="http://schemas.openxmlformats.org/presentationml/2006/main">
+<p:sld xmlns:a="http://schemas.openxmlformats.org/drawingml/2006/main" xmlns:r="http://schemas.openxmlformats.org/officeDocument/2006/relationships" xmlns:p="http://schemas.openxmlformats.org/presentationml/2006/main" show="0">
   <p:cSld>
     <p:spTree>
       <p:nvGrpSpPr>
@@ -5669,14 +11973,6 @@
                 </a:rPr>
                 <a:t>Kick off meetings with clients at Accenture</a:t>
               </a:r>
-              <a:endParaRPr lang="en-US" sz="1400" dirty="0">
-                <a:solidFill>
-                  <a:schemeClr val="bg1">
-                    <a:lumMod val="65000"/>
-                  </a:schemeClr>
-                </a:solidFill>
-                <a:latin typeface="Gill Sans MT" panose="020B0502020104020203" pitchFamily="34" charset="0"/>
-              </a:endParaRPr>
             </a:p>
           </p:txBody>
         </p:sp>
@@ -6026,13 +12322,13 @@
   <p:clrMapOvr>
     <a:masterClrMapping/>
   </p:clrMapOvr>
-  <mc:AlternateContent xmlns:mc="http://schemas.openxmlformats.org/markup-compatibility/2006">
-    <mc:Choice xmlns:p14="http://schemas.microsoft.com/office/powerpoint/2010/main" Requires="p14">
+  <mc:AlternateContent xmlns:mc="http://schemas.openxmlformats.org/markup-compatibility/2006" xmlns:p14="http://schemas.microsoft.com/office/powerpoint/2010/main">
+    <mc:Choice Requires="p14">
       <p:transition spd="med" p14:dur="700">
         <p:fade/>
       </p:transition>
     </mc:Choice>
-    <mc:Fallback>
+    <mc:Fallback xmlns="">
       <p:transition spd="med">
         <p:fade/>
       </p:transition>
@@ -6247,12 +12543,12 @@
                                 </p:cTn>
                               </p:par>
                               <p:par>
-                                <p:cTn id="22" presetID="3" presetClass="emph" presetSubtype="2" fill="hold" grpId="3" nodeType="withEffect">
+                                <p:cTn id="22" presetID="3" presetClass="emph" presetSubtype="6" fill="hold" grpId="3" nodeType="withEffect">
                                   <p:stCondLst>
                                     <p:cond delay="0"/>
                                   </p:stCondLst>
                                   <p:childTnLst>
-                                    <p:animClr clrSpc="rgb" dir="cw">
+                                    <p:animClr clrSpc="hsl" dir="cw">
                                       <p:cBhvr override="childStyle">
                                         <p:cTn id="23" dur="1500" fill="hold"/>
                                         <p:tgtEl>
@@ -6485,6 +12781,362 @@
 </file>
 
 <file path=ppt/slides/slide4.xml><?xml version="1.0" encoding="utf-8"?>
+<p:sld xmlns:a="http://schemas.openxmlformats.org/drawingml/2006/main" xmlns:r="http://schemas.openxmlformats.org/officeDocument/2006/relationships" xmlns:p="http://schemas.openxmlformats.org/presentationml/2006/main">
+  <p:cSld>
+    <p:spTree>
+      <p:nvGrpSpPr>
+        <p:cNvPr id="1" name=""/>
+        <p:cNvGrpSpPr/>
+        <p:nvPr/>
+      </p:nvGrpSpPr>
+      <p:grpSpPr>
+        <a:xfrm>
+          <a:off x="0" y="0"/>
+          <a:ext cx="0" cy="0"/>
+          <a:chOff x="0" y="0"/>
+          <a:chExt cx="0" cy="0"/>
+        </a:xfrm>
+      </p:grpSpPr>
+      <p:graphicFrame>
+        <p:nvGraphicFramePr>
+          <p:cNvPr id="7" name="Content Placeholder 6"/>
+          <p:cNvGraphicFramePr>
+            <a:graphicFrameLocks noGrp="1"/>
+          </p:cNvGraphicFramePr>
+          <p:nvPr>
+            <p:ph idx="1"/>
+            <p:extLst>
+              <p:ext uri="{D42A27DB-BD31-4B8C-83A1-F6EECF244321}">
+                <p14:modId xmlns:p14="http://schemas.microsoft.com/office/powerpoint/2010/main" val="1525863654"/>
+              </p:ext>
+            </p:extLst>
+          </p:nvPr>
+        </p:nvGraphicFramePr>
+        <p:xfrm>
+          <a:off x="1262063" y="1828800"/>
+          <a:ext cx="8594725" cy="4351338"/>
+        </p:xfrm>
+        <a:graphic>
+          <a:graphicData uri="http://schemas.openxmlformats.org/drawingml/2006/diagram">
+            <dgm:relIds xmlns:dgm="http://schemas.openxmlformats.org/drawingml/2006/diagram" xmlns:r="http://schemas.openxmlformats.org/officeDocument/2006/relationships" r:dm="rId2" r:lo="rId3" r:qs="rId4" r:cs="rId5"/>
+          </a:graphicData>
+        </a:graphic>
+      </p:graphicFrame>
+      <p:sp>
+        <p:nvSpPr>
+          <p:cNvPr id="5" name="Title 1"/>
+          <p:cNvSpPr>
+            <a:spLocks noGrp="1"/>
+          </p:cNvSpPr>
+          <p:nvPr>
+            <p:ph type="title"/>
+          </p:nvPr>
+        </p:nvSpPr>
+        <p:spPr/>
+        <p:txBody>
+          <a:bodyPr/>
+          <a:lstStyle/>
+          <a:p>
+            <a:r>
+              <a:rPr lang="en-NZ" dirty="0" smtClean="0"/>
+              <a:t>Data Collection Channels</a:t>
+            </a:r>
+            <a:endParaRPr lang="en-NZ" dirty="0"/>
+          </a:p>
+        </p:txBody>
+      </p:sp>
+      <p:sp>
+        <p:nvSpPr>
+          <p:cNvPr id="20" name="Oval 19"/>
+          <p:cNvSpPr/>
+          <p:nvPr/>
+        </p:nvSpPr>
+        <p:spPr>
+          <a:xfrm>
+            <a:off x="1606222" y="2521012"/>
+            <a:ext cx="828942" cy="828942"/>
+          </a:xfrm>
+          <a:prstGeom prst="ellipse">
+            <a:avLst/>
+          </a:prstGeom>
+          <a:noFill/>
+          <a:ln w="28575"/>
+        </p:spPr>
+        <p:style>
+          <a:lnRef idx="2">
+            <a:schemeClr val="accent1">
+              <a:shade val="50000"/>
+            </a:schemeClr>
+          </a:lnRef>
+          <a:fillRef idx="1">
+            <a:schemeClr val="accent1"/>
+          </a:fillRef>
+          <a:effectRef idx="0">
+            <a:schemeClr val="accent1"/>
+          </a:effectRef>
+          <a:fontRef idx="minor">
+            <a:schemeClr val="lt1"/>
+          </a:fontRef>
+        </p:style>
+        <p:txBody>
+          <a:bodyPr rtlCol="0" anchor="ctr"/>
+          <a:lstStyle/>
+          <a:p>
+            <a:pPr algn="ctr"/>
+            <a:r>
+              <a:rPr lang="en-NZ" sz="3600" dirty="0">
+                <a:solidFill>
+                  <a:schemeClr val="accent1">
+                    <a:lumMod val="75000"/>
+                  </a:schemeClr>
+                </a:solidFill>
+              </a:rPr>
+              <a:t>✔</a:t>
+            </a:r>
+          </a:p>
+        </p:txBody>
+      </p:sp>
+      <p:sp>
+        <p:nvSpPr>
+          <p:cNvPr id="21" name="Oval 20"/>
+          <p:cNvSpPr/>
+          <p:nvPr/>
+        </p:nvSpPr>
+        <p:spPr>
+          <a:xfrm>
+            <a:off x="3375588" y="2521012"/>
+            <a:ext cx="828942" cy="828942"/>
+          </a:xfrm>
+          <a:prstGeom prst="ellipse">
+            <a:avLst/>
+          </a:prstGeom>
+          <a:noFill/>
+          <a:ln w="28575"/>
+        </p:spPr>
+        <p:style>
+          <a:lnRef idx="2">
+            <a:schemeClr val="accent1">
+              <a:shade val="50000"/>
+            </a:schemeClr>
+          </a:lnRef>
+          <a:fillRef idx="1">
+            <a:schemeClr val="accent1"/>
+          </a:fillRef>
+          <a:effectRef idx="0">
+            <a:schemeClr val="accent1"/>
+          </a:effectRef>
+          <a:fontRef idx="minor">
+            <a:schemeClr val="lt1"/>
+          </a:fontRef>
+        </p:style>
+        <p:txBody>
+          <a:bodyPr rtlCol="0" anchor="ctr"/>
+          <a:lstStyle/>
+          <a:p>
+            <a:pPr algn="ctr"/>
+            <a:r>
+              <a:rPr lang="en-NZ" sz="3600" dirty="0">
+                <a:solidFill>
+                  <a:schemeClr val="accent1">
+                    <a:lumMod val="75000"/>
+                  </a:schemeClr>
+                </a:solidFill>
+              </a:rPr>
+              <a:t>✔</a:t>
+            </a:r>
+          </a:p>
+        </p:txBody>
+      </p:sp>
+      <p:sp>
+        <p:nvSpPr>
+          <p:cNvPr id="22" name="Oval 21"/>
+          <p:cNvSpPr/>
+          <p:nvPr/>
+        </p:nvSpPr>
+        <p:spPr>
+          <a:xfrm>
+            <a:off x="5144954" y="2521012"/>
+            <a:ext cx="828942" cy="828942"/>
+          </a:xfrm>
+          <a:prstGeom prst="ellipse">
+            <a:avLst/>
+          </a:prstGeom>
+          <a:noFill/>
+          <a:ln w="28575"/>
+        </p:spPr>
+        <p:style>
+          <a:lnRef idx="2">
+            <a:schemeClr val="accent1">
+              <a:shade val="50000"/>
+            </a:schemeClr>
+          </a:lnRef>
+          <a:fillRef idx="1">
+            <a:schemeClr val="accent1"/>
+          </a:fillRef>
+          <a:effectRef idx="0">
+            <a:schemeClr val="accent1"/>
+          </a:effectRef>
+          <a:fontRef idx="minor">
+            <a:schemeClr val="lt1"/>
+          </a:fontRef>
+        </p:style>
+        <p:txBody>
+          <a:bodyPr rtlCol="0" anchor="ctr"/>
+          <a:lstStyle/>
+          <a:p>
+            <a:pPr algn="ctr"/>
+            <a:r>
+              <a:rPr lang="en-NZ" sz="3600" dirty="0">
+                <a:solidFill>
+                  <a:schemeClr val="accent1">
+                    <a:lumMod val="75000"/>
+                  </a:schemeClr>
+                </a:solidFill>
+              </a:rPr>
+              <a:t>✔</a:t>
+            </a:r>
+          </a:p>
+        </p:txBody>
+      </p:sp>
+      <p:sp>
+        <p:nvSpPr>
+          <p:cNvPr id="23" name="Oval 22"/>
+          <p:cNvSpPr/>
+          <p:nvPr/>
+        </p:nvSpPr>
+        <p:spPr>
+          <a:xfrm>
+            <a:off x="6914320" y="2521012"/>
+            <a:ext cx="828942" cy="828942"/>
+          </a:xfrm>
+          <a:prstGeom prst="ellipse">
+            <a:avLst/>
+          </a:prstGeom>
+          <a:noFill/>
+          <a:ln w="28575">
+            <a:solidFill>
+              <a:srgbClr val="C06F16"/>
+            </a:solidFill>
+          </a:ln>
+        </p:spPr>
+        <p:style>
+          <a:lnRef idx="2">
+            <a:schemeClr val="accent1">
+              <a:shade val="50000"/>
+            </a:schemeClr>
+          </a:lnRef>
+          <a:fillRef idx="1">
+            <a:schemeClr val="accent1"/>
+          </a:fillRef>
+          <a:effectRef idx="0">
+            <a:schemeClr val="accent1"/>
+          </a:effectRef>
+          <a:fontRef idx="minor">
+            <a:schemeClr val="lt1"/>
+          </a:fontRef>
+        </p:style>
+        <p:txBody>
+          <a:bodyPr rtlCol="0" anchor="ctr"/>
+          <a:lstStyle/>
+          <a:p>
+            <a:pPr algn="ctr"/>
+            <a:r>
+              <a:rPr lang="en-NZ" sz="3600" dirty="0">
+                <a:solidFill>
+                  <a:srgbClr val="C06F16"/>
+                </a:solidFill>
+              </a:rPr>
+              <a:t>✔</a:t>
+            </a:r>
+          </a:p>
+        </p:txBody>
+      </p:sp>
+      <p:sp>
+        <p:nvSpPr>
+          <p:cNvPr id="24" name="Oval 23"/>
+          <p:cNvSpPr/>
+          <p:nvPr/>
+        </p:nvSpPr>
+        <p:spPr>
+          <a:xfrm>
+            <a:off x="8683686" y="2521012"/>
+            <a:ext cx="828942" cy="828942"/>
+          </a:xfrm>
+          <a:prstGeom prst="ellipse">
+            <a:avLst/>
+          </a:prstGeom>
+          <a:noFill/>
+          <a:ln w="28575">
+            <a:solidFill>
+              <a:srgbClr val="C00000"/>
+            </a:solidFill>
+          </a:ln>
+        </p:spPr>
+        <p:style>
+          <a:lnRef idx="2">
+            <a:schemeClr val="accent1">
+              <a:shade val="50000"/>
+            </a:schemeClr>
+          </a:lnRef>
+          <a:fillRef idx="1">
+            <a:schemeClr val="accent1"/>
+          </a:fillRef>
+          <a:effectRef idx="0">
+            <a:schemeClr val="accent1"/>
+          </a:effectRef>
+          <a:fontRef idx="minor">
+            <a:schemeClr val="lt1"/>
+          </a:fontRef>
+        </p:style>
+        <p:txBody>
+          <a:bodyPr rtlCol="0" anchor="ctr"/>
+          <a:lstStyle/>
+          <a:p>
+            <a:pPr algn="ctr"/>
+            <a:r>
+              <a:rPr lang="en-NZ" sz="3600" dirty="0">
+                <a:solidFill>
+                  <a:srgbClr val="C00000"/>
+                </a:solidFill>
+              </a:rPr>
+              <a:t>✘</a:t>
+            </a:r>
+          </a:p>
+        </p:txBody>
+      </p:sp>
+    </p:spTree>
+    <p:extLst>
+      <p:ext uri="{BB962C8B-B14F-4D97-AF65-F5344CB8AC3E}">
+        <p14:creationId xmlns:p14="http://schemas.microsoft.com/office/powerpoint/2010/main" val="873030351"/>
+      </p:ext>
+    </p:extLst>
+  </p:cSld>
+  <p:clrMapOvr>
+    <a:masterClrMapping/>
+  </p:clrMapOvr>
+  <mc:AlternateContent xmlns:mc="http://schemas.openxmlformats.org/markup-compatibility/2006">
+    <mc:Choice xmlns:p14="http://schemas.microsoft.com/office/powerpoint/2010/main" Requires="p14">
+      <p:transition spd="med" p14:dur="700">
+        <p:fade/>
+      </p:transition>
+    </mc:Choice>
+    <mc:Fallback>
+      <p:transition spd="med">
+        <p:fade/>
+      </p:transition>
+    </mc:Fallback>
+  </mc:AlternateContent>
+  <p:timing>
+    <p:tnLst>
+      <p:par>
+        <p:cTn id="1" dur="indefinite" restart="never" nodeType="tmRoot"/>
+      </p:par>
+    </p:tnLst>
+  </p:timing>
+</p:sld>
+</file>
+
+<file path=ppt/slides/slide5.xml><?xml version="1.0" encoding="utf-8"?>
 <p:sld xmlns:a="http://schemas.openxmlformats.org/drawingml/2006/main" xmlns:r="http://schemas.openxmlformats.org/officeDocument/2006/relationships" xmlns:p="http://schemas.openxmlformats.org/presentationml/2006/main">
   <p:cSld>
     <p:spTree>
@@ -6981,7 +13633,7 @@
 </p:sld>
 </file>
 
-<file path=ppt/slides/slide5.xml><?xml version="1.0" encoding="utf-8"?>
+<file path=ppt/slides/slide6.xml><?xml version="1.0" encoding="utf-8"?>
 <p:sld xmlns:a="http://schemas.openxmlformats.org/drawingml/2006/main" xmlns:r="http://schemas.openxmlformats.org/officeDocument/2006/relationships" xmlns:p="http://schemas.openxmlformats.org/presentationml/2006/main">
   <p:cSld>
     <p:spTree>
@@ -7150,7 +13802,7 @@
 </p:sld>
 </file>
 
-<file path=ppt/slides/slide6.xml><?xml version="1.0" encoding="utf-8"?>
+<file path=ppt/slides/slide7.xml><?xml version="1.0" encoding="utf-8"?>
 <p:sld xmlns:a="http://schemas.openxmlformats.org/drawingml/2006/main" xmlns:r="http://schemas.openxmlformats.org/officeDocument/2006/relationships" xmlns:p="http://schemas.openxmlformats.org/presentationml/2006/main">
   <p:cSld>
     <p:spTree>
@@ -7276,10 +13928,17 @@
   <p:clrMapOvr>
     <a:masterClrMapping/>
   </p:clrMapOvr>
+  <p:timing>
+    <p:tnLst>
+      <p:par>
+        <p:cTn id="1" dur="indefinite" restart="never" nodeType="tmRoot"/>
+      </p:par>
+    </p:tnLst>
+  </p:timing>
 </p:sld>
 </file>
 
-<file path=ppt/slides/slide7.xml><?xml version="1.0" encoding="utf-8"?>
+<file path=ppt/slides/slide8.xml><?xml version="1.0" encoding="utf-8"?>
 <p:sld xmlns:a="http://schemas.openxmlformats.org/drawingml/2006/main" xmlns:r="http://schemas.openxmlformats.org/officeDocument/2006/relationships" xmlns:p="http://schemas.openxmlformats.org/presentationml/2006/main">
   <p:cSld>
     <p:spTree>
@@ -7382,10 +14041,17 @@
   <p:clrMapOvr>
     <a:masterClrMapping/>
   </p:clrMapOvr>
+  <p:timing>
+    <p:tnLst>
+      <p:par>
+        <p:cTn id="1" dur="indefinite" restart="never" nodeType="tmRoot"/>
+      </p:par>
+    </p:tnLst>
+  </p:timing>
 </p:sld>
 </file>
 
-<file path=ppt/slides/slide8.xml><?xml version="1.0" encoding="utf-8"?>
+<file path=ppt/slides/slide9.xml><?xml version="1.0" encoding="utf-8"?>
 <p:sld xmlns:a="http://schemas.openxmlformats.org/drawingml/2006/main" xmlns:r="http://schemas.openxmlformats.org/officeDocument/2006/relationships" xmlns:p="http://schemas.openxmlformats.org/presentationml/2006/main">
   <p:cSld>
     <p:spTree>
@@ -7468,116 +14134,13 @@
   <p:clrMapOvr>
     <a:masterClrMapping/>
   </p:clrMapOvr>
-</p:sld>
-</file>
-
-<file path=ppt/slides/slide9.xml><?xml version="1.0" encoding="utf-8"?>
-<p:sld xmlns:a="http://schemas.openxmlformats.org/drawingml/2006/main" xmlns:r="http://schemas.openxmlformats.org/officeDocument/2006/relationships" xmlns:p="http://schemas.openxmlformats.org/presentationml/2006/main">
-  <p:cSld>
-    <p:spTree>
-      <p:nvGrpSpPr>
-        <p:cNvPr id="1" name=""/>
-        <p:cNvGrpSpPr/>
-        <p:nvPr/>
-      </p:nvGrpSpPr>
-      <p:grpSpPr>
-        <a:xfrm>
-          <a:off x="0" y="0"/>
-          <a:ext cx="0" cy="0"/>
-          <a:chOff x="0" y="0"/>
-          <a:chExt cx="0" cy="0"/>
-        </a:xfrm>
-      </p:grpSpPr>
-      <p:sp>
-        <p:nvSpPr>
-          <p:cNvPr id="2" name="Title 1">
-            <a:extLst>
-              <a:ext uri="{FF2B5EF4-FFF2-40B4-BE49-F238E27FC236}">
-                <a16:creationId xmlns:a16="http://schemas.microsoft.com/office/drawing/2014/main" id="{9DF8876C-9827-4658-9EEC-9DF7BB068D41}"/>
-              </a:ext>
-            </a:extLst>
-          </p:cNvPr>
-          <p:cNvSpPr>
-            <a:spLocks noGrp="1"/>
-          </p:cNvSpPr>
-          <p:nvPr>
-            <p:ph type="title"/>
-          </p:nvPr>
-        </p:nvSpPr>
-        <p:spPr/>
-        <p:txBody>
-          <a:bodyPr/>
-          <a:lstStyle/>
-          <a:p>
-            <a:r>
-              <a:rPr lang="en-AU" dirty="0"/>
-              <a:t>Define phase (Summary)</a:t>
-            </a:r>
-          </a:p>
-        </p:txBody>
-      </p:sp>
-      <p:sp>
-        <p:nvSpPr>
-          <p:cNvPr id="3" name="Content Placeholder 2">
-            <a:extLst>
-              <a:ext uri="{FF2B5EF4-FFF2-40B4-BE49-F238E27FC236}">
-                <a16:creationId xmlns:a16="http://schemas.microsoft.com/office/drawing/2014/main" id="{4A931EF9-D4A4-4BD9-A48F-98EA50200EC4}"/>
-              </a:ext>
-            </a:extLst>
-          </p:cNvPr>
-          <p:cNvSpPr>
-            <a:spLocks noGrp="1"/>
-          </p:cNvSpPr>
-          <p:nvPr>
-            <p:ph idx="1"/>
-          </p:nvPr>
-        </p:nvSpPr>
-        <p:spPr/>
-        <p:txBody>
-          <a:bodyPr/>
-          <a:lstStyle/>
-          <a:p>
-            <a:r>
-              <a:rPr lang="en-AU" dirty="0"/>
-              <a:t>Challenges faced</a:t>
-            </a:r>
-          </a:p>
-          <a:p>
-            <a:r>
-              <a:rPr lang="en-AU" dirty="0"/>
-              <a:t>Ontology</a:t>
-            </a:r>
-          </a:p>
-          <a:p>
-            <a:r>
-              <a:rPr lang="en-AU" dirty="0"/>
-              <a:t>Indexing</a:t>
-            </a:r>
-          </a:p>
-          <a:p>
-            <a:r>
-              <a:rPr lang="en-AU" dirty="0"/>
-              <a:t>What has been learnt from what has been done (chatbot)</a:t>
-            </a:r>
-          </a:p>
-          <a:p>
-            <a:r>
-              <a:rPr lang="en-AU" dirty="0"/>
-              <a:t>Could mention feedback from audit 1 here (documentation, organisation etc.)</a:t>
-            </a:r>
-          </a:p>
-        </p:txBody>
-      </p:sp>
-    </p:spTree>
-    <p:extLst>
-      <p:ext uri="{BB962C8B-B14F-4D97-AF65-F5344CB8AC3E}">
-        <p14:creationId xmlns:p14="http://schemas.microsoft.com/office/powerpoint/2010/main" val="278609819"/>
-      </p:ext>
-    </p:extLst>
-  </p:cSld>
-  <p:clrMapOvr>
-    <a:masterClrMapping/>
-  </p:clrMapOvr>
+  <p:timing>
+    <p:tnLst>
+      <p:par>
+        <p:cTn id="1" dur="indefinite" restart="never" nodeType="tmRoot"/>
+      </p:par>
+    </p:tnLst>
+  </p:timing>
 </p:sld>
 </file>
 

--- a/Documentation/Audit_2/Powerpoint/Audit_Presentation.pptx
+++ b/Documentation/Audit_2/Powerpoint/Audit_Presentation.pptx
@@ -163,11 +163,24 @@
             <c:idx val="0"/>
             <c:bubble3D val="0"/>
             <c:spPr>
-              <a:solidFill>
-                <a:schemeClr val="accent1"/>
-              </a:solidFill>
-              <a:ln>
-                <a:noFill/>
+              <a:gradFill>
+                <a:gsLst>
+                  <a:gs pos="100000">
+                    <a:schemeClr val="accent1">
+                      <a:lumMod val="60000"/>
+                      <a:lumOff val="40000"/>
+                    </a:schemeClr>
+                  </a:gs>
+                  <a:gs pos="0">
+                    <a:schemeClr val="accent1"/>
+                  </a:gs>
+                </a:gsLst>
+                <a:lin ang="5400000" scaled="0"/>
+              </a:gradFill>
+              <a:ln w="19050">
+                <a:solidFill>
+                  <a:schemeClr val="lt1"/>
+                </a:solidFill>
               </a:ln>
               <a:effectLst/>
             </c:spPr>
@@ -181,11 +194,24 @@
             <c:idx val="1"/>
             <c:bubble3D val="0"/>
             <c:spPr>
-              <a:solidFill>
-                <a:schemeClr val="accent2"/>
-              </a:solidFill>
-              <a:ln>
-                <a:noFill/>
+              <a:gradFill>
+                <a:gsLst>
+                  <a:gs pos="100000">
+                    <a:schemeClr val="accent2">
+                      <a:lumMod val="60000"/>
+                      <a:lumOff val="40000"/>
+                    </a:schemeClr>
+                  </a:gs>
+                  <a:gs pos="0">
+                    <a:schemeClr val="accent2"/>
+                  </a:gs>
+                </a:gsLst>
+                <a:lin ang="5400000" scaled="0"/>
+              </a:gradFill>
+              <a:ln w="19050">
+                <a:solidFill>
+                  <a:schemeClr val="lt1"/>
+                </a:solidFill>
               </a:ln>
               <a:effectLst/>
             </c:spPr>
@@ -199,11 +225,24 @@
             <c:idx val="2"/>
             <c:bubble3D val="0"/>
             <c:spPr>
-              <a:solidFill>
-                <a:schemeClr val="accent3"/>
-              </a:solidFill>
-              <a:ln>
-                <a:noFill/>
+              <a:gradFill>
+                <a:gsLst>
+                  <a:gs pos="100000">
+                    <a:schemeClr val="accent3">
+                      <a:lumMod val="60000"/>
+                      <a:lumOff val="40000"/>
+                    </a:schemeClr>
+                  </a:gs>
+                  <a:gs pos="0">
+                    <a:schemeClr val="accent3"/>
+                  </a:gs>
+                </a:gsLst>
+                <a:lin ang="5400000" scaled="0"/>
+              </a:gradFill>
+              <a:ln w="19050">
+                <a:solidFill>
+                  <a:schemeClr val="lt1"/>
+                </a:solidFill>
               </a:ln>
               <a:effectLst/>
             </c:spPr>
@@ -216,30 +255,83 @@
           <c:dLbls>
             <c:dLbl>
               <c:idx val="0"/>
-              <c:layout/>
+              <c:layout>
+                <c:manualLayout>
+                  <c:x val="-1.2399322625981268E-2"/>
+                  <c:y val="5.6508102578140497E-3"/>
+                </c:manualLayout>
+              </c:layout>
               <c:tx>
                 <c:rich>
-                  <a:bodyPr/>
+                  <a:bodyPr rot="0" spcFirstLastPara="1" vertOverflow="ellipsis" vert="horz" wrap="square" lIns="38100" tIns="19050" rIns="38100" bIns="19050" anchor="ctr" anchorCtr="1">
+                    <a:noAutofit/>
+                  </a:bodyPr>
                   <a:lstStyle/>
                   <a:p>
-                    <a:fld id="{2A62A469-0C16-4B1C-8258-78CB46C1BEE7}" type="CELLRANGE">
-                      <a:rPr lang="en-US"/>
-                      <a:pPr/>
+                    <a:pPr>
+                      <a:defRPr sz="1197" b="1" i="0" u="none" strike="noStrike" kern="1200" baseline="0">
+                        <a:solidFill>
+                          <a:schemeClr val="dk1">
+                            <a:lumMod val="75000"/>
+                            <a:lumOff val="25000"/>
+                          </a:schemeClr>
+                        </a:solidFill>
+                        <a:latin typeface="+mn-lt"/>
+                        <a:ea typeface="+mn-ea"/>
+                        <a:cs typeface="+mn-cs"/>
+                      </a:defRPr>
+                    </a:pPr>
+                    <a:fld id="{77EEE97B-5B97-4A9D-93DB-3038FF4B87BA}" type="CELLRANGE">
+                      <a:rPr lang="en-US" dirty="0"/>
+                      <a:pPr>
+                        <a:defRPr b="1"/>
+                      </a:pPr>
                       <a:t>[CELLRANGE]</a:t>
                     </a:fld>
                     <a:r>
-                      <a:rPr lang="en-US" baseline="0"/>
+                      <a:rPr lang="en-US" baseline="0" dirty="0"/>
                       <a:t>: </a:t>
                     </a:r>
-                    <a:fld id="{8D02A557-9C89-4937-B94D-F9EEE26E97CF}" type="VALUE">
-                      <a:rPr lang="en-US" baseline="0"/>
-                      <a:pPr/>
+                    <a:fld id="{E58A8CB5-AD4D-4FC7-B089-C96A51E9F0C7}" type="VALUE">
+                      <a:rPr lang="en-US" baseline="0" dirty="0"/>
+                      <a:pPr>
+                        <a:defRPr b="1"/>
+                      </a:pPr>
                       <a:t>[VALUE]</a:t>
                     </a:fld>
-                    <a:endParaRPr lang="en-US" baseline="0"/>
+                    <a:endParaRPr lang="en-US" baseline="0" dirty="0"/>
                   </a:p>
                 </c:rich>
               </c:tx>
+              <c:spPr>
+                <a:noFill/>
+                <a:ln>
+                  <a:noFill/>
+                </a:ln>
+                <a:effectLst/>
+              </c:spPr>
+              <c:txPr>
+                <a:bodyPr rot="0" spcFirstLastPara="1" vertOverflow="ellipsis" vert="horz" wrap="square" lIns="38100" tIns="19050" rIns="38100" bIns="19050" anchor="ctr" anchorCtr="1">
+                  <a:noAutofit/>
+                </a:bodyPr>
+                <a:lstStyle/>
+                <a:p>
+                  <a:pPr>
+                    <a:defRPr sz="1197" b="1" i="0" u="none" strike="noStrike" kern="1200" baseline="0">
+                      <a:solidFill>
+                        <a:schemeClr val="dk1">
+                          <a:lumMod val="75000"/>
+                          <a:lumOff val="25000"/>
+                        </a:schemeClr>
+                      </a:solidFill>
+                      <a:latin typeface="+mn-lt"/>
+                      <a:ea typeface="+mn-ea"/>
+                      <a:cs typeface="+mn-cs"/>
+                    </a:defRPr>
+                  </a:pPr>
+                  <a:endParaRPr lang="en-US"/>
+                </a:p>
+              </c:txPr>
               <c:dLblPos val="bestFit"/>
               <c:showLegendKey val="0"/>
               <c:showVal val="1"/>
@@ -250,9 +342,13 @@
               <c:separator>: </c:separator>
               <c:extLst>
                 <c:ext xmlns:c15="http://schemas.microsoft.com/office/drawing/2012/chart" uri="{CE6537A1-D6FC-4f65-9D91-7224C49458BB}">
-                  <c15:layout/>
+                  <c15:layout>
+                    <c:manualLayout>
+                      <c:w val="0.25651098682498746"/>
+                      <c:h val="4.5113398976724006E-2"/>
+                    </c:manualLayout>
+                  </c15:layout>
                   <c15:dlblFieldTable/>
-                  <c15:xForSave val="1"/>
                   <c15:showDataLabelsRange val="1"/>
                 </c:ext>
                 <c:ext xmlns:c16="http://schemas.microsoft.com/office/drawing/2014/chart" uri="{C3380CC4-5D6E-409C-BE32-E72D297353CC}">
@@ -268,7 +364,7 @@
                   <a:bodyPr/>
                   <a:lstStyle/>
                   <a:p>
-                    <a:fld id="{7A96590F-4A9B-4BA6-A108-C82AFEF4758D}" type="CELLRANGE">
+                    <a:fld id="{D0950C77-896F-44F0-89CF-3EBD2A46DC0E}" type="CELLRANGE">
                       <a:rPr lang="en-US"/>
                       <a:pPr/>
                       <a:t>[CELLRANGE]</a:t>
@@ -277,7 +373,7 @@
                       <a:rPr lang="en-US" baseline="0"/>
                       <a:t>: </a:t>
                     </a:r>
-                    <a:fld id="{A31F23BF-3999-40B8-9DB9-F5D4349219D6}" type="VALUE">
+                    <a:fld id="{3C43279F-23A4-4E0C-824F-B23E03D98A9C}" type="VALUE">
                       <a:rPr lang="en-US" baseline="0"/>
                       <a:pPr/>
                       <a:t>[VALUE]</a:t>
@@ -314,7 +410,7 @@
                   <a:bodyPr/>
                   <a:lstStyle/>
                   <a:p>
-                    <a:fld id="{AEB0A9F6-679B-4CA8-9EB7-712A86119D36}" type="CELLRANGE">
+                    <a:fld id="{7C8A0EC0-76A5-489F-8C05-455F2B314A52}" type="CELLRANGE">
                       <a:rPr lang="en-US"/>
                       <a:pPr/>
                       <a:t>[CELLRANGE]</a:t>
@@ -323,7 +419,7 @@
                       <a:rPr lang="en-US" baseline="0"/>
                       <a:t>: </a:t>
                     </a:r>
-                    <a:fld id="{8557A208-3209-45A0-84B4-9FEC7BCAC267}" type="VALUE">
+                    <a:fld id="{A8CB7BD4-0829-4CE5-90C1-12CCE116336B}" type="VALUE">
                       <a:rPr lang="en-US" baseline="0"/>
                       <a:pPr/>
                       <a:t>[VALUE]</a:t>
@@ -366,9 +462,9 @@
               <a:lstStyle/>
               <a:p>
                 <a:pPr>
-                  <a:defRPr sz="1200" b="0" i="0" u="none" strike="noStrike" kern="1200" baseline="0">
+                  <a:defRPr sz="1197" b="1" i="0" u="none" strike="noStrike" kern="1200" baseline="0">
                     <a:solidFill>
-                      <a:schemeClr val="tx1">
+                      <a:schemeClr val="dk1">
                         <a:lumMod val="75000"/>
                         <a:lumOff val="25000"/>
                       </a:schemeClr>
@@ -394,7 +490,7 @@
               <c:spPr>
                 <a:ln w="9525" cap="flat" cmpd="sng" algn="ctr">
                   <a:solidFill>
-                    <a:schemeClr val="tx1">
+                    <a:schemeClr val="dk1">
                       <a:lumMod val="35000"/>
                       <a:lumOff val="65000"/>
                     </a:schemeClr>
@@ -502,8 +598,9 @@
   </c:chart>
   <c:spPr>
     <a:noFill/>
-    <a:ln>
+    <a:ln w="9525" cap="flat" cmpd="sng" algn="ctr">
       <a:noFill/>
+      <a:round/>
     </a:ln>
     <a:effectLst/>
   </c:spPr>
@@ -560,11 +657,24 @@
             <c:idx val="0"/>
             <c:bubble3D val="0"/>
             <c:spPr>
-              <a:solidFill>
-                <a:schemeClr val="accent1"/>
-              </a:solidFill>
-              <a:ln>
-                <a:noFill/>
+              <a:gradFill>
+                <a:gsLst>
+                  <a:gs pos="100000">
+                    <a:schemeClr val="accent1">
+                      <a:lumMod val="60000"/>
+                      <a:lumOff val="40000"/>
+                    </a:schemeClr>
+                  </a:gs>
+                  <a:gs pos="0">
+                    <a:schemeClr val="accent1"/>
+                  </a:gs>
+                </a:gsLst>
+                <a:lin ang="5400000" scaled="0"/>
+              </a:gradFill>
+              <a:ln w="19050">
+                <a:solidFill>
+                  <a:schemeClr val="lt1"/>
+                </a:solidFill>
               </a:ln>
               <a:effectLst/>
             </c:spPr>
@@ -578,11 +688,24 @@
             <c:idx val="1"/>
             <c:bubble3D val="0"/>
             <c:spPr>
-              <a:solidFill>
-                <a:schemeClr val="accent2"/>
-              </a:solidFill>
-              <a:ln>
-                <a:noFill/>
+              <a:gradFill>
+                <a:gsLst>
+                  <a:gs pos="100000">
+                    <a:schemeClr val="accent2">
+                      <a:lumMod val="60000"/>
+                      <a:lumOff val="40000"/>
+                    </a:schemeClr>
+                  </a:gs>
+                  <a:gs pos="0">
+                    <a:schemeClr val="accent2"/>
+                  </a:gs>
+                </a:gsLst>
+                <a:lin ang="5400000" scaled="0"/>
+              </a:gradFill>
+              <a:ln w="19050">
+                <a:solidFill>
+                  <a:schemeClr val="lt1"/>
+                </a:solidFill>
               </a:ln>
               <a:effectLst/>
             </c:spPr>
@@ -596,11 +719,24 @@
             <c:idx val="2"/>
             <c:bubble3D val="0"/>
             <c:spPr>
-              <a:solidFill>
-                <a:schemeClr val="accent3"/>
-              </a:solidFill>
-              <a:ln>
-                <a:noFill/>
+              <a:gradFill>
+                <a:gsLst>
+                  <a:gs pos="100000">
+                    <a:schemeClr val="accent3">
+                      <a:lumMod val="60000"/>
+                      <a:lumOff val="40000"/>
+                    </a:schemeClr>
+                  </a:gs>
+                  <a:gs pos="0">
+                    <a:schemeClr val="accent3"/>
+                  </a:gs>
+                </a:gsLst>
+                <a:lin ang="5400000" scaled="0"/>
+              </a:gradFill>
+              <a:ln w="19050">
+                <a:solidFill>
+                  <a:schemeClr val="lt1"/>
+                </a:solidFill>
               </a:ln>
               <a:effectLst/>
             </c:spPr>
@@ -619,7 +755,7 @@
                   <a:bodyPr/>
                   <a:lstStyle/>
                   <a:p>
-                    <a:fld id="{FF87C238-8386-4E44-BA8A-1097FD032995}" type="CELLRANGE">
+                    <a:fld id="{9FC43A2C-51E1-4B2D-B74D-01099068DE80}" type="CELLRANGE">
                       <a:rPr lang="en-US"/>
                       <a:pPr/>
                       <a:t>[CELLRANGE]</a:t>
@@ -628,7 +764,7 @@
                       <a:rPr lang="en-US" baseline="0"/>
                       <a:t>: </a:t>
                     </a:r>
-                    <a:fld id="{36DED2E9-2727-4E04-8B28-543188925408}" type="VALUE">
+                    <a:fld id="{9407BC36-FD56-4DD5-BB2D-C4BCCEA17ED7}" type="VALUE">
                       <a:rPr lang="en-US" baseline="0"/>
                       <a:pPr/>
                       <a:t>[VALUE]</a:t>
@@ -665,7 +801,7 @@
                   <a:bodyPr/>
                   <a:lstStyle/>
                   <a:p>
-                    <a:fld id="{2DD68212-417F-4573-91F4-80C3B8DDA9ED}" type="CELLRANGE">
+                    <a:fld id="{F47F291F-A4B0-48BC-9116-E001BADFB088}" type="CELLRANGE">
                       <a:rPr lang="en-US"/>
                       <a:pPr/>
                       <a:t>[CELLRANGE]</a:t>
@@ -674,7 +810,7 @@
                       <a:rPr lang="en-US" baseline="0"/>
                       <a:t>: </a:t>
                     </a:r>
-                    <a:fld id="{59A4127E-0D46-45EE-9469-E66B645F98CC}" type="VALUE">
+                    <a:fld id="{2279157C-C7BC-46EA-B78C-46EBC3113B0C}" type="VALUE">
                       <a:rPr lang="en-US" baseline="0"/>
                       <a:pPr/>
                       <a:t>[VALUE]</a:t>
@@ -711,7 +847,7 @@
                   <a:bodyPr/>
                   <a:lstStyle/>
                   <a:p>
-                    <a:fld id="{D4DDD797-3A6A-4DFE-8F27-00ED4000A482}" type="CELLRANGE">
+                    <a:fld id="{72A014F0-F18D-4DC8-A926-047B9DD3DA79}" type="CELLRANGE">
                       <a:rPr lang="en-US"/>
                       <a:pPr/>
                       <a:t>[CELLRANGE]</a:t>
@@ -720,7 +856,7 @@
                       <a:rPr lang="en-US" baseline="0"/>
                       <a:t>: </a:t>
                     </a:r>
-                    <a:fld id="{482C88FD-7A4F-46BB-BA16-2C734F581E6A}" type="VALUE">
+                    <a:fld id="{7138DEE1-4294-4F0C-8697-22333132C9F8}" type="VALUE">
                       <a:rPr lang="en-US" baseline="0"/>
                       <a:pPr/>
                       <a:t>[VALUE]</a:t>
@@ -757,15 +893,13 @@
               <a:effectLst/>
             </c:spPr>
             <c:txPr>
-              <a:bodyPr rot="0" spcFirstLastPara="1" vertOverflow="ellipsis" vert="horz" wrap="square" lIns="38100" tIns="19050" rIns="38100" bIns="19050" anchor="ctr" anchorCtr="1">
-                <a:spAutoFit/>
-              </a:bodyPr>
+              <a:bodyPr rot="0" spcFirstLastPara="1" vertOverflow="ellipsis" vert="horz" wrap="square" anchor="ctr" anchorCtr="1"/>
               <a:lstStyle/>
               <a:p>
                 <a:pPr>
-                  <a:defRPr sz="1200" b="0" i="0" u="none" strike="noStrike" kern="1200" baseline="0">
+                  <a:defRPr sz="1197" b="1" i="0" u="none" strike="noStrike" kern="1200" baseline="0">
                     <a:solidFill>
-                      <a:schemeClr val="tx1">
+                      <a:schemeClr val="dk1">
                         <a:lumMod val="75000"/>
                         <a:lumOff val="25000"/>
                       </a:schemeClr>
@@ -791,7 +925,7 @@
               <c:spPr>
                 <a:ln w="9525" cap="flat" cmpd="sng" algn="ctr">
                   <a:solidFill>
-                    <a:schemeClr val="tx1">
+                    <a:schemeClr val="dk1">
                       <a:lumMod val="35000"/>
                       <a:lumOff val="65000"/>
                     </a:schemeClr>
@@ -899,8 +1033,9 @@
   </c:chart>
   <c:spPr>
     <a:noFill/>
-    <a:ln>
+    <a:ln w="9525" cap="flat" cmpd="sng" algn="ctr">
       <a:noFill/>
+      <a:round/>
     </a:ln>
     <a:effectLst/>
   </c:spPr>
@@ -909,7 +1044,9 @@
     <a:lstStyle/>
     <a:p>
       <a:pPr>
-        <a:defRPr/>
+        <a:defRPr b="1">
+          <a:latin typeface="+mn-lt"/>
+        </a:defRPr>
       </a:pPr>
       <a:endParaRPr lang="en-US"/>
     </a:p>
@@ -1001,33 +1138,53 @@
 </file>
 
 <file path=ppt/charts/style1.xml><?xml version="1.0" encoding="utf-8"?>
-<cs:chartStyle xmlns:cs="http://schemas.microsoft.com/office/drawing/2012/chartStyle" xmlns:a="http://schemas.openxmlformats.org/drawingml/2006/main" id="216">
+<cs:chartStyle xmlns:cs="http://schemas.microsoft.com/office/drawing/2012/chartStyle" xmlns:a="http://schemas.openxmlformats.org/drawingml/2006/main" id="256">
   <cs:axisTitle>
     <cs:lnRef idx="0"/>
     <cs:fillRef idx="0"/>
     <cs:effectRef idx="0"/>
     <cs:fontRef idx="minor">
-      <a:schemeClr val="tx1">
+      <a:schemeClr val="dk1">
         <a:lumMod val="65000"/>
         <a:lumOff val="35000"/>
       </a:schemeClr>
     </cs:fontRef>
-    <cs:defRPr sz="1330" kern="1200"/>
+    <cs:defRPr sz="1197" b="1" kern="1200"/>
   </cs:axisTitle>
   <cs:categoryAxis>
     <cs:lnRef idx="0"/>
     <cs:fillRef idx="0"/>
     <cs:effectRef idx="0"/>
     <cs:fontRef idx="minor">
-      <a:schemeClr val="tx1">
+      <a:schemeClr val="dk1">
         <a:lumMod val="65000"/>
         <a:lumOff val="35000"/>
       </a:schemeClr>
     </cs:fontRef>
+    <cs:defRPr sz="1197" kern="1200" cap="none" spc="0" normalizeH="0" baseline="0"/>
+  </cs:categoryAxis>
+  <cs:chartArea>
+    <cs:lnRef idx="0"/>
+    <cs:fillRef idx="0"/>
+    <cs:effectRef idx="0"/>
+    <cs:fontRef idx="minor">
+      <a:schemeClr val="dk1"/>
+    </cs:fontRef>
     <cs:spPr>
+      <a:pattFill prst="dkDnDiag">
+        <a:fgClr>
+          <a:schemeClr val="lt1"/>
+        </a:fgClr>
+        <a:bgClr>
+          <a:schemeClr val="dk1">
+            <a:lumMod val="10000"/>
+            <a:lumOff val="90000"/>
+          </a:schemeClr>
+        </a:bgClr>
+      </a:pattFill>
       <a:ln w="9525" cap="flat" cmpd="sng" algn="ctr">
         <a:solidFill>
-          <a:schemeClr val="tx1">
+          <a:schemeClr val="dk1">
             <a:lumMod val="15000"/>
             <a:lumOff val="85000"/>
           </a:schemeClr>
@@ -1036,36 +1193,13 @@
       </a:ln>
     </cs:spPr>
     <cs:defRPr sz="1197" kern="1200"/>
-  </cs:categoryAxis>
-  <cs:chartArea mods="allowNoFillOverride allowNoLineOverride">
-    <cs:lnRef idx="0"/>
-    <cs:fillRef idx="0"/>
-    <cs:effectRef idx="0"/>
-    <cs:fontRef idx="minor">
-      <a:schemeClr val="tx1"/>
-    </cs:fontRef>
-    <cs:spPr>
-      <a:solidFill>
-        <a:schemeClr val="bg1"/>
-      </a:solidFill>
-      <a:ln w="9525" cap="flat" cmpd="sng" algn="ctr">
-        <a:solidFill>
-          <a:schemeClr val="tx1">
-            <a:lumMod val="15000"/>
-            <a:lumOff val="85000"/>
-          </a:schemeClr>
-        </a:solidFill>
-        <a:round/>
-      </a:ln>
-    </cs:spPr>
-    <cs:defRPr sz="1330" kern="1200"/>
   </cs:chartArea>
   <cs:dataLabel>
     <cs:lnRef idx="0"/>
     <cs:fillRef idx="0"/>
     <cs:effectRef idx="0"/>
     <cs:fontRef idx="minor">
-      <a:schemeClr val="tx1">
+      <a:schemeClr val="dk1">
         <a:lumMod val="75000"/>
         <a:lumOff val="25000"/>
       </a:schemeClr>
@@ -1084,9 +1218,11 @@
     </cs:fontRef>
     <cs:spPr>
       <a:solidFill>
-        <a:schemeClr val="lt1"/>
+        <a:schemeClr val="lt1">
+          <a:alpha val="75000"/>
+        </a:schemeClr>
       </a:solidFill>
-      <a:ln>
+      <a:ln w="9525">
         <a:solidFill>
           <a:schemeClr val="dk1">
             <a:lumMod val="25000"/>
@@ -1102,35 +1238,77 @@
   </cs:dataLabelCallout>
   <cs:dataPoint>
     <cs:lnRef idx="0"/>
-    <cs:fillRef idx="1">
+    <cs:fillRef idx="0">
       <cs:styleClr val="auto"/>
     </cs:fillRef>
     <cs:effectRef idx="0"/>
     <cs:fontRef idx="minor">
       <a:schemeClr val="tx1"/>
     </cs:fontRef>
+    <cs:spPr>
+      <a:gradFill>
+        <a:gsLst>
+          <a:gs pos="100000">
+            <a:schemeClr val="phClr">
+              <a:lumMod val="60000"/>
+              <a:lumOff val="40000"/>
+            </a:schemeClr>
+          </a:gs>
+          <a:gs pos="0">
+            <a:schemeClr val="phClr"/>
+          </a:gs>
+        </a:gsLst>
+        <a:lin ang="5400000" scaled="0"/>
+      </a:gradFill>
+      <a:ln w="19050">
+        <a:solidFill>
+          <a:schemeClr val="lt1"/>
+        </a:solidFill>
+      </a:ln>
+    </cs:spPr>
   </cs:dataPoint>
   <cs:dataPoint3D>
     <cs:lnRef idx="0"/>
-    <cs:fillRef idx="1">
+    <cs:fillRef idx="0">
       <cs:styleClr val="auto"/>
     </cs:fillRef>
     <cs:effectRef idx="0"/>
     <cs:fontRef idx="minor">
       <a:schemeClr val="tx1"/>
     </cs:fontRef>
+    <cs:spPr>
+      <a:gradFill>
+        <a:gsLst>
+          <a:gs pos="100000">
+            <a:schemeClr val="phClr">
+              <a:lumMod val="60000"/>
+              <a:lumOff val="40000"/>
+            </a:schemeClr>
+          </a:gs>
+          <a:gs pos="0">
+            <a:schemeClr val="phClr"/>
+          </a:gs>
+        </a:gsLst>
+        <a:lin ang="5400000" scaled="0"/>
+      </a:gradFill>
+      <a:ln w="50800">
+        <a:solidFill>
+          <a:schemeClr val="lt1"/>
+        </a:solidFill>
+      </a:ln>
+    </cs:spPr>
   </cs:dataPoint3D>
   <cs:dataPointLine>
     <cs:lnRef idx="0">
       <cs:styleClr val="auto"/>
     </cs:lnRef>
-    <cs:fillRef idx="1"/>
+    <cs:fillRef idx="0"/>
     <cs:effectRef idx="0"/>
     <cs:fontRef idx="minor">
-      <a:schemeClr val="tx1"/>
+      <a:schemeClr val="dk1"/>
     </cs:fontRef>
     <cs:spPr>
-      <a:ln w="28575" cap="rnd">
+      <a:ln w="22225" cap="rnd">
         <a:solidFill>
           <a:schemeClr val="phClr"/>
         </a:solidFill>
@@ -1142,30 +1320,34 @@
     <cs:lnRef idx="0">
       <cs:styleClr val="auto"/>
     </cs:lnRef>
-    <cs:fillRef idx="1">
+    <cs:fillRef idx="0">
       <cs:styleClr val="auto"/>
     </cs:fillRef>
     <cs:effectRef idx="0"/>
     <cs:fontRef idx="minor">
-      <a:schemeClr val="tx1"/>
+      <a:schemeClr val="dk1"/>
     </cs:fontRef>
     <cs:spPr>
-      <a:ln w="9525">
+      <a:solidFill>
+        <a:schemeClr val="lt1"/>
+      </a:solidFill>
+      <a:ln w="15875">
         <a:solidFill>
           <a:schemeClr val="phClr"/>
         </a:solidFill>
+        <a:round/>
       </a:ln>
     </cs:spPr>
   </cs:dataPointMarker>
-  <cs:dataPointMarkerLayout symbol="circle" size="5"/>
+  <cs:dataPointMarkerLayout symbol="circle" size="6"/>
   <cs:dataPointWireframe>
     <cs:lnRef idx="0">
       <cs:styleClr val="auto"/>
     </cs:lnRef>
-    <cs:fillRef idx="1"/>
+    <cs:fillRef idx="0"/>
     <cs:effectRef idx="0"/>
     <cs:fontRef idx="minor">
-      <a:schemeClr val="tx1"/>
+      <a:schemeClr val="dk1"/>
     </cs:fontRef>
     <cs:spPr>
       <a:ln w="9525" cap="rnd">
@@ -1181,16 +1363,15 @@
     <cs:fillRef idx="0"/>
     <cs:effectRef idx="0"/>
     <cs:fontRef idx="minor">
-      <a:schemeClr val="tx1">
+      <a:schemeClr val="dk1">
         <a:lumMod val="65000"/>
         <a:lumOff val="35000"/>
       </a:schemeClr>
     </cs:fontRef>
     <cs:spPr>
-      <a:noFill/>
       <a:ln w="9525" cap="flat" cmpd="sng" algn="ctr">
         <a:solidFill>
-          <a:schemeClr val="tx1">
+          <a:schemeClr val="dk1">
             <a:lumMod val="15000"/>
             <a:lumOff val="85000"/>
           </a:schemeClr>
@@ -1198,14 +1379,14 @@
         <a:round/>
       </a:ln>
     </cs:spPr>
-    <cs:defRPr sz="1197" kern="1200"/>
+    <cs:defRPr sz="1064" kern="1200"/>
   </cs:dataTable>
   <cs:downBar>
     <cs:lnRef idx="0"/>
     <cs:fillRef idx="0"/>
     <cs:effectRef idx="0"/>
     <cs:fontRef idx="minor">
-      <a:schemeClr val="tx1"/>
+      <a:schemeClr val="dk1"/>
     </cs:fontRef>
     <cs:spPr>
       <a:solidFill>
@@ -1216,9 +1397,9 @@
       </a:solidFill>
       <a:ln w="9525" cap="flat" cmpd="sng" algn="ctr">
         <a:solidFill>
-          <a:schemeClr val="tx1">
-            <a:lumMod val="65000"/>
-            <a:lumOff val="35000"/>
+          <a:schemeClr val="dk1">
+            <a:lumMod val="50000"/>
+            <a:lumOff val="50000"/>
           </a:schemeClr>
         </a:solidFill>
         <a:round/>
@@ -1230,12 +1411,12 @@
     <cs:fillRef idx="0"/>
     <cs:effectRef idx="0"/>
     <cs:fontRef idx="minor">
-      <a:schemeClr val="tx1"/>
+      <a:schemeClr val="dk1"/>
     </cs:fontRef>
     <cs:spPr>
       <a:ln w="9525" cap="flat" cmpd="sng" algn="ctr">
         <a:solidFill>
-          <a:schemeClr val="tx1">
+          <a:schemeClr val="dk1">
             <a:lumMod val="35000"/>
             <a:lumOff val="65000"/>
           </a:schemeClr>
@@ -1249,14 +1430,14 @@
     <cs:fillRef idx="0"/>
     <cs:effectRef idx="0"/>
     <cs:fontRef idx="minor">
-      <a:schemeClr val="tx1"/>
+      <a:schemeClr val="dk1"/>
     </cs:fontRef>
     <cs:spPr>
       <a:ln w="9525" cap="flat" cmpd="sng" algn="ctr">
         <a:solidFill>
-          <a:schemeClr val="tx1">
-            <a:lumMod val="65000"/>
-            <a:lumOff val="35000"/>
+          <a:schemeClr val="dk1">
+            <a:lumMod val="50000"/>
+            <a:lumOff val="50000"/>
           </a:schemeClr>
         </a:solidFill>
         <a:round/>
@@ -1268,26 +1449,20 @@
     <cs:fillRef idx="0"/>
     <cs:effectRef idx="0"/>
     <cs:fontRef idx="minor">
-      <a:schemeClr val="tx1"/>
+      <a:schemeClr val="dk1"/>
     </cs:fontRef>
-    <cs:spPr>
-      <a:noFill/>
-      <a:ln>
-        <a:noFill/>
-      </a:ln>
-    </cs:spPr>
   </cs:floor>
   <cs:gridlineMajor>
     <cs:lnRef idx="0"/>
     <cs:fillRef idx="0"/>
     <cs:effectRef idx="0"/>
     <cs:fontRef idx="minor">
-      <a:schemeClr val="tx1"/>
+      <a:schemeClr val="dk1"/>
     </cs:fontRef>
     <cs:spPr>
       <a:ln w="9525" cap="flat" cmpd="sng" algn="ctr">
         <a:solidFill>
-          <a:schemeClr val="tx1">
+          <a:schemeClr val="dk1">
             <a:lumMod val="15000"/>
             <a:lumOff val="85000"/>
           </a:schemeClr>
@@ -1301,12 +1476,12 @@
     <cs:fillRef idx="0"/>
     <cs:effectRef idx="0"/>
     <cs:fontRef idx="minor">
-      <a:schemeClr val="tx1"/>
+      <a:schemeClr val="dk1"/>
     </cs:fontRef>
     <cs:spPr>
       <a:ln w="9525" cap="flat" cmpd="sng" algn="ctr">
         <a:solidFill>
-          <a:schemeClr val="tx1">
+          <a:schemeClr val="dk1">
             <a:lumMod val="5000"/>
             <a:lumOff val="95000"/>
           </a:schemeClr>
@@ -1320,14 +1495,14 @@
     <cs:fillRef idx="0"/>
     <cs:effectRef idx="0"/>
     <cs:fontRef idx="minor">
-      <a:schemeClr val="tx1"/>
+      <a:schemeClr val="dk1"/>
     </cs:fontRef>
     <cs:spPr>
       <a:ln w="9525" cap="flat" cmpd="sng" algn="ctr">
         <a:solidFill>
-          <a:schemeClr val="tx1">
-            <a:lumMod val="50000"/>
-            <a:lumOff val="50000"/>
+          <a:schemeClr val="dk1">
+            <a:lumMod val="35000"/>
+            <a:lumOff val="65000"/>
           </a:schemeClr>
         </a:solidFill>
         <a:round/>
@@ -1339,12 +1514,12 @@
     <cs:fillRef idx="0"/>
     <cs:effectRef idx="0"/>
     <cs:fontRef idx="minor">
-      <a:schemeClr val="tx1"/>
+      <a:schemeClr val="dk1"/>
     </cs:fontRef>
     <cs:spPr>
       <a:ln w="9525" cap="flat" cmpd="sng" algn="ctr">
         <a:solidFill>
-          <a:schemeClr val="tx1">
+          <a:schemeClr val="dk1">
             <a:lumMod val="35000"/>
             <a:lumOff val="65000"/>
           </a:schemeClr>
@@ -1358,27 +1533,34 @@
     <cs:fillRef idx="0"/>
     <cs:effectRef idx="0"/>
     <cs:fontRef idx="minor">
-      <a:schemeClr val="tx1">
+      <a:schemeClr val="dk1">
         <a:lumMod val="65000"/>
         <a:lumOff val="35000"/>
       </a:schemeClr>
     </cs:fontRef>
+    <cs:spPr>
+      <a:solidFill>
+        <a:schemeClr val="lt1">
+          <a:alpha val="50000"/>
+        </a:schemeClr>
+      </a:solidFill>
+    </cs:spPr>
     <cs:defRPr sz="1197" kern="1200"/>
   </cs:legend>
-  <cs:plotArea mods="allowNoFillOverride allowNoLineOverride">
+  <cs:plotArea>
     <cs:lnRef idx="0"/>
     <cs:fillRef idx="0"/>
     <cs:effectRef idx="0"/>
     <cs:fontRef idx="minor">
-      <a:schemeClr val="tx1"/>
+      <a:schemeClr val="dk1"/>
     </cs:fontRef>
   </cs:plotArea>
-  <cs:plotArea3D mods="allowNoFillOverride allowNoLineOverride">
+  <cs:plotArea3D>
     <cs:lnRef idx="0"/>
     <cs:fillRef idx="0"/>
     <cs:effectRef idx="0"/>
     <cs:fontRef idx="minor">
-      <a:schemeClr val="tx1"/>
+      <a:schemeClr val="dk1"/>
     </cs:fontRef>
   </cs:plotArea3D>
   <cs:seriesAxis>
@@ -1386,7 +1568,7 @@
     <cs:fillRef idx="0"/>
     <cs:effectRef idx="0"/>
     <cs:fontRef idx="minor">
-      <a:schemeClr val="tx1">
+      <a:schemeClr val="dk1">
         <a:lumMod val="65000"/>
         <a:lumOff val="35000"/>
       </a:schemeClr>
@@ -1398,12 +1580,12 @@
     <cs:fillRef idx="0"/>
     <cs:effectRef idx="0"/>
     <cs:fontRef idx="minor">
-      <a:schemeClr val="tx1"/>
+      <a:schemeClr val="dk1"/>
     </cs:fontRef>
     <cs:spPr>
       <a:ln w="9525" cap="flat" cmpd="sng" algn="ctr">
         <a:solidFill>
-          <a:schemeClr val="tx1">
+          <a:schemeClr val="dk1">
             <a:lumMod val="35000"/>
             <a:lumOff val="65000"/>
           </a:schemeClr>
@@ -1416,13 +1598,13 @@
     <cs:lnRef idx="0"/>
     <cs:fillRef idx="0"/>
     <cs:effectRef idx="0"/>
-    <cs:fontRef idx="minor">
-      <a:schemeClr val="tx1">
-        <a:lumMod val="65000"/>
-        <a:lumOff val="35000"/>
+    <cs:fontRef idx="major">
+      <a:schemeClr val="dk1">
+        <a:lumMod val="50000"/>
+        <a:lumOff val="50000"/>
       </a:schemeClr>
     </cs:fontRef>
-    <cs:defRPr sz="1862" b="0" kern="1200" spc="0" baseline="0"/>
+    <cs:defRPr sz="2128" b="1" kern="1200" spc="0" normalizeH="0" baseline="0"/>
   </cs:title>
   <cs:trendline>
     <cs:lnRef idx="0">
@@ -1431,14 +1613,13 @@
     <cs:fillRef idx="0"/>
     <cs:effectRef idx="0"/>
     <cs:fontRef idx="minor">
-      <a:schemeClr val="tx1"/>
+      <a:schemeClr val="dk1"/>
     </cs:fontRef>
     <cs:spPr>
       <a:ln w="19050" cap="rnd">
         <a:solidFill>
           <a:schemeClr val="phClr"/>
         </a:solidFill>
-        <a:prstDash val="sysDot"/>
       </a:ln>
     </cs:spPr>
   </cs:trendline>
@@ -1447,7 +1628,7 @@
     <cs:fillRef idx="0"/>
     <cs:effectRef idx="0"/>
     <cs:fontRef idx="minor">
-      <a:schemeClr val="tx1">
+      <a:schemeClr val="dk1">
         <a:lumMod val="65000"/>
         <a:lumOff val="35000"/>
       </a:schemeClr>
@@ -1459,7 +1640,7 @@
     <cs:fillRef idx="0"/>
     <cs:effectRef idx="0"/>
     <cs:fontRef idx="minor">
-      <a:schemeClr val="tx1"/>
+      <a:schemeClr val="dk1"/>
     </cs:fontRef>
     <cs:spPr>
       <a:solidFill>
@@ -1467,9 +1648,9 @@
       </a:solidFill>
       <a:ln w="9525" cap="flat" cmpd="sng" algn="ctr">
         <a:solidFill>
-          <a:schemeClr val="tx1">
-            <a:lumMod val="65000"/>
-            <a:lumOff val="35000"/>
+          <a:schemeClr val="dk1">
+            <a:lumMod val="50000"/>
+            <a:lumOff val="50000"/>
           </a:schemeClr>
         </a:solidFill>
         <a:round/>
@@ -1481,7 +1662,7 @@
     <cs:fillRef idx="0"/>
     <cs:effectRef idx="0"/>
     <cs:fontRef idx="minor">
-      <a:schemeClr val="tx1">
+      <a:schemeClr val="dk1">
         <a:lumMod val="65000"/>
         <a:lumOff val="35000"/>
       </a:schemeClr>
@@ -1493,46 +1674,60 @@
     <cs:fillRef idx="0"/>
     <cs:effectRef idx="0"/>
     <cs:fontRef idx="minor">
-      <a:schemeClr val="tx1"/>
+      <a:schemeClr val="dk1"/>
     </cs:fontRef>
-    <cs:spPr>
-      <a:noFill/>
-      <a:ln>
-        <a:noFill/>
-      </a:ln>
-    </cs:spPr>
   </cs:wall>
 </cs:chartStyle>
 </file>
 
 <file path=ppt/charts/style2.xml><?xml version="1.0" encoding="utf-8"?>
-<cs:chartStyle xmlns:cs="http://schemas.microsoft.com/office/drawing/2012/chartStyle" xmlns:a="http://schemas.openxmlformats.org/drawingml/2006/main" id="216">
+<cs:chartStyle xmlns:cs="http://schemas.microsoft.com/office/drawing/2012/chartStyle" xmlns:a="http://schemas.openxmlformats.org/drawingml/2006/main" id="256">
   <cs:axisTitle>
     <cs:lnRef idx="0"/>
     <cs:fillRef idx="0"/>
     <cs:effectRef idx="0"/>
     <cs:fontRef idx="minor">
-      <a:schemeClr val="tx1">
+      <a:schemeClr val="dk1">
         <a:lumMod val="65000"/>
         <a:lumOff val="35000"/>
       </a:schemeClr>
     </cs:fontRef>
-    <cs:defRPr sz="1330" kern="1200"/>
+    <cs:defRPr sz="1197" b="1" kern="1200"/>
   </cs:axisTitle>
   <cs:categoryAxis>
     <cs:lnRef idx="0"/>
     <cs:fillRef idx="0"/>
     <cs:effectRef idx="0"/>
     <cs:fontRef idx="minor">
-      <a:schemeClr val="tx1">
+      <a:schemeClr val="dk1">
         <a:lumMod val="65000"/>
         <a:lumOff val="35000"/>
       </a:schemeClr>
     </cs:fontRef>
+    <cs:defRPr sz="1197" kern="1200" cap="none" spc="0" normalizeH="0" baseline="0"/>
+  </cs:categoryAxis>
+  <cs:chartArea>
+    <cs:lnRef idx="0"/>
+    <cs:fillRef idx="0"/>
+    <cs:effectRef idx="0"/>
+    <cs:fontRef idx="minor">
+      <a:schemeClr val="dk1"/>
+    </cs:fontRef>
     <cs:spPr>
+      <a:pattFill prst="dkDnDiag">
+        <a:fgClr>
+          <a:schemeClr val="lt1"/>
+        </a:fgClr>
+        <a:bgClr>
+          <a:schemeClr val="dk1">
+            <a:lumMod val="10000"/>
+            <a:lumOff val="90000"/>
+          </a:schemeClr>
+        </a:bgClr>
+      </a:pattFill>
       <a:ln w="9525" cap="flat" cmpd="sng" algn="ctr">
         <a:solidFill>
-          <a:schemeClr val="tx1">
+          <a:schemeClr val="dk1">
             <a:lumMod val="15000"/>
             <a:lumOff val="85000"/>
           </a:schemeClr>
@@ -1541,36 +1736,13 @@
       </a:ln>
     </cs:spPr>
     <cs:defRPr sz="1197" kern="1200"/>
-  </cs:categoryAxis>
-  <cs:chartArea mods="allowNoFillOverride allowNoLineOverride">
-    <cs:lnRef idx="0"/>
-    <cs:fillRef idx="0"/>
-    <cs:effectRef idx="0"/>
-    <cs:fontRef idx="minor">
-      <a:schemeClr val="tx1"/>
-    </cs:fontRef>
-    <cs:spPr>
-      <a:solidFill>
-        <a:schemeClr val="bg1"/>
-      </a:solidFill>
-      <a:ln w="9525" cap="flat" cmpd="sng" algn="ctr">
-        <a:solidFill>
-          <a:schemeClr val="tx1">
-            <a:lumMod val="15000"/>
-            <a:lumOff val="85000"/>
-          </a:schemeClr>
-        </a:solidFill>
-        <a:round/>
-      </a:ln>
-    </cs:spPr>
-    <cs:defRPr sz="1330" kern="1200"/>
   </cs:chartArea>
   <cs:dataLabel>
     <cs:lnRef idx="0"/>
     <cs:fillRef idx="0"/>
     <cs:effectRef idx="0"/>
     <cs:fontRef idx="minor">
-      <a:schemeClr val="tx1">
+      <a:schemeClr val="dk1">
         <a:lumMod val="75000"/>
         <a:lumOff val="25000"/>
       </a:schemeClr>
@@ -1589,9 +1761,11 @@
     </cs:fontRef>
     <cs:spPr>
       <a:solidFill>
-        <a:schemeClr val="lt1"/>
+        <a:schemeClr val="lt1">
+          <a:alpha val="75000"/>
+        </a:schemeClr>
       </a:solidFill>
-      <a:ln>
+      <a:ln w="9525">
         <a:solidFill>
           <a:schemeClr val="dk1">
             <a:lumMod val="25000"/>
@@ -1607,35 +1781,77 @@
   </cs:dataLabelCallout>
   <cs:dataPoint>
     <cs:lnRef idx="0"/>
-    <cs:fillRef idx="1">
+    <cs:fillRef idx="0">
       <cs:styleClr val="auto"/>
     </cs:fillRef>
     <cs:effectRef idx="0"/>
     <cs:fontRef idx="minor">
       <a:schemeClr val="tx1"/>
     </cs:fontRef>
+    <cs:spPr>
+      <a:gradFill>
+        <a:gsLst>
+          <a:gs pos="100000">
+            <a:schemeClr val="phClr">
+              <a:lumMod val="60000"/>
+              <a:lumOff val="40000"/>
+            </a:schemeClr>
+          </a:gs>
+          <a:gs pos="0">
+            <a:schemeClr val="phClr"/>
+          </a:gs>
+        </a:gsLst>
+        <a:lin ang="5400000" scaled="0"/>
+      </a:gradFill>
+      <a:ln w="19050">
+        <a:solidFill>
+          <a:schemeClr val="lt1"/>
+        </a:solidFill>
+      </a:ln>
+    </cs:spPr>
   </cs:dataPoint>
   <cs:dataPoint3D>
     <cs:lnRef idx="0"/>
-    <cs:fillRef idx="1">
+    <cs:fillRef idx="0">
       <cs:styleClr val="auto"/>
     </cs:fillRef>
     <cs:effectRef idx="0"/>
     <cs:fontRef idx="minor">
       <a:schemeClr val="tx1"/>
     </cs:fontRef>
+    <cs:spPr>
+      <a:gradFill>
+        <a:gsLst>
+          <a:gs pos="100000">
+            <a:schemeClr val="phClr">
+              <a:lumMod val="60000"/>
+              <a:lumOff val="40000"/>
+            </a:schemeClr>
+          </a:gs>
+          <a:gs pos="0">
+            <a:schemeClr val="phClr"/>
+          </a:gs>
+        </a:gsLst>
+        <a:lin ang="5400000" scaled="0"/>
+      </a:gradFill>
+      <a:ln w="50800">
+        <a:solidFill>
+          <a:schemeClr val="lt1"/>
+        </a:solidFill>
+      </a:ln>
+    </cs:spPr>
   </cs:dataPoint3D>
   <cs:dataPointLine>
     <cs:lnRef idx="0">
       <cs:styleClr val="auto"/>
     </cs:lnRef>
-    <cs:fillRef idx="1"/>
+    <cs:fillRef idx="0"/>
     <cs:effectRef idx="0"/>
     <cs:fontRef idx="minor">
-      <a:schemeClr val="tx1"/>
+      <a:schemeClr val="dk1"/>
     </cs:fontRef>
     <cs:spPr>
-      <a:ln w="28575" cap="rnd">
+      <a:ln w="22225" cap="rnd">
         <a:solidFill>
           <a:schemeClr val="phClr"/>
         </a:solidFill>
@@ -1647,30 +1863,34 @@
     <cs:lnRef idx="0">
       <cs:styleClr val="auto"/>
     </cs:lnRef>
-    <cs:fillRef idx="1">
+    <cs:fillRef idx="0">
       <cs:styleClr val="auto"/>
     </cs:fillRef>
     <cs:effectRef idx="0"/>
     <cs:fontRef idx="minor">
-      <a:schemeClr val="tx1"/>
+      <a:schemeClr val="dk1"/>
     </cs:fontRef>
     <cs:spPr>
-      <a:ln w="9525">
+      <a:solidFill>
+        <a:schemeClr val="lt1"/>
+      </a:solidFill>
+      <a:ln w="15875">
         <a:solidFill>
           <a:schemeClr val="phClr"/>
         </a:solidFill>
+        <a:round/>
       </a:ln>
     </cs:spPr>
   </cs:dataPointMarker>
-  <cs:dataPointMarkerLayout symbol="circle" size="5"/>
+  <cs:dataPointMarkerLayout symbol="circle" size="6"/>
   <cs:dataPointWireframe>
     <cs:lnRef idx="0">
       <cs:styleClr val="auto"/>
     </cs:lnRef>
-    <cs:fillRef idx="1"/>
+    <cs:fillRef idx="0"/>
     <cs:effectRef idx="0"/>
     <cs:fontRef idx="minor">
-      <a:schemeClr val="tx1"/>
+      <a:schemeClr val="dk1"/>
     </cs:fontRef>
     <cs:spPr>
       <a:ln w="9525" cap="rnd">
@@ -1686,16 +1906,15 @@
     <cs:fillRef idx="0"/>
     <cs:effectRef idx="0"/>
     <cs:fontRef idx="minor">
-      <a:schemeClr val="tx1">
+      <a:schemeClr val="dk1">
         <a:lumMod val="65000"/>
         <a:lumOff val="35000"/>
       </a:schemeClr>
     </cs:fontRef>
     <cs:spPr>
-      <a:noFill/>
       <a:ln w="9525" cap="flat" cmpd="sng" algn="ctr">
         <a:solidFill>
-          <a:schemeClr val="tx1">
+          <a:schemeClr val="dk1">
             <a:lumMod val="15000"/>
             <a:lumOff val="85000"/>
           </a:schemeClr>
@@ -1703,14 +1922,14 @@
         <a:round/>
       </a:ln>
     </cs:spPr>
-    <cs:defRPr sz="1197" kern="1200"/>
+    <cs:defRPr sz="1064" kern="1200"/>
   </cs:dataTable>
   <cs:downBar>
     <cs:lnRef idx="0"/>
     <cs:fillRef idx="0"/>
     <cs:effectRef idx="0"/>
     <cs:fontRef idx="minor">
-      <a:schemeClr val="tx1"/>
+      <a:schemeClr val="dk1"/>
     </cs:fontRef>
     <cs:spPr>
       <a:solidFill>
@@ -1721,9 +1940,9 @@
       </a:solidFill>
       <a:ln w="9525" cap="flat" cmpd="sng" algn="ctr">
         <a:solidFill>
-          <a:schemeClr val="tx1">
-            <a:lumMod val="65000"/>
-            <a:lumOff val="35000"/>
+          <a:schemeClr val="dk1">
+            <a:lumMod val="50000"/>
+            <a:lumOff val="50000"/>
           </a:schemeClr>
         </a:solidFill>
         <a:round/>
@@ -1735,12 +1954,12 @@
     <cs:fillRef idx="0"/>
     <cs:effectRef idx="0"/>
     <cs:fontRef idx="minor">
-      <a:schemeClr val="tx1"/>
+      <a:schemeClr val="dk1"/>
     </cs:fontRef>
     <cs:spPr>
       <a:ln w="9525" cap="flat" cmpd="sng" algn="ctr">
         <a:solidFill>
-          <a:schemeClr val="tx1">
+          <a:schemeClr val="dk1">
             <a:lumMod val="35000"/>
             <a:lumOff val="65000"/>
           </a:schemeClr>
@@ -1754,14 +1973,14 @@
     <cs:fillRef idx="0"/>
     <cs:effectRef idx="0"/>
     <cs:fontRef idx="minor">
-      <a:schemeClr val="tx1"/>
+      <a:schemeClr val="dk1"/>
     </cs:fontRef>
     <cs:spPr>
       <a:ln w="9525" cap="flat" cmpd="sng" algn="ctr">
         <a:solidFill>
-          <a:schemeClr val="tx1">
-            <a:lumMod val="65000"/>
-            <a:lumOff val="35000"/>
+          <a:schemeClr val="dk1">
+            <a:lumMod val="50000"/>
+            <a:lumOff val="50000"/>
           </a:schemeClr>
         </a:solidFill>
         <a:round/>
@@ -1773,26 +1992,20 @@
     <cs:fillRef idx="0"/>
     <cs:effectRef idx="0"/>
     <cs:fontRef idx="minor">
-      <a:schemeClr val="tx1"/>
+      <a:schemeClr val="dk1"/>
     </cs:fontRef>
-    <cs:spPr>
-      <a:noFill/>
-      <a:ln>
-        <a:noFill/>
-      </a:ln>
-    </cs:spPr>
   </cs:floor>
   <cs:gridlineMajor>
     <cs:lnRef idx="0"/>
     <cs:fillRef idx="0"/>
     <cs:effectRef idx="0"/>
     <cs:fontRef idx="minor">
-      <a:schemeClr val="tx1"/>
+      <a:schemeClr val="dk1"/>
     </cs:fontRef>
     <cs:spPr>
       <a:ln w="9525" cap="flat" cmpd="sng" algn="ctr">
         <a:solidFill>
-          <a:schemeClr val="tx1">
+          <a:schemeClr val="dk1">
             <a:lumMod val="15000"/>
             <a:lumOff val="85000"/>
           </a:schemeClr>
@@ -1806,12 +2019,12 @@
     <cs:fillRef idx="0"/>
     <cs:effectRef idx="0"/>
     <cs:fontRef idx="minor">
-      <a:schemeClr val="tx1"/>
+      <a:schemeClr val="dk1"/>
     </cs:fontRef>
     <cs:spPr>
       <a:ln w="9525" cap="flat" cmpd="sng" algn="ctr">
         <a:solidFill>
-          <a:schemeClr val="tx1">
+          <a:schemeClr val="dk1">
             <a:lumMod val="5000"/>
             <a:lumOff val="95000"/>
           </a:schemeClr>
@@ -1825,14 +2038,14 @@
     <cs:fillRef idx="0"/>
     <cs:effectRef idx="0"/>
     <cs:fontRef idx="minor">
-      <a:schemeClr val="tx1"/>
+      <a:schemeClr val="dk1"/>
     </cs:fontRef>
     <cs:spPr>
       <a:ln w="9525" cap="flat" cmpd="sng" algn="ctr">
         <a:solidFill>
-          <a:schemeClr val="tx1">
-            <a:lumMod val="50000"/>
-            <a:lumOff val="50000"/>
+          <a:schemeClr val="dk1">
+            <a:lumMod val="35000"/>
+            <a:lumOff val="65000"/>
           </a:schemeClr>
         </a:solidFill>
         <a:round/>
@@ -1844,12 +2057,12 @@
     <cs:fillRef idx="0"/>
     <cs:effectRef idx="0"/>
     <cs:fontRef idx="minor">
-      <a:schemeClr val="tx1"/>
+      <a:schemeClr val="dk1"/>
     </cs:fontRef>
     <cs:spPr>
       <a:ln w="9525" cap="flat" cmpd="sng" algn="ctr">
         <a:solidFill>
-          <a:schemeClr val="tx1">
+          <a:schemeClr val="dk1">
             <a:lumMod val="35000"/>
             <a:lumOff val="65000"/>
           </a:schemeClr>
@@ -1863,27 +2076,34 @@
     <cs:fillRef idx="0"/>
     <cs:effectRef idx="0"/>
     <cs:fontRef idx="minor">
-      <a:schemeClr val="tx1">
+      <a:schemeClr val="dk1">
         <a:lumMod val="65000"/>
         <a:lumOff val="35000"/>
       </a:schemeClr>
     </cs:fontRef>
+    <cs:spPr>
+      <a:solidFill>
+        <a:schemeClr val="lt1">
+          <a:alpha val="50000"/>
+        </a:schemeClr>
+      </a:solidFill>
+    </cs:spPr>
     <cs:defRPr sz="1197" kern="1200"/>
   </cs:legend>
-  <cs:plotArea mods="allowNoFillOverride allowNoLineOverride">
+  <cs:plotArea>
     <cs:lnRef idx="0"/>
     <cs:fillRef idx="0"/>
     <cs:effectRef idx="0"/>
     <cs:fontRef idx="minor">
-      <a:schemeClr val="tx1"/>
+      <a:schemeClr val="dk1"/>
     </cs:fontRef>
   </cs:plotArea>
-  <cs:plotArea3D mods="allowNoFillOverride allowNoLineOverride">
+  <cs:plotArea3D>
     <cs:lnRef idx="0"/>
     <cs:fillRef idx="0"/>
     <cs:effectRef idx="0"/>
     <cs:fontRef idx="minor">
-      <a:schemeClr val="tx1"/>
+      <a:schemeClr val="dk1"/>
     </cs:fontRef>
   </cs:plotArea3D>
   <cs:seriesAxis>
@@ -1891,7 +2111,7 @@
     <cs:fillRef idx="0"/>
     <cs:effectRef idx="0"/>
     <cs:fontRef idx="minor">
-      <a:schemeClr val="tx1">
+      <a:schemeClr val="dk1">
         <a:lumMod val="65000"/>
         <a:lumOff val="35000"/>
       </a:schemeClr>
@@ -1903,12 +2123,12 @@
     <cs:fillRef idx="0"/>
     <cs:effectRef idx="0"/>
     <cs:fontRef idx="minor">
-      <a:schemeClr val="tx1"/>
+      <a:schemeClr val="dk1"/>
     </cs:fontRef>
     <cs:spPr>
       <a:ln w="9525" cap="flat" cmpd="sng" algn="ctr">
         <a:solidFill>
-          <a:schemeClr val="tx1">
+          <a:schemeClr val="dk1">
             <a:lumMod val="35000"/>
             <a:lumOff val="65000"/>
           </a:schemeClr>
@@ -1921,13 +2141,13 @@
     <cs:lnRef idx="0"/>
     <cs:fillRef idx="0"/>
     <cs:effectRef idx="0"/>
-    <cs:fontRef idx="minor">
-      <a:schemeClr val="tx1">
-        <a:lumMod val="65000"/>
-        <a:lumOff val="35000"/>
+    <cs:fontRef idx="major">
+      <a:schemeClr val="dk1">
+        <a:lumMod val="50000"/>
+        <a:lumOff val="50000"/>
       </a:schemeClr>
     </cs:fontRef>
-    <cs:defRPr sz="1862" b="0" kern="1200" spc="0" baseline="0"/>
+    <cs:defRPr sz="2128" b="1" kern="1200" spc="0" normalizeH="0" baseline="0"/>
   </cs:title>
   <cs:trendline>
     <cs:lnRef idx="0">
@@ -1936,14 +2156,13 @@
     <cs:fillRef idx="0"/>
     <cs:effectRef idx="0"/>
     <cs:fontRef idx="minor">
-      <a:schemeClr val="tx1"/>
+      <a:schemeClr val="dk1"/>
     </cs:fontRef>
     <cs:spPr>
       <a:ln w="19050" cap="rnd">
         <a:solidFill>
           <a:schemeClr val="phClr"/>
         </a:solidFill>
-        <a:prstDash val="sysDot"/>
       </a:ln>
     </cs:spPr>
   </cs:trendline>
@@ -1952,7 +2171,7 @@
     <cs:fillRef idx="0"/>
     <cs:effectRef idx="0"/>
     <cs:fontRef idx="minor">
-      <a:schemeClr val="tx1">
+      <a:schemeClr val="dk1">
         <a:lumMod val="65000"/>
         <a:lumOff val="35000"/>
       </a:schemeClr>
@@ -1964,7 +2183,7 @@
     <cs:fillRef idx="0"/>
     <cs:effectRef idx="0"/>
     <cs:fontRef idx="minor">
-      <a:schemeClr val="tx1"/>
+      <a:schemeClr val="dk1"/>
     </cs:fontRef>
     <cs:spPr>
       <a:solidFill>
@@ -1972,9 +2191,9 @@
       </a:solidFill>
       <a:ln w="9525" cap="flat" cmpd="sng" algn="ctr">
         <a:solidFill>
-          <a:schemeClr val="tx1">
-            <a:lumMod val="65000"/>
-            <a:lumOff val="35000"/>
+          <a:schemeClr val="dk1">
+            <a:lumMod val="50000"/>
+            <a:lumOff val="50000"/>
           </a:schemeClr>
         </a:solidFill>
         <a:round/>
@@ -1986,7 +2205,7 @@
     <cs:fillRef idx="0"/>
     <cs:effectRef idx="0"/>
     <cs:fontRef idx="minor">
-      <a:schemeClr val="tx1">
+      <a:schemeClr val="dk1">
         <a:lumMod val="65000"/>
         <a:lumOff val="35000"/>
       </a:schemeClr>
@@ -1998,14 +2217,8 @@
     <cs:fillRef idx="0"/>
     <cs:effectRef idx="0"/>
     <cs:fontRef idx="minor">
-      <a:schemeClr val="tx1"/>
+      <a:schemeClr val="dk1"/>
     </cs:fontRef>
-    <cs:spPr>
-      <a:noFill/>
-      <a:ln>
-        <a:noFill/>
-      </a:ln>
-    </cs:spPr>
   </cs:wall>
 </cs:chartStyle>
 </file>
@@ -5645,11 +5858,11 @@
   <p:clrMapOvr>
     <a:masterClrMapping/>
   </p:clrMapOvr>
-  <mc:AlternateContent xmlns:mc="http://schemas.openxmlformats.org/markup-compatibility/2006">
-    <mc:Choice xmlns:p14="http://schemas.microsoft.com/office/powerpoint/2010/main" Requires="p14">
+  <mc:AlternateContent xmlns:mc="http://schemas.openxmlformats.org/markup-compatibility/2006" xmlns:p14="http://schemas.microsoft.com/office/powerpoint/2010/main">
+    <mc:Choice Requires="p14">
       <p:transition spd="slow" p14:dur="2000"/>
     </mc:Choice>
-    <mc:Fallback>
+    <mc:Fallback xmlns="">
       <p:transition spd="slow"/>
     </mc:Fallback>
   </mc:AlternateContent>
@@ -7118,7 +7331,7 @@
         <p:spPr>
           <a:xfrm>
             <a:off x="17629675" y="3963986"/>
-            <a:ext cx="3569476" cy="2419124"/>
+            <a:ext cx="3569476" cy="2677656"/>
           </a:xfrm>
           <a:prstGeom prst="rect">
             <a:avLst/>
@@ -7318,6 +7531,47 @@
               </a:rPr>
               <a:t>Try </a:t>
             </a:r>
+            <a:r>
+              <a:rPr lang="en-US" sz="1400" dirty="0" smtClean="0">
+                <a:solidFill>
+                  <a:schemeClr val="bg1">
+                    <a:lumMod val="65000"/>
+                  </a:schemeClr>
+                </a:solidFill>
+                <a:latin typeface="Gill Sans MT" panose="020B0502020104020203" pitchFamily="34" charset="0"/>
+              </a:rPr>
+              <a:t>out ideas for AI recommendations</a:t>
+            </a:r>
+            <a:r>
+              <a:rPr lang="en-US" sz="1400" dirty="0">
+                <a:solidFill>
+                  <a:schemeClr val="bg1">
+                    <a:lumMod val="65000"/>
+                  </a:schemeClr>
+                </a:solidFill>
+                <a:latin typeface="Gill Sans MT" panose="020B0502020104020203" pitchFamily="34" charset="0"/>
+              </a:rPr>
+              <a:t> </a:t>
+            </a:r>
+            <a:r>
+              <a:rPr lang="en-US" sz="1400" dirty="0" smtClean="0">
+                <a:solidFill>
+                  <a:schemeClr val="bg1">
+                    <a:lumMod val="65000"/>
+                  </a:schemeClr>
+                </a:solidFill>
+                <a:latin typeface="Gill Sans MT" panose="020B0502020104020203" pitchFamily="34" charset="0"/>
+              </a:rPr>
+              <a:t>and searches (Sprint 4)</a:t>
+            </a:r>
+            <a:endParaRPr lang="en-US" sz="1400" dirty="0" smtClean="0">
+              <a:solidFill>
+                <a:schemeClr val="bg1">
+                  <a:lumMod val="65000"/>
+                </a:schemeClr>
+              </a:solidFill>
+              <a:latin typeface="Gill Sans MT" panose="020B0502020104020203" pitchFamily="34" charset="0"/>
+            </a:endParaRPr>
           </a:p>
         </p:txBody>
       </p:sp>
@@ -8779,11 +9033,7 @@
             </a:pPr>
             <a:r>
               <a:rPr lang="en-US" sz="1400" kern="1200" dirty="0" smtClean="0"/>
-              <a:t>Definitive </a:t>
-            </a:r>
-            <a:r>
-              <a:rPr lang="en-US" sz="1400" kern="1200" dirty="0" smtClean="0"/>
-              <a:t>answer to</a:t>
+              <a:t>Definitive answer to</a:t>
             </a:r>
             <a:r>
               <a:rPr lang="en-US" sz="1400" dirty="0"/>
@@ -9144,11 +9394,7 @@
             </a:pPr>
             <a:r>
               <a:rPr lang="en-US" sz="1400" kern="1200" dirty="0" smtClean="0"/>
-              <a:t>Useful and clear </a:t>
-            </a:r>
-            <a:r>
-              <a:rPr lang="en-US" sz="1400" kern="1200" dirty="0" smtClean="0"/>
-              <a:t>data</a:t>
+              <a:t>Useful and clear data</a:t>
             </a:r>
           </a:p>
           <a:p>
@@ -9504,11 +9750,7 @@
             </a:pPr>
             <a:r>
               <a:rPr lang="en-US" sz="1400" kern="1200" dirty="0" smtClean="0"/>
-              <a:t>Refined survey </a:t>
-            </a:r>
-            <a:r>
-              <a:rPr lang="en-US" sz="1400" kern="1200" dirty="0" smtClean="0"/>
-              <a:t>questions</a:t>
+              <a:t>Refined survey questions</a:t>
             </a:r>
           </a:p>
           <a:p>
@@ -11444,7 +11686,7 @@
           <p:nvPr>
             <p:extLst>
               <p:ext uri="{D42A27DB-BD31-4B8C-83A1-F6EECF244321}">
-                <p14:modId xmlns:p14="http://schemas.microsoft.com/office/powerpoint/2010/main" val="303916871"/>
+                <p14:modId xmlns:p14="http://schemas.microsoft.com/office/powerpoint/2010/main" val="3136807784"/>
               </p:ext>
             </p:extLst>
           </p:nvPr>
@@ -11749,7 +11991,7 @@
           <p:nvPr>
             <p:extLst>
               <p:ext uri="{D42A27DB-BD31-4B8C-83A1-F6EECF244321}">
-                <p14:modId xmlns:p14="http://schemas.microsoft.com/office/powerpoint/2010/main" val="566643438"/>
+                <p14:modId xmlns:p14="http://schemas.microsoft.com/office/powerpoint/2010/main" val="1119064266"/>
               </p:ext>
             </p:extLst>
           </p:nvPr>
@@ -11920,13 +12162,13 @@
   <p:clrMapOvr>
     <a:masterClrMapping/>
   </p:clrMapOvr>
-  <mc:AlternateContent xmlns:mc="http://schemas.openxmlformats.org/markup-compatibility/2006">
-    <mc:Choice xmlns:p14="http://schemas.microsoft.com/office/powerpoint/2010/main" Requires="p14">
+  <mc:AlternateContent xmlns:mc="http://schemas.openxmlformats.org/markup-compatibility/2006" xmlns:p14="http://schemas.microsoft.com/office/powerpoint/2010/main">
+    <mc:Choice Requires="p14">
       <p:transition spd="med" p14:dur="700">
         <p:fade/>
       </p:transition>
     </mc:Choice>
-    <mc:Fallback>
+    <mc:Fallback xmlns="">
       <p:transition spd="med">
         <p:fade/>
       </p:transition>
@@ -12162,7 +12404,7 @@
                                     </p:set>
                                     <p:animEffect transition="in" filter="fade">
                                       <p:cBhvr>
-                                        <p:cTn id="23" dur="1000"/>
+                                        <p:cTn id="23" dur="500"/>
                                         <p:tgtEl>
                                           <p:spTgt spid="15"/>
                                         </p:tgtEl>
@@ -12197,7 +12439,7 @@
                                     </p:set>
                                     <p:animEffect transition="in" filter="wipe(left)">
                                       <p:cBhvr>
-                                        <p:cTn id="26" dur="500"/>
+                                        <p:cTn id="26" dur="250"/>
                                         <p:tgtEl>
                                           <p:spTgt spid="5"/>
                                         </p:tgtEl>
@@ -12209,7 +12451,7 @@
                               <p:par>
                                 <p:cTn id="27" presetID="22" presetClass="entr" presetSubtype="8" fill="hold" grpId="0" nodeType="withEffect">
                                   <p:stCondLst>
-                                    <p:cond delay="500"/>
+                                    <p:cond delay="250"/>
                                   </p:stCondLst>
                                   <p:childTnLst>
                                     <p:set>
@@ -12232,7 +12474,7 @@
                                     </p:set>
                                     <p:animEffect transition="in" filter="wipe(left)">
                                       <p:cBhvr>
-                                        <p:cTn id="29" dur="500"/>
+                                        <p:cTn id="29" dur="250"/>
                                         <p:tgtEl>
                                           <p:spTgt spid="16"/>
                                         </p:tgtEl>
@@ -12913,11 +13155,11 @@
   <p:clrMapOvr>
     <a:masterClrMapping/>
   </p:clrMapOvr>
-  <mc:AlternateContent xmlns:mc="http://schemas.openxmlformats.org/markup-compatibility/2006">
-    <mc:Choice xmlns:p14="http://schemas.microsoft.com/office/powerpoint/2010/main" Requires="p14">
+  <mc:AlternateContent xmlns:mc="http://schemas.openxmlformats.org/markup-compatibility/2006" xmlns:p14="http://schemas.microsoft.com/office/powerpoint/2010/main">
+    <mc:Choice Requires="p14">
       <p:transition spd="slow" p14:dur="2000"/>
     </mc:Choice>
-    <mc:Fallback>
+    <mc:Fallback xmlns="">
       <p:transition spd="slow"/>
     </mc:Fallback>
   </mc:AlternateContent>
@@ -13170,11 +13412,11 @@
   <p:clrMapOvr>
     <a:masterClrMapping/>
   </p:clrMapOvr>
-  <mc:AlternateContent xmlns:mc="http://schemas.openxmlformats.org/markup-compatibility/2006">
-    <mc:Choice xmlns:p14="http://schemas.microsoft.com/office/powerpoint/2010/main" Requires="p14">
+  <mc:AlternateContent xmlns:mc="http://schemas.openxmlformats.org/markup-compatibility/2006" xmlns:p14="http://schemas.microsoft.com/office/powerpoint/2010/main">
+    <mc:Choice Requires="p14">
       <p:transition spd="slow" p14:dur="2000"/>
     </mc:Choice>
-    <mc:Fallback>
+    <mc:Fallback xmlns="">
       <p:transition spd="slow"/>
     </mc:Fallback>
   </mc:AlternateContent>

--- a/Documentation/Audit_2/Powerpoint/Audit_Presentation.pptx
+++ b/Documentation/Audit_2/Powerpoint/Audit_Presentation.pptx
@@ -5,7 +5,7 @@
     <p:sldMasterId id="2147483720" r:id="rId1"/>
   </p:sldMasterIdLst>
   <p:notesMasterIdLst>
-    <p:notesMasterId r:id="rId18"/>
+    <p:notesMasterId r:id="rId17"/>
   </p:notesMasterIdLst>
   <p:sldIdLst>
     <p:sldId id="256" r:id="rId2"/>
@@ -22,8 +22,7 @@
     <p:sldId id="263" r:id="rId13"/>
     <p:sldId id="271" r:id="rId14"/>
     <p:sldId id="267" r:id="rId15"/>
-    <p:sldId id="265" r:id="rId16"/>
-    <p:sldId id="266" r:id="rId17"/>
+    <p:sldId id="266" r:id="rId16"/>
   </p:sldIdLst>
   <p:sldSz cx="12192000" cy="6858000"/>
   <p:notesSz cx="6858000" cy="9144000"/>
@@ -285,7 +284,7 @@
                         <a:cs typeface="+mn-cs"/>
                       </a:defRPr>
                     </a:pPr>
-                    <a:fld id="{44A4AB86-9F90-4EF5-A6DD-36A70918A1AB}" type="CELLRANGE">
+                    <a:fld id="{F35D0E5C-7751-419F-9C29-6D42BF5020BE}" type="CELLRANGE">
                       <a:rPr lang="en-US" baseline="0" dirty="0"/>
                       <a:pPr>
                         <a:defRPr b="1"/>
@@ -296,7 +295,7 @@
                       <a:rPr lang="en-US" baseline="0" dirty="0"/>
                       <a:t>: </a:t>
                     </a:r>
-                    <a:fld id="{9785E81A-5041-41B6-B8E3-932FF5BF109E}" type="VALUE">
+                    <a:fld id="{28BBE903-C8B9-4EA1-83BA-9717587655C1}" type="VALUE">
                       <a:rPr lang="en-US" baseline="0" dirty="0"/>
                       <a:pPr>
                         <a:defRPr b="1"/>
@@ -368,7 +367,7 @@
                   <a:bodyPr/>
                   <a:lstStyle/>
                   <a:p>
-                    <a:fld id="{C91063DB-76F4-4410-B86C-A9BB24ECDF28}" type="CELLRANGE">
+                    <a:fld id="{AE0F9C02-C524-413B-8E24-F3626CF0A3EE}" type="CELLRANGE">
                       <a:rPr lang="en-US"/>
                       <a:pPr/>
                       <a:t>[CELLRANGE]</a:t>
@@ -377,7 +376,7 @@
                       <a:rPr lang="en-US" baseline="0"/>
                       <a:t>: </a:t>
                     </a:r>
-                    <a:fld id="{C689F570-83F8-4816-80D8-FAA86E0C6C8D}" type="VALUE">
+                    <a:fld id="{BADBD80C-5ED4-42B7-A2CA-BD56C4F262C1}" type="VALUE">
                       <a:rPr lang="en-US" baseline="0"/>
                       <a:pPr/>
                       <a:t>[VALUE]</a:t>
@@ -414,7 +413,7 @@
                   <a:bodyPr/>
                   <a:lstStyle/>
                   <a:p>
-                    <a:fld id="{4BE947C2-1B2C-4F3D-9906-0C2FA17B6DBD}" type="CELLRANGE">
+                    <a:fld id="{728A9C34-1EB0-4745-B037-A41F1079CEDF}" type="CELLRANGE">
                       <a:rPr lang="en-US"/>
                       <a:pPr/>
                       <a:t>[CELLRANGE]</a:t>
@@ -423,7 +422,7 @@
                       <a:rPr lang="en-US" baseline="0"/>
                       <a:t>: </a:t>
                     </a:r>
-                    <a:fld id="{38F2783C-78D2-45FF-9496-46F9EA303F4C}" type="VALUE">
+                    <a:fld id="{9F07BAC6-1A0B-4114-9E87-68294472492F}" type="VALUE">
                       <a:rPr lang="en-US" baseline="0"/>
                       <a:pPr/>
                       <a:t>[VALUE]</a:t>
@@ -759,7 +758,7 @@
                   <a:bodyPr/>
                   <a:lstStyle/>
                   <a:p>
-                    <a:fld id="{F46AE92E-B702-423E-97EE-03D7F1D0AF39}" type="CELLRANGE">
+                    <a:fld id="{80F54C9A-142E-4C21-A546-4320DCCB1D3B}" type="CELLRANGE">
                       <a:rPr lang="en-US"/>
                       <a:pPr/>
                       <a:t>[CELLRANGE]</a:t>
@@ -768,7 +767,7 @@
                       <a:rPr lang="en-US" baseline="0"/>
                       <a:t>: </a:t>
                     </a:r>
-                    <a:fld id="{8611887C-84D2-4F79-9F3E-B2CC22EBB6F1}" type="VALUE">
+                    <a:fld id="{904CB0A3-1CC4-48A9-9287-CF6DFF4C4037}" type="VALUE">
                       <a:rPr lang="en-US" baseline="0"/>
                       <a:pPr/>
                       <a:t>[VALUE]</a:t>
@@ -805,7 +804,7 @@
                   <a:bodyPr/>
                   <a:lstStyle/>
                   <a:p>
-                    <a:fld id="{00428C72-3A3B-40CD-8525-E5D6E8CB0CDE}" type="CELLRANGE">
+                    <a:fld id="{2DF38124-E925-4DEB-AA7D-1D887AB16FB4}" type="CELLRANGE">
                       <a:rPr lang="en-US"/>
                       <a:pPr/>
                       <a:t>[CELLRANGE]</a:t>
@@ -814,7 +813,7 @@
                       <a:rPr lang="en-US" baseline="0"/>
                       <a:t>: </a:t>
                     </a:r>
-                    <a:fld id="{600B7C6C-0EC9-4B33-B256-03A20261B1BB}" type="VALUE">
+                    <a:fld id="{9568D403-664A-4F70-A723-99D8D2210713}" type="VALUE">
                       <a:rPr lang="en-US" baseline="0"/>
                       <a:pPr/>
                       <a:t>[VALUE]</a:t>
@@ -851,7 +850,7 @@
                   <a:bodyPr/>
                   <a:lstStyle/>
                   <a:p>
-                    <a:fld id="{DAD27C30-40D7-46F1-8240-A0D7F53B3D22}" type="CELLRANGE">
+                    <a:fld id="{BED2F26A-5FCD-4E46-B05D-3A41890B7CA2}" type="CELLRANGE">
                       <a:rPr lang="en-US"/>
                       <a:pPr/>
                       <a:t>[CELLRANGE]</a:t>
@@ -860,7 +859,7 @@
                       <a:rPr lang="en-US" baseline="0"/>
                       <a:t>: </a:t>
                     </a:r>
-                    <a:fld id="{A2397F42-A0D2-4102-8AF6-7C1875AFE439}" type="VALUE">
+                    <a:fld id="{5B0ABD64-2243-4EF4-8CEA-CA98B5690AD7}" type="VALUE">
                       <a:rPr lang="en-US" baseline="0"/>
                       <a:pPr/>
                       <a:t>[VALUE]</a:t>
@@ -6551,13 +6550,13 @@
   <p:clrMapOvr>
     <a:masterClrMapping/>
   </p:clrMapOvr>
-  <mc:AlternateContent xmlns:mc="http://schemas.openxmlformats.org/markup-compatibility/2006" xmlns:p14="http://schemas.microsoft.com/office/powerpoint/2010/main">
-    <mc:Choice Requires="p14">
+  <mc:AlternateContent xmlns:mc="http://schemas.openxmlformats.org/markup-compatibility/2006">
+    <mc:Choice xmlns:p14="http://schemas.microsoft.com/office/powerpoint/2010/main" Requires="p14">
       <p:transition spd="med" p14:dur="700">
         <p:fade/>
       </p:transition>
     </mc:Choice>
-    <mc:Fallback xmlns="">
+    <mc:Fallback>
       <p:transition spd="med">
         <p:fade/>
       </p:transition>
@@ -7237,25 +7236,1066 @@
           </a:p>
         </p:txBody>
       </p:sp>
-      <p:sp>
-        <p:nvSpPr>
-          <p:cNvPr id="3" name="Content Placeholder 2"/>
-          <p:cNvSpPr>
-            <a:spLocks noGrp="1"/>
-          </p:cNvSpPr>
-          <p:nvPr>
-            <p:ph idx="1"/>
-          </p:nvPr>
-        </p:nvSpPr>
-        <p:spPr/>
-        <p:txBody>
-          <a:bodyPr/>
-          <a:lstStyle/>
-          <a:p>
-            <a:endParaRPr lang="en-NZ"/>
-          </a:p>
-        </p:txBody>
-      </p:sp>
+      <p:grpSp>
+        <p:nvGrpSpPr>
+          <p:cNvPr id="122" name="Group 121"/>
+          <p:cNvGrpSpPr/>
+          <p:nvPr/>
+        </p:nvGrpSpPr>
+        <p:grpSpPr>
+          <a:xfrm>
+            <a:off x="1522133" y="1932014"/>
+            <a:ext cx="7976464" cy="4507696"/>
+            <a:chOff x="1561043" y="2068201"/>
+            <a:chExt cx="7568391" cy="4277084"/>
+          </a:xfrm>
+        </p:grpSpPr>
+        <p:pic>
+          <p:nvPicPr>
+            <p:cNvPr id="59" name="officeArt object"/>
+            <p:cNvPicPr>
+              <a:picLocks noChangeAspect="1"/>
+            </p:cNvPicPr>
+            <p:nvPr/>
+          </p:nvPicPr>
+          <p:blipFill>
+            <a:blip r:embed="rId2">
+              <a:extLst/>
+            </a:blip>
+            <a:stretch>
+              <a:fillRect/>
+            </a:stretch>
+          </p:blipFill>
+          <p:spPr>
+            <a:xfrm>
+              <a:off x="1717007" y="2103126"/>
+              <a:ext cx="1224465" cy="1224465"/>
+            </a:xfrm>
+            <a:prstGeom prst="rect">
+              <a:avLst/>
+            </a:prstGeom>
+            <a:ln w="12700" cap="flat">
+              <a:noFill/>
+              <a:miter lim="400000"/>
+            </a:ln>
+            <a:effectLst/>
+          </p:spPr>
+        </p:pic>
+        <p:sp>
+          <p:nvSpPr>
+            <p:cNvPr id="60" name="officeArt object"/>
+            <p:cNvSpPr/>
+            <p:nvPr/>
+          </p:nvSpPr>
+          <p:spPr>
+            <a:xfrm>
+              <a:off x="3945259" y="3670654"/>
+              <a:ext cx="1173846" cy="264503"/>
+            </a:xfrm>
+            <a:prstGeom prst="rect">
+              <a:avLst/>
+            </a:prstGeom>
+            <a:noFill/>
+            <a:ln w="12700" cap="flat">
+              <a:noFill/>
+              <a:miter lim="400000"/>
+            </a:ln>
+            <a:effectLst/>
+          </p:spPr>
+          <p:txBody>
+            <a:bodyPr wrap="square" lIns="50800" tIns="50800" rIns="50800" bIns="50800" numCol="1" anchor="t">
+              <a:noAutofit/>
+            </a:bodyPr>
+            <a:lstStyle/>
+            <a:p>
+              <a:pPr algn="ctr">
+                <a:spcAft>
+                  <a:spcPts val="0"/>
+                </a:spcAft>
+              </a:pPr>
+              <a:r>
+                <a:rPr lang="en-US" sz="1100" dirty="0">
+                  <a:solidFill>
+                    <a:srgbClr val="000000"/>
+                  </a:solidFill>
+                  <a:effectLst/>
+                  <a:latin typeface="Helvetica" panose="020B0604020202020204" pitchFamily="34" charset="0"/>
+                  <a:ea typeface="Arial Unicode MS" panose="020B0604020202020204" pitchFamily="34" charset="-128"/>
+                  <a:cs typeface="Arial Unicode MS" panose="020B0604020202020204" pitchFamily="34" charset="-128"/>
+                </a:rPr>
+                <a:t>Wikipedia Data</a:t>
+              </a:r>
+              <a:endParaRPr lang="en-NZ" sz="1100" dirty="0">
+                <a:solidFill>
+                  <a:srgbClr val="000000"/>
+                </a:solidFill>
+                <a:effectLst/>
+                <a:latin typeface="Helvetica" panose="020B0604020202020204" pitchFamily="34" charset="0"/>
+                <a:ea typeface="Arial Unicode MS" panose="020B0604020202020204" pitchFamily="34" charset="-128"/>
+                <a:cs typeface="Arial Unicode MS" panose="020B0604020202020204" pitchFamily="34" charset="-128"/>
+              </a:endParaRPr>
+            </a:p>
+          </p:txBody>
+        </p:sp>
+        <p:pic>
+          <p:nvPicPr>
+            <p:cNvPr id="61" name="officeArt object"/>
+            <p:cNvPicPr>
+              <a:picLocks noChangeAspect="1"/>
+            </p:cNvPicPr>
+            <p:nvPr/>
+          </p:nvPicPr>
+          <p:blipFill rotWithShape="1">
+            <a:blip r:embed="rId2">
+              <a:extLst/>
+            </a:blip>
+            <a:srcRect l="-15697" r="-15697"/>
+            <a:stretch/>
+          </p:blipFill>
+          <p:spPr>
+            <a:xfrm>
+              <a:off x="7626485" y="2068539"/>
+              <a:ext cx="979708" cy="745624"/>
+            </a:xfrm>
+            <a:prstGeom prst="rect">
+              <a:avLst/>
+            </a:prstGeom>
+            <a:ln w="12700" cap="flat">
+              <a:noFill/>
+              <a:miter lim="400000"/>
+            </a:ln>
+            <a:effectLst/>
+          </p:spPr>
+        </p:pic>
+        <p:pic>
+          <p:nvPicPr>
+            <p:cNvPr id="62" name="officeArt object"/>
+            <p:cNvPicPr>
+              <a:picLocks noChangeAspect="1"/>
+            </p:cNvPicPr>
+            <p:nvPr/>
+          </p:nvPicPr>
+          <p:blipFill rotWithShape="1">
+            <a:blip r:embed="rId3">
+              <a:extLst/>
+            </a:blip>
+            <a:srcRect t="-7817"/>
+            <a:stretch/>
+          </p:blipFill>
+          <p:spPr>
+            <a:xfrm>
+              <a:off x="2034412" y="4299626"/>
+              <a:ext cx="589659" cy="632798"/>
+            </a:xfrm>
+            <a:prstGeom prst="rect">
+              <a:avLst/>
+            </a:prstGeom>
+            <a:ln w="12700" cap="flat">
+              <a:noFill/>
+              <a:miter lim="400000"/>
+            </a:ln>
+            <a:effectLst/>
+          </p:spPr>
+        </p:pic>
+        <p:sp>
+          <p:nvSpPr>
+            <p:cNvPr id="65" name="officeArt object"/>
+            <p:cNvSpPr/>
+            <p:nvPr/>
+          </p:nvSpPr>
+          <p:spPr>
+            <a:xfrm>
+              <a:off x="1561043" y="3344361"/>
+              <a:ext cx="1536396" cy="425237"/>
+            </a:xfrm>
+            <a:prstGeom prst="rect">
+              <a:avLst/>
+            </a:prstGeom>
+            <a:noFill/>
+            <a:ln w="12700" cap="flat">
+              <a:noFill/>
+              <a:miter lim="400000"/>
+            </a:ln>
+            <a:effectLst/>
+          </p:spPr>
+          <p:txBody>
+            <a:bodyPr wrap="square" lIns="50800" tIns="50800" rIns="50800" bIns="50800" numCol="1" anchor="t">
+              <a:noAutofit/>
+            </a:bodyPr>
+            <a:lstStyle/>
+            <a:p>
+              <a:pPr algn="ctr">
+                <a:spcAft>
+                  <a:spcPts val="0"/>
+                </a:spcAft>
+              </a:pPr>
+              <a:r>
+                <a:rPr lang="en-US" sz="1100" dirty="0">
+                  <a:solidFill>
+                    <a:srgbClr val="000000"/>
+                  </a:solidFill>
+                  <a:effectLst/>
+                  <a:latin typeface="Helvetica" panose="020B0604020202020204" pitchFamily="34" charset="0"/>
+                  <a:ea typeface="Arial Unicode MS" panose="020B0604020202020204" pitchFamily="34" charset="-128"/>
+                  <a:cs typeface="Arial Unicode MS" panose="020B0604020202020204" pitchFamily="34" charset="-128"/>
+                </a:rPr>
+                <a:t>Wikipedia-enhanced Course Ontology</a:t>
+              </a:r>
+              <a:endParaRPr lang="en-NZ" sz="1100" dirty="0">
+                <a:solidFill>
+                  <a:srgbClr val="000000"/>
+                </a:solidFill>
+                <a:effectLst/>
+                <a:latin typeface="Helvetica" panose="020B0604020202020204" pitchFamily="34" charset="0"/>
+                <a:ea typeface="Arial Unicode MS" panose="020B0604020202020204" pitchFamily="34" charset="-128"/>
+                <a:cs typeface="Arial Unicode MS" panose="020B0604020202020204" pitchFamily="34" charset="-128"/>
+              </a:endParaRPr>
+            </a:p>
+          </p:txBody>
+        </p:sp>
+        <p:pic>
+          <p:nvPicPr>
+            <p:cNvPr id="67" name="officeArt object"/>
+            <p:cNvPicPr>
+              <a:picLocks noChangeAspect="1"/>
+            </p:cNvPicPr>
+            <p:nvPr/>
+          </p:nvPicPr>
+          <p:blipFill rotWithShape="1">
+            <a:blip r:embed="rId4">
+              <a:extLst/>
+            </a:blip>
+            <a:srcRect l="-14896" r="-1"/>
+            <a:stretch/>
+          </p:blipFill>
+          <p:spPr>
+            <a:xfrm>
+              <a:off x="4102894" y="3241977"/>
+              <a:ext cx="715225" cy="383073"/>
+            </a:xfrm>
+            <a:prstGeom prst="rect">
+              <a:avLst/>
+            </a:prstGeom>
+            <a:ln w="12700" cap="flat">
+              <a:noFill/>
+              <a:miter lim="400000"/>
+            </a:ln>
+            <a:effectLst/>
+          </p:spPr>
+        </p:pic>
+        <p:sp>
+          <p:nvSpPr>
+            <p:cNvPr id="68" name="officeArt object"/>
+            <p:cNvSpPr/>
+            <p:nvPr/>
+          </p:nvSpPr>
+          <p:spPr>
+            <a:xfrm>
+              <a:off x="7103244" y="2811324"/>
+              <a:ext cx="2026190" cy="246202"/>
+            </a:xfrm>
+            <a:prstGeom prst="rect">
+              <a:avLst/>
+            </a:prstGeom>
+            <a:noFill/>
+            <a:ln w="12700" cap="flat">
+              <a:noFill/>
+              <a:miter lim="400000"/>
+            </a:ln>
+            <a:effectLst/>
+          </p:spPr>
+          <p:txBody>
+            <a:bodyPr wrap="square" lIns="50800" tIns="50800" rIns="50800" bIns="50800" numCol="1" anchor="t">
+              <a:noAutofit/>
+            </a:bodyPr>
+            <a:lstStyle/>
+            <a:p>
+              <a:pPr algn="ctr">
+                <a:spcAft>
+                  <a:spcPts val="0"/>
+                </a:spcAft>
+              </a:pPr>
+              <a:r>
+                <a:rPr lang="en-US" sz="1100" dirty="0">
+                  <a:solidFill>
+                    <a:srgbClr val="000000"/>
+                  </a:solidFill>
+                  <a:effectLst/>
+                  <a:latin typeface="Helvetica" panose="020B0604020202020204" pitchFamily="34" charset="0"/>
+                  <a:ea typeface="Arial Unicode MS" panose="020B0604020202020204" pitchFamily="34" charset="-128"/>
+                  <a:cs typeface="Arial Unicode MS" panose="020B0604020202020204" pitchFamily="34" charset="-128"/>
+                </a:rPr>
+                <a:t>Programs and Courses Data </a:t>
+              </a:r>
+              <a:endParaRPr lang="en-NZ" sz="1100" dirty="0">
+                <a:solidFill>
+                  <a:srgbClr val="000000"/>
+                </a:solidFill>
+                <a:effectLst/>
+                <a:latin typeface="Helvetica" panose="020B0604020202020204" pitchFamily="34" charset="0"/>
+                <a:ea typeface="Arial Unicode MS" panose="020B0604020202020204" pitchFamily="34" charset="-128"/>
+                <a:cs typeface="Arial Unicode MS" panose="020B0604020202020204" pitchFamily="34" charset="-128"/>
+              </a:endParaRPr>
+            </a:p>
+          </p:txBody>
+        </p:sp>
+        <p:sp>
+          <p:nvSpPr>
+            <p:cNvPr id="70" name="officeArt object"/>
+            <p:cNvSpPr/>
+            <p:nvPr/>
+          </p:nvSpPr>
+          <p:spPr>
+            <a:xfrm>
+              <a:off x="1671756" y="4965964"/>
+              <a:ext cx="1314972" cy="252191"/>
+            </a:xfrm>
+            <a:prstGeom prst="rect">
+              <a:avLst/>
+            </a:prstGeom>
+            <a:noFill/>
+            <a:ln w="12700" cap="flat">
+              <a:noFill/>
+              <a:miter lim="400000"/>
+            </a:ln>
+            <a:effectLst/>
+          </p:spPr>
+          <p:txBody>
+            <a:bodyPr wrap="square" lIns="50800" tIns="50800" rIns="50800" bIns="50800" numCol="1" anchor="t">
+              <a:noAutofit/>
+            </a:bodyPr>
+            <a:lstStyle/>
+            <a:p>
+              <a:pPr algn="ctr">
+                <a:spcAft>
+                  <a:spcPts val="0"/>
+                </a:spcAft>
+              </a:pPr>
+              <a:r>
+                <a:rPr lang="en-US" sz="1100" dirty="0" err="1">
+                  <a:solidFill>
+                    <a:srgbClr val="000000"/>
+                  </a:solidFill>
+                  <a:effectLst/>
+                  <a:latin typeface="Helvetica" panose="020B0604020202020204" pitchFamily="34" charset="0"/>
+                  <a:ea typeface="Arial Unicode MS" panose="020B0604020202020204" pitchFamily="34" charset="-128"/>
+                  <a:cs typeface="Arial Unicode MS" panose="020B0604020202020204" pitchFamily="34" charset="-128"/>
+                </a:rPr>
+                <a:t>Lucene</a:t>
+              </a:r>
+              <a:r>
+                <a:rPr lang="en-US" sz="1100" dirty="0">
+                  <a:solidFill>
+                    <a:srgbClr val="000000"/>
+                  </a:solidFill>
+                  <a:effectLst/>
+                  <a:latin typeface="Helvetica" panose="020B0604020202020204" pitchFamily="34" charset="0"/>
+                  <a:ea typeface="Arial Unicode MS" panose="020B0604020202020204" pitchFamily="34" charset="-128"/>
+                  <a:cs typeface="Arial Unicode MS" panose="020B0604020202020204" pitchFamily="34" charset="-128"/>
+                </a:rPr>
+                <a:t> Connector</a:t>
+              </a:r>
+              <a:endParaRPr lang="en-NZ" sz="1100" dirty="0">
+                <a:solidFill>
+                  <a:srgbClr val="000000"/>
+                </a:solidFill>
+                <a:effectLst/>
+                <a:latin typeface="Helvetica" panose="020B0604020202020204" pitchFamily="34" charset="0"/>
+                <a:ea typeface="Arial Unicode MS" panose="020B0604020202020204" pitchFamily="34" charset="-128"/>
+                <a:cs typeface="Arial Unicode MS" panose="020B0604020202020204" pitchFamily="34" charset="-128"/>
+              </a:endParaRPr>
+            </a:p>
+          </p:txBody>
+        </p:sp>
+        <p:pic>
+          <p:nvPicPr>
+            <p:cNvPr id="73" name="officeArt object"/>
+            <p:cNvPicPr>
+              <a:picLocks noChangeAspect="1"/>
+            </p:cNvPicPr>
+            <p:nvPr/>
+          </p:nvPicPr>
+          <p:blipFill>
+            <a:blip r:embed="rId5">
+              <a:extLst/>
+            </a:blip>
+            <a:stretch>
+              <a:fillRect/>
+            </a:stretch>
+          </p:blipFill>
+          <p:spPr>
+            <a:xfrm>
+              <a:off x="6010459" y="3344361"/>
+              <a:ext cx="676762" cy="676762"/>
+            </a:xfrm>
+            <a:prstGeom prst="rect">
+              <a:avLst/>
+            </a:prstGeom>
+            <a:ln w="12700" cap="flat">
+              <a:noFill/>
+              <a:miter lim="400000"/>
+            </a:ln>
+            <a:effectLst/>
+          </p:spPr>
+        </p:pic>
+        <p:pic>
+          <p:nvPicPr>
+            <p:cNvPr id="74" name="officeArt object"/>
+            <p:cNvPicPr>
+              <a:picLocks noChangeAspect="1"/>
+            </p:cNvPicPr>
+            <p:nvPr/>
+          </p:nvPicPr>
+          <p:blipFill rotWithShape="1">
+            <a:blip r:embed="rId3">
+              <a:extLst/>
+            </a:blip>
+            <a:srcRect t="-11724" b="1"/>
+            <a:stretch/>
+          </p:blipFill>
+          <p:spPr>
+            <a:xfrm>
+              <a:off x="7821962" y="4212077"/>
+              <a:ext cx="589659" cy="655724"/>
+            </a:xfrm>
+            <a:prstGeom prst="rect">
+              <a:avLst/>
+            </a:prstGeom>
+            <a:ln w="12700" cap="flat">
+              <a:noFill/>
+              <a:miter lim="400000"/>
+            </a:ln>
+            <a:effectLst/>
+          </p:spPr>
+        </p:pic>
+        <p:sp>
+          <p:nvSpPr>
+            <p:cNvPr id="75" name="officeArt object"/>
+            <p:cNvSpPr/>
+            <p:nvPr/>
+          </p:nvSpPr>
+          <p:spPr>
+            <a:xfrm>
+              <a:off x="5741577" y="4045536"/>
+              <a:ext cx="1214526" cy="307372"/>
+            </a:xfrm>
+            <a:prstGeom prst="rect">
+              <a:avLst/>
+            </a:prstGeom>
+            <a:noFill/>
+            <a:ln w="12700" cap="flat">
+              <a:noFill/>
+              <a:miter lim="400000"/>
+            </a:ln>
+            <a:effectLst/>
+          </p:spPr>
+          <p:txBody>
+            <a:bodyPr wrap="square" lIns="50800" tIns="50800" rIns="50800" bIns="50800" numCol="1" anchor="t">
+              <a:noAutofit/>
+            </a:bodyPr>
+            <a:lstStyle/>
+            <a:p>
+              <a:pPr algn="ctr">
+                <a:spcAft>
+                  <a:spcPts val="0"/>
+                </a:spcAft>
+              </a:pPr>
+              <a:r>
+                <a:rPr lang="en-US" sz="1100" dirty="0">
+                  <a:solidFill>
+                    <a:srgbClr val="000000"/>
+                  </a:solidFill>
+                  <a:effectLst/>
+                  <a:latin typeface="Helvetica" panose="020B0604020202020204" pitchFamily="34" charset="0"/>
+                  <a:ea typeface="Arial Unicode MS" panose="020B0604020202020204" pitchFamily="34" charset="-128"/>
+                  <a:cs typeface="Arial Unicode MS" panose="020B0604020202020204" pitchFamily="34" charset="-128"/>
+                </a:rPr>
+                <a:t>Alexa Integration </a:t>
+              </a:r>
+              <a:endParaRPr lang="en-NZ" sz="1100" dirty="0">
+                <a:solidFill>
+                  <a:srgbClr val="000000"/>
+                </a:solidFill>
+                <a:effectLst/>
+                <a:latin typeface="Helvetica" panose="020B0604020202020204" pitchFamily="34" charset="0"/>
+                <a:ea typeface="Arial Unicode MS" panose="020B0604020202020204" pitchFamily="34" charset="-128"/>
+                <a:cs typeface="Arial Unicode MS" panose="020B0604020202020204" pitchFamily="34" charset="-128"/>
+              </a:endParaRPr>
+            </a:p>
+          </p:txBody>
+        </p:sp>
+        <p:pic>
+          <p:nvPicPr>
+            <p:cNvPr id="77" name="officeArt object"/>
+            <p:cNvPicPr>
+              <a:picLocks noChangeAspect="1"/>
+            </p:cNvPicPr>
+            <p:nvPr/>
+          </p:nvPicPr>
+          <p:blipFill rotWithShape="1">
+            <a:blip r:embed="rId6">
+              <a:extLst/>
+            </a:blip>
+            <a:srcRect l="-16722" t="-12248" r="-15732"/>
+            <a:stretch/>
+          </p:blipFill>
+          <p:spPr>
+            <a:xfrm>
+              <a:off x="4846320" y="5044440"/>
+              <a:ext cx="929639" cy="787802"/>
+            </a:xfrm>
+            <a:prstGeom prst="rect">
+              <a:avLst/>
+            </a:prstGeom>
+            <a:ln w="12700" cap="flat">
+              <a:noFill/>
+              <a:miter lim="400000"/>
+            </a:ln>
+            <a:effectLst/>
+          </p:spPr>
+        </p:pic>
+        <p:sp>
+          <p:nvSpPr>
+            <p:cNvPr id="78" name="officeArt object"/>
+            <p:cNvSpPr/>
+            <p:nvPr/>
+          </p:nvSpPr>
+          <p:spPr>
+            <a:xfrm>
+              <a:off x="4767945" y="5914781"/>
+              <a:ext cx="1068044" cy="430504"/>
+            </a:xfrm>
+            <a:prstGeom prst="rect">
+              <a:avLst/>
+            </a:prstGeom>
+            <a:noFill/>
+            <a:ln w="12700" cap="flat">
+              <a:noFill/>
+              <a:miter lim="400000"/>
+            </a:ln>
+            <a:effectLst/>
+          </p:spPr>
+          <p:txBody>
+            <a:bodyPr wrap="square" lIns="50800" tIns="50800" rIns="50800" bIns="50800" numCol="1" anchor="t">
+              <a:noAutofit/>
+            </a:bodyPr>
+            <a:lstStyle/>
+            <a:p>
+              <a:pPr algn="ctr">
+                <a:spcAft>
+                  <a:spcPts val="0"/>
+                </a:spcAft>
+              </a:pPr>
+              <a:r>
+                <a:rPr lang="en-US" sz="1100" b="1" dirty="0">
+                  <a:solidFill>
+                    <a:srgbClr val="000000"/>
+                  </a:solidFill>
+                  <a:effectLst/>
+                  <a:latin typeface="Helvetica" panose="020B0604020202020204" pitchFamily="34" charset="0"/>
+                  <a:ea typeface="Arial Unicode MS" panose="020B0604020202020204" pitchFamily="34" charset="-128"/>
+                  <a:cs typeface="Arial Unicode MS" panose="020B0604020202020204" pitchFamily="34" charset="-128"/>
+                </a:rPr>
+                <a:t>Intelligent Search</a:t>
+              </a:r>
+              <a:endParaRPr lang="en-NZ" sz="1100" dirty="0">
+                <a:solidFill>
+                  <a:srgbClr val="000000"/>
+                </a:solidFill>
+                <a:effectLst/>
+                <a:latin typeface="Helvetica" panose="020B0604020202020204" pitchFamily="34" charset="0"/>
+                <a:ea typeface="Arial Unicode MS" panose="020B0604020202020204" pitchFamily="34" charset="-128"/>
+                <a:cs typeface="Arial Unicode MS" panose="020B0604020202020204" pitchFamily="34" charset="-128"/>
+              </a:endParaRPr>
+            </a:p>
+          </p:txBody>
+        </p:sp>
+        <p:pic>
+          <p:nvPicPr>
+            <p:cNvPr id="83" name="officeArt object"/>
+            <p:cNvPicPr>
+              <a:picLocks noChangeAspect="1"/>
+            </p:cNvPicPr>
+            <p:nvPr/>
+          </p:nvPicPr>
+          <p:blipFill rotWithShape="1">
+            <a:blip r:embed="rId7">
+              <a:extLst/>
+            </a:blip>
+            <a:srcRect l="-15977" r="-9825"/>
+            <a:stretch/>
+          </p:blipFill>
+          <p:spPr>
+            <a:xfrm>
+              <a:off x="4107180" y="2068201"/>
+              <a:ext cx="891540" cy="746080"/>
+            </a:xfrm>
+            <a:prstGeom prst="rect">
+              <a:avLst/>
+            </a:prstGeom>
+            <a:ln w="12700" cap="flat">
+              <a:noFill/>
+              <a:miter lim="400000"/>
+            </a:ln>
+            <a:effectLst/>
+          </p:spPr>
+        </p:pic>
+        <p:sp>
+          <p:nvSpPr>
+            <p:cNvPr id="84" name="officeArt object"/>
+            <p:cNvSpPr/>
+            <p:nvPr/>
+          </p:nvSpPr>
+          <p:spPr>
+            <a:xfrm>
+              <a:off x="3908940" y="2653299"/>
+              <a:ext cx="1296064" cy="277273"/>
+            </a:xfrm>
+            <a:prstGeom prst="rect">
+              <a:avLst/>
+            </a:prstGeom>
+            <a:noFill/>
+            <a:ln w="12700" cap="flat">
+              <a:noFill/>
+              <a:miter lim="400000"/>
+            </a:ln>
+            <a:effectLst/>
+          </p:spPr>
+          <p:txBody>
+            <a:bodyPr wrap="square" lIns="50800" tIns="50800" rIns="50800" bIns="50800" numCol="1" anchor="t">
+              <a:noAutofit/>
+            </a:bodyPr>
+            <a:lstStyle/>
+            <a:p>
+              <a:pPr algn="ctr">
+                <a:spcAft>
+                  <a:spcPts val="0"/>
+                </a:spcAft>
+              </a:pPr>
+              <a:r>
+                <a:rPr lang="en-US" sz="1100" dirty="0">
+                  <a:solidFill>
+                    <a:srgbClr val="000000"/>
+                  </a:solidFill>
+                  <a:latin typeface="Helvetica" panose="020B0604020202020204" pitchFamily="34" charset="0"/>
+                  <a:ea typeface="Arial Unicode MS" panose="020B0604020202020204" pitchFamily="34" charset="-128"/>
+                  <a:cs typeface="Arial Unicode MS" panose="020B0604020202020204" pitchFamily="34" charset="-128"/>
+                </a:rPr>
+                <a:t>TF–IDF </a:t>
+              </a:r>
+              <a:r>
+                <a:rPr lang="en-US" sz="1100" dirty="0">
+                  <a:solidFill>
+                    <a:srgbClr val="000000"/>
+                  </a:solidFill>
+                  <a:effectLst/>
+                  <a:latin typeface="Helvetica" panose="020B0604020202020204" pitchFamily="34" charset="0"/>
+                  <a:ea typeface="Arial Unicode MS" panose="020B0604020202020204" pitchFamily="34" charset="-128"/>
+                  <a:cs typeface="Arial Unicode MS" panose="020B0604020202020204" pitchFamily="34" charset="-128"/>
+                </a:rPr>
+                <a:t>Transform</a:t>
+              </a:r>
+              <a:endParaRPr lang="en-NZ" sz="1100" dirty="0">
+                <a:solidFill>
+                  <a:srgbClr val="000000"/>
+                </a:solidFill>
+                <a:effectLst/>
+                <a:latin typeface="Helvetica" panose="020B0604020202020204" pitchFamily="34" charset="0"/>
+                <a:ea typeface="Arial Unicode MS" panose="020B0604020202020204" pitchFamily="34" charset="-128"/>
+                <a:cs typeface="Arial Unicode MS" panose="020B0604020202020204" pitchFamily="34" charset="-128"/>
+              </a:endParaRPr>
+            </a:p>
+          </p:txBody>
+        </p:sp>
+        <p:sp>
+          <p:nvSpPr>
+            <p:cNvPr id="85" name="officeArt object"/>
+            <p:cNvSpPr/>
+            <p:nvPr/>
+          </p:nvSpPr>
+          <p:spPr>
+            <a:xfrm>
+              <a:off x="7512010" y="4900272"/>
+              <a:ext cx="1208658" cy="291856"/>
+            </a:xfrm>
+            <a:prstGeom prst="rect">
+              <a:avLst/>
+            </a:prstGeom>
+            <a:noFill/>
+            <a:ln w="12700" cap="flat">
+              <a:noFill/>
+              <a:miter lim="400000"/>
+            </a:ln>
+            <a:effectLst/>
+          </p:spPr>
+          <p:txBody>
+            <a:bodyPr wrap="square" lIns="50800" tIns="50800" rIns="50800" bIns="50800" numCol="1" anchor="t">
+              <a:noAutofit/>
+            </a:bodyPr>
+            <a:lstStyle/>
+            <a:p>
+              <a:pPr algn="ctr">
+                <a:spcAft>
+                  <a:spcPts val="0"/>
+                </a:spcAft>
+              </a:pPr>
+              <a:r>
+                <a:rPr lang="en-US" sz="1100" dirty="0">
+                  <a:solidFill>
+                    <a:srgbClr val="000000"/>
+                  </a:solidFill>
+                  <a:effectLst/>
+                  <a:latin typeface="Helvetica" panose="020B0604020202020204" pitchFamily="34" charset="0"/>
+                  <a:ea typeface="Arial Unicode MS" panose="020B0604020202020204" pitchFamily="34" charset="-128"/>
+                  <a:cs typeface="Arial Unicode MS" panose="020B0604020202020204" pitchFamily="34" charset="-128"/>
+                </a:rPr>
+                <a:t>Elastic Search</a:t>
+              </a:r>
+              <a:endParaRPr lang="en-NZ" sz="1100" dirty="0">
+                <a:solidFill>
+                  <a:srgbClr val="000000"/>
+                </a:solidFill>
+                <a:effectLst/>
+                <a:latin typeface="Helvetica" panose="020B0604020202020204" pitchFamily="34" charset="0"/>
+                <a:ea typeface="Arial Unicode MS" panose="020B0604020202020204" pitchFamily="34" charset="-128"/>
+                <a:cs typeface="Arial Unicode MS" panose="020B0604020202020204" pitchFamily="34" charset="-128"/>
+              </a:endParaRPr>
+            </a:p>
+          </p:txBody>
+        </p:sp>
+        <p:cxnSp>
+          <p:nvCxnSpPr>
+            <p:cNvPr id="91" name="Elbow Connector 90"/>
+            <p:cNvCxnSpPr>
+              <a:stCxn id="65" idx="2"/>
+              <a:endCxn id="62" idx="0"/>
+            </p:cNvCxnSpPr>
+            <p:nvPr/>
+          </p:nvCxnSpPr>
+          <p:spPr>
+            <a:xfrm rot="16200000" flipH="1">
+              <a:off x="2064227" y="4034611"/>
+              <a:ext cx="530028" cy="1"/>
+            </a:xfrm>
+            <a:prstGeom prst="bentConnector3">
+              <a:avLst/>
+            </a:prstGeom>
+            <a:ln w="15875">
+              <a:solidFill>
+                <a:schemeClr val="accent1">
+                  <a:lumMod val="50000"/>
+                </a:schemeClr>
+              </a:solidFill>
+              <a:tailEnd type="triangle"/>
+            </a:ln>
+          </p:spPr>
+          <p:style>
+            <a:lnRef idx="1">
+              <a:schemeClr val="accent1"/>
+            </a:lnRef>
+            <a:fillRef idx="0">
+              <a:schemeClr val="accent1"/>
+            </a:fillRef>
+            <a:effectRef idx="0">
+              <a:schemeClr val="accent1"/>
+            </a:effectRef>
+            <a:fontRef idx="minor">
+              <a:schemeClr val="tx1"/>
+            </a:fontRef>
+          </p:style>
+        </p:cxnSp>
+        <p:cxnSp>
+          <p:nvCxnSpPr>
+            <p:cNvPr id="94" name="Elbow Connector 93"/>
+            <p:cNvCxnSpPr>
+              <a:stCxn id="70" idx="2"/>
+              <a:endCxn id="77" idx="1"/>
+            </p:cNvCxnSpPr>
+            <p:nvPr/>
+          </p:nvCxnSpPr>
+          <p:spPr>
+            <a:xfrm rot="16200000" flipH="1">
+              <a:off x="3477688" y="4069709"/>
+              <a:ext cx="220186" cy="2517078"/>
+            </a:xfrm>
+            <a:prstGeom prst="bentConnector2">
+              <a:avLst/>
+            </a:prstGeom>
+            <a:ln w="15875">
+              <a:solidFill>
+                <a:schemeClr val="accent1">
+                  <a:lumMod val="50000"/>
+                </a:schemeClr>
+              </a:solidFill>
+              <a:tailEnd type="triangle"/>
+            </a:ln>
+          </p:spPr>
+          <p:style>
+            <a:lnRef idx="1">
+              <a:schemeClr val="accent1"/>
+            </a:lnRef>
+            <a:fillRef idx="0">
+              <a:schemeClr val="accent1"/>
+            </a:fillRef>
+            <a:effectRef idx="0">
+              <a:schemeClr val="accent1"/>
+            </a:effectRef>
+            <a:fontRef idx="minor">
+              <a:schemeClr val="tx1"/>
+            </a:fontRef>
+          </p:style>
+        </p:cxnSp>
+        <p:cxnSp>
+          <p:nvCxnSpPr>
+            <p:cNvPr id="98" name="Elbow Connector 97"/>
+            <p:cNvCxnSpPr>
+              <a:stCxn id="85" idx="2"/>
+              <a:endCxn id="77" idx="3"/>
+            </p:cNvCxnSpPr>
+            <p:nvPr/>
+          </p:nvCxnSpPr>
+          <p:spPr>
+            <a:xfrm rot="5400000">
+              <a:off x="6823043" y="4145044"/>
+              <a:ext cx="246213" cy="2340380"/>
+            </a:xfrm>
+            <a:prstGeom prst="bentConnector2">
+              <a:avLst/>
+            </a:prstGeom>
+            <a:ln w="15875">
+              <a:solidFill>
+                <a:schemeClr val="accent1">
+                  <a:lumMod val="50000"/>
+                </a:schemeClr>
+              </a:solidFill>
+              <a:tailEnd type="triangle"/>
+            </a:ln>
+          </p:spPr>
+          <p:style>
+            <a:lnRef idx="1">
+              <a:schemeClr val="accent1"/>
+            </a:lnRef>
+            <a:fillRef idx="0">
+              <a:schemeClr val="accent1"/>
+            </a:fillRef>
+            <a:effectRef idx="0">
+              <a:schemeClr val="accent1"/>
+            </a:effectRef>
+            <a:fontRef idx="minor">
+              <a:schemeClr val="tx1"/>
+            </a:fontRef>
+          </p:style>
+        </p:cxnSp>
+        <p:cxnSp>
+          <p:nvCxnSpPr>
+            <p:cNvPr id="101" name="Elbow Connector 100"/>
+            <p:cNvCxnSpPr>
+              <a:stCxn id="68" idx="2"/>
+              <a:endCxn id="74" idx="0"/>
+            </p:cNvCxnSpPr>
+            <p:nvPr/>
+          </p:nvCxnSpPr>
+          <p:spPr>
+            <a:xfrm rot="16200000" flipH="1">
+              <a:off x="7539290" y="3634574"/>
+              <a:ext cx="1154551" cy="453"/>
+            </a:xfrm>
+            <a:prstGeom prst="bentConnector3">
+              <a:avLst/>
+            </a:prstGeom>
+            <a:ln w="15875">
+              <a:solidFill>
+                <a:schemeClr val="accent1">
+                  <a:lumMod val="50000"/>
+                </a:schemeClr>
+              </a:solidFill>
+              <a:tailEnd type="triangle"/>
+            </a:ln>
+          </p:spPr>
+          <p:style>
+            <a:lnRef idx="1">
+              <a:schemeClr val="accent1"/>
+            </a:lnRef>
+            <a:fillRef idx="0">
+              <a:schemeClr val="accent1"/>
+            </a:fillRef>
+            <a:effectRef idx="0">
+              <a:schemeClr val="accent1"/>
+            </a:effectRef>
+            <a:fontRef idx="minor">
+              <a:schemeClr val="tx1"/>
+            </a:fontRef>
+          </p:style>
+        </p:cxnSp>
+        <p:cxnSp>
+          <p:nvCxnSpPr>
+            <p:cNvPr id="109" name="Elbow Connector 108"/>
+            <p:cNvCxnSpPr>
+              <a:stCxn id="75" idx="2"/>
+              <a:endCxn id="77" idx="0"/>
+            </p:cNvCxnSpPr>
+            <p:nvPr/>
+          </p:nvCxnSpPr>
+          <p:spPr>
+            <a:xfrm rot="5400000">
+              <a:off x="5484224" y="4179824"/>
+              <a:ext cx="691532" cy="1037700"/>
+            </a:xfrm>
+            <a:prstGeom prst="bentConnector3">
+              <a:avLst/>
+            </a:prstGeom>
+            <a:ln w="15875">
+              <a:solidFill>
+                <a:schemeClr val="accent1">
+                  <a:lumMod val="50000"/>
+                </a:schemeClr>
+              </a:solidFill>
+              <a:tailEnd type="triangle"/>
+            </a:ln>
+          </p:spPr>
+          <p:style>
+            <a:lnRef idx="1">
+              <a:schemeClr val="accent1"/>
+            </a:lnRef>
+            <a:fillRef idx="0">
+              <a:schemeClr val="accent1"/>
+            </a:fillRef>
+            <a:effectRef idx="0">
+              <a:schemeClr val="accent1"/>
+            </a:effectRef>
+            <a:fontRef idx="minor">
+              <a:schemeClr val="tx1"/>
+            </a:fontRef>
+          </p:style>
+        </p:cxnSp>
+        <p:cxnSp>
+          <p:nvCxnSpPr>
+            <p:cNvPr id="111" name="Straight Arrow Connector 110"/>
+            <p:cNvCxnSpPr>
+              <a:stCxn id="61" idx="1"/>
+              <a:endCxn id="83" idx="3"/>
+            </p:cNvCxnSpPr>
+            <p:nvPr/>
+          </p:nvCxnSpPr>
+          <p:spPr>
+            <a:xfrm flipH="1" flipV="1">
+              <a:off x="4998720" y="2441241"/>
+              <a:ext cx="2627765" cy="110"/>
+            </a:xfrm>
+            <a:prstGeom prst="straightConnector1">
+              <a:avLst/>
+            </a:prstGeom>
+            <a:ln w="15875">
+              <a:solidFill>
+                <a:schemeClr val="accent1">
+                  <a:lumMod val="50000"/>
+                </a:schemeClr>
+              </a:solidFill>
+              <a:tailEnd type="triangle"/>
+            </a:ln>
+          </p:spPr>
+          <p:style>
+            <a:lnRef idx="1">
+              <a:schemeClr val="accent1"/>
+            </a:lnRef>
+            <a:fillRef idx="0">
+              <a:schemeClr val="accent1"/>
+            </a:fillRef>
+            <a:effectRef idx="0">
+              <a:schemeClr val="accent1"/>
+            </a:effectRef>
+            <a:fontRef idx="minor">
+              <a:schemeClr val="tx1"/>
+            </a:fontRef>
+          </p:style>
+        </p:cxnSp>
+        <p:cxnSp>
+          <p:nvCxnSpPr>
+            <p:cNvPr id="113" name="Elbow Connector 112"/>
+            <p:cNvCxnSpPr>
+              <a:stCxn id="67" idx="1"/>
+              <a:endCxn id="59" idx="3"/>
+            </p:cNvCxnSpPr>
+            <p:nvPr/>
+          </p:nvCxnSpPr>
+          <p:spPr>
+            <a:xfrm rot="10800000">
+              <a:off x="2941472" y="2715360"/>
+              <a:ext cx="1161422" cy="718155"/>
+            </a:xfrm>
+            <a:prstGeom prst="bentConnector3">
+              <a:avLst>
+                <a:gd name="adj1" fmla="val 49795"/>
+              </a:avLst>
+            </a:prstGeom>
+            <a:ln w="15875">
+              <a:solidFill>
+                <a:schemeClr val="accent1">
+                  <a:lumMod val="50000"/>
+                </a:schemeClr>
+              </a:solidFill>
+              <a:tailEnd type="triangle"/>
+            </a:ln>
+          </p:spPr>
+          <p:style>
+            <a:lnRef idx="1">
+              <a:schemeClr val="accent1"/>
+            </a:lnRef>
+            <a:fillRef idx="0">
+              <a:schemeClr val="accent1"/>
+            </a:fillRef>
+            <a:effectRef idx="0">
+              <a:schemeClr val="accent1"/>
+            </a:effectRef>
+            <a:fontRef idx="minor">
+              <a:schemeClr val="tx1"/>
+            </a:fontRef>
+          </p:style>
+        </p:cxnSp>
+        <p:cxnSp>
+          <p:nvCxnSpPr>
+            <p:cNvPr id="115" name="Elbow Connector 114"/>
+            <p:cNvCxnSpPr>
+              <a:stCxn id="83" idx="1"/>
+              <a:endCxn id="59" idx="3"/>
+            </p:cNvCxnSpPr>
+            <p:nvPr/>
+          </p:nvCxnSpPr>
+          <p:spPr>
+            <a:xfrm rot="10800000" flipV="1">
+              <a:off x="2941472" y="2441241"/>
+              <a:ext cx="1165708" cy="274118"/>
+            </a:xfrm>
+            <a:prstGeom prst="bentConnector3">
+              <a:avLst>
+                <a:gd name="adj1" fmla="val 50000"/>
+              </a:avLst>
+            </a:prstGeom>
+            <a:ln w="15875">
+              <a:solidFill>
+                <a:schemeClr val="accent1">
+                  <a:lumMod val="50000"/>
+                </a:schemeClr>
+              </a:solidFill>
+              <a:tailEnd type="triangle"/>
+            </a:ln>
+          </p:spPr>
+          <p:style>
+            <a:lnRef idx="1">
+              <a:schemeClr val="accent1"/>
+            </a:lnRef>
+            <a:fillRef idx="0">
+              <a:schemeClr val="accent1"/>
+            </a:fillRef>
+            <a:effectRef idx="0">
+              <a:schemeClr val="accent1"/>
+            </a:effectRef>
+            <a:fontRef idx="minor">
+              <a:schemeClr val="tx1"/>
+            </a:fontRef>
+          </p:style>
+        </p:cxnSp>
+      </p:grpSp>
     </p:spTree>
     <p:extLst>
       <p:ext uri="{BB962C8B-B14F-4D97-AF65-F5344CB8AC3E}">
@@ -7266,6 +8306,25 @@
   <p:clrMapOvr>
     <a:masterClrMapping/>
   </p:clrMapOvr>
+  <mc:AlternateContent xmlns:mc="http://schemas.openxmlformats.org/markup-compatibility/2006">
+    <mc:Choice xmlns:p14="http://schemas.microsoft.com/office/powerpoint/2010/main" Requires="p14">
+      <p:transition spd="med" p14:dur="700">
+        <p:fade/>
+      </p:transition>
+    </mc:Choice>
+    <mc:Fallback>
+      <p:transition spd="med">
+        <p:fade/>
+      </p:transition>
+    </mc:Fallback>
+  </mc:AlternateContent>
+  <p:timing>
+    <p:tnLst>
+      <p:par>
+        <p:cTn id="1" dur="indefinite" restart="never" nodeType="tmRoot"/>
+      </p:par>
+    </p:tnLst>
+  </p:timing>
 </p:sld>
 </file>
 
@@ -7333,31 +8392,47 @@
         </p:nvSpPr>
         <p:spPr/>
         <p:txBody>
-          <a:bodyPr/>
+          <a:bodyPr anchor="t">
+            <a:normAutofit/>
+          </a:bodyPr>
           <a:lstStyle/>
           <a:p>
+            <a:pPr>
+              <a:lnSpc>
+                <a:spcPct val="150000"/>
+              </a:lnSpc>
+            </a:pPr>
             <a:r>
-              <a:rPr lang="en-AU" dirty="0" smtClean="0"/>
+              <a:rPr lang="en-AU" sz="2000" dirty="0" smtClean="0"/>
               <a:t>Intelligent Course Recommendations</a:t>
             </a:r>
             <a:br>
-              <a:rPr lang="en-AU" dirty="0" smtClean="0"/>
+              <a:rPr lang="en-AU" sz="2000" dirty="0" smtClean="0"/>
             </a:br>
             <a:r>
-              <a:rPr lang="en-AU" sz="1600" dirty="0" smtClean="0"/>
+              <a:rPr lang="en-AU" dirty="0" smtClean="0"/>
               <a:t>based on</a:t>
             </a:r>
           </a:p>
           <a:p>
-            <a:pPr lvl="1"/>
+            <a:pPr lvl="1">
+              <a:lnSpc>
+                <a:spcPct val="150000"/>
+              </a:lnSpc>
+            </a:pPr>
             <a:r>
-              <a:rPr lang="en-AU" dirty="0" smtClean="0"/>
+              <a:rPr lang="en-AU" sz="1800" dirty="0" smtClean="0"/>
               <a:t>Personal interests</a:t>
             </a:r>
           </a:p>
           <a:p>
+            <a:pPr>
+              <a:lnSpc>
+                <a:spcPct val="150000"/>
+              </a:lnSpc>
+            </a:pPr>
             <a:r>
-              <a:rPr lang="en-AU" dirty="0" smtClean="0"/>
+              <a:rPr lang="en-AU" sz="2000" dirty="0" smtClean="0"/>
               <a:t>AI Enhanced Search</a:t>
             </a:r>
           </a:p>
@@ -7373,6 +8448,18 @@
   <p:clrMapOvr>
     <a:masterClrMapping/>
   </p:clrMapOvr>
+  <mc:AlternateContent xmlns:mc="http://schemas.openxmlformats.org/markup-compatibility/2006">
+    <mc:Choice xmlns:p14="http://schemas.microsoft.com/office/powerpoint/2010/main" Requires="p14">
+      <p:transition spd="med" p14:dur="700">
+        <p:fade/>
+      </p:transition>
+    </mc:Choice>
+    <mc:Fallback>
+      <p:transition spd="med">
+        <p:fade/>
+      </p:transition>
+    </mc:Fallback>
+  </mc:AlternateContent>
   <p:timing>
     <p:tnLst>
       <p:par>
@@ -7384,107 +8471,6 @@
 </file>
 
 <file path=ppt/slides/slide15.xml><?xml version="1.0" encoding="utf-8"?>
-<p:sld xmlns:a="http://schemas.openxmlformats.org/drawingml/2006/main" xmlns:r="http://schemas.openxmlformats.org/officeDocument/2006/relationships" xmlns:p="http://schemas.openxmlformats.org/presentationml/2006/main">
-  <p:cSld>
-    <p:spTree>
-      <p:nvGrpSpPr>
-        <p:cNvPr id="1" name=""/>
-        <p:cNvGrpSpPr/>
-        <p:nvPr/>
-      </p:nvGrpSpPr>
-      <p:grpSpPr>
-        <a:xfrm>
-          <a:off x="0" y="0"/>
-          <a:ext cx="0" cy="0"/>
-          <a:chOff x="0" y="0"/>
-          <a:chExt cx="0" cy="0"/>
-        </a:xfrm>
-      </p:grpSpPr>
-      <p:sp>
-        <p:nvSpPr>
-          <p:cNvPr id="2" name="Title 1">
-            <a:extLst>
-              <a:ext uri="{FF2B5EF4-FFF2-40B4-BE49-F238E27FC236}">
-                <a16:creationId xmlns:a16="http://schemas.microsoft.com/office/drawing/2014/main" id="{C665153F-5D54-421A-AF75-AF8B4B42B17B}"/>
-              </a:ext>
-            </a:extLst>
-          </p:cNvPr>
-          <p:cNvSpPr>
-            <a:spLocks noGrp="1"/>
-          </p:cNvSpPr>
-          <p:nvPr>
-            <p:ph type="title"/>
-          </p:nvPr>
-        </p:nvSpPr>
-        <p:spPr/>
-        <p:txBody>
-          <a:bodyPr/>
-          <a:lstStyle/>
-          <a:p>
-            <a:r>
-              <a:rPr lang="en-AU" dirty="0"/>
-              <a:t>Demonstration</a:t>
-            </a:r>
-          </a:p>
-        </p:txBody>
-      </p:sp>
-      <p:sp>
-        <p:nvSpPr>
-          <p:cNvPr id="3" name="Content Placeholder 2">
-            <a:extLst>
-              <a:ext uri="{FF2B5EF4-FFF2-40B4-BE49-F238E27FC236}">
-                <a16:creationId xmlns:a16="http://schemas.microsoft.com/office/drawing/2014/main" id="{5A2138C2-79B5-48F6-B9C2-6D6F8DEF20F6}"/>
-              </a:ext>
-            </a:extLst>
-          </p:cNvPr>
-          <p:cNvSpPr>
-            <a:spLocks noGrp="1"/>
-          </p:cNvSpPr>
-          <p:nvPr>
-            <p:ph idx="1"/>
-          </p:nvPr>
-        </p:nvSpPr>
-        <p:spPr/>
-        <p:txBody>
-          <a:bodyPr/>
-          <a:lstStyle/>
-          <a:p>
-            <a:r>
-              <a:rPr lang="en-AU" dirty="0"/>
-              <a:t>Link to Tom’s recommendation system or c</a:t>
-            </a:r>
-            <a:r>
-              <a:rPr lang="en-AU" dirty="0" smtClean="0"/>
-              <a:t>ue </a:t>
-            </a:r>
-            <a:r>
-              <a:rPr lang="en-AU" dirty="0"/>
-              <a:t>to exit presentation</a:t>
-            </a:r>
-          </a:p>
-        </p:txBody>
-      </p:sp>
-    </p:spTree>
-    <p:extLst>
-      <p:ext uri="{BB962C8B-B14F-4D97-AF65-F5344CB8AC3E}">
-        <p14:creationId xmlns:p14="http://schemas.microsoft.com/office/powerpoint/2010/main" val="3123576839"/>
-      </p:ext>
-    </p:extLst>
-  </p:cSld>
-  <p:clrMapOvr>
-    <a:masterClrMapping/>
-  </p:clrMapOvr>
-  <p:timing>
-    <p:tnLst>
-      <p:par>
-        <p:cTn id="1" dur="indefinite" restart="never" nodeType="tmRoot"/>
-      </p:par>
-    </p:tnLst>
-  </p:timing>
-</p:sld>
-</file>
-
-<file path=ppt/slides/slide16.xml><?xml version="1.0" encoding="utf-8"?>
 <p:sld xmlns:a="http://schemas.openxmlformats.org/drawingml/2006/main" xmlns:r="http://schemas.openxmlformats.org/officeDocument/2006/relationships" xmlns:p="http://schemas.openxmlformats.org/presentationml/2006/main">
   <p:cSld>
     <p:spTree>
@@ -7574,6 +8560,18 @@
   <p:clrMapOvr>
     <a:masterClrMapping/>
   </p:clrMapOvr>
+  <mc:AlternateContent xmlns:mc="http://schemas.openxmlformats.org/markup-compatibility/2006">
+    <mc:Choice xmlns:p14="http://schemas.microsoft.com/office/powerpoint/2010/main" Requires="p14">
+      <p:transition spd="med" p14:dur="700">
+        <p:fade/>
+      </p:transition>
+    </mc:Choice>
+    <mc:Fallback>
+      <p:transition spd="med">
+        <p:fade/>
+      </p:transition>
+    </mc:Fallback>
+  </mc:AlternateContent>
   <p:timing>
     <p:tnLst>
       <p:par>
@@ -7780,7 +8778,7 @@
         <p:spPr>
           <a:xfrm>
             <a:off x="17629675" y="3963986"/>
-            <a:ext cx="3569476" cy="2677656"/>
+            <a:ext cx="3569476" cy="2834622"/>
           </a:xfrm>
           <a:prstGeom prst="rect">
             <a:avLst/>
@@ -7799,13 +8797,12 @@
               </a:lnSpc>
             </a:pPr>
             <a:r>
-              <a:rPr lang="en-US" sz="1400" b="1" dirty="0">
+              <a:rPr lang="en-US" sz="1350" b="1" dirty="0">
                 <a:solidFill>
                   <a:schemeClr val="bg1">
                     <a:lumMod val="65000"/>
                   </a:schemeClr>
                 </a:solidFill>
-                <a:latin typeface="Gill Sans MT" panose="020B0502020104020203" pitchFamily="34" charset="0"/>
               </a:rPr>
               <a:t>Ideate</a:t>
             </a:r>
@@ -7819,24 +8816,22 @@
               <a:buChar char="ü"/>
             </a:pPr>
             <a:r>
-              <a:rPr lang="en-US" sz="1400" dirty="0">
+              <a:rPr lang="en-US" sz="1350" dirty="0">
                 <a:solidFill>
                   <a:schemeClr val="bg1">
                     <a:lumMod val="65000"/>
                   </a:schemeClr>
                 </a:solidFill>
-                <a:latin typeface="Gill Sans MT" panose="020B0502020104020203" pitchFamily="34" charset="0"/>
               </a:rPr>
               <a:t>Brainstorm designs and concepts based on gathered data (Sprint 3</a:t>
             </a:r>
             <a:r>
-              <a:rPr lang="en-US" sz="1400" dirty="0" smtClean="0">
+              <a:rPr lang="en-US" sz="1350" dirty="0" smtClean="0">
                 <a:solidFill>
                   <a:schemeClr val="bg1">
                     <a:lumMod val="65000"/>
                   </a:schemeClr>
                 </a:solidFill>
-                <a:latin typeface="Gill Sans MT" panose="020B0502020104020203" pitchFamily="34" charset="0"/>
               </a:rPr>
               <a:t>)</a:t>
             </a:r>
@@ -7850,23 +8845,21 @@
               <a:buChar char="ü"/>
             </a:pPr>
             <a:r>
-              <a:rPr lang="en-US" sz="1400" dirty="0" smtClean="0">
+              <a:rPr lang="en-US" sz="1350" dirty="0" smtClean="0">
                 <a:solidFill>
                   <a:schemeClr val="bg1">
                     <a:lumMod val="65000"/>
                   </a:schemeClr>
                 </a:solidFill>
-                <a:latin typeface="Gill Sans MT" panose="020B0502020104020203" pitchFamily="34" charset="0"/>
               </a:rPr>
               <a:t>Create a feature list for the product (Sprint 3)</a:t>
             </a:r>
-            <a:endParaRPr lang="en-US" sz="1400" dirty="0">
+            <a:endParaRPr lang="en-US" sz="1350" dirty="0">
               <a:solidFill>
                 <a:schemeClr val="bg1">
                   <a:lumMod val="65000"/>
                 </a:schemeClr>
               </a:solidFill>
-              <a:latin typeface="Gill Sans MT" panose="020B0502020104020203" pitchFamily="34" charset="0"/>
             </a:endParaRPr>
           </a:p>
           <a:p>
@@ -7878,34 +8871,31 @@
               <a:buChar char="ü"/>
             </a:pPr>
             <a:r>
-              <a:rPr lang="en-AU" sz="1400" dirty="0" smtClean="0">
+              <a:rPr lang="en-AU" sz="1350" dirty="0" smtClean="0">
                 <a:solidFill>
                   <a:schemeClr val="bg1">
                     <a:lumMod val="65000"/>
                   </a:schemeClr>
                 </a:solidFill>
-                <a:latin typeface="Gill Sans MT" panose="020B0502020104020203" pitchFamily="34" charset="0"/>
               </a:rPr>
               <a:t>Conceptualise</a:t>
             </a:r>
             <a:r>
-              <a:rPr lang="en-US" sz="1400" dirty="0" smtClean="0">
+              <a:rPr lang="en-US" sz="1350" dirty="0" smtClean="0">
                 <a:solidFill>
                   <a:schemeClr val="bg1">
                     <a:lumMod val="65000"/>
                   </a:schemeClr>
                 </a:solidFill>
-                <a:latin typeface="Gill Sans MT" panose="020B0502020104020203" pitchFamily="34" charset="0"/>
               </a:rPr>
               <a:t> AI framework (Sprint 4)</a:t>
             </a:r>
-            <a:endParaRPr lang="en-US" sz="1400" dirty="0">
+            <a:endParaRPr lang="en-US" sz="1350" dirty="0">
               <a:solidFill>
                 <a:schemeClr val="bg1">
                   <a:lumMod val="65000"/>
                 </a:schemeClr>
               </a:solidFill>
-              <a:latin typeface="Gill Sans MT" panose="020B0502020104020203" pitchFamily="34" charset="0"/>
             </a:endParaRPr>
           </a:p>
           <a:p>
@@ -7917,46 +8907,42 @@
               <a:buChar char="ü"/>
             </a:pPr>
             <a:r>
-              <a:rPr lang="en-US" sz="1400" dirty="0">
+              <a:rPr lang="en-US" sz="1350" dirty="0">
                 <a:solidFill>
                   <a:schemeClr val="bg1">
                     <a:lumMod val="65000"/>
                   </a:schemeClr>
                 </a:solidFill>
-                <a:latin typeface="Gill Sans MT" panose="020B0502020104020203" pitchFamily="34" charset="0"/>
               </a:rPr>
               <a:t>Prototype options for recommendations </a:t>
             </a:r>
             <a:r>
-              <a:rPr lang="en-US" sz="1400" dirty="0" smtClean="0">
+              <a:rPr lang="en-US" sz="1350" dirty="0" smtClean="0">
                 <a:solidFill>
                   <a:schemeClr val="bg1">
                     <a:lumMod val="65000"/>
                   </a:schemeClr>
                 </a:solidFill>
-                <a:latin typeface="Gill Sans MT" panose="020B0502020104020203" pitchFamily="34" charset="0"/>
               </a:rPr>
               <a:t>of AI </a:t>
             </a:r>
             <a:r>
-              <a:rPr lang="en-US" sz="1400" dirty="0">
+              <a:rPr lang="en-US" sz="1350" dirty="0">
                 <a:solidFill>
                   <a:schemeClr val="bg1">
                     <a:lumMod val="65000"/>
                   </a:schemeClr>
                 </a:solidFill>
-                <a:latin typeface="Gill Sans MT" panose="020B0502020104020203" pitchFamily="34" charset="0"/>
               </a:rPr>
               <a:t>model (Sprint 4</a:t>
             </a:r>
             <a:r>
-              <a:rPr lang="en-US" sz="1400" dirty="0" smtClean="0">
+              <a:rPr lang="en-US" sz="1350" dirty="0" smtClean="0">
                 <a:solidFill>
                   <a:schemeClr val="bg1">
                     <a:lumMod val="65000"/>
                   </a:schemeClr>
                 </a:solidFill>
-                <a:latin typeface="Gill Sans MT" panose="020B0502020104020203" pitchFamily="34" charset="0"/>
               </a:rPr>
               <a:t>)</a:t>
             </a:r>
@@ -7970,35 +8956,32 @@
               <a:buChar char="ü"/>
             </a:pPr>
             <a:r>
-              <a:rPr lang="en-US" sz="1400" dirty="0" smtClean="0">
+              <a:rPr lang="en-US" sz="1350" dirty="0" smtClean="0">
                 <a:solidFill>
                   <a:schemeClr val="bg1">
                     <a:lumMod val="65000"/>
                   </a:schemeClr>
                 </a:solidFill>
-                <a:latin typeface="Gill Sans MT" panose="020B0502020104020203" pitchFamily="34" charset="0"/>
               </a:rPr>
               <a:t>Try out ideas for AI recommendations</a:t>
             </a:r>
             <a:r>
-              <a:rPr lang="en-US" sz="1400" dirty="0">
+              <a:rPr lang="en-US" sz="1350" dirty="0">
                 <a:solidFill>
                   <a:schemeClr val="bg1">
                     <a:lumMod val="65000"/>
                   </a:schemeClr>
                 </a:solidFill>
-                <a:latin typeface="Gill Sans MT" panose="020B0502020104020203" pitchFamily="34" charset="0"/>
               </a:rPr>
               <a:t> </a:t>
             </a:r>
             <a:r>
-              <a:rPr lang="en-US" sz="1400" dirty="0" smtClean="0">
+              <a:rPr lang="en-US" sz="1350" dirty="0" smtClean="0">
                 <a:solidFill>
                   <a:schemeClr val="bg1">
                     <a:lumMod val="65000"/>
                   </a:schemeClr>
                 </a:solidFill>
-                <a:latin typeface="Gill Sans MT" panose="020B0502020104020203" pitchFamily="34" charset="0"/>
               </a:rPr>
               <a:t>and searches (Sprint 4)</a:t>
             </a:r>
@@ -8033,9 +9016,7 @@
               </a:lnSpc>
             </a:pPr>
             <a:r>
-              <a:rPr lang="en-US" sz="1400" b="1" dirty="0">
-                <a:latin typeface="Gill Sans MT" panose="020B0502020104020203" pitchFamily="34" charset="0"/>
-              </a:rPr>
+              <a:rPr lang="en-US" sz="1350" b="1" dirty="0"/>
               <a:t>Define</a:t>
             </a:r>
           </a:p>
@@ -8045,9 +9026,7 @@
                 <a:spcPct val="120000"/>
               </a:lnSpc>
             </a:pPr>
-            <a:endParaRPr lang="en-US" sz="1400" dirty="0" smtClean="0">
-              <a:latin typeface="Gill Sans MT" panose="020B0502020104020203" pitchFamily="34" charset="0"/>
-            </a:endParaRPr>
+            <a:endParaRPr lang="en-US" sz="1350" dirty="0" smtClean="0"/>
           </a:p>
           <a:p>
             <a:pPr>
@@ -8055,9 +9034,7 @@
                 <a:spcPct val="120000"/>
               </a:lnSpc>
             </a:pPr>
-            <a:endParaRPr lang="en-US" sz="1400" dirty="0" smtClean="0">
-              <a:latin typeface="Gill Sans MT" panose="020B0502020104020203" pitchFamily="34" charset="0"/>
-            </a:endParaRPr>
+            <a:endParaRPr lang="en-US" sz="1350" dirty="0" smtClean="0"/>
           </a:p>
           <a:p>
             <a:pPr marL="285750" indent="-285750">
@@ -8068,26 +9045,18 @@
               <a:buChar char="ü"/>
             </a:pPr>
             <a:r>
-              <a:rPr lang="en-US" sz="1400" dirty="0" smtClean="0">
-                <a:latin typeface="Gill Sans MT" panose="020B0502020104020203" pitchFamily="34" charset="0"/>
-              </a:rPr>
+              <a:rPr lang="en-US" sz="1350" dirty="0" smtClean="0"/>
               <a:t>Prepare </a:t>
             </a:r>
             <a:r>
-              <a:rPr lang="en-US" sz="1400" dirty="0">
-                <a:latin typeface="Gill Sans MT" panose="020B0502020104020203" pitchFamily="34" charset="0"/>
-              </a:rPr>
+              <a:rPr lang="en-US" sz="1350" dirty="0"/>
               <a:t>and send out survey to ANU </a:t>
             </a:r>
             <a:r>
-              <a:rPr lang="en-US" sz="1400" dirty="0" smtClean="0">
-                <a:latin typeface="Gill Sans MT" panose="020B0502020104020203" pitchFamily="34" charset="0"/>
-              </a:rPr>
+              <a:rPr lang="en-US" sz="1350" dirty="0" smtClean="0"/>
               <a:t>students</a:t>
             </a:r>
-            <a:endParaRPr lang="en-US" sz="1400" dirty="0">
-              <a:latin typeface="Gill Sans MT" panose="020B0502020104020203" pitchFamily="34" charset="0"/>
-            </a:endParaRPr>
+            <a:endParaRPr lang="en-US" sz="1350" dirty="0"/>
           </a:p>
           <a:p>
             <a:pPr marL="285750" indent="-285750">
@@ -8098,9 +9067,7 @@
               <a:buChar char="ü"/>
             </a:pPr>
             <a:r>
-              <a:rPr lang="en-US" sz="1400" dirty="0">
-                <a:latin typeface="Gill Sans MT" panose="020B0502020104020203" pitchFamily="34" charset="0"/>
-              </a:rPr>
+              <a:rPr lang="en-US" sz="1350" dirty="0"/>
               <a:t>Interview academic officers for relevant information</a:t>
             </a:r>
           </a:p>
@@ -8113,32 +9080,22 @@
               <a:buChar char="ü"/>
             </a:pPr>
             <a:r>
-              <a:rPr lang="en-US" sz="1400" dirty="0" smtClean="0">
-                <a:latin typeface="Gill Sans MT" panose="020B0502020104020203" pitchFamily="34" charset="0"/>
-              </a:rPr>
+              <a:rPr lang="en-US" sz="1350" dirty="0" smtClean="0"/>
               <a:t>Collate </a:t>
             </a:r>
             <a:r>
-              <a:rPr lang="en-US" sz="1400" dirty="0">
-                <a:latin typeface="Gill Sans MT" panose="020B0502020104020203" pitchFamily="34" charset="0"/>
-              </a:rPr>
+              <a:rPr lang="en-US" sz="1350" dirty="0"/>
               <a:t>and </a:t>
             </a:r>
             <a:r>
-              <a:rPr lang="en-US" sz="1400" dirty="0" err="1">
-                <a:latin typeface="Gill Sans MT" panose="020B0502020104020203" pitchFamily="34" charset="0"/>
-              </a:rPr>
+              <a:rPr lang="en-US" sz="1350" dirty="0" err="1"/>
               <a:t>analyse</a:t>
             </a:r>
             <a:r>
-              <a:rPr lang="en-US" sz="1400" dirty="0">
-                <a:latin typeface="Gill Sans MT" panose="020B0502020104020203" pitchFamily="34" charset="0"/>
-              </a:rPr>
+              <a:rPr lang="en-US" sz="1350" dirty="0"/>
               <a:t> the chatbot, interview, and survey data. </a:t>
             </a:r>
-            <a:endParaRPr lang="en-US" sz="1400" dirty="0" smtClean="0">
-              <a:latin typeface="Gill Sans MT" panose="020B0502020104020203" pitchFamily="34" charset="0"/>
-            </a:endParaRPr>
+            <a:endParaRPr lang="en-US" sz="1350" dirty="0" smtClean="0"/>
           </a:p>
           <a:p>
             <a:pPr marL="285750" indent="-285750">
@@ -8149,14 +9106,10 @@
               <a:buChar char="ü"/>
             </a:pPr>
             <a:r>
-              <a:rPr lang="en-US" sz="1400" dirty="0" smtClean="0">
-                <a:latin typeface="Gill Sans MT" panose="020B0502020104020203" pitchFamily="34" charset="0"/>
-              </a:rPr>
+              <a:rPr lang="en-US" sz="1350" dirty="0" smtClean="0"/>
               <a:t>Refine the scope of the problem</a:t>
             </a:r>
-            <a:endParaRPr lang="en-US" sz="1400" dirty="0">
-              <a:latin typeface="Gill Sans MT" panose="020B0502020104020203" pitchFamily="34" charset="0"/>
-            </a:endParaRPr>
+            <a:endParaRPr lang="en-US" sz="1350" dirty="0"/>
           </a:p>
         </p:txBody>
       </p:sp>
@@ -8183,7 +9136,7 @@
           <p:spPr>
             <a:xfrm>
               <a:off x="11810999" y="4299478"/>
-              <a:ext cx="1876261" cy="2138727"/>
+              <a:ext cx="1876261" cy="2336024"/>
             </a:xfrm>
             <a:prstGeom prst="rect">
               <a:avLst/>
@@ -8202,23 +9155,21 @@
                 </a:lnSpc>
               </a:pPr>
               <a:r>
-                <a:rPr lang="en-US" sz="1400" b="1" dirty="0">
+                <a:rPr lang="en-US" sz="1350" b="1" dirty="0">
                   <a:solidFill>
                     <a:schemeClr val="bg1">
                       <a:lumMod val="65000"/>
                     </a:schemeClr>
                   </a:solidFill>
-                  <a:latin typeface="Gill Sans MT" panose="020B0502020104020203" pitchFamily="34" charset="0"/>
                 </a:rPr>
                 <a:t>Kick Off</a:t>
               </a:r>
-              <a:endParaRPr lang="en-US" sz="1400" dirty="0">
+              <a:endParaRPr lang="en-US" sz="1350" dirty="0">
                 <a:solidFill>
                   <a:schemeClr val="bg1">
                     <a:lumMod val="65000"/>
                   </a:schemeClr>
                 </a:solidFill>
-                <a:latin typeface="Gill Sans MT" panose="020B0502020104020203" pitchFamily="34" charset="0"/>
               </a:endParaRPr>
             </a:p>
             <a:p>
@@ -8230,13 +9181,12 @@
                 <a:buChar char="ü"/>
               </a:pPr>
               <a:r>
-                <a:rPr lang="en-US" sz="1400" dirty="0">
+                <a:rPr lang="en-US" sz="1350" dirty="0">
                   <a:solidFill>
                     <a:schemeClr val="bg1">
                       <a:lumMod val="65000"/>
                     </a:schemeClr>
                   </a:solidFill>
-                  <a:latin typeface="Gill Sans MT" panose="020B0502020104020203" pitchFamily="34" charset="0"/>
                 </a:rPr>
                 <a:t>Team introductions</a:t>
               </a:r>
@@ -8250,24 +9200,22 @@
                 <a:buChar char="ü"/>
               </a:pPr>
               <a:r>
-                <a:rPr lang="en-US" sz="1400" dirty="0" err="1">
+                <a:rPr lang="en-US" sz="1350" dirty="0" err="1">
                   <a:solidFill>
                     <a:schemeClr val="bg1">
                       <a:lumMod val="65000"/>
                     </a:schemeClr>
                   </a:solidFill>
-                  <a:latin typeface="Gill Sans MT" panose="020B0502020104020203" pitchFamily="34" charset="0"/>
                 </a:rPr>
                 <a:t>TechLauncher</a:t>
               </a:r>
               <a:r>
-                <a:rPr lang="en-US" sz="1400" dirty="0">
+                <a:rPr lang="en-US" sz="1350" dirty="0">
                   <a:solidFill>
                     <a:schemeClr val="bg1">
                       <a:lumMod val="65000"/>
                     </a:schemeClr>
                   </a:solidFill>
-                  <a:latin typeface="Gill Sans MT" panose="020B0502020104020203" pitchFamily="34" charset="0"/>
                 </a:rPr>
                 <a:t> induction workshop</a:t>
               </a:r>
@@ -8281,13 +9229,12 @@
                 <a:buChar char="ü"/>
               </a:pPr>
               <a:r>
-                <a:rPr lang="en-US" sz="1400" dirty="0">
+                <a:rPr lang="en-US" sz="1350" dirty="0">
                   <a:solidFill>
                     <a:schemeClr val="bg1">
                       <a:lumMod val="65000"/>
                     </a:schemeClr>
                   </a:solidFill>
-                  <a:latin typeface="Gill Sans MT" panose="020B0502020104020203" pitchFamily="34" charset="0"/>
                 </a:rPr>
                 <a:t>Kick off meetings with clients at Accenture</a:t>
               </a:r>
@@ -8322,23 +9269,21 @@
                 </a:lnSpc>
               </a:pPr>
               <a:r>
-                <a:rPr lang="en-US" sz="1400" b="1" dirty="0" smtClean="0">
+                <a:rPr lang="en-US" sz="1350" b="1" dirty="0" smtClean="0">
                   <a:solidFill>
                     <a:schemeClr val="bg1">
                       <a:lumMod val="65000"/>
                     </a:schemeClr>
                   </a:solidFill>
-                  <a:latin typeface="Gill Sans MT" panose="020B0502020104020203" pitchFamily="34" charset="0"/>
                 </a:rPr>
                 <a:t>Prototype</a:t>
               </a:r>
-              <a:endParaRPr lang="en-US" sz="1400" b="1" dirty="0">
+              <a:endParaRPr lang="en-US" sz="1350" b="1" dirty="0">
                 <a:solidFill>
                   <a:schemeClr val="bg1">
                     <a:lumMod val="65000"/>
                   </a:schemeClr>
                 </a:solidFill>
-                <a:latin typeface="Gill Sans MT" panose="020B0502020104020203" pitchFamily="34" charset="0"/>
               </a:endParaRPr>
             </a:p>
             <a:p>
@@ -8350,13 +9295,12 @@
                 <a:buChar char="ü"/>
               </a:pPr>
               <a:r>
-                <a:rPr lang="en-NZ" sz="1400" dirty="0">
+                <a:rPr lang="en-NZ" sz="1350" dirty="0">
                   <a:solidFill>
                     <a:schemeClr val="bg1">
                       <a:lumMod val="65000"/>
                     </a:schemeClr>
                   </a:solidFill>
-                  <a:latin typeface="Gill Sans MT" panose="020B0502020104020203" pitchFamily="34" charset="0"/>
                 </a:rPr>
                 <a:t>Create high level design for the finalised product (Sprint 5)</a:t>
               </a:r>
@@ -8370,13 +9314,12 @@
                 <a:buChar char="ü"/>
               </a:pPr>
               <a:r>
-                <a:rPr lang="en-NZ" sz="1400" dirty="0">
+                <a:rPr lang="en-NZ" sz="1350" dirty="0">
                   <a:solidFill>
                     <a:schemeClr val="bg1">
                       <a:lumMod val="65000"/>
                     </a:schemeClr>
                   </a:solidFill>
-                  <a:latin typeface="Gill Sans MT" panose="020B0502020104020203" pitchFamily="34" charset="0"/>
                 </a:rPr>
                 <a:t>Decide on the tech stack</a:t>
               </a:r>
@@ -8390,13 +9333,12 @@
                 <a:buChar char="ü"/>
               </a:pPr>
               <a:r>
-                <a:rPr lang="en-NZ" sz="1400" dirty="0">
+                <a:rPr lang="en-NZ" sz="1350" dirty="0">
                   <a:solidFill>
                     <a:schemeClr val="bg1">
                       <a:lumMod val="65000"/>
                     </a:schemeClr>
                   </a:solidFill>
-                  <a:latin typeface="Gill Sans MT" panose="020B0502020104020203" pitchFamily="34" charset="0"/>
                 </a:rPr>
                 <a:t>Complete task chunking for first prototype</a:t>
               </a:r>
@@ -8410,13 +9352,12 @@
                 <a:buChar char="ü"/>
               </a:pPr>
               <a:r>
-                <a:rPr lang="en-NZ" sz="1400" dirty="0">
+                <a:rPr lang="en-NZ" sz="1350" dirty="0">
                   <a:solidFill>
                     <a:schemeClr val="bg1">
                       <a:lumMod val="65000"/>
                     </a:schemeClr>
                   </a:solidFill>
-                  <a:latin typeface="Gill Sans MT" panose="020B0502020104020203" pitchFamily="34" charset="0"/>
                 </a:rPr>
                 <a:t>Meet to assign responsibilities in prototype creation</a:t>
               </a:r>
@@ -8430,13 +9371,12 @@
                 <a:buChar char="ü"/>
               </a:pPr>
               <a:r>
-                <a:rPr lang="en-NZ" sz="1400" dirty="0">
+                <a:rPr lang="en-NZ" sz="1350" dirty="0">
                   <a:solidFill>
                     <a:schemeClr val="bg1">
                       <a:lumMod val="65000"/>
                     </a:schemeClr>
                   </a:solidFill>
-                  <a:latin typeface="Gill Sans MT" panose="020B0502020104020203" pitchFamily="34" charset="0"/>
                 </a:rPr>
                 <a:t>Code prototype (Sprint 6)</a:t>
               </a:r>
@@ -8450,13 +9390,12 @@
                 <a:buChar char="ü"/>
               </a:pPr>
               <a:r>
-                <a:rPr lang="en-NZ" sz="1400" dirty="0">
+                <a:rPr lang="en-NZ" sz="1350" dirty="0">
                   <a:solidFill>
                     <a:schemeClr val="bg1">
                       <a:lumMod val="65000"/>
                     </a:schemeClr>
                   </a:solidFill>
-                  <a:latin typeface="Gill Sans MT" panose="020B0502020104020203" pitchFamily="34" charset="0"/>
                 </a:rPr>
                 <a:t>Code reviews</a:t>
               </a:r>
@@ -8473,7 +9412,7 @@
         <p:spPr>
           <a:xfrm>
             <a:off x="13892534" y="4219212"/>
-            <a:ext cx="3531868" cy="586764"/>
+            <a:ext cx="3531868" cy="609398"/>
           </a:xfrm>
           <a:prstGeom prst="rect">
             <a:avLst/>
@@ -8494,28 +9433,46 @@
               <a:buChar char="ü"/>
             </a:pPr>
             <a:r>
-              <a:rPr lang="en-US" sz="1400" dirty="0">
+              <a:rPr lang="en-US" sz="1350" dirty="0">
                 <a:solidFill>
                   <a:schemeClr val="bg1">
                     <a:lumMod val="65000"/>
                   </a:schemeClr>
                 </a:solidFill>
-                <a:latin typeface="Gill Sans MT" panose="020B0502020104020203" pitchFamily="34" charset="0"/>
               </a:rPr>
-              <a:t>Deploy imitation chatbot on Facebook for data collection (Sprint 1</a:t>
+              <a:t>Deploy imitation chatbot </a:t>
             </a:r>
             <a:r>
-              <a:rPr lang="en-US" sz="1400" dirty="0" smtClean="0">
+              <a:rPr lang="en-US" sz="1350" dirty="0" smtClean="0">
                 <a:solidFill>
                   <a:schemeClr val="bg1">
                     <a:lumMod val="65000"/>
                   </a:schemeClr>
                 </a:solidFill>
-                <a:latin typeface="Gill Sans MT" panose="020B0502020104020203" pitchFamily="34" charset="0"/>
+              </a:rPr>
+              <a:t>for </a:t>
+            </a:r>
+            <a:r>
+              <a:rPr lang="en-US" sz="1350" dirty="0">
+                <a:solidFill>
+                  <a:schemeClr val="bg1">
+                    <a:lumMod val="65000"/>
+                  </a:schemeClr>
+                </a:solidFill>
+              </a:rPr>
+              <a:t>data collection (Sprint 1</a:t>
+            </a:r>
+            <a:r>
+              <a:rPr lang="en-US" sz="1350" dirty="0" smtClean="0">
+                <a:solidFill>
+                  <a:schemeClr val="bg1">
+                    <a:lumMod val="65000"/>
+                  </a:schemeClr>
+                </a:solidFill>
               </a:rPr>
               <a:t>)</a:t>
             </a:r>
-            <a:endParaRPr lang="en-NZ" dirty="0"/>
+            <a:endParaRPr lang="en-NZ" sz="1350" dirty="0"/>
           </a:p>
         </p:txBody>
       </p:sp>
@@ -8555,10 +9512,10 @@
         </p:nvGrpSpPr>
         <p:grpSpPr bwMode="auto">
           <a:xfrm>
-            <a:off x="10820400" y="1285875"/>
-            <a:ext cx="22258019" cy="2800350"/>
-            <a:chOff x="-110" y="-89"/>
-            <a:chExt cx="1817" cy="294"/>
+            <a:off x="10820400" y="1295400"/>
+            <a:ext cx="22233519" cy="2771775"/>
+            <a:chOff x="-110" y="-88"/>
+            <a:chExt cx="1815" cy="291"/>
           </a:xfrm>
         </p:grpSpPr>
         <p:sp>
@@ -8597,7 +9554,9 @@
             </a:bodyPr>
             <a:lstStyle/>
             <a:p>
-              <a:endParaRPr lang="en-NZ"/>
+              <a:endParaRPr lang="en-NZ">
+                <a:latin typeface="+mj-lt"/>
+              </a:endParaRPr>
             </a:p>
           </p:txBody>
         </p:sp>
@@ -8674,7 +9633,7 @@
                     <a:srgbClr val="444444"/>
                   </a:solidFill>
                   <a:effectLst/>
-                  <a:latin typeface="Gill Sans MT" panose="020B0502020104020203" pitchFamily="34" charset="0"/>
+                  <a:latin typeface="+mj-lt"/>
                 </a:rPr>
                 <a:t>Start</a:t>
               </a:r>
@@ -8687,6 +9646,7 @@
                     <a:schemeClr val="tx1"/>
                   </a:solidFill>
                   <a:effectLst/>
+                  <a:latin typeface="+mj-lt"/>
                 </a:rPr>
                 <a:t/>
               </a:r>
@@ -8699,6 +9659,7 @@
                     <a:schemeClr val="tx1"/>
                   </a:solidFill>
                   <a:effectLst/>
+                  <a:latin typeface="+mj-lt"/>
                 </a:rPr>
               </a:br>
               <a:r>
@@ -8710,7 +9671,7 @@
                     <a:srgbClr val="444444"/>
                   </a:solidFill>
                   <a:effectLst/>
-                  <a:latin typeface="Gill Sans MT" panose="020B0502020104020203" pitchFamily="34" charset="0"/>
+                  <a:latin typeface="+mj-lt"/>
                 </a:rPr>
                 <a:t>Wed 21/02/18</a:t>
               </a:r>
@@ -8722,7 +9683,7 @@
                   <a:schemeClr val="tx1"/>
                 </a:solidFill>
                 <a:effectLst/>
-                <a:latin typeface="Arial" panose="020B0604020202020204" pitchFamily="34" charset="0"/>
+                <a:latin typeface="+mj-lt"/>
               </a:endParaRPr>
             </a:p>
           </p:txBody>
@@ -8800,7 +9761,7 @@
                     <a:srgbClr val="444444"/>
                   </a:solidFill>
                   <a:effectLst/>
-                  <a:latin typeface="Gill Sans MT" panose="020B0502020104020203" pitchFamily="34" charset="0"/>
+                  <a:latin typeface="+mj-lt"/>
                 </a:rPr>
                 <a:t>Finish</a:t>
               </a:r>
@@ -8813,6 +9774,7 @@
                     <a:schemeClr val="tx1"/>
                   </a:solidFill>
                   <a:effectLst/>
+                  <a:latin typeface="+mj-lt"/>
                 </a:rPr>
                 <a:t/>
               </a:r>
@@ -8825,6 +9787,7 @@
                     <a:schemeClr val="tx1"/>
                   </a:solidFill>
                   <a:effectLst/>
+                  <a:latin typeface="+mj-lt"/>
                 </a:rPr>
               </a:br>
               <a:r>
@@ -8836,7 +9799,7 @@
                     <a:srgbClr val="444444"/>
                   </a:solidFill>
                   <a:effectLst/>
-                  <a:latin typeface="Gill Sans MT" panose="020B0502020104020203" pitchFamily="34" charset="0"/>
+                  <a:latin typeface="+mj-lt"/>
                 </a:rPr>
                 <a:t>Tue 8/05/18</a:t>
               </a:r>
@@ -8848,7 +9811,7 @@
                   <a:schemeClr val="tx1"/>
                 </a:solidFill>
                 <a:effectLst/>
-                <a:latin typeface="Arial" panose="020B0604020202020204" pitchFamily="34" charset="0"/>
+                <a:latin typeface="+mj-lt"/>
               </a:endParaRPr>
             </a:p>
           </p:txBody>
@@ -8926,7 +9889,7 @@
                     <a:srgbClr val="444444"/>
                   </a:solidFill>
                   <a:effectLst/>
-                  <a:latin typeface="Gill Sans MT" panose="020B0502020104020203" pitchFamily="34" charset="0"/>
+                  <a:latin typeface="+mj-lt"/>
                   <a:cs typeface="Segoe UI" panose="020B0502040204020203" pitchFamily="34" charset="0"/>
                 </a:rPr>
                 <a:t>25 Feb '18</a:t>
@@ -8939,7 +9902,7 @@
                   <a:schemeClr val="tx1"/>
                 </a:solidFill>
                 <a:effectLst/>
-                <a:latin typeface="Gill Sans MT" panose="020B0502020104020203" pitchFamily="34" charset="0"/>
+                <a:latin typeface="+mj-lt"/>
               </a:endParaRPr>
             </a:p>
           </p:txBody>
@@ -9005,7 +9968,9 @@
             </a:bodyPr>
             <a:lstStyle/>
             <a:p>
-              <a:endParaRPr lang="en-NZ"/>
+              <a:endParaRPr lang="en-NZ">
+                <a:latin typeface="+mj-lt"/>
+              </a:endParaRPr>
             </a:p>
           </p:txBody>
         </p:sp>
@@ -9082,7 +10047,7 @@
                     <a:srgbClr val="444444"/>
                   </a:solidFill>
                   <a:effectLst/>
-                  <a:latin typeface="Gill Sans MT" panose="020B0502020104020203" pitchFamily="34" charset="0"/>
+                  <a:latin typeface="+mj-lt"/>
                   <a:cs typeface="Segoe UI" panose="020B0502040204020203" pitchFamily="34" charset="0"/>
                 </a:rPr>
                 <a:t>4 Mar '18</a:t>
@@ -9095,7 +10060,7 @@
                   <a:schemeClr val="tx1"/>
                 </a:solidFill>
                 <a:effectLst/>
-                <a:latin typeface="Gill Sans MT" panose="020B0502020104020203" pitchFamily="34" charset="0"/>
+                <a:latin typeface="+mj-lt"/>
               </a:endParaRPr>
             </a:p>
           </p:txBody>
@@ -9161,7 +10126,9 @@
             </a:bodyPr>
             <a:lstStyle/>
             <a:p>
-              <a:endParaRPr lang="en-NZ"/>
+              <a:endParaRPr lang="en-NZ">
+                <a:latin typeface="+mj-lt"/>
+              </a:endParaRPr>
             </a:p>
           </p:txBody>
         </p:sp>
@@ -9238,7 +10205,7 @@
                     <a:srgbClr val="444444"/>
                   </a:solidFill>
                   <a:effectLst/>
-                  <a:latin typeface="Gill Sans MT" panose="020B0502020104020203" pitchFamily="34" charset="0"/>
+                  <a:latin typeface="+mj-lt"/>
                   <a:cs typeface="Segoe UI" panose="020B0502040204020203" pitchFamily="34" charset="0"/>
                 </a:rPr>
                 <a:t>11 Mar '18</a:t>
@@ -9251,7 +10218,7 @@
                   <a:schemeClr val="tx1"/>
                 </a:solidFill>
                 <a:effectLst/>
-                <a:latin typeface="Gill Sans MT" panose="020B0502020104020203" pitchFamily="34" charset="0"/>
+                <a:latin typeface="+mj-lt"/>
               </a:endParaRPr>
             </a:p>
           </p:txBody>
@@ -9317,7 +10284,9 @@
             </a:bodyPr>
             <a:lstStyle/>
             <a:p>
-              <a:endParaRPr lang="en-NZ"/>
+              <a:endParaRPr lang="en-NZ">
+                <a:latin typeface="+mj-lt"/>
+              </a:endParaRPr>
             </a:p>
           </p:txBody>
         </p:sp>
@@ -9394,7 +10363,7 @@
                     <a:srgbClr val="444444"/>
                   </a:solidFill>
                   <a:effectLst/>
-                  <a:latin typeface="Gill Sans MT" panose="020B0502020104020203" pitchFamily="34" charset="0"/>
+                  <a:latin typeface="+mj-lt"/>
                   <a:cs typeface="Segoe UI" panose="020B0502040204020203" pitchFamily="34" charset="0"/>
                 </a:rPr>
                 <a:t>18 Mar '18</a:t>
@@ -9407,7 +10376,7 @@
                   <a:schemeClr val="tx1"/>
                 </a:solidFill>
                 <a:effectLst/>
-                <a:latin typeface="Gill Sans MT" panose="020B0502020104020203" pitchFamily="34" charset="0"/>
+                <a:latin typeface="+mj-lt"/>
               </a:endParaRPr>
             </a:p>
           </p:txBody>
@@ -9473,7 +10442,9 @@
             </a:bodyPr>
             <a:lstStyle/>
             <a:p>
-              <a:endParaRPr lang="en-NZ"/>
+              <a:endParaRPr lang="en-NZ">
+                <a:latin typeface="+mj-lt"/>
+              </a:endParaRPr>
             </a:p>
           </p:txBody>
         </p:sp>
@@ -9550,7 +10521,7 @@
                     <a:srgbClr val="444444"/>
                   </a:solidFill>
                   <a:effectLst/>
-                  <a:latin typeface="Gill Sans MT" panose="020B0502020104020203" pitchFamily="34" charset="0"/>
+                  <a:latin typeface="+mj-lt"/>
                   <a:cs typeface="Segoe UI" panose="020B0502040204020203" pitchFamily="34" charset="0"/>
                 </a:rPr>
                 <a:t>25 Mar '18</a:t>
@@ -9563,7 +10534,7 @@
                   <a:schemeClr val="tx1"/>
                 </a:solidFill>
                 <a:effectLst/>
-                <a:latin typeface="Gill Sans MT" panose="020B0502020104020203" pitchFamily="34" charset="0"/>
+                <a:latin typeface="+mj-lt"/>
               </a:endParaRPr>
             </a:p>
           </p:txBody>
@@ -9629,7 +10600,9 @@
             </a:bodyPr>
             <a:lstStyle/>
             <a:p>
-              <a:endParaRPr lang="en-NZ"/>
+              <a:endParaRPr lang="en-NZ">
+                <a:latin typeface="+mj-lt"/>
+              </a:endParaRPr>
             </a:p>
           </p:txBody>
         </p:sp>
@@ -9706,7 +10679,7 @@
                     <a:srgbClr val="444444"/>
                   </a:solidFill>
                   <a:effectLst/>
-                  <a:latin typeface="Gill Sans MT" panose="020B0502020104020203" pitchFamily="34" charset="0"/>
+                  <a:latin typeface="+mj-lt"/>
                   <a:cs typeface="Segoe UI" panose="020B0502040204020203" pitchFamily="34" charset="0"/>
                 </a:rPr>
                 <a:t>1 Apr '18</a:t>
@@ -9719,7 +10692,7 @@
                   <a:schemeClr val="tx1"/>
                 </a:solidFill>
                 <a:effectLst/>
-                <a:latin typeface="Gill Sans MT" panose="020B0502020104020203" pitchFamily="34" charset="0"/>
+                <a:latin typeface="+mj-lt"/>
               </a:endParaRPr>
             </a:p>
           </p:txBody>
@@ -9785,7 +10758,9 @@
             </a:bodyPr>
             <a:lstStyle/>
             <a:p>
-              <a:endParaRPr lang="en-NZ"/>
+              <a:endParaRPr lang="en-NZ">
+                <a:latin typeface="+mj-lt"/>
+              </a:endParaRPr>
             </a:p>
           </p:txBody>
         </p:sp>
@@ -9862,7 +10837,7 @@
                     <a:srgbClr val="444444"/>
                   </a:solidFill>
                   <a:effectLst/>
-                  <a:latin typeface="Gill Sans MT" panose="020B0502020104020203" pitchFamily="34" charset="0"/>
+                  <a:latin typeface="+mj-lt"/>
                   <a:cs typeface="Segoe UI" panose="020B0502040204020203" pitchFamily="34" charset="0"/>
                 </a:rPr>
                 <a:t>8 Apr '18</a:t>
@@ -9875,7 +10850,7 @@
                   <a:schemeClr val="tx1"/>
                 </a:solidFill>
                 <a:effectLst/>
-                <a:latin typeface="Gill Sans MT" panose="020B0502020104020203" pitchFamily="34" charset="0"/>
+                <a:latin typeface="+mj-lt"/>
               </a:endParaRPr>
             </a:p>
           </p:txBody>
@@ -9941,7 +10916,9 @@
             </a:bodyPr>
             <a:lstStyle/>
             <a:p>
-              <a:endParaRPr lang="en-NZ"/>
+              <a:endParaRPr lang="en-NZ">
+                <a:latin typeface="+mj-lt"/>
+              </a:endParaRPr>
             </a:p>
           </p:txBody>
         </p:sp>
@@ -10018,7 +10995,7 @@
                     <a:srgbClr val="444444"/>
                   </a:solidFill>
                   <a:effectLst/>
-                  <a:latin typeface="Gill Sans MT" panose="020B0502020104020203" pitchFamily="34" charset="0"/>
+                  <a:latin typeface="+mj-lt"/>
                   <a:cs typeface="Segoe UI" panose="020B0502040204020203" pitchFamily="34" charset="0"/>
                 </a:rPr>
                 <a:t>15 Apr '18</a:t>
@@ -10031,7 +11008,7 @@
                   <a:schemeClr val="tx1"/>
                 </a:solidFill>
                 <a:effectLst/>
-                <a:latin typeface="Gill Sans MT" panose="020B0502020104020203" pitchFamily="34" charset="0"/>
+                <a:latin typeface="+mj-lt"/>
               </a:endParaRPr>
             </a:p>
           </p:txBody>
@@ -10097,7 +11074,9 @@
             </a:bodyPr>
             <a:lstStyle/>
             <a:p>
-              <a:endParaRPr lang="en-NZ"/>
+              <a:endParaRPr lang="en-NZ">
+                <a:latin typeface="+mj-lt"/>
+              </a:endParaRPr>
             </a:p>
           </p:txBody>
         </p:sp>
@@ -10174,7 +11153,7 @@
                     <a:srgbClr val="444444"/>
                   </a:solidFill>
                   <a:effectLst/>
-                  <a:latin typeface="Gill Sans MT" panose="020B0502020104020203" pitchFamily="34" charset="0"/>
+                  <a:latin typeface="+mj-lt"/>
                   <a:cs typeface="Segoe UI" panose="020B0502040204020203" pitchFamily="34" charset="0"/>
                 </a:rPr>
                 <a:t>22 Apr '18</a:t>
@@ -10187,7 +11166,7 @@
                   <a:schemeClr val="tx1"/>
                 </a:solidFill>
                 <a:effectLst/>
-                <a:latin typeface="Gill Sans MT" panose="020B0502020104020203" pitchFamily="34" charset="0"/>
+                <a:latin typeface="+mj-lt"/>
               </a:endParaRPr>
             </a:p>
           </p:txBody>
@@ -10253,7 +11232,9 @@
             </a:bodyPr>
             <a:lstStyle/>
             <a:p>
-              <a:endParaRPr lang="en-NZ"/>
+              <a:endParaRPr lang="en-NZ">
+                <a:latin typeface="+mj-lt"/>
+              </a:endParaRPr>
             </a:p>
           </p:txBody>
         </p:sp>
@@ -10330,7 +11311,7 @@
                     <a:srgbClr val="444444"/>
                   </a:solidFill>
                   <a:effectLst/>
-                  <a:latin typeface="Gill Sans MT" panose="020B0502020104020203" pitchFamily="34" charset="0"/>
+                  <a:latin typeface="+mj-lt"/>
                   <a:cs typeface="Segoe UI" panose="020B0502040204020203" pitchFamily="34" charset="0"/>
                 </a:rPr>
                 <a:t>29 Apr '18</a:t>
@@ -10343,7 +11324,7 @@
                   <a:schemeClr val="tx1"/>
                 </a:solidFill>
                 <a:effectLst/>
-                <a:latin typeface="Gill Sans MT" panose="020B0502020104020203" pitchFamily="34" charset="0"/>
+                <a:latin typeface="+mj-lt"/>
               </a:endParaRPr>
             </a:p>
           </p:txBody>
@@ -10409,7 +11390,9 @@
             </a:bodyPr>
             <a:lstStyle/>
             <a:p>
-              <a:endParaRPr lang="en-NZ"/>
+              <a:endParaRPr lang="en-NZ">
+                <a:latin typeface="+mj-lt"/>
+              </a:endParaRPr>
             </a:p>
           </p:txBody>
         </p:sp>
@@ -10486,7 +11469,7 @@
                     <a:srgbClr val="444444"/>
                   </a:solidFill>
                   <a:effectLst/>
-                  <a:latin typeface="Gill Sans MT" panose="020B0502020104020203" pitchFamily="34" charset="0"/>
+                  <a:latin typeface="+mj-lt"/>
                   <a:cs typeface="Segoe UI" panose="020B0502040204020203" pitchFamily="34" charset="0"/>
                 </a:rPr>
                 <a:t>6 May '18</a:t>
@@ -10499,7 +11482,7 @@
                   <a:schemeClr val="tx1"/>
                 </a:solidFill>
                 <a:effectLst/>
-                <a:latin typeface="Gill Sans MT" panose="020B0502020104020203" pitchFamily="34" charset="0"/>
+                <a:latin typeface="+mj-lt"/>
               </a:endParaRPr>
             </a:p>
           </p:txBody>
@@ -10565,7 +11548,9 @@
             </a:bodyPr>
             <a:lstStyle/>
             <a:p>
-              <a:endParaRPr lang="en-NZ"/>
+              <a:endParaRPr lang="en-NZ">
+                <a:latin typeface="+mj-lt"/>
+              </a:endParaRPr>
             </a:p>
           </p:txBody>
         </p:sp>
@@ -10585,9 +11570,26 @@
             <a:prstGeom prst="rect">
               <a:avLst/>
             </a:prstGeom>
-            <a:solidFill>
-              <a:srgbClr val="E2E6AE"/>
-            </a:solidFill>
+            <a:gradFill flip="none" rotWithShape="1">
+              <a:gsLst>
+                <a:gs pos="100000">
+                  <a:schemeClr val="accent3">
+                    <a:lumMod val="60000"/>
+                    <a:lumOff val="40000"/>
+                  </a:schemeClr>
+                </a:gs>
+                <a:gs pos="0">
+                  <a:schemeClr val="accent3">
+                    <a:lumMod val="40000"/>
+                    <a:lumOff val="60000"/>
+                    <a:shade val="100000"/>
+                    <a:satMod val="115000"/>
+                  </a:schemeClr>
+                </a:gs>
+              </a:gsLst>
+              <a:lin ang="5400000" scaled="0"/>
+              <a:tileRect/>
+            </a:gradFill>
             <a:ln>
               <a:noFill/>
             </a:ln>
@@ -10637,7 +11639,7 @@
                     <a:srgbClr val="444444"/>
                   </a:solidFill>
                   <a:effectLst/>
-                  <a:latin typeface="Gill Sans MT" panose="020B0502020104020203" pitchFamily="34" charset="0"/>
+                  <a:latin typeface="+mj-lt"/>
                 </a:rPr>
                 <a:t>Kick Off</a:t>
               </a:r>
@@ -10650,6 +11652,7 @@
                     <a:schemeClr val="tx1"/>
                   </a:solidFill>
                   <a:effectLst/>
+                  <a:latin typeface="+mj-lt"/>
                 </a:rPr>
                 <a:t/>
               </a:r>
@@ -10662,6 +11665,7 @@
                     <a:schemeClr val="tx1"/>
                   </a:solidFill>
                   <a:effectLst/>
+                  <a:latin typeface="+mj-lt"/>
                 </a:rPr>
               </a:br>
               <a:r>
@@ -10673,7 +11677,7 @@
                     <a:srgbClr val="444444"/>
                   </a:solidFill>
                   <a:effectLst/>
-                  <a:latin typeface="Gill Sans MT" panose="020B0502020104020203" pitchFamily="34" charset="0"/>
+                  <a:latin typeface="+mj-lt"/>
                 </a:rPr>
                 <a:t>Wed 21/02/18 - Tue 27/02/18</a:t>
               </a:r>
@@ -10685,7 +11689,7 @@
                   <a:schemeClr val="tx1"/>
                 </a:solidFill>
                 <a:effectLst/>
-                <a:latin typeface="Arial" panose="020B0604020202020204" pitchFamily="34" charset="0"/>
+                <a:latin typeface="+mj-lt"/>
               </a:endParaRPr>
             </a:p>
           </p:txBody>
@@ -10706,9 +11710,116 @@
             <a:prstGeom prst="rect">
               <a:avLst/>
             </a:prstGeom>
-            <a:solidFill>
-              <a:srgbClr val="C5E0B3"/>
-            </a:solidFill>
+            <a:gradFill flip="none" rotWithShape="1">
+              <a:gsLst>
+                <a:gs pos="0">
+                  <a:schemeClr val="accent2">
+                    <a:lumMod val="40000"/>
+                    <a:lumOff val="60000"/>
+                  </a:schemeClr>
+                </a:gs>
+                <a:gs pos="100000">
+                  <a:schemeClr val="accent2">
+                    <a:lumMod val="60000"/>
+                    <a:lumOff val="40000"/>
+                  </a:schemeClr>
+                </a:gs>
+              </a:gsLst>
+              <a:lin ang="5400000" scaled="1"/>
+              <a:tileRect/>
+            </a:gradFill>
+            <a:ln>
+              <a:noFill/>
+            </a:ln>
+            <a:extLst>
+              <a:ext uri="{91240B29-F687-4F45-9708-019B960494DF}">
+                <a14:hiddenLine xmlns:a14="http://schemas.microsoft.com/office/drawing/2010/main" w="9525">
+                  <a:solidFill>
+                    <a:srgbClr val="000000"/>
+                  </a:solidFill>
+                  <a:miter lim="800000"/>
+                  <a:headEnd/>
+                  <a:tailEnd/>
+                </a14:hiddenLine>
+              </a:ext>
+            </a:extLst>
+          </p:spPr>
+          <p:txBody>
+            <a:bodyPr vert="horz" wrap="square" lIns="95250" tIns="9525" rIns="9525" bIns="9525" numCol="1" anchor="t" anchorCtr="0" compatLnSpc="1">
+              <a:prstTxWarp prst="textNoShape">
+                <a:avLst/>
+              </a:prstTxWarp>
+            </a:bodyPr>
+            <a:lstStyle/>
+            <a:p>
+              <a:pPr defTabSz="914400" eaLnBrk="0" fontAlgn="base" hangingPunct="0">
+                <a:spcBef>
+                  <a:spcPct val="0"/>
+                </a:spcBef>
+                <a:spcAft>
+                  <a:spcPct val="0"/>
+                </a:spcAft>
+              </a:pPr>
+              <a:r>
+                <a:rPr lang="en-US" altLang="en-US" sz="1000" b="1" dirty="0">
+                  <a:solidFill>
+                    <a:srgbClr val="444444"/>
+                  </a:solidFill>
+                  <a:latin typeface="+mj-lt"/>
+                </a:rPr>
+                <a:t>Ideate</a:t>
+              </a:r>
+              <a:br>
+                <a:rPr lang="en-US" altLang="en-US" sz="1000" b="1" dirty="0">
+                  <a:solidFill>
+                    <a:srgbClr val="444444"/>
+                  </a:solidFill>
+                  <a:latin typeface="+mj-lt"/>
+                </a:rPr>
+              </a:br>
+              <a:r>
+                <a:rPr lang="en-US" altLang="en-US" sz="1000" dirty="0">
+                  <a:solidFill>
+                    <a:srgbClr val="444444"/>
+                  </a:solidFill>
+                  <a:latin typeface="+mj-lt"/>
+                </a:rPr>
+                <a:t>Wed 14/03/18 - Tue 27/03/18</a:t>
+              </a:r>
+            </a:p>
+          </p:txBody>
+        </p:sp>
+        <p:sp>
+          <p:nvSpPr>
+            <p:cNvPr id="45" name="Rectangle 117" descr="Prototype&#10;Wed 28/03/18 - Tue 10/04/18"/>
+            <p:cNvSpPr>
+              <a:spLocks noChangeArrowheads="1"/>
+            </p:cNvSpPr>
+            <p:nvPr/>
+          </p:nvSpPr>
+          <p:spPr bwMode="auto">
+            <a:xfrm>
+              <a:off x="720" y="1"/>
+              <a:ext cx="289" cy="36"/>
+            </a:xfrm>
+            <a:prstGeom prst="rect">
+              <a:avLst/>
+            </a:prstGeom>
+            <a:gradFill flip="none" rotWithShape="1">
+              <a:gsLst>
+                <a:gs pos="100000">
+                  <a:srgbClr val="7AC9D4"/>
+                </a:gs>
+                <a:gs pos="0">
+                  <a:schemeClr val="accent5">
+                    <a:lumMod val="40000"/>
+                    <a:lumOff val="60000"/>
+                  </a:schemeClr>
+                </a:gs>
+              </a:gsLst>
+              <a:lin ang="5400000" scaled="1"/>
+              <a:tileRect/>
+            </a:gradFill>
             <a:ln>
               <a:noFill/>
             </a:ln>
@@ -10758,9 +11869,9 @@
                     <a:srgbClr val="444444"/>
                   </a:solidFill>
                   <a:effectLst/>
-                  <a:latin typeface="Gill Sans MT" panose="020B0502020104020203" pitchFamily="34" charset="0"/>
+                  <a:latin typeface="+mj-lt"/>
                 </a:rPr>
-                <a:t>Ideate</a:t>
+                <a:t>Prototype</a:t>
               </a:r>
               <a:r>
                 <a:rPr kumimoji="0" lang="en-US" altLang="en-US" sz="800" b="0" i="0" u="none" strike="noStrike" cap="none" normalizeH="0" baseline="0" dirty="0" smtClean="0">
@@ -10771,6 +11882,7 @@
                     <a:schemeClr val="tx1"/>
                   </a:solidFill>
                   <a:effectLst/>
+                  <a:latin typeface="+mj-lt"/>
                 </a:rPr>
                 <a:t/>
               </a:r>
@@ -10783,6 +11895,7 @@
                     <a:schemeClr val="tx1"/>
                   </a:solidFill>
                   <a:effectLst/>
+                  <a:latin typeface="+mj-lt"/>
                 </a:rPr>
               </a:br>
               <a:r>
@@ -10794,9 +11907,22 @@
                     <a:srgbClr val="444444"/>
                   </a:solidFill>
                   <a:effectLst/>
-                  <a:latin typeface="Gill Sans MT" panose="020B0502020104020203" pitchFamily="34" charset="0"/>
+                  <a:latin typeface="+mj-lt"/>
                 </a:rPr>
-                <a:t>Wed 14/03/18 - Tue 27/03/18</a:t>
+                <a:t>Wed 28/03/18 - Tue </a:t>
+              </a:r>
+              <a:r>
+                <a:rPr kumimoji="0" lang="en-US" altLang="en-US" sz="1000" i="0" u="none" strike="noStrike" cap="none" normalizeH="0" baseline="0" dirty="0" smtClean="0">
+                  <a:ln>
+                    <a:noFill/>
+                  </a:ln>
+                  <a:solidFill>
+                    <a:srgbClr val="444444"/>
+                  </a:solidFill>
+                  <a:effectLst/>
+                  <a:latin typeface="+mj-lt"/>
+                </a:rPr>
+                <a:t>10/04/18</a:t>
               </a:r>
               <a:endParaRPr kumimoji="0" lang="en-US" altLang="en-US" sz="1800" i="0" u="none" strike="noStrike" cap="none" normalizeH="0" baseline="0" dirty="0" smtClean="0">
                 <a:ln>
@@ -10806,14 +11932,14 @@
                   <a:schemeClr val="tx1"/>
                 </a:solidFill>
                 <a:effectLst/>
-                <a:latin typeface="Arial" panose="020B0604020202020204" pitchFamily="34" charset="0"/>
+                <a:latin typeface="+mj-lt"/>
               </a:endParaRPr>
             </a:p>
           </p:txBody>
         </p:sp>
         <p:sp>
           <p:nvSpPr>
-            <p:cNvPr id="45" name="Rectangle 117" descr="Prototype&#10;Wed 28/03/18 - Tue 10/04/18"/>
+            <p:cNvPr id="46" name="Rectangle 116" descr="Define&#10;Wed 28/02/18 - Tue 13/03/18"/>
             <p:cNvSpPr>
               <a:spLocks noChangeArrowheads="1"/>
             </p:cNvSpPr>
@@ -10821,15 +11947,30 @@
           </p:nvSpPr>
           <p:spPr bwMode="auto">
             <a:xfrm>
-              <a:off x="720" y="1"/>
-              <a:ext cx="289" cy="36"/>
+              <a:off x="139" y="1"/>
+              <a:ext cx="290" cy="36"/>
             </a:xfrm>
             <a:prstGeom prst="rect">
               <a:avLst/>
             </a:prstGeom>
-            <a:solidFill>
-              <a:srgbClr val="74A9DA"/>
-            </a:solidFill>
+            <a:gradFill flip="none" rotWithShape="1">
+              <a:gsLst>
+                <a:gs pos="0">
+                  <a:schemeClr val="accent2">
+                    <a:lumMod val="40000"/>
+                    <a:lumOff val="60000"/>
+                  </a:schemeClr>
+                </a:gs>
+                <a:gs pos="100000">
+                  <a:schemeClr val="accent2">
+                    <a:lumMod val="60000"/>
+                    <a:lumOff val="40000"/>
+                  </a:schemeClr>
+                </a:gs>
+              </a:gsLst>
+              <a:lin ang="5400000" scaled="1"/>
+              <a:tileRect/>
+            </a:gradFill>
             <a:ln>
               <a:noFill/>
             </a:ln>
@@ -10879,9 +12020,9 @@
                     <a:srgbClr val="444444"/>
                   </a:solidFill>
                   <a:effectLst/>
-                  <a:latin typeface="Gill Sans MT" panose="020B0502020104020203" pitchFamily="34" charset="0"/>
+                  <a:latin typeface="+mj-lt"/>
                 </a:rPr>
-                <a:t>Prototype</a:t>
+                <a:t>Define</a:t>
               </a:r>
               <a:r>
                 <a:rPr kumimoji="0" lang="en-US" altLang="en-US" sz="800" b="0" i="0" u="none" strike="noStrike" cap="none" normalizeH="0" baseline="0" dirty="0" smtClean="0">
@@ -10892,6 +12033,7 @@
                     <a:schemeClr val="tx1"/>
                   </a:solidFill>
                   <a:effectLst/>
+                  <a:latin typeface="+mj-lt"/>
                 </a:rPr>
                 <a:t/>
               </a:r>
@@ -10904,6 +12046,7 @@
                     <a:schemeClr val="tx1"/>
                   </a:solidFill>
                   <a:effectLst/>
+                  <a:latin typeface="+mj-lt"/>
                 </a:rPr>
               </a:br>
               <a:r>
@@ -10915,9 +12058,9 @@
                     <a:srgbClr val="444444"/>
                   </a:solidFill>
                   <a:effectLst/>
-                  <a:latin typeface="Gill Sans MT" panose="020B0502020104020203" pitchFamily="34" charset="0"/>
+                  <a:latin typeface="+mj-lt"/>
                 </a:rPr>
-                <a:t>Wed 28/03/18 - Tue 10/04/18</a:t>
+                <a:t>Wed 28/02/18 - Tue 13/03/18</a:t>
               </a:r>
               <a:endParaRPr kumimoji="0" lang="en-US" altLang="en-US" sz="1800" i="0" u="none" strike="noStrike" cap="none" normalizeH="0" baseline="0" dirty="0" smtClean="0">
                 <a:ln>
@@ -10927,14 +12070,14 @@
                   <a:schemeClr val="tx1"/>
                 </a:solidFill>
                 <a:effectLst/>
-                <a:latin typeface="Arial" panose="020B0604020202020204" pitchFamily="34" charset="0"/>
+                <a:latin typeface="+mj-lt"/>
               </a:endParaRPr>
             </a:p>
           </p:txBody>
         </p:sp>
         <p:sp>
           <p:nvSpPr>
-            <p:cNvPr id="46" name="Rectangle 116" descr="Define&#10;Wed 28/02/18 - Tue 13/03/18"/>
+            <p:cNvPr id="47" name="Rectangle 115" descr="Sprint 1&#10;Wed 28/02/18 - Tue 6/03/18"/>
             <p:cNvSpPr>
               <a:spLocks noChangeArrowheads="1"/>
             </p:cNvSpPr>
@@ -10942,15 +12085,30 @@
           </p:nvSpPr>
           <p:spPr bwMode="auto">
             <a:xfrm>
-              <a:off x="139" y="1"/>
-              <a:ext cx="290" cy="36"/>
+              <a:off x="139" y="38"/>
+              <a:ext cx="145" cy="36"/>
             </a:xfrm>
             <a:prstGeom prst="rect">
               <a:avLst/>
             </a:prstGeom>
-            <a:solidFill>
-              <a:srgbClr val="C5E0B3"/>
-            </a:solidFill>
+            <a:gradFill flip="none" rotWithShape="1">
+              <a:gsLst>
+                <a:gs pos="0">
+                  <a:schemeClr val="accent2">
+                    <a:lumMod val="40000"/>
+                    <a:lumOff val="60000"/>
+                  </a:schemeClr>
+                </a:gs>
+                <a:gs pos="100000">
+                  <a:schemeClr val="accent2">
+                    <a:lumMod val="60000"/>
+                    <a:lumOff val="40000"/>
+                  </a:schemeClr>
+                </a:gs>
+              </a:gsLst>
+              <a:lin ang="5400000" scaled="1"/>
+              <a:tileRect/>
+            </a:gradFill>
             <a:ln>
               <a:noFill/>
             </a:ln>
@@ -10975,87 +12133,46 @@
             </a:bodyPr>
             <a:lstStyle/>
             <a:p>
-              <a:pPr marL="0" marR="0" lvl="0" indent="0" algn="l" defTabSz="914400" rtl="0" eaLnBrk="0" fontAlgn="base" latinLnBrk="0" hangingPunct="0">
-                <a:lnSpc>
-                  <a:spcPct val="100000"/>
-                </a:lnSpc>
+              <a:pPr defTabSz="914400" eaLnBrk="0" fontAlgn="base" hangingPunct="0">
                 <a:spcBef>
                   <a:spcPct val="0"/>
                 </a:spcBef>
                 <a:spcAft>
                   <a:spcPct val="0"/>
                 </a:spcAft>
-                <a:buClrTx/>
-                <a:buSzTx/>
-                <a:buFontTx/>
-                <a:buNone/>
-                <a:tabLst/>
               </a:pPr>
               <a:r>
-                <a:rPr kumimoji="0" lang="en-US" altLang="en-US" sz="1000" b="1" i="0" u="none" strike="noStrike" cap="none" normalizeH="0" baseline="0" dirty="0" smtClean="0">
-                  <a:ln>
-                    <a:noFill/>
-                  </a:ln>
+                <a:rPr lang="en-US" altLang="en-US" sz="1000" b="1" dirty="0">
                   <a:solidFill>
                     <a:srgbClr val="444444"/>
                   </a:solidFill>
-                  <a:effectLst/>
-                  <a:latin typeface="Gill Sans MT" panose="020B0502020104020203" pitchFamily="34" charset="0"/>
+                  <a:latin typeface="+mj-lt"/>
                 </a:rPr>
-                <a:t>Define</a:t>
-              </a:r>
-              <a:r>
-                <a:rPr kumimoji="0" lang="en-US" altLang="en-US" sz="800" b="0" i="0" u="none" strike="noStrike" cap="none" normalizeH="0" baseline="0" dirty="0" smtClean="0">
-                  <a:ln>
-                    <a:noFill/>
-                  </a:ln>
-                  <a:solidFill>
-                    <a:schemeClr val="tx1"/>
-                  </a:solidFill>
-                  <a:effectLst/>
-                </a:rPr>
-                <a:t/>
+                <a:t>Sprint 1</a:t>
               </a:r>
               <a:br>
-                <a:rPr kumimoji="0" lang="en-US" altLang="en-US" sz="800" b="0" i="0" u="none" strike="noStrike" cap="none" normalizeH="0" baseline="0" dirty="0" smtClean="0">
-                  <a:ln>
-                    <a:noFill/>
-                  </a:ln>
+                <a:rPr lang="en-US" altLang="en-US" sz="1000" b="1" dirty="0">
                   <a:solidFill>
-                    <a:schemeClr val="tx1"/>
+                    <a:srgbClr val="444444"/>
                   </a:solidFill>
-                  <a:effectLst/>
+                  <a:latin typeface="+mj-lt"/>
                 </a:rPr>
               </a:br>
               <a:r>
-                <a:rPr kumimoji="0" lang="en-US" altLang="en-US" sz="1000" i="0" u="none" strike="noStrike" cap="none" normalizeH="0" baseline="0" dirty="0" smtClean="0">
-                  <a:ln>
-                    <a:noFill/>
-                  </a:ln>
+                <a:rPr lang="en-US" altLang="en-US" sz="1000" dirty="0">
                   <a:solidFill>
                     <a:srgbClr val="444444"/>
                   </a:solidFill>
-                  <a:effectLst/>
-                  <a:latin typeface="Gill Sans MT" panose="020B0502020104020203" pitchFamily="34" charset="0"/>
+                  <a:latin typeface="+mj-lt"/>
                 </a:rPr>
-                <a:t>Wed 28/02/18 - Tue 13/03/18</a:t>
+                <a:t>Wed 28/02/18 - Tue 6/03/18</a:t>
               </a:r>
-              <a:endParaRPr kumimoji="0" lang="en-US" altLang="en-US" sz="1800" i="0" u="none" strike="noStrike" cap="none" normalizeH="0" baseline="0" dirty="0" smtClean="0">
-                <a:ln>
-                  <a:noFill/>
-                </a:ln>
-                <a:solidFill>
-                  <a:schemeClr val="tx1"/>
-                </a:solidFill>
-                <a:effectLst/>
-                <a:latin typeface="Arial" panose="020B0604020202020204" pitchFamily="34" charset="0"/>
-              </a:endParaRPr>
             </a:p>
           </p:txBody>
         </p:sp>
         <p:sp>
           <p:nvSpPr>
-            <p:cNvPr id="47" name="Rectangle 115" descr="Sprint 1&#10;Wed 28/02/18 - Tue 6/03/18"/>
+            <p:cNvPr id="48" name="Rectangle 114" descr="Sprint 2&#10;Wed 7/03/18 - Tue 13/03/18"/>
             <p:cNvSpPr>
               <a:spLocks noChangeArrowheads="1"/>
             </p:cNvSpPr>
@@ -11063,15 +12180,30 @@
           </p:nvSpPr>
           <p:spPr bwMode="auto">
             <a:xfrm>
-              <a:off x="139" y="38"/>
-              <a:ext cx="145" cy="36"/>
+              <a:off x="285" y="38"/>
+              <a:ext cx="144" cy="36"/>
             </a:xfrm>
             <a:prstGeom prst="rect">
               <a:avLst/>
             </a:prstGeom>
-            <a:solidFill>
-              <a:srgbClr val="C5E0B3"/>
-            </a:solidFill>
+            <a:gradFill flip="none" rotWithShape="1">
+              <a:gsLst>
+                <a:gs pos="0">
+                  <a:schemeClr val="accent2">
+                    <a:lumMod val="40000"/>
+                    <a:lumOff val="60000"/>
+                  </a:schemeClr>
+                </a:gs>
+                <a:gs pos="100000">
+                  <a:schemeClr val="accent2">
+                    <a:lumMod val="60000"/>
+                    <a:lumOff val="40000"/>
+                  </a:schemeClr>
+                </a:gs>
+              </a:gsLst>
+              <a:lin ang="5400000" scaled="1"/>
+              <a:tileRect/>
+            </a:gradFill>
             <a:ln>
               <a:noFill/>
             </a:ln>
@@ -11096,87 +12228,46 @@
             </a:bodyPr>
             <a:lstStyle/>
             <a:p>
-              <a:pPr marL="0" marR="0" lvl="0" indent="0" algn="l" defTabSz="914400" rtl="0" eaLnBrk="0" fontAlgn="base" latinLnBrk="0" hangingPunct="0">
-                <a:lnSpc>
-                  <a:spcPct val="100000"/>
-                </a:lnSpc>
+              <a:pPr defTabSz="914400" eaLnBrk="0" fontAlgn="base" hangingPunct="0">
                 <a:spcBef>
                   <a:spcPct val="0"/>
                 </a:spcBef>
                 <a:spcAft>
                   <a:spcPct val="0"/>
                 </a:spcAft>
-                <a:buClrTx/>
-                <a:buSzTx/>
-                <a:buFontTx/>
-                <a:buNone/>
-                <a:tabLst/>
               </a:pPr>
               <a:r>
-                <a:rPr kumimoji="0" lang="en-US" altLang="en-US" sz="1000" b="1" i="0" u="none" strike="noStrike" cap="none" normalizeH="0" baseline="0" dirty="0" smtClean="0">
-                  <a:ln>
-                    <a:noFill/>
-                  </a:ln>
+                <a:rPr lang="en-US" altLang="en-US" sz="1000" b="1" dirty="0">
                   <a:solidFill>
                     <a:srgbClr val="444444"/>
                   </a:solidFill>
-                  <a:effectLst/>
-                  <a:latin typeface="Gill Sans MT" panose="020B0502020104020203" pitchFamily="34" charset="0"/>
+                  <a:latin typeface="+mj-lt"/>
                 </a:rPr>
-                <a:t>Sprint 1</a:t>
-              </a:r>
-              <a:r>
-                <a:rPr kumimoji="0" lang="en-US" altLang="en-US" sz="800" b="0" i="0" u="none" strike="noStrike" cap="none" normalizeH="0" baseline="0" dirty="0" smtClean="0">
-                  <a:ln>
-                    <a:noFill/>
-                  </a:ln>
-                  <a:solidFill>
-                    <a:schemeClr val="tx1"/>
-                  </a:solidFill>
-                  <a:effectLst/>
-                </a:rPr>
-                <a:t/>
+                <a:t>Sprint 2</a:t>
               </a:r>
               <a:br>
-                <a:rPr kumimoji="0" lang="en-US" altLang="en-US" sz="800" b="0" i="0" u="none" strike="noStrike" cap="none" normalizeH="0" baseline="0" dirty="0" smtClean="0">
-                  <a:ln>
-                    <a:noFill/>
-                  </a:ln>
+                <a:rPr lang="en-US" altLang="en-US" sz="1000" b="1" dirty="0">
                   <a:solidFill>
-                    <a:schemeClr val="tx1"/>
+                    <a:srgbClr val="444444"/>
                   </a:solidFill>
-                  <a:effectLst/>
+                  <a:latin typeface="+mj-lt"/>
                 </a:rPr>
               </a:br>
               <a:r>
-                <a:rPr kumimoji="0" lang="en-US" altLang="en-US" sz="1000" i="0" u="none" strike="noStrike" cap="none" normalizeH="0" baseline="0" dirty="0" smtClean="0">
-                  <a:ln>
-                    <a:noFill/>
-                  </a:ln>
+                <a:rPr lang="en-US" altLang="en-US" sz="1000" dirty="0">
                   <a:solidFill>
                     <a:srgbClr val="444444"/>
                   </a:solidFill>
-                  <a:effectLst/>
-                  <a:latin typeface="Gill Sans MT" panose="020B0502020104020203" pitchFamily="34" charset="0"/>
+                  <a:latin typeface="+mj-lt"/>
                 </a:rPr>
-                <a:t>Wed 28/02/18 - Tue 6/03/18</a:t>
+                <a:t>Wed 7/03/18 - Tue 13/03/18</a:t>
               </a:r>
-              <a:endParaRPr kumimoji="0" lang="en-US" altLang="en-US" sz="1800" i="0" u="none" strike="noStrike" cap="none" normalizeH="0" baseline="0" dirty="0" smtClean="0">
-                <a:ln>
-                  <a:noFill/>
-                </a:ln>
-                <a:solidFill>
-                  <a:schemeClr val="tx1"/>
-                </a:solidFill>
-                <a:effectLst/>
-                <a:latin typeface="Arial" panose="020B0604020202020204" pitchFamily="34" charset="0"/>
-              </a:endParaRPr>
             </a:p>
           </p:txBody>
         </p:sp>
         <p:sp>
           <p:nvSpPr>
-            <p:cNvPr id="48" name="Rectangle 114" descr="Sprint 2&#10;Wed 7/03/18 - Tue 13/03/18"/>
+            <p:cNvPr id="49" name="Rectangle 113" descr="Test&#10;Wed 11/04/18 - Tue 24/04/18"/>
             <p:cNvSpPr>
               <a:spLocks noChangeArrowheads="1"/>
             </p:cNvSpPr>
@@ -11184,15 +12275,30 @@
           </p:nvSpPr>
           <p:spPr bwMode="auto">
             <a:xfrm>
-              <a:off x="285" y="38"/>
-              <a:ext cx="144" cy="36"/>
+              <a:off x="1010" y="1"/>
+              <a:ext cx="290" cy="36"/>
             </a:xfrm>
             <a:prstGeom prst="rect">
               <a:avLst/>
             </a:prstGeom>
-            <a:solidFill>
-              <a:srgbClr val="C5E0B3"/>
-            </a:solidFill>
+            <a:gradFill flip="none" rotWithShape="1">
+              <a:gsLst>
+                <a:gs pos="0">
+                  <a:schemeClr val="accent2">
+                    <a:lumMod val="40000"/>
+                    <a:lumOff val="60000"/>
+                  </a:schemeClr>
+                </a:gs>
+                <a:gs pos="100000">
+                  <a:schemeClr val="accent2">
+                    <a:lumMod val="60000"/>
+                    <a:lumOff val="40000"/>
+                  </a:schemeClr>
+                </a:gs>
+              </a:gsLst>
+              <a:lin ang="5400000" scaled="1"/>
+              <a:tileRect/>
+            </a:gradFill>
             <a:ln>
               <a:noFill/>
             </a:ln>
@@ -11217,87 +12323,46 @@
             </a:bodyPr>
             <a:lstStyle/>
             <a:p>
-              <a:pPr marL="0" marR="0" lvl="0" indent="0" algn="l" defTabSz="914400" rtl="0" eaLnBrk="0" fontAlgn="base" latinLnBrk="0" hangingPunct="0">
-                <a:lnSpc>
-                  <a:spcPct val="100000"/>
-                </a:lnSpc>
+              <a:pPr defTabSz="914400" eaLnBrk="0" fontAlgn="base" hangingPunct="0">
                 <a:spcBef>
                   <a:spcPct val="0"/>
                 </a:spcBef>
                 <a:spcAft>
                   <a:spcPct val="0"/>
                 </a:spcAft>
-                <a:buClrTx/>
-                <a:buSzTx/>
-                <a:buFontTx/>
-                <a:buNone/>
-                <a:tabLst/>
               </a:pPr>
               <a:r>
-                <a:rPr kumimoji="0" lang="en-US" altLang="en-US" sz="1000" b="1" i="0" u="none" strike="noStrike" cap="none" normalizeH="0" baseline="0" dirty="0" smtClean="0">
-                  <a:ln>
-                    <a:noFill/>
-                  </a:ln>
+                <a:rPr lang="en-US" altLang="en-US" sz="1000" b="1" dirty="0">
                   <a:solidFill>
                     <a:srgbClr val="444444"/>
                   </a:solidFill>
-                  <a:effectLst/>
-                  <a:latin typeface="Gill Sans MT" panose="020B0502020104020203" pitchFamily="34" charset="0"/>
+                  <a:latin typeface="+mj-lt"/>
                 </a:rPr>
-                <a:t>Sprint 2</a:t>
-              </a:r>
-              <a:r>
-                <a:rPr kumimoji="0" lang="en-US" altLang="en-US" sz="800" b="0" i="0" u="none" strike="noStrike" cap="none" normalizeH="0" baseline="0" dirty="0" smtClean="0">
-                  <a:ln>
-                    <a:noFill/>
-                  </a:ln>
-                  <a:solidFill>
-                    <a:schemeClr val="tx1"/>
-                  </a:solidFill>
-                  <a:effectLst/>
-                </a:rPr>
-                <a:t/>
+                <a:t>Test</a:t>
               </a:r>
               <a:br>
-                <a:rPr kumimoji="0" lang="en-US" altLang="en-US" sz="800" b="0" i="0" u="none" strike="noStrike" cap="none" normalizeH="0" baseline="0" dirty="0" smtClean="0">
-                  <a:ln>
-                    <a:noFill/>
-                  </a:ln>
+                <a:rPr lang="en-US" altLang="en-US" sz="1000" b="1" dirty="0">
                   <a:solidFill>
-                    <a:schemeClr val="tx1"/>
+                    <a:srgbClr val="444444"/>
                   </a:solidFill>
-                  <a:effectLst/>
+                  <a:latin typeface="+mj-lt"/>
                 </a:rPr>
               </a:br>
               <a:r>
-                <a:rPr kumimoji="0" lang="en-US" altLang="en-US" sz="1000" i="0" u="none" strike="noStrike" cap="none" normalizeH="0" baseline="0" dirty="0" smtClean="0">
-                  <a:ln>
-                    <a:noFill/>
-                  </a:ln>
+                <a:rPr lang="en-US" altLang="en-US" sz="1000" dirty="0">
                   <a:solidFill>
                     <a:srgbClr val="444444"/>
                   </a:solidFill>
-                  <a:effectLst/>
-                  <a:latin typeface="Gill Sans MT" panose="020B0502020104020203" pitchFamily="34" charset="0"/>
+                  <a:latin typeface="+mj-lt"/>
                 </a:rPr>
-                <a:t>Wed 7/03/18 - Tue 13/03/18</a:t>
+                <a:t>Wed 11/04/18 - Tue 24/04/18</a:t>
               </a:r>
-              <a:endParaRPr kumimoji="0" lang="en-US" altLang="en-US" sz="1800" i="0" u="none" strike="noStrike" cap="none" normalizeH="0" baseline="0" dirty="0" smtClean="0">
-                <a:ln>
-                  <a:noFill/>
-                </a:ln>
-                <a:solidFill>
-                  <a:schemeClr val="tx1"/>
-                </a:solidFill>
-                <a:effectLst/>
-                <a:latin typeface="Arial" panose="020B0604020202020204" pitchFamily="34" charset="0"/>
-              </a:endParaRPr>
             </a:p>
           </p:txBody>
         </p:sp>
         <p:sp>
           <p:nvSpPr>
-            <p:cNvPr id="49" name="Rectangle 113" descr="Test&#10;Wed 11/04/18 - Tue 24/04/18"/>
+            <p:cNvPr id="50" name="Rectangle 112" descr="Implement&#10;Wed 25/04/18 - Tue 8/05/18"/>
             <p:cNvSpPr>
               <a:spLocks noChangeArrowheads="1"/>
             </p:cNvSpPr>
@@ -11305,15 +12370,30 @@
           </p:nvSpPr>
           <p:spPr bwMode="auto">
             <a:xfrm>
-              <a:off x="1010" y="1"/>
-              <a:ext cx="290" cy="36"/>
+              <a:off x="1301" y="1"/>
+              <a:ext cx="289" cy="36"/>
             </a:xfrm>
             <a:prstGeom prst="rect">
               <a:avLst/>
             </a:prstGeom>
-            <a:solidFill>
-              <a:srgbClr val="C5E0B3"/>
-            </a:solidFill>
+            <a:gradFill flip="none" rotWithShape="1">
+              <a:gsLst>
+                <a:gs pos="0">
+                  <a:schemeClr val="accent2">
+                    <a:lumMod val="40000"/>
+                    <a:lumOff val="60000"/>
+                  </a:schemeClr>
+                </a:gs>
+                <a:gs pos="100000">
+                  <a:schemeClr val="accent2">
+                    <a:lumMod val="60000"/>
+                    <a:lumOff val="40000"/>
+                  </a:schemeClr>
+                </a:gs>
+              </a:gsLst>
+              <a:lin ang="5400000" scaled="1"/>
+              <a:tileRect/>
+            </a:gradFill>
             <a:ln>
               <a:noFill/>
             </a:ln>
@@ -11338,87 +12418,46 @@
             </a:bodyPr>
             <a:lstStyle/>
             <a:p>
-              <a:pPr marL="0" marR="0" lvl="0" indent="0" algn="l" defTabSz="914400" rtl="0" eaLnBrk="0" fontAlgn="base" latinLnBrk="0" hangingPunct="0">
-                <a:lnSpc>
-                  <a:spcPct val="100000"/>
-                </a:lnSpc>
+              <a:pPr defTabSz="914400" eaLnBrk="0" fontAlgn="base" hangingPunct="0">
                 <a:spcBef>
                   <a:spcPct val="0"/>
                 </a:spcBef>
                 <a:spcAft>
                   <a:spcPct val="0"/>
                 </a:spcAft>
-                <a:buClrTx/>
-                <a:buSzTx/>
-                <a:buFontTx/>
-                <a:buNone/>
-                <a:tabLst/>
               </a:pPr>
               <a:r>
-                <a:rPr kumimoji="0" lang="en-US" altLang="en-US" sz="1000" b="1" i="0" u="none" strike="noStrike" cap="none" normalizeH="0" baseline="0" dirty="0" smtClean="0">
-                  <a:ln>
-                    <a:noFill/>
-                  </a:ln>
+                <a:rPr lang="en-US" altLang="en-US" sz="1000" b="1" dirty="0">
                   <a:solidFill>
                     <a:srgbClr val="444444"/>
                   </a:solidFill>
-                  <a:effectLst/>
-                  <a:latin typeface="Gill Sans MT" panose="020B0502020104020203" pitchFamily="34" charset="0"/>
+                  <a:latin typeface="+mj-lt"/>
                 </a:rPr>
-                <a:t>Test</a:t>
-              </a:r>
-              <a:r>
-                <a:rPr kumimoji="0" lang="en-US" altLang="en-US" sz="800" b="0" i="0" u="none" strike="noStrike" cap="none" normalizeH="0" baseline="0" dirty="0" smtClean="0">
-                  <a:ln>
-                    <a:noFill/>
-                  </a:ln>
-                  <a:solidFill>
-                    <a:schemeClr val="tx1"/>
-                  </a:solidFill>
-                  <a:effectLst/>
-                </a:rPr>
-                <a:t/>
+                <a:t>Implement</a:t>
               </a:r>
               <a:br>
-                <a:rPr kumimoji="0" lang="en-US" altLang="en-US" sz="800" b="0" i="0" u="none" strike="noStrike" cap="none" normalizeH="0" baseline="0" dirty="0" smtClean="0">
-                  <a:ln>
-                    <a:noFill/>
-                  </a:ln>
+                <a:rPr lang="en-US" altLang="en-US" sz="1000" b="1" dirty="0">
                   <a:solidFill>
-                    <a:schemeClr val="tx1"/>
+                    <a:srgbClr val="444444"/>
                   </a:solidFill>
-                  <a:effectLst/>
+                  <a:latin typeface="+mj-lt"/>
                 </a:rPr>
               </a:br>
               <a:r>
-                <a:rPr kumimoji="0" lang="en-US" altLang="en-US" sz="1000" i="0" u="none" strike="noStrike" cap="none" normalizeH="0" baseline="0" dirty="0" smtClean="0">
-                  <a:ln>
-                    <a:noFill/>
-                  </a:ln>
+                <a:rPr lang="en-US" altLang="en-US" sz="1000" dirty="0">
                   <a:solidFill>
                     <a:srgbClr val="444444"/>
                   </a:solidFill>
-                  <a:effectLst/>
-                  <a:latin typeface="Gill Sans MT" panose="020B0502020104020203" pitchFamily="34" charset="0"/>
+                  <a:latin typeface="+mj-lt"/>
                 </a:rPr>
-                <a:t>Wed 11/04/18 - Tue 24/04/18</a:t>
+                <a:t>Wed 25/04/18 - Tue 8/05/18</a:t>
               </a:r>
-              <a:endParaRPr kumimoji="0" lang="en-US" altLang="en-US" sz="1800" i="0" u="none" strike="noStrike" cap="none" normalizeH="0" baseline="0" dirty="0" smtClean="0">
-                <a:ln>
-                  <a:noFill/>
-                </a:ln>
-                <a:solidFill>
-                  <a:schemeClr val="tx1"/>
-                </a:solidFill>
-                <a:effectLst/>
-                <a:latin typeface="Arial" panose="020B0604020202020204" pitchFamily="34" charset="0"/>
-              </a:endParaRPr>
             </a:p>
           </p:txBody>
         </p:sp>
         <p:sp>
           <p:nvSpPr>
-            <p:cNvPr id="50" name="Rectangle 112" descr="Implement&#10;Wed 25/04/18 - Tue 8/05/18"/>
+            <p:cNvPr id="51" name="Rectangle 111" descr="Sprint 3&#10;Wed 14/03/18 - Tue 20/03/18"/>
             <p:cNvSpPr>
               <a:spLocks noChangeArrowheads="1"/>
             </p:cNvSpPr>
@@ -11426,15 +12465,30 @@
           </p:nvSpPr>
           <p:spPr bwMode="auto">
             <a:xfrm>
-              <a:off x="1301" y="1"/>
-              <a:ext cx="289" cy="36"/>
+              <a:off x="430" y="38"/>
+              <a:ext cx="144" cy="36"/>
             </a:xfrm>
             <a:prstGeom prst="rect">
               <a:avLst/>
             </a:prstGeom>
-            <a:solidFill>
-              <a:srgbClr val="C5E0B3"/>
-            </a:solidFill>
+            <a:gradFill flip="none" rotWithShape="1">
+              <a:gsLst>
+                <a:gs pos="0">
+                  <a:schemeClr val="accent2">
+                    <a:lumMod val="40000"/>
+                    <a:lumOff val="60000"/>
+                  </a:schemeClr>
+                </a:gs>
+                <a:gs pos="100000">
+                  <a:schemeClr val="accent2">
+                    <a:lumMod val="60000"/>
+                    <a:lumOff val="40000"/>
+                  </a:schemeClr>
+                </a:gs>
+              </a:gsLst>
+              <a:lin ang="5400000" scaled="1"/>
+              <a:tileRect/>
+            </a:gradFill>
             <a:ln>
               <a:noFill/>
             </a:ln>
@@ -11459,87 +12513,46 @@
             </a:bodyPr>
             <a:lstStyle/>
             <a:p>
-              <a:pPr marL="0" marR="0" lvl="0" indent="0" algn="l" defTabSz="914400" rtl="0" eaLnBrk="0" fontAlgn="base" latinLnBrk="0" hangingPunct="0">
-                <a:lnSpc>
-                  <a:spcPct val="100000"/>
-                </a:lnSpc>
+              <a:pPr defTabSz="914400" eaLnBrk="0" fontAlgn="base" hangingPunct="0">
                 <a:spcBef>
                   <a:spcPct val="0"/>
                 </a:spcBef>
                 <a:spcAft>
                   <a:spcPct val="0"/>
                 </a:spcAft>
-                <a:buClrTx/>
-                <a:buSzTx/>
-                <a:buFontTx/>
-                <a:buNone/>
-                <a:tabLst/>
               </a:pPr>
               <a:r>
-                <a:rPr kumimoji="0" lang="en-US" altLang="en-US" sz="1000" b="1" i="0" u="none" strike="noStrike" cap="none" normalizeH="0" baseline="0" dirty="0" smtClean="0">
-                  <a:ln>
-                    <a:noFill/>
-                  </a:ln>
+                <a:rPr lang="en-US" altLang="en-US" sz="1000" b="1" dirty="0">
                   <a:solidFill>
                     <a:srgbClr val="444444"/>
                   </a:solidFill>
-                  <a:effectLst/>
-                  <a:latin typeface="Gill Sans MT" panose="020B0502020104020203" pitchFamily="34" charset="0"/>
+                  <a:latin typeface="+mj-lt"/>
                 </a:rPr>
-                <a:t>Implement</a:t>
-              </a:r>
-              <a:r>
-                <a:rPr kumimoji="0" lang="en-US" altLang="en-US" sz="800" b="0" i="0" u="none" strike="noStrike" cap="none" normalizeH="0" baseline="0" dirty="0" smtClean="0">
-                  <a:ln>
-                    <a:noFill/>
-                  </a:ln>
-                  <a:solidFill>
-                    <a:schemeClr val="tx1"/>
-                  </a:solidFill>
-                  <a:effectLst/>
-                </a:rPr>
-                <a:t/>
+                <a:t>Sprint 3</a:t>
               </a:r>
               <a:br>
-                <a:rPr kumimoji="0" lang="en-US" altLang="en-US" sz="800" b="0" i="0" u="none" strike="noStrike" cap="none" normalizeH="0" baseline="0" dirty="0" smtClean="0">
-                  <a:ln>
-                    <a:noFill/>
-                  </a:ln>
+                <a:rPr lang="en-US" altLang="en-US" sz="1000" b="1" dirty="0">
                   <a:solidFill>
-                    <a:schemeClr val="tx1"/>
+                    <a:srgbClr val="444444"/>
                   </a:solidFill>
-                  <a:effectLst/>
+                  <a:latin typeface="+mj-lt"/>
                 </a:rPr>
               </a:br>
               <a:r>
-                <a:rPr kumimoji="0" lang="en-US" altLang="en-US" sz="1000" i="0" u="none" strike="noStrike" cap="none" normalizeH="0" baseline="0" dirty="0" smtClean="0">
-                  <a:ln>
-                    <a:noFill/>
-                  </a:ln>
+                <a:rPr lang="en-US" altLang="en-US" sz="1000" dirty="0">
                   <a:solidFill>
                     <a:srgbClr val="444444"/>
                   </a:solidFill>
-                  <a:effectLst/>
-                  <a:latin typeface="Gill Sans MT" panose="020B0502020104020203" pitchFamily="34" charset="0"/>
+                  <a:latin typeface="+mj-lt"/>
                 </a:rPr>
-                <a:t>Wed 25/04/18 - Tue 8/05/18</a:t>
+                <a:t>Wed 14/03/18 - Tue 20/03/18</a:t>
               </a:r>
-              <a:endParaRPr kumimoji="0" lang="en-US" altLang="en-US" sz="1800" i="0" u="none" strike="noStrike" cap="none" normalizeH="0" baseline="0" dirty="0" smtClean="0">
-                <a:ln>
-                  <a:noFill/>
-                </a:ln>
-                <a:solidFill>
-                  <a:schemeClr val="tx1"/>
-                </a:solidFill>
-                <a:effectLst/>
-                <a:latin typeface="Arial" panose="020B0604020202020204" pitchFamily="34" charset="0"/>
-              </a:endParaRPr>
             </a:p>
           </p:txBody>
         </p:sp>
         <p:sp>
           <p:nvSpPr>
-            <p:cNvPr id="51" name="Rectangle 111" descr="Sprint 3&#10;Wed 14/03/18 - Tue 20/03/18"/>
+            <p:cNvPr id="52" name="Rectangle 110" descr="Sprint 4&#10;Wed 21/03/18 - Tue 27/03/18"/>
             <p:cNvSpPr>
               <a:spLocks noChangeArrowheads="1"/>
             </p:cNvSpPr>
@@ -11547,15 +12560,30 @@
           </p:nvSpPr>
           <p:spPr bwMode="auto">
             <a:xfrm>
-              <a:off x="430" y="38"/>
+              <a:off x="575" y="38"/>
               <a:ext cx="144" cy="36"/>
             </a:xfrm>
             <a:prstGeom prst="rect">
               <a:avLst/>
             </a:prstGeom>
-            <a:solidFill>
-              <a:srgbClr val="C5E0B3"/>
-            </a:solidFill>
+            <a:gradFill flip="none" rotWithShape="1">
+              <a:gsLst>
+                <a:gs pos="0">
+                  <a:schemeClr val="accent2">
+                    <a:lumMod val="40000"/>
+                    <a:lumOff val="60000"/>
+                  </a:schemeClr>
+                </a:gs>
+                <a:gs pos="100000">
+                  <a:schemeClr val="accent2">
+                    <a:lumMod val="60000"/>
+                    <a:lumOff val="40000"/>
+                  </a:schemeClr>
+                </a:gs>
+              </a:gsLst>
+              <a:lin ang="5400000" scaled="1"/>
+              <a:tileRect/>
+            </a:gradFill>
             <a:ln>
               <a:noFill/>
             </a:ln>
@@ -11580,87 +12608,46 @@
             </a:bodyPr>
             <a:lstStyle/>
             <a:p>
-              <a:pPr marL="0" marR="0" lvl="0" indent="0" algn="l" defTabSz="914400" rtl="0" eaLnBrk="0" fontAlgn="base" latinLnBrk="0" hangingPunct="0">
-                <a:lnSpc>
-                  <a:spcPct val="100000"/>
-                </a:lnSpc>
+              <a:pPr defTabSz="914400" eaLnBrk="0" fontAlgn="base" hangingPunct="0">
                 <a:spcBef>
                   <a:spcPct val="0"/>
                 </a:spcBef>
                 <a:spcAft>
                   <a:spcPct val="0"/>
                 </a:spcAft>
-                <a:buClrTx/>
-                <a:buSzTx/>
-                <a:buFontTx/>
-                <a:buNone/>
-                <a:tabLst/>
               </a:pPr>
               <a:r>
-                <a:rPr kumimoji="0" lang="en-US" altLang="en-US" sz="1000" b="1" i="0" u="none" strike="noStrike" cap="none" normalizeH="0" baseline="0" dirty="0" smtClean="0">
-                  <a:ln>
-                    <a:noFill/>
-                  </a:ln>
+                <a:rPr lang="en-US" altLang="en-US" sz="1000" b="1" dirty="0">
                   <a:solidFill>
                     <a:srgbClr val="444444"/>
                   </a:solidFill>
-                  <a:effectLst/>
-                  <a:latin typeface="Gill Sans MT" panose="020B0502020104020203" pitchFamily="34" charset="0"/>
+                  <a:latin typeface="+mj-lt"/>
                 </a:rPr>
-                <a:t>Sprint 3</a:t>
-              </a:r>
-              <a:r>
-                <a:rPr kumimoji="0" lang="en-US" altLang="en-US" sz="800" b="0" i="0" u="none" strike="noStrike" cap="none" normalizeH="0" baseline="0" dirty="0" smtClean="0">
-                  <a:ln>
-                    <a:noFill/>
-                  </a:ln>
-                  <a:solidFill>
-                    <a:schemeClr val="tx1"/>
-                  </a:solidFill>
-                  <a:effectLst/>
-                </a:rPr>
-                <a:t/>
+                <a:t>Sprint 4</a:t>
               </a:r>
               <a:br>
-                <a:rPr kumimoji="0" lang="en-US" altLang="en-US" sz="800" b="0" i="0" u="none" strike="noStrike" cap="none" normalizeH="0" baseline="0" dirty="0" smtClean="0">
-                  <a:ln>
-                    <a:noFill/>
-                  </a:ln>
+                <a:rPr lang="en-US" altLang="en-US" sz="1000" b="1" dirty="0">
                   <a:solidFill>
-                    <a:schemeClr val="tx1"/>
+                    <a:srgbClr val="444444"/>
                   </a:solidFill>
-                  <a:effectLst/>
+                  <a:latin typeface="+mj-lt"/>
                 </a:rPr>
               </a:br>
               <a:r>
-                <a:rPr kumimoji="0" lang="en-US" altLang="en-US" sz="1000" i="0" u="none" strike="noStrike" cap="none" normalizeH="0" baseline="0" dirty="0" smtClean="0">
-                  <a:ln>
-                    <a:noFill/>
-                  </a:ln>
+                <a:rPr lang="en-US" altLang="en-US" sz="1000" dirty="0">
                   <a:solidFill>
                     <a:srgbClr val="444444"/>
                   </a:solidFill>
-                  <a:effectLst/>
-                  <a:latin typeface="Gill Sans MT" panose="020B0502020104020203" pitchFamily="34" charset="0"/>
+                  <a:latin typeface="+mj-lt"/>
                 </a:rPr>
-                <a:t>Wed 14/03/18 - Tue 20/03/18</a:t>
+                <a:t>Wed 21/03/18 - Tue 27/03/18</a:t>
               </a:r>
-              <a:endParaRPr kumimoji="0" lang="en-US" altLang="en-US" sz="1800" i="0" u="none" strike="noStrike" cap="none" normalizeH="0" baseline="0" dirty="0" smtClean="0">
-                <a:ln>
-                  <a:noFill/>
-                </a:ln>
-                <a:solidFill>
-                  <a:schemeClr val="tx1"/>
-                </a:solidFill>
-                <a:effectLst/>
-                <a:latin typeface="Arial" panose="020B0604020202020204" pitchFamily="34" charset="0"/>
-              </a:endParaRPr>
             </a:p>
           </p:txBody>
         </p:sp>
         <p:sp>
           <p:nvSpPr>
-            <p:cNvPr id="52" name="Rectangle 110" descr="Sprint 4&#10;Wed 21/03/18 - Tue 27/03/18"/>
+            <p:cNvPr id="53" name="Rectangle 109" descr="Sprint 5&#10;Wed 28/03/18 - Tue 3/04/18"/>
             <p:cNvSpPr>
               <a:spLocks noChangeArrowheads="1"/>
             </p:cNvSpPr>
@@ -11668,15 +12655,30 @@
           </p:nvSpPr>
           <p:spPr bwMode="auto">
             <a:xfrm>
-              <a:off x="575" y="38"/>
+              <a:off x="720" y="38"/>
               <a:ext cx="144" cy="36"/>
             </a:xfrm>
             <a:prstGeom prst="rect">
               <a:avLst/>
             </a:prstGeom>
-            <a:solidFill>
-              <a:srgbClr val="C5E0B3"/>
-            </a:solidFill>
+            <a:gradFill flip="none" rotWithShape="1">
+              <a:gsLst>
+                <a:gs pos="0">
+                  <a:schemeClr val="accent2">
+                    <a:lumMod val="40000"/>
+                    <a:lumOff val="60000"/>
+                  </a:schemeClr>
+                </a:gs>
+                <a:gs pos="100000">
+                  <a:schemeClr val="accent2">
+                    <a:lumMod val="60000"/>
+                    <a:lumOff val="40000"/>
+                  </a:schemeClr>
+                </a:gs>
+              </a:gsLst>
+              <a:lin ang="5400000" scaled="1"/>
+              <a:tileRect/>
+            </a:gradFill>
             <a:ln>
               <a:noFill/>
             </a:ln>
@@ -11701,87 +12703,46 @@
             </a:bodyPr>
             <a:lstStyle/>
             <a:p>
-              <a:pPr marL="0" marR="0" lvl="0" indent="0" algn="l" defTabSz="914400" rtl="0" eaLnBrk="0" fontAlgn="base" latinLnBrk="0" hangingPunct="0">
-                <a:lnSpc>
-                  <a:spcPct val="100000"/>
-                </a:lnSpc>
+              <a:pPr defTabSz="914400" eaLnBrk="0" fontAlgn="base" hangingPunct="0">
                 <a:spcBef>
                   <a:spcPct val="0"/>
                 </a:spcBef>
                 <a:spcAft>
                   <a:spcPct val="0"/>
                 </a:spcAft>
-                <a:buClrTx/>
-                <a:buSzTx/>
-                <a:buFontTx/>
-                <a:buNone/>
-                <a:tabLst/>
               </a:pPr>
               <a:r>
-                <a:rPr kumimoji="0" lang="en-US" altLang="en-US" sz="1000" b="1" i="0" u="none" strike="noStrike" cap="none" normalizeH="0" baseline="0" dirty="0" smtClean="0">
-                  <a:ln>
-                    <a:noFill/>
-                  </a:ln>
+                <a:rPr lang="en-US" altLang="en-US" sz="1000" b="1" dirty="0">
                   <a:solidFill>
                     <a:srgbClr val="444444"/>
                   </a:solidFill>
-                  <a:effectLst/>
-                  <a:latin typeface="Gill Sans MT" panose="020B0502020104020203" pitchFamily="34" charset="0"/>
+                  <a:latin typeface="+mj-lt"/>
                 </a:rPr>
-                <a:t>Sprint 4</a:t>
-              </a:r>
-              <a:r>
-                <a:rPr kumimoji="0" lang="en-US" altLang="en-US" sz="800" b="0" i="0" u="none" strike="noStrike" cap="none" normalizeH="0" baseline="0" dirty="0" smtClean="0">
-                  <a:ln>
-                    <a:noFill/>
-                  </a:ln>
-                  <a:solidFill>
-                    <a:schemeClr val="tx1"/>
-                  </a:solidFill>
-                  <a:effectLst/>
-                </a:rPr>
-                <a:t/>
+                <a:t>Sprint 5</a:t>
               </a:r>
               <a:br>
-                <a:rPr kumimoji="0" lang="en-US" altLang="en-US" sz="800" b="0" i="0" u="none" strike="noStrike" cap="none" normalizeH="0" baseline="0" dirty="0" smtClean="0">
-                  <a:ln>
-                    <a:noFill/>
-                  </a:ln>
+                <a:rPr lang="en-US" altLang="en-US" sz="1000" b="1" dirty="0">
                   <a:solidFill>
-                    <a:schemeClr val="tx1"/>
+                    <a:srgbClr val="444444"/>
                   </a:solidFill>
-                  <a:effectLst/>
+                  <a:latin typeface="+mj-lt"/>
                 </a:rPr>
               </a:br>
               <a:r>
-                <a:rPr kumimoji="0" lang="en-US" altLang="en-US" sz="1000" i="0" u="none" strike="noStrike" cap="none" normalizeH="0" baseline="0" dirty="0" smtClean="0">
-                  <a:ln>
-                    <a:noFill/>
-                  </a:ln>
+                <a:rPr lang="en-US" altLang="en-US" sz="1000" dirty="0">
                   <a:solidFill>
                     <a:srgbClr val="444444"/>
                   </a:solidFill>
-                  <a:effectLst/>
-                  <a:latin typeface="Gill Sans MT" panose="020B0502020104020203" pitchFamily="34" charset="0"/>
+                  <a:latin typeface="+mj-lt"/>
                 </a:rPr>
-                <a:t>Wed 21/03/18 - Tue 27/03/18</a:t>
+                <a:t>Wed 28/03/18 - Tue 3/04/18</a:t>
               </a:r>
-              <a:endParaRPr kumimoji="0" lang="en-US" altLang="en-US" sz="1800" i="0" u="none" strike="noStrike" cap="none" normalizeH="0" baseline="0" dirty="0" smtClean="0">
-                <a:ln>
-                  <a:noFill/>
-                </a:ln>
-                <a:solidFill>
-                  <a:schemeClr val="tx1"/>
-                </a:solidFill>
-                <a:effectLst/>
-                <a:latin typeface="Arial" panose="020B0604020202020204" pitchFamily="34" charset="0"/>
-              </a:endParaRPr>
             </a:p>
           </p:txBody>
         </p:sp>
         <p:sp>
           <p:nvSpPr>
-            <p:cNvPr id="53" name="Rectangle 109" descr="Sprint 5&#10;Wed 28/03/18 - Tue 3/04/18"/>
+            <p:cNvPr id="54" name="Rectangle 108" descr="Sprint 6&#10;Wed 4/04/18 - Tue 10/04/18"/>
             <p:cNvSpPr>
               <a:spLocks noChangeArrowheads="1"/>
             </p:cNvSpPr>
@@ -11789,15 +12750,30 @@
           </p:nvSpPr>
           <p:spPr bwMode="auto">
             <a:xfrm>
-              <a:off x="720" y="38"/>
+              <a:off x="865" y="38"/>
               <a:ext cx="144" cy="36"/>
             </a:xfrm>
             <a:prstGeom prst="rect">
               <a:avLst/>
             </a:prstGeom>
-            <a:solidFill>
-              <a:srgbClr val="C5E0B3"/>
-            </a:solidFill>
+            <a:gradFill flip="none" rotWithShape="1">
+              <a:gsLst>
+                <a:gs pos="0">
+                  <a:schemeClr val="accent2">
+                    <a:lumMod val="40000"/>
+                    <a:lumOff val="60000"/>
+                  </a:schemeClr>
+                </a:gs>
+                <a:gs pos="100000">
+                  <a:schemeClr val="accent2">
+                    <a:lumMod val="60000"/>
+                    <a:lumOff val="40000"/>
+                  </a:schemeClr>
+                </a:gs>
+              </a:gsLst>
+              <a:lin ang="5400000" scaled="1"/>
+              <a:tileRect/>
+            </a:gradFill>
             <a:ln>
               <a:noFill/>
             </a:ln>
@@ -11822,87 +12798,46 @@
             </a:bodyPr>
             <a:lstStyle/>
             <a:p>
-              <a:pPr marL="0" marR="0" lvl="0" indent="0" algn="l" defTabSz="914400" rtl="0" eaLnBrk="0" fontAlgn="base" latinLnBrk="0" hangingPunct="0">
-                <a:lnSpc>
-                  <a:spcPct val="100000"/>
-                </a:lnSpc>
+              <a:pPr defTabSz="914400" eaLnBrk="0" fontAlgn="base" hangingPunct="0">
                 <a:spcBef>
                   <a:spcPct val="0"/>
                 </a:spcBef>
                 <a:spcAft>
                   <a:spcPct val="0"/>
                 </a:spcAft>
-                <a:buClrTx/>
-                <a:buSzTx/>
-                <a:buFontTx/>
-                <a:buNone/>
-                <a:tabLst/>
               </a:pPr>
               <a:r>
-                <a:rPr kumimoji="0" lang="en-US" altLang="en-US" sz="1000" b="1" i="0" u="none" strike="noStrike" cap="none" normalizeH="0" baseline="0" dirty="0" smtClean="0">
-                  <a:ln>
-                    <a:noFill/>
-                  </a:ln>
+                <a:rPr lang="en-US" altLang="en-US" sz="1000" b="1" dirty="0">
                   <a:solidFill>
                     <a:srgbClr val="444444"/>
                   </a:solidFill>
-                  <a:effectLst/>
-                  <a:latin typeface="Gill Sans MT" panose="020B0502020104020203" pitchFamily="34" charset="0"/>
+                  <a:latin typeface="+mj-lt"/>
                 </a:rPr>
-                <a:t>Sprint 5</a:t>
-              </a:r>
-              <a:r>
-                <a:rPr kumimoji="0" lang="en-US" altLang="en-US" sz="800" b="0" i="0" u="none" strike="noStrike" cap="none" normalizeH="0" baseline="0" dirty="0" smtClean="0">
-                  <a:ln>
-                    <a:noFill/>
-                  </a:ln>
-                  <a:solidFill>
-                    <a:schemeClr val="tx1"/>
-                  </a:solidFill>
-                  <a:effectLst/>
-                </a:rPr>
-                <a:t/>
+                <a:t>Sprint 6</a:t>
               </a:r>
               <a:br>
-                <a:rPr kumimoji="0" lang="en-US" altLang="en-US" sz="800" b="0" i="0" u="none" strike="noStrike" cap="none" normalizeH="0" baseline="0" dirty="0" smtClean="0">
-                  <a:ln>
-                    <a:noFill/>
-                  </a:ln>
+                <a:rPr lang="en-US" altLang="en-US" sz="1000" b="1" dirty="0">
                   <a:solidFill>
-                    <a:schemeClr val="tx1"/>
+                    <a:srgbClr val="444444"/>
                   </a:solidFill>
-                  <a:effectLst/>
+                  <a:latin typeface="+mj-lt"/>
                 </a:rPr>
               </a:br>
               <a:r>
-                <a:rPr kumimoji="0" lang="en-US" altLang="en-US" sz="1000" i="0" u="none" strike="noStrike" cap="none" normalizeH="0" baseline="0" dirty="0" smtClean="0">
-                  <a:ln>
-                    <a:noFill/>
-                  </a:ln>
+                <a:rPr lang="en-US" altLang="en-US" sz="1000" dirty="0">
                   <a:solidFill>
                     <a:srgbClr val="444444"/>
                   </a:solidFill>
-                  <a:effectLst/>
-                  <a:latin typeface="Gill Sans MT" panose="020B0502020104020203" pitchFamily="34" charset="0"/>
+                  <a:latin typeface="+mj-lt"/>
                 </a:rPr>
-                <a:t>Wed 28/03/18 - Tue 3/04/18</a:t>
+                <a:t>Wed 4/04/18 - Tue 10/04/18</a:t>
               </a:r>
-              <a:endParaRPr kumimoji="0" lang="en-US" altLang="en-US" sz="1800" i="0" u="none" strike="noStrike" cap="none" normalizeH="0" baseline="0" dirty="0" smtClean="0">
-                <a:ln>
-                  <a:noFill/>
-                </a:ln>
-                <a:solidFill>
-                  <a:schemeClr val="tx1"/>
-                </a:solidFill>
-                <a:effectLst/>
-                <a:latin typeface="Arial" panose="020B0604020202020204" pitchFamily="34" charset="0"/>
-              </a:endParaRPr>
             </a:p>
           </p:txBody>
         </p:sp>
         <p:sp>
           <p:nvSpPr>
-            <p:cNvPr id="54" name="Rectangle 108" descr="Sprint 6&#10;Wed 4/04/18 - Tue 10/04/18"/>
+            <p:cNvPr id="55" name="Rectangle 107" descr="Sprint 7&#10;Wed 11/04/18 - Tue 17/04/18"/>
             <p:cNvSpPr>
               <a:spLocks noChangeArrowheads="1"/>
             </p:cNvSpPr>
@@ -11910,15 +12845,30 @@
           </p:nvSpPr>
           <p:spPr bwMode="auto">
             <a:xfrm>
-              <a:off x="865" y="38"/>
-              <a:ext cx="144" cy="36"/>
+              <a:off x="1010" y="38"/>
+              <a:ext cx="145" cy="36"/>
             </a:xfrm>
             <a:prstGeom prst="rect">
               <a:avLst/>
             </a:prstGeom>
-            <a:solidFill>
-              <a:srgbClr val="C5E0B3"/>
-            </a:solidFill>
+            <a:gradFill flip="none" rotWithShape="1">
+              <a:gsLst>
+                <a:gs pos="0">
+                  <a:schemeClr val="accent2">
+                    <a:lumMod val="40000"/>
+                    <a:lumOff val="60000"/>
+                  </a:schemeClr>
+                </a:gs>
+                <a:gs pos="100000">
+                  <a:schemeClr val="accent2">
+                    <a:lumMod val="60000"/>
+                    <a:lumOff val="40000"/>
+                  </a:schemeClr>
+                </a:gs>
+              </a:gsLst>
+              <a:lin ang="5400000" scaled="1"/>
+              <a:tileRect/>
+            </a:gradFill>
             <a:ln>
               <a:noFill/>
             </a:ln>
@@ -11943,87 +12893,46 @@
             </a:bodyPr>
             <a:lstStyle/>
             <a:p>
-              <a:pPr marL="0" marR="0" lvl="0" indent="0" algn="l" defTabSz="914400" rtl="0" eaLnBrk="0" fontAlgn="base" latinLnBrk="0" hangingPunct="0">
-                <a:lnSpc>
-                  <a:spcPct val="100000"/>
-                </a:lnSpc>
+              <a:pPr defTabSz="914400" eaLnBrk="0" fontAlgn="base" hangingPunct="0">
                 <a:spcBef>
                   <a:spcPct val="0"/>
                 </a:spcBef>
                 <a:spcAft>
                   <a:spcPct val="0"/>
                 </a:spcAft>
-                <a:buClrTx/>
-                <a:buSzTx/>
-                <a:buFontTx/>
-                <a:buNone/>
-                <a:tabLst/>
               </a:pPr>
               <a:r>
-                <a:rPr kumimoji="0" lang="en-US" altLang="en-US" sz="1000" b="1" i="0" u="none" strike="noStrike" cap="none" normalizeH="0" baseline="0" dirty="0" smtClean="0">
-                  <a:ln>
-                    <a:noFill/>
-                  </a:ln>
+                <a:rPr lang="en-US" altLang="en-US" sz="1000" b="1" dirty="0">
                   <a:solidFill>
                     <a:srgbClr val="444444"/>
                   </a:solidFill>
-                  <a:effectLst/>
-                  <a:latin typeface="Gill Sans MT" panose="020B0502020104020203" pitchFamily="34" charset="0"/>
+                  <a:latin typeface="+mj-lt"/>
                 </a:rPr>
-                <a:t>Sprint 6</a:t>
-              </a:r>
-              <a:r>
-                <a:rPr kumimoji="0" lang="en-US" altLang="en-US" sz="800" b="0" i="0" u="none" strike="noStrike" cap="none" normalizeH="0" baseline="0" dirty="0" smtClean="0">
-                  <a:ln>
-                    <a:noFill/>
-                  </a:ln>
-                  <a:solidFill>
-                    <a:schemeClr val="tx1"/>
-                  </a:solidFill>
-                  <a:effectLst/>
-                </a:rPr>
-                <a:t/>
+                <a:t>Sprint 7</a:t>
               </a:r>
               <a:br>
-                <a:rPr kumimoji="0" lang="en-US" altLang="en-US" sz="800" b="0" i="0" u="none" strike="noStrike" cap="none" normalizeH="0" baseline="0" dirty="0" smtClean="0">
-                  <a:ln>
-                    <a:noFill/>
-                  </a:ln>
+                <a:rPr lang="en-US" altLang="en-US" sz="1000" b="1" dirty="0">
                   <a:solidFill>
-                    <a:schemeClr val="tx1"/>
+                    <a:srgbClr val="444444"/>
                   </a:solidFill>
-                  <a:effectLst/>
+                  <a:latin typeface="+mj-lt"/>
                 </a:rPr>
               </a:br>
               <a:r>
-                <a:rPr kumimoji="0" lang="en-US" altLang="en-US" sz="1000" i="0" u="none" strike="noStrike" cap="none" normalizeH="0" baseline="0" dirty="0" smtClean="0">
-                  <a:ln>
-                    <a:noFill/>
-                  </a:ln>
+                <a:rPr lang="en-US" altLang="en-US" sz="1000" dirty="0">
                   <a:solidFill>
                     <a:srgbClr val="444444"/>
                   </a:solidFill>
-                  <a:effectLst/>
-                  <a:latin typeface="Gill Sans MT" panose="020B0502020104020203" pitchFamily="34" charset="0"/>
+                  <a:latin typeface="+mj-lt"/>
                 </a:rPr>
-                <a:t>Wed 4/04/18 - Tue 10/04/18</a:t>
+                <a:t>Wed 11/04/18 - Tue 17/04/18</a:t>
               </a:r>
-              <a:endParaRPr kumimoji="0" lang="en-US" altLang="en-US" sz="1800" i="0" u="none" strike="noStrike" cap="none" normalizeH="0" baseline="0" dirty="0" smtClean="0">
-                <a:ln>
-                  <a:noFill/>
-                </a:ln>
-                <a:solidFill>
-                  <a:schemeClr val="tx1"/>
-                </a:solidFill>
-                <a:effectLst/>
-                <a:latin typeface="Arial" panose="020B0604020202020204" pitchFamily="34" charset="0"/>
-              </a:endParaRPr>
             </a:p>
           </p:txBody>
         </p:sp>
         <p:sp>
           <p:nvSpPr>
-            <p:cNvPr id="55" name="Rectangle 107" descr="Sprint 7&#10;Wed 11/04/18 - Tue 17/04/18"/>
+            <p:cNvPr id="56" name="Rectangle 106" descr="Sprint 8&#10;Wed 18/04/18 - Tue 24/04/18"/>
             <p:cNvSpPr>
               <a:spLocks noChangeArrowheads="1"/>
             </p:cNvSpPr>
@@ -12031,15 +12940,30 @@
           </p:nvSpPr>
           <p:spPr bwMode="auto">
             <a:xfrm>
-              <a:off x="1010" y="38"/>
-              <a:ext cx="145" cy="36"/>
+              <a:off x="1156" y="38"/>
+              <a:ext cx="144" cy="36"/>
             </a:xfrm>
             <a:prstGeom prst="rect">
               <a:avLst/>
             </a:prstGeom>
-            <a:solidFill>
-              <a:srgbClr val="C5E0B3"/>
-            </a:solidFill>
+            <a:gradFill flip="none" rotWithShape="1">
+              <a:gsLst>
+                <a:gs pos="0">
+                  <a:schemeClr val="accent2">
+                    <a:lumMod val="40000"/>
+                    <a:lumOff val="60000"/>
+                  </a:schemeClr>
+                </a:gs>
+                <a:gs pos="100000">
+                  <a:schemeClr val="accent2">
+                    <a:lumMod val="60000"/>
+                    <a:lumOff val="40000"/>
+                  </a:schemeClr>
+                </a:gs>
+              </a:gsLst>
+              <a:lin ang="5400000" scaled="1"/>
+              <a:tileRect/>
+            </a:gradFill>
             <a:ln>
               <a:noFill/>
             </a:ln>
@@ -12064,87 +12988,46 @@
             </a:bodyPr>
             <a:lstStyle/>
             <a:p>
-              <a:pPr marL="0" marR="0" lvl="0" indent="0" algn="l" defTabSz="914400" rtl="0" eaLnBrk="0" fontAlgn="base" latinLnBrk="0" hangingPunct="0">
-                <a:lnSpc>
-                  <a:spcPct val="100000"/>
-                </a:lnSpc>
+              <a:pPr defTabSz="914400" eaLnBrk="0" fontAlgn="base" hangingPunct="0">
                 <a:spcBef>
                   <a:spcPct val="0"/>
                 </a:spcBef>
                 <a:spcAft>
                   <a:spcPct val="0"/>
                 </a:spcAft>
-                <a:buClrTx/>
-                <a:buSzTx/>
-                <a:buFontTx/>
-                <a:buNone/>
-                <a:tabLst/>
               </a:pPr>
               <a:r>
-                <a:rPr kumimoji="0" lang="en-US" altLang="en-US" sz="1000" b="1" i="0" u="none" strike="noStrike" cap="none" normalizeH="0" baseline="0" dirty="0" smtClean="0">
-                  <a:ln>
-                    <a:noFill/>
-                  </a:ln>
+                <a:rPr lang="en-US" altLang="en-US" sz="1000" b="1" dirty="0">
                   <a:solidFill>
                     <a:srgbClr val="444444"/>
                   </a:solidFill>
-                  <a:effectLst/>
-                  <a:latin typeface="Gill Sans MT" panose="020B0502020104020203" pitchFamily="34" charset="0"/>
+                  <a:latin typeface="+mj-lt"/>
                 </a:rPr>
-                <a:t>Sprint 7</a:t>
-              </a:r>
-              <a:r>
-                <a:rPr kumimoji="0" lang="en-US" altLang="en-US" sz="800" b="0" i="0" u="none" strike="noStrike" cap="none" normalizeH="0" baseline="0" dirty="0" smtClean="0">
-                  <a:ln>
-                    <a:noFill/>
-                  </a:ln>
-                  <a:solidFill>
-                    <a:schemeClr val="tx1"/>
-                  </a:solidFill>
-                  <a:effectLst/>
-                </a:rPr>
-                <a:t/>
+                <a:t>Sprint 8</a:t>
               </a:r>
               <a:br>
-                <a:rPr kumimoji="0" lang="en-US" altLang="en-US" sz="800" b="0" i="0" u="none" strike="noStrike" cap="none" normalizeH="0" baseline="0" dirty="0" smtClean="0">
-                  <a:ln>
-                    <a:noFill/>
-                  </a:ln>
+                <a:rPr lang="en-US" altLang="en-US" sz="1000" b="1" dirty="0">
                   <a:solidFill>
-                    <a:schemeClr val="tx1"/>
+                    <a:srgbClr val="444444"/>
                   </a:solidFill>
-                  <a:effectLst/>
+                  <a:latin typeface="+mj-lt"/>
                 </a:rPr>
               </a:br>
               <a:r>
-                <a:rPr kumimoji="0" lang="en-US" altLang="en-US" sz="1000" i="0" u="none" strike="noStrike" cap="none" normalizeH="0" baseline="0" dirty="0" smtClean="0">
-                  <a:ln>
-                    <a:noFill/>
-                  </a:ln>
+                <a:rPr lang="en-US" altLang="en-US" sz="1000" dirty="0">
                   <a:solidFill>
                     <a:srgbClr val="444444"/>
                   </a:solidFill>
-                  <a:effectLst/>
-                  <a:latin typeface="Gill Sans MT" panose="020B0502020104020203" pitchFamily="34" charset="0"/>
+                  <a:latin typeface="+mj-lt"/>
                 </a:rPr>
-                <a:t>Wed 11/04/18 - Tue 17/04/18</a:t>
+                <a:t>Wed 18/04/18 - Tue 24/04/18</a:t>
               </a:r>
-              <a:endParaRPr kumimoji="0" lang="en-US" altLang="en-US" sz="1800" i="0" u="none" strike="noStrike" cap="none" normalizeH="0" baseline="0" dirty="0" smtClean="0">
-                <a:ln>
-                  <a:noFill/>
-                </a:ln>
-                <a:solidFill>
-                  <a:schemeClr val="tx1"/>
-                </a:solidFill>
-                <a:effectLst/>
-                <a:latin typeface="Arial" panose="020B0604020202020204" pitchFamily="34" charset="0"/>
-              </a:endParaRPr>
             </a:p>
           </p:txBody>
         </p:sp>
         <p:sp>
           <p:nvSpPr>
-            <p:cNvPr id="56" name="Rectangle 106" descr="Sprint 8&#10;Wed 18/04/18 - Tue 24/04/18"/>
+            <p:cNvPr id="57" name="Rectangle 105" descr="Sprint 9 (Poster)&#10;Wed 25/04/18 - Tue 1/05/18"/>
             <p:cNvSpPr>
               <a:spLocks noChangeArrowheads="1"/>
             </p:cNvSpPr>
@@ -12152,15 +13035,30 @@
           </p:nvSpPr>
           <p:spPr bwMode="auto">
             <a:xfrm>
-              <a:off x="1156" y="38"/>
+              <a:off x="1301" y="38"/>
               <a:ext cx="144" cy="36"/>
             </a:xfrm>
             <a:prstGeom prst="rect">
               <a:avLst/>
             </a:prstGeom>
-            <a:solidFill>
-              <a:srgbClr val="C5E0B3"/>
-            </a:solidFill>
+            <a:gradFill flip="none" rotWithShape="1">
+              <a:gsLst>
+                <a:gs pos="0">
+                  <a:schemeClr val="accent2">
+                    <a:lumMod val="40000"/>
+                    <a:lumOff val="60000"/>
+                  </a:schemeClr>
+                </a:gs>
+                <a:gs pos="100000">
+                  <a:schemeClr val="accent2">
+                    <a:lumMod val="60000"/>
+                    <a:lumOff val="40000"/>
+                  </a:schemeClr>
+                </a:gs>
+              </a:gsLst>
+              <a:lin ang="5400000" scaled="1"/>
+              <a:tileRect/>
+            </a:gradFill>
             <a:ln>
               <a:noFill/>
             </a:ln>
@@ -12185,87 +13083,46 @@
             </a:bodyPr>
             <a:lstStyle/>
             <a:p>
-              <a:pPr marL="0" marR="0" lvl="0" indent="0" algn="l" defTabSz="914400" rtl="0" eaLnBrk="0" fontAlgn="base" latinLnBrk="0" hangingPunct="0">
-                <a:lnSpc>
-                  <a:spcPct val="100000"/>
-                </a:lnSpc>
+              <a:pPr defTabSz="914400" eaLnBrk="0" fontAlgn="base" hangingPunct="0">
                 <a:spcBef>
                   <a:spcPct val="0"/>
                 </a:spcBef>
                 <a:spcAft>
                   <a:spcPct val="0"/>
                 </a:spcAft>
-                <a:buClrTx/>
-                <a:buSzTx/>
-                <a:buFontTx/>
-                <a:buNone/>
-                <a:tabLst/>
               </a:pPr>
               <a:r>
-                <a:rPr kumimoji="0" lang="en-US" altLang="en-US" sz="1000" b="1" i="0" u="none" strike="noStrike" cap="none" normalizeH="0" baseline="0" dirty="0" smtClean="0">
-                  <a:ln>
-                    <a:noFill/>
-                  </a:ln>
+                <a:rPr lang="en-US" altLang="en-US" sz="1000" b="1" dirty="0">
                   <a:solidFill>
                     <a:srgbClr val="444444"/>
                   </a:solidFill>
-                  <a:effectLst/>
-                  <a:latin typeface="Gill Sans MT" panose="020B0502020104020203" pitchFamily="34" charset="0"/>
+                  <a:latin typeface="+mj-lt"/>
                 </a:rPr>
-                <a:t>Sprint 8</a:t>
-              </a:r>
-              <a:r>
-                <a:rPr kumimoji="0" lang="en-US" altLang="en-US" sz="800" b="0" i="0" u="none" strike="noStrike" cap="none" normalizeH="0" baseline="0" dirty="0" smtClean="0">
-                  <a:ln>
-                    <a:noFill/>
-                  </a:ln>
-                  <a:solidFill>
-                    <a:schemeClr val="tx1"/>
-                  </a:solidFill>
-                  <a:effectLst/>
-                </a:rPr>
-                <a:t/>
+                <a:t>Sprint 9 (Poster)</a:t>
               </a:r>
               <a:br>
-                <a:rPr kumimoji="0" lang="en-US" altLang="en-US" sz="800" b="0" i="0" u="none" strike="noStrike" cap="none" normalizeH="0" baseline="0" dirty="0" smtClean="0">
-                  <a:ln>
-                    <a:noFill/>
-                  </a:ln>
+                <a:rPr lang="en-US" altLang="en-US" sz="1000" b="1" dirty="0">
                   <a:solidFill>
-                    <a:schemeClr val="tx1"/>
+                    <a:srgbClr val="444444"/>
                   </a:solidFill>
-                  <a:effectLst/>
+                  <a:latin typeface="+mj-lt"/>
                 </a:rPr>
               </a:br>
               <a:r>
-                <a:rPr kumimoji="0" lang="en-US" altLang="en-US" sz="1000" i="0" u="none" strike="noStrike" cap="none" normalizeH="0" baseline="0" dirty="0" smtClean="0">
-                  <a:ln>
-                    <a:noFill/>
-                  </a:ln>
+                <a:rPr lang="en-US" altLang="en-US" sz="1000" dirty="0">
                   <a:solidFill>
                     <a:srgbClr val="444444"/>
                   </a:solidFill>
-                  <a:effectLst/>
-                  <a:latin typeface="Gill Sans MT" panose="020B0502020104020203" pitchFamily="34" charset="0"/>
+                  <a:latin typeface="+mj-lt"/>
                 </a:rPr>
-                <a:t>Wed 18/04/18 - Tue 24/04/18</a:t>
+                <a:t>Wed 25/04/18 - Tue 1/05/18</a:t>
               </a:r>
-              <a:endParaRPr kumimoji="0" lang="en-US" altLang="en-US" sz="1800" i="0" u="none" strike="noStrike" cap="none" normalizeH="0" baseline="0" dirty="0" smtClean="0">
-                <a:ln>
-                  <a:noFill/>
-                </a:ln>
-                <a:solidFill>
-                  <a:schemeClr val="tx1"/>
-                </a:solidFill>
-                <a:effectLst/>
-                <a:latin typeface="Arial" panose="020B0604020202020204" pitchFamily="34" charset="0"/>
-              </a:endParaRPr>
             </a:p>
           </p:txBody>
         </p:sp>
         <p:sp>
           <p:nvSpPr>
-            <p:cNvPr id="57" name="Rectangle 105" descr="Sprint 9 (Poster)&#10;Wed 25/04/18 - Tue 1/05/18"/>
+            <p:cNvPr id="58" name="Rectangle 104" descr="Sprint 10 (Showcase)&#10;Wed 2/05/18 - Tue 8/05/18"/>
             <p:cNvSpPr>
               <a:spLocks noChangeArrowheads="1"/>
             </p:cNvSpPr>
@@ -12273,15 +13130,30 @@
           </p:nvSpPr>
           <p:spPr bwMode="auto">
             <a:xfrm>
-              <a:off x="1301" y="38"/>
+              <a:off x="1446" y="38"/>
               <a:ext cx="144" cy="36"/>
             </a:xfrm>
             <a:prstGeom prst="rect">
               <a:avLst/>
             </a:prstGeom>
-            <a:solidFill>
-              <a:srgbClr val="C5E0B3"/>
-            </a:solidFill>
+            <a:gradFill flip="none" rotWithShape="1">
+              <a:gsLst>
+                <a:gs pos="0">
+                  <a:schemeClr val="accent2">
+                    <a:lumMod val="40000"/>
+                    <a:lumOff val="60000"/>
+                  </a:schemeClr>
+                </a:gs>
+                <a:gs pos="100000">
+                  <a:schemeClr val="accent2">
+                    <a:lumMod val="60000"/>
+                    <a:lumOff val="40000"/>
+                  </a:schemeClr>
+                </a:gs>
+              </a:gsLst>
+              <a:lin ang="5400000" scaled="1"/>
+              <a:tileRect/>
+            </a:gradFill>
             <a:ln>
               <a:noFill/>
             </a:ln>
@@ -12306,202 +13178,40 @@
             </a:bodyPr>
             <a:lstStyle/>
             <a:p>
-              <a:pPr marL="0" marR="0" lvl="0" indent="0" algn="l" defTabSz="914400" rtl="0" eaLnBrk="0" fontAlgn="base" latinLnBrk="0" hangingPunct="0">
-                <a:lnSpc>
-                  <a:spcPct val="100000"/>
-                </a:lnSpc>
+              <a:pPr defTabSz="914400" eaLnBrk="0" fontAlgn="base" hangingPunct="0">
                 <a:spcBef>
                   <a:spcPct val="0"/>
                 </a:spcBef>
                 <a:spcAft>
                   <a:spcPct val="0"/>
                 </a:spcAft>
-                <a:buClrTx/>
-                <a:buSzTx/>
-                <a:buFontTx/>
-                <a:buNone/>
-                <a:tabLst/>
               </a:pPr>
               <a:r>
-                <a:rPr kumimoji="0" lang="en-US" altLang="en-US" sz="1000" b="1" i="0" u="none" strike="noStrike" cap="none" normalizeH="0" baseline="0" dirty="0" smtClean="0">
-                  <a:ln>
-                    <a:noFill/>
-                  </a:ln>
+                <a:rPr lang="en-US" altLang="en-US" sz="1000" b="1" dirty="0">
                   <a:solidFill>
                     <a:srgbClr val="444444"/>
                   </a:solidFill>
-                  <a:effectLst/>
-                  <a:latin typeface="Gill Sans MT" panose="020B0502020104020203" pitchFamily="34" charset="0"/>
+                  <a:latin typeface="+mj-lt"/>
                 </a:rPr>
-                <a:t>Sprint 9 (Poster)</a:t>
-              </a:r>
-              <a:r>
-                <a:rPr kumimoji="0" lang="en-US" altLang="en-US" sz="800" b="0" i="0" u="none" strike="noStrike" cap="none" normalizeH="0" baseline="0" dirty="0" smtClean="0">
-                  <a:ln>
-                    <a:noFill/>
-                  </a:ln>
-                  <a:solidFill>
-                    <a:schemeClr val="tx1"/>
-                  </a:solidFill>
-                  <a:effectLst/>
-                </a:rPr>
-                <a:t/>
+                <a:t>Sprint 10 (Showcase)</a:t>
               </a:r>
               <a:br>
-                <a:rPr kumimoji="0" lang="en-US" altLang="en-US" sz="800" b="0" i="0" u="none" strike="noStrike" cap="none" normalizeH="0" baseline="0" dirty="0" smtClean="0">
-                  <a:ln>
-                    <a:noFill/>
-                  </a:ln>
+                <a:rPr lang="en-US" altLang="en-US" sz="1000" b="1" dirty="0">
                   <a:solidFill>
-                    <a:schemeClr val="tx1"/>
+                    <a:srgbClr val="444444"/>
                   </a:solidFill>
-                  <a:effectLst/>
+                  <a:latin typeface="+mj-lt"/>
                 </a:rPr>
               </a:br>
               <a:r>
-                <a:rPr kumimoji="0" lang="en-US" altLang="en-US" sz="1000" i="0" u="none" strike="noStrike" cap="none" normalizeH="0" baseline="0" dirty="0" smtClean="0">
-                  <a:ln>
-                    <a:noFill/>
-                  </a:ln>
+                <a:rPr lang="en-US" altLang="en-US" sz="1000" dirty="0">
                   <a:solidFill>
                     <a:srgbClr val="444444"/>
                   </a:solidFill>
-                  <a:effectLst/>
-                  <a:latin typeface="Gill Sans MT" panose="020B0502020104020203" pitchFamily="34" charset="0"/>
-                </a:rPr>
-                <a:t>Wed 25/04/18 - Tue 1/05/18</a:t>
-              </a:r>
-              <a:endParaRPr kumimoji="0" lang="en-US" altLang="en-US" sz="1800" i="0" u="none" strike="noStrike" cap="none" normalizeH="0" baseline="0" dirty="0" smtClean="0">
-                <a:ln>
-                  <a:noFill/>
-                </a:ln>
-                <a:solidFill>
-                  <a:schemeClr val="tx1"/>
-                </a:solidFill>
-                <a:effectLst/>
-                <a:latin typeface="Arial" panose="020B0604020202020204" pitchFamily="34" charset="0"/>
-              </a:endParaRPr>
-            </a:p>
-          </p:txBody>
-        </p:sp>
-        <p:sp>
-          <p:nvSpPr>
-            <p:cNvPr id="58" name="Rectangle 104" descr="Sprint 10 (Showcase)&#10;Wed 2/05/18 - Tue 8/05/18"/>
-            <p:cNvSpPr>
-              <a:spLocks noChangeArrowheads="1"/>
-            </p:cNvSpPr>
-            <p:nvPr/>
-          </p:nvSpPr>
-          <p:spPr bwMode="auto">
-            <a:xfrm>
-              <a:off x="1446" y="38"/>
-              <a:ext cx="144" cy="36"/>
-            </a:xfrm>
-            <a:prstGeom prst="rect">
-              <a:avLst/>
-            </a:prstGeom>
-            <a:solidFill>
-              <a:srgbClr val="C5E0B3"/>
-            </a:solidFill>
-            <a:ln>
-              <a:noFill/>
-            </a:ln>
-            <a:extLst>
-              <a:ext uri="{91240B29-F687-4F45-9708-019B960494DF}">
-                <a14:hiddenLine xmlns:a14="http://schemas.microsoft.com/office/drawing/2010/main" w="9525">
-                  <a:solidFill>
-                    <a:srgbClr val="000000"/>
-                  </a:solidFill>
-                  <a:miter lim="800000"/>
-                  <a:headEnd/>
-                  <a:tailEnd/>
-                </a14:hiddenLine>
-              </a:ext>
-            </a:extLst>
-          </p:spPr>
-          <p:txBody>
-            <a:bodyPr vert="horz" wrap="square" lIns="95250" tIns="9525" rIns="9525" bIns="9525" numCol="1" anchor="t" anchorCtr="0" compatLnSpc="1">
-              <a:prstTxWarp prst="textNoShape">
-                <a:avLst/>
-              </a:prstTxWarp>
-            </a:bodyPr>
-            <a:lstStyle/>
-            <a:p>
-              <a:pPr marL="0" marR="0" lvl="0" indent="0" algn="l" defTabSz="914400" rtl="0" eaLnBrk="0" fontAlgn="base" latinLnBrk="0" hangingPunct="0">
-                <a:lnSpc>
-                  <a:spcPct val="100000"/>
-                </a:lnSpc>
-                <a:spcBef>
-                  <a:spcPct val="0"/>
-                </a:spcBef>
-                <a:spcAft>
-                  <a:spcPct val="0"/>
-                </a:spcAft>
-                <a:buClrTx/>
-                <a:buSzTx/>
-                <a:buFontTx/>
-                <a:buNone/>
-                <a:tabLst/>
-              </a:pPr>
-              <a:r>
-                <a:rPr kumimoji="0" lang="en-US" altLang="en-US" sz="1000" b="1" i="0" u="none" strike="noStrike" cap="none" normalizeH="0" baseline="0" dirty="0" smtClean="0">
-                  <a:ln>
-                    <a:noFill/>
-                  </a:ln>
-                  <a:solidFill>
-                    <a:srgbClr val="444444"/>
-                  </a:solidFill>
-                  <a:effectLst/>
-                  <a:latin typeface="Gill Sans MT" panose="020B0502020104020203" pitchFamily="34" charset="0"/>
-                </a:rPr>
-                <a:t>Sprint 10 (Showcase)</a:t>
-              </a:r>
-              <a:r>
-                <a:rPr kumimoji="0" lang="en-US" altLang="en-US" sz="800" b="0" i="0" u="none" strike="noStrike" cap="none" normalizeH="0" baseline="0" dirty="0" smtClean="0">
-                  <a:ln>
-                    <a:noFill/>
-                  </a:ln>
-                  <a:solidFill>
-                    <a:schemeClr val="tx1"/>
-                  </a:solidFill>
-                  <a:effectLst/>
-                </a:rPr>
-                <a:t/>
-              </a:r>
-              <a:br>
-                <a:rPr kumimoji="0" lang="en-US" altLang="en-US" sz="800" b="0" i="0" u="none" strike="noStrike" cap="none" normalizeH="0" baseline="0" dirty="0" smtClean="0">
-                  <a:ln>
-                    <a:noFill/>
-                  </a:ln>
-                  <a:solidFill>
-                    <a:schemeClr val="tx1"/>
-                  </a:solidFill>
-                  <a:effectLst/>
-                </a:rPr>
-              </a:br>
-              <a:r>
-                <a:rPr kumimoji="0" lang="en-US" altLang="en-US" sz="1000" i="0" u="none" strike="noStrike" cap="none" normalizeH="0" baseline="0" dirty="0" smtClean="0">
-                  <a:ln>
-                    <a:noFill/>
-                  </a:ln>
-                  <a:solidFill>
-                    <a:srgbClr val="444444"/>
-                  </a:solidFill>
-                  <a:effectLst/>
-                  <a:latin typeface="Gill Sans MT" panose="020B0502020104020203" pitchFamily="34" charset="0"/>
+                  <a:latin typeface="+mj-lt"/>
                 </a:rPr>
                 <a:t>Wed 2/05/18 - Tue 8/05/18</a:t>
               </a:r>
-              <a:endParaRPr kumimoji="0" lang="en-US" altLang="en-US" sz="1800" i="0" u="none" strike="noStrike" cap="none" normalizeH="0" baseline="0" dirty="0" smtClean="0">
-                <a:ln>
-                  <a:noFill/>
-                </a:ln>
-                <a:solidFill>
-                  <a:schemeClr val="tx1"/>
-                </a:solidFill>
-                <a:effectLst/>
-                <a:latin typeface="Arial" panose="020B0604020202020204" pitchFamily="34" charset="0"/>
-              </a:endParaRPr>
             </a:p>
           </p:txBody>
         </p:sp>
@@ -12614,7 +13324,9 @@
               </a:bodyPr>
               <a:lstStyle/>
               <a:p>
-                <a:endParaRPr lang="en-NZ"/>
+                <a:endParaRPr lang="en-NZ">
+                  <a:latin typeface="+mj-lt"/>
+                </a:endParaRPr>
               </a:p>
             </p:txBody>
           </p:sp>
@@ -12704,7 +13416,9 @@
               </a:bodyPr>
               <a:lstStyle/>
               <a:p>
-                <a:endParaRPr lang="en-NZ"/>
+                <a:endParaRPr lang="en-NZ">
+                  <a:latin typeface="+mj-lt"/>
+                </a:endParaRPr>
               </a:p>
             </p:txBody>
           </p:sp>
@@ -12770,7 +13484,9 @@
             </a:bodyPr>
             <a:lstStyle/>
             <a:p>
-              <a:endParaRPr lang="en-NZ"/>
+              <a:endParaRPr lang="en-NZ">
+                <a:latin typeface="+mj-lt"/>
+              </a:endParaRPr>
             </a:p>
           </p:txBody>
         </p:sp>
@@ -12847,7 +13563,7 @@
                     <a:srgbClr val="444444"/>
                   </a:solidFill>
                   <a:effectLst/>
-                  <a:latin typeface="Gill Sans MT" panose="020B0502020104020203" pitchFamily="34" charset="0"/>
+                  <a:latin typeface="+mj-lt"/>
                 </a:rPr>
                 <a:t>M5 - Ideate Complete</a:t>
               </a:r>
@@ -12860,6 +13576,7 @@
                     <a:schemeClr val="tx1"/>
                   </a:solidFill>
                   <a:effectLst/>
+                  <a:latin typeface="+mj-lt"/>
                 </a:rPr>
                 <a:t/>
               </a:r>
@@ -12872,6 +13589,7 @@
                     <a:schemeClr val="tx1"/>
                   </a:solidFill>
                   <a:effectLst/>
+                  <a:latin typeface="+mj-lt"/>
                 </a:rPr>
               </a:br>
               <a:r>
@@ -12883,7 +13601,7 @@
                     <a:srgbClr val="444444"/>
                   </a:solidFill>
                   <a:effectLst/>
-                  <a:latin typeface="Gill Sans MT" panose="020B0502020104020203" pitchFamily="34" charset="0"/>
+                  <a:latin typeface="+mj-lt"/>
                 </a:rPr>
                 <a:t>Tue 27/03/18</a:t>
               </a:r>
@@ -12895,7 +13613,7 @@
                   <a:schemeClr val="tx1"/>
                 </a:solidFill>
                 <a:effectLst/>
-                <a:latin typeface="Arial" panose="020B0604020202020204" pitchFamily="34" charset="0"/>
+                <a:latin typeface="+mj-lt"/>
               </a:endParaRPr>
             </a:p>
           </p:txBody>
@@ -13009,7 +13727,9 @@
               </a:bodyPr>
               <a:lstStyle/>
               <a:p>
-                <a:endParaRPr lang="en-NZ"/>
+                <a:endParaRPr lang="en-NZ">
+                  <a:latin typeface="+mj-lt"/>
+                </a:endParaRPr>
               </a:p>
             </p:txBody>
           </p:sp>
@@ -13099,7 +13819,9 @@
               </a:bodyPr>
               <a:lstStyle/>
               <a:p>
-                <a:endParaRPr lang="en-NZ"/>
+                <a:endParaRPr lang="en-NZ">
+                  <a:latin typeface="+mj-lt"/>
+                </a:endParaRPr>
               </a:p>
             </p:txBody>
           </p:sp>
@@ -13165,7 +13887,9 @@
             </a:bodyPr>
             <a:lstStyle/>
             <a:p>
-              <a:endParaRPr lang="en-NZ"/>
+              <a:endParaRPr lang="en-NZ">
+                <a:latin typeface="+mj-lt"/>
+              </a:endParaRPr>
             </a:p>
           </p:txBody>
         </p:sp>
@@ -13242,7 +13966,7 @@
                     <a:srgbClr val="444444"/>
                   </a:solidFill>
                   <a:effectLst/>
-                  <a:latin typeface="Gill Sans MT" panose="020B0502020104020203" pitchFamily="34" charset="0"/>
+                  <a:latin typeface="+mj-lt"/>
                 </a:rPr>
                 <a:t>M3 - Define Complete</a:t>
               </a:r>
@@ -13255,6 +13979,7 @@
                     <a:schemeClr val="tx1"/>
                   </a:solidFill>
                   <a:effectLst/>
+                  <a:latin typeface="+mj-lt"/>
                 </a:rPr>
                 <a:t/>
               </a:r>
@@ -13267,6 +13992,7 @@
                     <a:schemeClr val="tx1"/>
                   </a:solidFill>
                   <a:effectLst/>
+                  <a:latin typeface="+mj-lt"/>
                 </a:rPr>
               </a:br>
               <a:r>
@@ -13278,7 +14004,7 @@
                     <a:srgbClr val="444444"/>
                   </a:solidFill>
                   <a:effectLst/>
-                  <a:latin typeface="Gill Sans MT" panose="020B0502020104020203" pitchFamily="34" charset="0"/>
+                  <a:latin typeface="+mj-lt"/>
                 </a:rPr>
                 <a:t>Tue 13/03/18</a:t>
               </a:r>
@@ -13290,7 +14016,7 @@
                   <a:schemeClr val="tx1"/>
                 </a:solidFill>
                 <a:effectLst/>
-                <a:latin typeface="Arial" panose="020B0604020202020204" pitchFamily="34" charset="0"/>
+                <a:latin typeface="+mj-lt"/>
               </a:endParaRPr>
             </a:p>
           </p:txBody>
@@ -13404,7 +14130,9 @@
               </a:bodyPr>
               <a:lstStyle/>
               <a:p>
-                <a:endParaRPr lang="en-NZ"/>
+                <a:endParaRPr lang="en-NZ">
+                  <a:latin typeface="+mj-lt"/>
+                </a:endParaRPr>
               </a:p>
             </p:txBody>
           </p:sp>
@@ -13494,7 +14222,9 @@
               </a:bodyPr>
               <a:lstStyle/>
               <a:p>
-                <a:endParaRPr lang="en-NZ"/>
+                <a:endParaRPr lang="en-NZ">
+                  <a:latin typeface="+mj-lt"/>
+                </a:endParaRPr>
               </a:p>
             </p:txBody>
           </p:sp>
@@ -13560,7 +14290,9 @@
             </a:bodyPr>
             <a:lstStyle/>
             <a:p>
-              <a:endParaRPr lang="en-NZ"/>
+              <a:endParaRPr lang="en-NZ">
+                <a:latin typeface="+mj-lt"/>
+              </a:endParaRPr>
             </a:p>
           </p:txBody>
         </p:sp>
@@ -13637,7 +14369,7 @@
                     <a:srgbClr val="444444"/>
                   </a:solidFill>
                   <a:effectLst/>
-                  <a:latin typeface="Gill Sans MT" panose="020B0502020104020203" pitchFamily="34" charset="0"/>
+                  <a:latin typeface="+mj-lt"/>
                 </a:rPr>
                 <a:t>M6 - Prototype Complete</a:t>
               </a:r>
@@ -13650,6 +14382,7 @@
                     <a:schemeClr val="tx1"/>
                   </a:solidFill>
                   <a:effectLst/>
+                  <a:latin typeface="+mj-lt"/>
                 </a:rPr>
                 <a:t/>
               </a:r>
@@ -13662,6 +14395,7 @@
                     <a:schemeClr val="tx1"/>
                   </a:solidFill>
                   <a:effectLst/>
+                  <a:latin typeface="+mj-lt"/>
                 </a:rPr>
               </a:br>
               <a:r>
@@ -13673,7 +14407,7 @@
                     <a:srgbClr val="444444"/>
                   </a:solidFill>
                   <a:effectLst/>
-                  <a:latin typeface="Gill Sans MT" panose="020B0502020104020203" pitchFamily="34" charset="0"/>
+                  <a:latin typeface="+mj-lt"/>
                 </a:rPr>
                 <a:t>Tue 10/04/18</a:t>
               </a:r>
@@ -13685,7 +14419,7 @@
                   <a:schemeClr val="tx1"/>
                 </a:solidFill>
                 <a:effectLst/>
-                <a:latin typeface="Arial" panose="020B0604020202020204" pitchFamily="34" charset="0"/>
+                <a:latin typeface="+mj-lt"/>
               </a:endParaRPr>
             </a:p>
           </p:txBody>
@@ -13799,7 +14533,9 @@
               </a:bodyPr>
               <a:lstStyle/>
               <a:p>
-                <a:endParaRPr lang="en-NZ"/>
+                <a:endParaRPr lang="en-NZ">
+                  <a:latin typeface="+mj-lt"/>
+                </a:endParaRPr>
               </a:p>
             </p:txBody>
           </p:sp>
@@ -13889,7 +14625,9 @@
               </a:bodyPr>
               <a:lstStyle/>
               <a:p>
-                <a:endParaRPr lang="en-NZ"/>
+                <a:endParaRPr lang="en-NZ">
+                  <a:latin typeface="+mj-lt"/>
+                </a:endParaRPr>
               </a:p>
             </p:txBody>
           </p:sp>
@@ -13955,7 +14693,9 @@
             </a:bodyPr>
             <a:lstStyle/>
             <a:p>
-              <a:endParaRPr lang="en-NZ"/>
+              <a:endParaRPr lang="en-NZ">
+                <a:latin typeface="+mj-lt"/>
+              </a:endParaRPr>
             </a:p>
           </p:txBody>
         </p:sp>
@@ -14032,7 +14772,7 @@
                     <a:srgbClr val="444444"/>
                   </a:solidFill>
                   <a:effectLst/>
-                  <a:latin typeface="Gill Sans MT" panose="020B0502020104020203" pitchFamily="34" charset="0"/>
+                  <a:latin typeface="+mj-lt"/>
                 </a:rPr>
                 <a:t>M7 - Test Complete</a:t>
               </a:r>
@@ -14045,6 +14785,7 @@
                     <a:schemeClr val="tx1"/>
                   </a:solidFill>
                   <a:effectLst/>
+                  <a:latin typeface="+mj-lt"/>
                 </a:rPr>
                 <a:t/>
               </a:r>
@@ -14057,6 +14798,7 @@
                     <a:schemeClr val="tx1"/>
                   </a:solidFill>
                   <a:effectLst/>
+                  <a:latin typeface="+mj-lt"/>
                 </a:rPr>
               </a:br>
               <a:r>
@@ -14068,7 +14810,7 @@
                     <a:srgbClr val="444444"/>
                   </a:solidFill>
                   <a:effectLst/>
-                  <a:latin typeface="Gill Sans MT" panose="020B0502020104020203" pitchFamily="34" charset="0"/>
+                  <a:latin typeface="+mj-lt"/>
                 </a:rPr>
                 <a:t>Tue 24/04/18</a:t>
               </a:r>
@@ -14080,7 +14822,7 @@
                   <a:schemeClr val="tx1"/>
                 </a:solidFill>
                 <a:effectLst/>
-                <a:latin typeface="Arial" panose="020B0604020202020204" pitchFamily="34" charset="0"/>
+                <a:latin typeface="+mj-lt"/>
               </a:endParaRPr>
             </a:p>
           </p:txBody>
@@ -14194,7 +14936,9 @@
               </a:bodyPr>
               <a:lstStyle/>
               <a:p>
-                <a:endParaRPr lang="en-NZ"/>
+                <a:endParaRPr lang="en-NZ">
+                  <a:latin typeface="+mj-lt"/>
+                </a:endParaRPr>
               </a:p>
             </p:txBody>
           </p:sp>
@@ -14284,7 +15028,9 @@
               </a:bodyPr>
               <a:lstStyle/>
               <a:p>
-                <a:endParaRPr lang="en-NZ"/>
+                <a:endParaRPr lang="en-NZ">
+                  <a:latin typeface="+mj-lt"/>
+                </a:endParaRPr>
               </a:p>
             </p:txBody>
           </p:sp>
@@ -14352,7 +15098,9 @@
             </a:bodyPr>
             <a:lstStyle/>
             <a:p>
-              <a:endParaRPr lang="en-NZ"/>
+              <a:endParaRPr lang="en-NZ">
+                <a:latin typeface="+mj-lt"/>
+              </a:endParaRPr>
             </a:p>
           </p:txBody>
         </p:sp>
@@ -14429,7 +15177,7 @@
                     <a:srgbClr val="444444"/>
                   </a:solidFill>
                   <a:effectLst/>
-                  <a:latin typeface="Gill Sans MT" panose="020B0502020104020203" pitchFamily="34" charset="0"/>
+                  <a:latin typeface="+mj-lt"/>
                 </a:rPr>
                 <a:t>M10 - Techlauncher Showcase</a:t>
               </a:r>
@@ -14442,6 +15190,7 @@
                     <a:schemeClr val="tx1"/>
                   </a:solidFill>
                   <a:effectLst/>
+                  <a:latin typeface="+mj-lt"/>
                 </a:rPr>
                 <a:t/>
               </a:r>
@@ -14454,6 +15203,7 @@
                     <a:schemeClr val="tx1"/>
                   </a:solidFill>
                   <a:effectLst/>
+                  <a:latin typeface="+mj-lt"/>
                 </a:rPr>
               </a:br>
               <a:r>
@@ -14465,7 +15215,7 @@
                     <a:srgbClr val="444444"/>
                   </a:solidFill>
                   <a:effectLst/>
-                  <a:latin typeface="Gill Sans MT" panose="020B0502020104020203" pitchFamily="34" charset="0"/>
+                  <a:latin typeface="+mj-lt"/>
                 </a:rPr>
                 <a:t>Tue 8/05/18</a:t>
               </a:r>
@@ -14477,7 +15227,7 @@
                   <a:schemeClr val="tx1"/>
                 </a:solidFill>
                 <a:effectLst/>
-                <a:latin typeface="Arial" panose="020B0604020202020204" pitchFamily="34" charset="0"/>
+                <a:latin typeface="+mj-lt"/>
               </a:endParaRPr>
             </a:p>
           </p:txBody>
@@ -14591,7 +15341,9 @@
               </a:bodyPr>
               <a:lstStyle/>
               <a:p>
-                <a:endParaRPr lang="en-NZ"/>
+                <a:endParaRPr lang="en-NZ">
+                  <a:latin typeface="+mj-lt"/>
+                </a:endParaRPr>
               </a:p>
             </p:txBody>
           </p:sp>
@@ -14681,7 +15433,9 @@
               </a:bodyPr>
               <a:lstStyle/>
               <a:p>
-                <a:endParaRPr lang="en-NZ"/>
+                <a:endParaRPr lang="en-NZ">
+                  <a:latin typeface="+mj-lt"/>
+                </a:endParaRPr>
               </a:p>
             </p:txBody>
           </p:sp>
@@ -14747,7 +15501,9 @@
             </a:bodyPr>
             <a:lstStyle/>
             <a:p>
-              <a:endParaRPr lang="en-NZ"/>
+              <a:endParaRPr lang="en-NZ">
+                <a:latin typeface="+mj-lt"/>
+              </a:endParaRPr>
             </a:p>
           </p:txBody>
         </p:sp>
@@ -14824,7 +15580,7 @@
                     <a:srgbClr val="444444"/>
                   </a:solidFill>
                   <a:effectLst/>
-                  <a:latin typeface="Gill Sans MT" panose="020B0502020104020203" pitchFamily="34" charset="0"/>
+                  <a:latin typeface="+mj-lt"/>
                 </a:rPr>
                 <a:t>M2 - Audit Week #1</a:t>
               </a:r>
@@ -14837,6 +15593,7 @@
                     <a:schemeClr val="tx1"/>
                   </a:solidFill>
                   <a:effectLst/>
+                  <a:latin typeface="+mj-lt"/>
                 </a:rPr>
                 <a:t/>
               </a:r>
@@ -14849,6 +15606,7 @@
                     <a:schemeClr val="tx1"/>
                   </a:solidFill>
                   <a:effectLst/>
+                  <a:latin typeface="+mj-lt"/>
                 </a:rPr>
               </a:br>
               <a:r>
@@ -14860,7 +15618,7 @@
                     <a:srgbClr val="444444"/>
                   </a:solidFill>
                   <a:effectLst/>
-                  <a:latin typeface="Gill Sans MT" panose="020B0502020104020203" pitchFamily="34" charset="0"/>
+                  <a:latin typeface="+mj-lt"/>
                 </a:rPr>
                 <a:t>Mon 5/03/18</a:t>
               </a:r>
@@ -14872,7 +15630,141 @@
                   <a:schemeClr val="tx1"/>
                 </a:solidFill>
                 <a:effectLst/>
-                <a:latin typeface="Arial" panose="020B0604020202020204" pitchFamily="34" charset="0"/>
+                <a:latin typeface="+mj-lt"/>
+              </a:endParaRPr>
+            </a:p>
+          </p:txBody>
+        </p:sp>
+        <p:sp>
+          <p:nvSpPr>
+            <p:cNvPr id="120" name="Freeform 2"/>
+            <p:cNvSpPr>
+              <a:spLocks noChangeArrowheads="1"/>
+            </p:cNvSpPr>
+            <p:nvPr/>
+          </p:nvSpPr>
+          <p:spPr bwMode="auto">
+            <a:xfrm>
+              <a:off x="678" y="-37"/>
+              <a:ext cx="18" cy="112"/>
+            </a:xfrm>
+            <a:custGeom>
+              <a:avLst/>
+              <a:gdLst>
+                <a:gd name="T0" fmla="*/ 0 h 98"/>
+                <a:gd name="T1" fmla="*/ 98 h 98"/>
+              </a:gdLst>
+              <a:ahLst/>
+              <a:cxnLst>
+                <a:cxn ang="0">
+                  <a:pos x="0" y="T0"/>
+                </a:cxn>
+                <a:cxn ang="0">
+                  <a:pos x="0" y="T1"/>
+                </a:cxn>
+              </a:cxnLst>
+              <a:rect l="0" t="0" r="r" b="b"/>
+              <a:pathLst>
+                <a:path h="98">
+                  <a:moveTo>
+                    <a:pt x="0" y="0"/>
+                  </a:moveTo>
+                  <a:lnTo>
+                    <a:pt x="0" y="98"/>
+                  </a:lnTo>
+                </a:path>
+              </a:pathLst>
+            </a:custGeom>
+            <a:solidFill>
+              <a:srgbClr val="FFFFFF"/>
+            </a:solidFill>
+            <a:ln w="3">
+              <a:solidFill>
+                <a:srgbClr val="31752F"/>
+              </a:solidFill>
+              <a:prstDash val="solid"/>
+              <a:round/>
+              <a:headEnd/>
+              <a:tailEnd/>
+            </a:ln>
+          </p:spPr>
+          <p:txBody>
+            <a:bodyPr vert="horz" wrap="square" lIns="91440" tIns="45720" rIns="91440" bIns="45720" numCol="1" anchor="t" anchorCtr="0" compatLnSpc="1">
+              <a:prstTxWarp prst="textNoShape">
+                <a:avLst/>
+              </a:prstTxWarp>
+            </a:bodyPr>
+            <a:lstStyle/>
+            <a:p>
+              <a:endParaRPr lang="en-NZ">
+                <a:latin typeface="+mj-lt"/>
+              </a:endParaRPr>
+            </a:p>
+          </p:txBody>
+        </p:sp>
+        <p:sp>
+          <p:nvSpPr>
+            <p:cNvPr id="78" name="Freeform 70"/>
+            <p:cNvSpPr>
+              <a:spLocks noChangeArrowheads="1"/>
+            </p:cNvSpPr>
+            <p:nvPr/>
+          </p:nvSpPr>
+          <p:spPr bwMode="auto">
+            <a:xfrm>
+              <a:off x="678" y="80"/>
+              <a:ext cx="0" cy="85"/>
+            </a:xfrm>
+            <a:custGeom>
+              <a:avLst/>
+              <a:gdLst>
+                <a:gd name="T0" fmla="*/ 0 h 85"/>
+                <a:gd name="T1" fmla="*/ 85 h 85"/>
+              </a:gdLst>
+              <a:ahLst/>
+              <a:cxnLst>
+                <a:cxn ang="0">
+                  <a:pos x="0" y="T0"/>
+                </a:cxn>
+                <a:cxn ang="0">
+                  <a:pos x="0" y="T1"/>
+                </a:cxn>
+              </a:cxnLst>
+              <a:rect l="0" t="0" r="r" b="b"/>
+              <a:pathLst>
+                <a:path h="85">
+                  <a:moveTo>
+                    <a:pt x="0" y="0"/>
+                  </a:moveTo>
+                  <a:lnTo>
+                    <a:pt x="0" y="85"/>
+                  </a:lnTo>
+                </a:path>
+              </a:pathLst>
+            </a:custGeom>
+            <a:solidFill>
+              <a:srgbClr val="FFFFFF"/>
+            </a:solidFill>
+            <a:ln w="1">
+              <a:solidFill>
+                <a:srgbClr val="848484"/>
+              </a:solidFill>
+              <a:prstDash val="solid"/>
+              <a:round/>
+              <a:headEnd/>
+              <a:tailEnd/>
+            </a:ln>
+          </p:spPr>
+          <p:txBody>
+            <a:bodyPr vert="horz" wrap="square" lIns="91440" tIns="45720" rIns="91440" bIns="45720" numCol="1" anchor="t" anchorCtr="0" compatLnSpc="1">
+              <a:prstTxWarp prst="textNoShape">
+                <a:avLst/>
+              </a:prstTxWarp>
+            </a:bodyPr>
+            <a:lstStyle/>
+            <a:p>
+              <a:endParaRPr lang="en-NZ">
+                <a:latin typeface="+mj-lt"/>
               </a:endParaRPr>
             </a:p>
           </p:txBody>
@@ -14986,7 +15878,9 @@
               </a:bodyPr>
               <a:lstStyle/>
               <a:p>
-                <a:endParaRPr lang="en-NZ"/>
+                <a:endParaRPr lang="en-NZ">
+                  <a:latin typeface="+mj-lt"/>
+                </a:endParaRPr>
               </a:p>
             </p:txBody>
           </p:sp>
@@ -15076,76 +15970,13 @@
               </a:bodyPr>
               <a:lstStyle/>
               <a:p>
-                <a:endParaRPr lang="en-NZ"/>
+                <a:endParaRPr lang="en-NZ">
+                  <a:latin typeface="+mj-lt"/>
+                </a:endParaRPr>
               </a:p>
             </p:txBody>
           </p:sp>
         </p:grpSp>
-        <p:sp>
-          <p:nvSpPr>
-            <p:cNvPr id="78" name="Freeform 70"/>
-            <p:cNvSpPr>
-              <a:spLocks noChangeArrowheads="1"/>
-            </p:cNvSpPr>
-            <p:nvPr/>
-          </p:nvSpPr>
-          <p:spPr bwMode="auto">
-            <a:xfrm>
-              <a:off x="678" y="80"/>
-              <a:ext cx="0" cy="85"/>
-            </a:xfrm>
-            <a:custGeom>
-              <a:avLst/>
-              <a:gdLst>
-                <a:gd name="T0" fmla="*/ 0 h 85"/>
-                <a:gd name="T1" fmla="*/ 85 h 85"/>
-              </a:gdLst>
-              <a:ahLst/>
-              <a:cxnLst>
-                <a:cxn ang="0">
-                  <a:pos x="0" y="T0"/>
-                </a:cxn>
-                <a:cxn ang="0">
-                  <a:pos x="0" y="T1"/>
-                </a:cxn>
-              </a:cxnLst>
-              <a:rect l="0" t="0" r="r" b="b"/>
-              <a:pathLst>
-                <a:path h="85">
-                  <a:moveTo>
-                    <a:pt x="0" y="0"/>
-                  </a:moveTo>
-                  <a:lnTo>
-                    <a:pt x="0" y="85"/>
-                  </a:lnTo>
-                </a:path>
-              </a:pathLst>
-            </a:custGeom>
-            <a:solidFill>
-              <a:srgbClr val="FFFFFF"/>
-            </a:solidFill>
-            <a:ln w="1">
-              <a:solidFill>
-                <a:srgbClr val="848484"/>
-              </a:solidFill>
-              <a:prstDash val="solid"/>
-              <a:round/>
-              <a:headEnd/>
-              <a:tailEnd/>
-            </a:ln>
-          </p:spPr>
-          <p:txBody>
-            <a:bodyPr vert="horz" wrap="square" lIns="91440" tIns="45720" rIns="91440" bIns="45720" numCol="1" anchor="t" anchorCtr="0" compatLnSpc="1">
-              <a:prstTxWarp prst="textNoShape">
-                <a:avLst/>
-              </a:prstTxWarp>
-            </a:bodyPr>
-            <a:lstStyle/>
-            <a:p>
-              <a:endParaRPr lang="en-NZ"/>
-            </a:p>
-          </p:txBody>
-        </p:sp>
         <p:sp>
           <p:nvSpPr>
             <p:cNvPr id="79" name="Rectangle 69" descr="M4 - Audit Week #2&#10;Mon 26/03/18"/>
@@ -15219,7 +16050,7 @@
                     <a:srgbClr val="444444"/>
                   </a:solidFill>
                   <a:effectLst/>
-                  <a:latin typeface="Gill Sans MT" panose="020B0502020104020203" pitchFamily="34" charset="0"/>
+                  <a:latin typeface="+mj-lt"/>
                 </a:rPr>
                 <a:t>M4 - Audit Week #2</a:t>
               </a:r>
@@ -15232,6 +16063,7 @@
                     <a:schemeClr val="tx1"/>
                   </a:solidFill>
                   <a:effectLst/>
+                  <a:latin typeface="+mj-lt"/>
                 </a:rPr>
                 <a:t/>
               </a:r>
@@ -15244,6 +16076,7 @@
                     <a:schemeClr val="tx1"/>
                   </a:solidFill>
                   <a:effectLst/>
+                  <a:latin typeface="+mj-lt"/>
                 </a:rPr>
               </a:br>
               <a:r>
@@ -15255,7 +16088,7 @@
                     <a:srgbClr val="444444"/>
                   </a:solidFill>
                   <a:effectLst/>
-                  <a:latin typeface="Gill Sans MT" panose="020B0502020104020203" pitchFamily="34" charset="0"/>
+                  <a:latin typeface="+mj-lt"/>
                 </a:rPr>
                 <a:t>Mon 26/03/18</a:t>
               </a:r>
@@ -15267,7 +16100,7 @@
                   <a:schemeClr val="tx1"/>
                 </a:solidFill>
                 <a:effectLst/>
-                <a:latin typeface="Arial" panose="020B0604020202020204" pitchFamily="34" charset="0"/>
+                <a:latin typeface="+mj-lt"/>
               </a:endParaRPr>
             </a:p>
           </p:txBody>
@@ -15381,7 +16214,9 @@
               </a:bodyPr>
               <a:lstStyle/>
               <a:p>
-                <a:endParaRPr lang="en-NZ"/>
+                <a:endParaRPr lang="en-NZ">
+                  <a:latin typeface="+mj-lt"/>
+                </a:endParaRPr>
               </a:p>
             </p:txBody>
           </p:sp>
@@ -15471,7 +16306,9 @@
               </a:bodyPr>
               <a:lstStyle/>
               <a:p>
-                <a:endParaRPr lang="en-NZ"/>
+                <a:endParaRPr lang="en-NZ">
+                  <a:latin typeface="+mj-lt"/>
+                </a:endParaRPr>
               </a:p>
             </p:txBody>
           </p:sp>
@@ -15537,7 +16374,9 @@
             </a:bodyPr>
             <a:lstStyle/>
             <a:p>
-              <a:endParaRPr lang="en-NZ"/>
+              <a:endParaRPr lang="en-NZ">
+                <a:latin typeface="+mj-lt"/>
+              </a:endParaRPr>
             </a:p>
           </p:txBody>
         </p:sp>
@@ -15614,7 +16453,7 @@
                     <a:srgbClr val="444444"/>
                   </a:solidFill>
                   <a:effectLst/>
-                  <a:latin typeface="Gill Sans MT" panose="020B0502020104020203" pitchFamily="34" charset="0"/>
+                  <a:latin typeface="+mj-lt"/>
                 </a:rPr>
                 <a:t>M9 - Audit Week #3</a:t>
               </a:r>
@@ -15627,6 +16466,7 @@
                     <a:schemeClr val="tx1"/>
                   </a:solidFill>
                   <a:effectLst/>
+                  <a:latin typeface="+mj-lt"/>
                 </a:rPr>
                 <a:t/>
               </a:r>
@@ -15639,6 +16479,7 @@
                     <a:schemeClr val="tx1"/>
                   </a:solidFill>
                   <a:effectLst/>
+                  <a:latin typeface="+mj-lt"/>
                 </a:rPr>
               </a:br>
               <a:r>
@@ -15650,7 +16491,7 @@
                     <a:srgbClr val="444444"/>
                   </a:solidFill>
                   <a:effectLst/>
-                  <a:latin typeface="Gill Sans MT" panose="020B0502020104020203" pitchFamily="34" charset="0"/>
+                  <a:latin typeface="+mj-lt"/>
                 </a:rPr>
                 <a:t>Mon 7/05/18</a:t>
               </a:r>
@@ -15662,7 +16503,7 @@
                   <a:schemeClr val="tx1"/>
                 </a:solidFill>
                 <a:effectLst/>
-                <a:latin typeface="Arial" panose="020B0604020202020204" pitchFamily="34" charset="0"/>
+                <a:latin typeface="+mj-lt"/>
               </a:endParaRPr>
             </a:p>
           </p:txBody>
@@ -15776,7 +16617,9 @@
               </a:bodyPr>
               <a:lstStyle/>
               <a:p>
-                <a:endParaRPr lang="en-NZ"/>
+                <a:endParaRPr lang="en-NZ">
+                  <a:latin typeface="+mj-lt"/>
+                </a:endParaRPr>
               </a:p>
             </p:txBody>
           </p:sp>
@@ -15866,7 +16709,9 @@
               </a:bodyPr>
               <a:lstStyle/>
               <a:p>
-                <a:endParaRPr lang="en-NZ"/>
+                <a:endParaRPr lang="en-NZ">
+                  <a:latin typeface="+mj-lt"/>
+                </a:endParaRPr>
               </a:p>
             </p:txBody>
           </p:sp>
@@ -15932,7 +16777,9 @@
             </a:bodyPr>
             <a:lstStyle/>
             <a:p>
-              <a:endParaRPr lang="en-NZ"/>
+              <a:endParaRPr lang="en-NZ">
+                <a:latin typeface="+mj-lt"/>
+              </a:endParaRPr>
             </a:p>
           </p:txBody>
         </p:sp>
@@ -16009,7 +16856,7 @@
                     <a:srgbClr val="444444"/>
                   </a:solidFill>
                   <a:effectLst/>
-                  <a:latin typeface="Gill Sans MT" panose="020B0502020104020203" pitchFamily="34" charset="0"/>
+                  <a:latin typeface="+mj-lt"/>
                 </a:rPr>
                 <a:t>M8 - Project Poster Complete</a:t>
               </a:r>
@@ -16022,6 +16869,7 @@
                     <a:schemeClr val="tx1"/>
                   </a:solidFill>
                   <a:effectLst/>
+                  <a:latin typeface="+mj-lt"/>
                 </a:rPr>
                 <a:t/>
               </a:r>
@@ -16034,6 +16882,7 @@
                     <a:schemeClr val="tx1"/>
                   </a:solidFill>
                   <a:effectLst/>
+                  <a:latin typeface="+mj-lt"/>
                 </a:rPr>
               </a:br>
               <a:r>
@@ -16045,7 +16894,7 @@
                     <a:srgbClr val="444444"/>
                   </a:solidFill>
                   <a:effectLst/>
-                  <a:latin typeface="Gill Sans MT" panose="020B0502020104020203" pitchFamily="34" charset="0"/>
+                  <a:latin typeface="+mj-lt"/>
                 </a:rPr>
                 <a:t>Fri 4/05/18</a:t>
               </a:r>
@@ -16057,7 +16906,7 @@
                   <a:schemeClr val="tx1"/>
                 </a:solidFill>
                 <a:effectLst/>
-                <a:latin typeface="Arial" panose="020B0604020202020204" pitchFamily="34" charset="0"/>
+                <a:latin typeface="+mj-lt"/>
               </a:endParaRPr>
             </a:p>
           </p:txBody>
@@ -16171,7 +17020,9 @@
               </a:bodyPr>
               <a:lstStyle/>
               <a:p>
-                <a:endParaRPr lang="en-NZ"/>
+                <a:endParaRPr lang="en-NZ">
+                  <a:latin typeface="+mj-lt"/>
+                </a:endParaRPr>
               </a:p>
             </p:txBody>
           </p:sp>
@@ -16261,7 +17112,9 @@
               </a:bodyPr>
               <a:lstStyle/>
               <a:p>
-                <a:endParaRPr lang="en-NZ"/>
+                <a:endParaRPr lang="en-NZ">
+                  <a:latin typeface="+mj-lt"/>
+                </a:endParaRPr>
               </a:p>
             </p:txBody>
           </p:sp>
@@ -16327,7 +17180,9 @@
             </a:bodyPr>
             <a:lstStyle/>
             <a:p>
-              <a:endParaRPr lang="en-NZ"/>
+              <a:endParaRPr lang="en-NZ">
+                <a:latin typeface="+mj-lt"/>
+              </a:endParaRPr>
             </a:p>
           </p:txBody>
         </p:sp>
@@ -16404,7 +17259,7 @@
                     <a:srgbClr val="444444"/>
                   </a:solidFill>
                   <a:effectLst/>
-                  <a:latin typeface="Gill Sans MT" panose="020B0502020104020203" pitchFamily="34" charset="0"/>
+                  <a:latin typeface="+mj-lt"/>
                 </a:rPr>
                 <a:t>M1 - Kick Off Complete</a:t>
               </a:r>
@@ -16417,6 +17272,7 @@
                     <a:schemeClr val="tx1"/>
                   </a:solidFill>
                   <a:effectLst/>
+                  <a:latin typeface="+mj-lt"/>
                 </a:rPr>
                 <a:t/>
               </a:r>
@@ -16429,6 +17285,7 @@
                     <a:schemeClr val="tx1"/>
                   </a:solidFill>
                   <a:effectLst/>
+                  <a:latin typeface="+mj-lt"/>
                 </a:rPr>
               </a:br>
               <a:r>
@@ -16440,7 +17297,7 @@
                     <a:srgbClr val="444444"/>
                   </a:solidFill>
                   <a:effectLst/>
-                  <a:latin typeface="Gill Sans MT" panose="020B0502020104020203" pitchFamily="34" charset="0"/>
+                  <a:latin typeface="+mj-lt"/>
                 </a:rPr>
                 <a:t>Tue 27/02/18</a:t>
               </a:r>
@@ -16452,7 +17309,7 @@
                   <a:schemeClr val="tx1"/>
                 </a:solidFill>
                 <a:effectLst/>
-                <a:latin typeface="Arial" panose="020B0604020202020204" pitchFamily="34" charset="0"/>
+                <a:latin typeface="+mj-lt"/>
               </a:endParaRPr>
             </a:p>
           </p:txBody>
@@ -16566,7 +17423,9 @@
               </a:bodyPr>
               <a:lstStyle/>
               <a:p>
-                <a:endParaRPr lang="en-NZ"/>
+                <a:endParaRPr lang="en-NZ">
+                  <a:latin typeface="+mj-lt"/>
+                </a:endParaRPr>
               </a:p>
             </p:txBody>
           </p:sp>
@@ -16656,7 +17515,9 @@
               </a:bodyPr>
               <a:lstStyle/>
               <a:p>
-                <a:endParaRPr lang="en-NZ"/>
+                <a:endParaRPr lang="en-NZ">
+                  <a:latin typeface="+mj-lt"/>
+                </a:endParaRPr>
               </a:p>
             </p:txBody>
           </p:sp>
@@ -16722,7 +17583,9 @@
             </a:bodyPr>
             <a:lstStyle/>
             <a:p>
-              <a:endParaRPr lang="en-NZ"/>
+              <a:endParaRPr lang="en-NZ">
+                <a:latin typeface="+mj-lt"/>
+              </a:endParaRPr>
             </a:p>
           </p:txBody>
         </p:sp>
@@ -16799,7 +17662,7 @@
                     <a:srgbClr val="444444"/>
                   </a:solidFill>
                   <a:effectLst/>
-                  <a:latin typeface="Gill Sans MT" panose="020B0502020104020203" pitchFamily="34" charset="0"/>
+                  <a:latin typeface="+mj-lt"/>
                 </a:rPr>
                 <a:t>Client Meeting 1</a:t>
               </a:r>
@@ -16812,6 +17675,7 @@
                     <a:schemeClr val="tx1"/>
                   </a:solidFill>
                   <a:effectLst/>
+                  <a:latin typeface="+mj-lt"/>
                 </a:rPr>
                 <a:t/>
               </a:r>
@@ -16824,6 +17688,7 @@
                     <a:schemeClr val="tx1"/>
                   </a:solidFill>
                   <a:effectLst/>
+                  <a:latin typeface="+mj-lt"/>
                 </a:rPr>
               </a:br>
               <a:r>
@@ -16835,7 +17700,7 @@
                     <a:srgbClr val="444444"/>
                   </a:solidFill>
                   <a:effectLst/>
-                  <a:latin typeface="Gill Sans MT" panose="020B0502020104020203" pitchFamily="34" charset="0"/>
+                  <a:latin typeface="+mj-lt"/>
                 </a:rPr>
                 <a:t>Wed 28/02/18</a:t>
               </a:r>
@@ -16847,7 +17712,7 @@
                   <a:schemeClr val="tx1"/>
                 </a:solidFill>
                 <a:effectLst/>
-                <a:latin typeface="Arial" panose="020B0604020202020204" pitchFamily="34" charset="0"/>
+                <a:latin typeface="+mj-lt"/>
               </a:endParaRPr>
             </a:p>
           </p:txBody>
@@ -16961,7 +17826,9 @@
               </a:bodyPr>
               <a:lstStyle/>
               <a:p>
-                <a:endParaRPr lang="en-NZ"/>
+                <a:endParaRPr lang="en-NZ">
+                  <a:latin typeface="+mj-lt"/>
+                </a:endParaRPr>
               </a:p>
             </p:txBody>
           </p:sp>
@@ -17051,7 +17918,9 @@
               </a:bodyPr>
               <a:lstStyle/>
               <a:p>
-                <a:endParaRPr lang="en-NZ"/>
+                <a:endParaRPr lang="en-NZ">
+                  <a:latin typeface="+mj-lt"/>
+                </a:endParaRPr>
               </a:p>
             </p:txBody>
           </p:sp>
@@ -17117,7 +17986,9 @@
             </a:bodyPr>
             <a:lstStyle/>
             <a:p>
-              <a:endParaRPr lang="en-NZ"/>
+              <a:endParaRPr lang="en-NZ">
+                <a:latin typeface="+mj-lt"/>
+              </a:endParaRPr>
             </a:p>
           </p:txBody>
         </p:sp>
@@ -17194,7 +18065,7 @@
                     <a:srgbClr val="444444"/>
                   </a:solidFill>
                   <a:effectLst/>
-                  <a:latin typeface="Gill Sans MT" panose="020B0502020104020203" pitchFamily="34" charset="0"/>
+                  <a:latin typeface="+mj-lt"/>
                 </a:rPr>
                 <a:t>Client Meeting 4</a:t>
               </a:r>
@@ -17207,6 +18078,7 @@
                     <a:schemeClr val="tx1"/>
                   </a:solidFill>
                   <a:effectLst/>
+                  <a:latin typeface="+mj-lt"/>
                 </a:rPr>
                 <a:t/>
               </a:r>
@@ -17219,6 +18091,7 @@
                     <a:schemeClr val="tx1"/>
                   </a:solidFill>
                   <a:effectLst/>
+                  <a:latin typeface="+mj-lt"/>
                 </a:rPr>
               </a:br>
               <a:r>
@@ -17230,7 +18103,7 @@
                     <a:srgbClr val="444444"/>
                   </a:solidFill>
                   <a:effectLst/>
-                  <a:latin typeface="Gill Sans MT" panose="020B0502020104020203" pitchFamily="34" charset="0"/>
+                  <a:latin typeface="+mj-lt"/>
                 </a:rPr>
                 <a:t>Wed 21/03/18</a:t>
               </a:r>
@@ -17242,7 +18115,7 @@
                   <a:schemeClr val="tx1"/>
                 </a:solidFill>
                 <a:effectLst/>
-                <a:latin typeface="Arial" panose="020B0604020202020204" pitchFamily="34" charset="0"/>
+                <a:latin typeface="+mj-lt"/>
               </a:endParaRPr>
             </a:p>
           </p:txBody>
@@ -17356,7 +18229,9 @@
               </a:bodyPr>
               <a:lstStyle/>
               <a:p>
-                <a:endParaRPr lang="en-NZ"/>
+                <a:endParaRPr lang="en-NZ">
+                  <a:latin typeface="+mj-lt"/>
+                </a:endParaRPr>
               </a:p>
             </p:txBody>
           </p:sp>
@@ -17446,7 +18321,9 @@
               </a:bodyPr>
               <a:lstStyle/>
               <a:p>
-                <a:endParaRPr lang="en-NZ"/>
+                <a:endParaRPr lang="en-NZ">
+                  <a:latin typeface="+mj-lt"/>
+                </a:endParaRPr>
               </a:p>
             </p:txBody>
           </p:sp>
@@ -17512,7 +18389,9 @@
             </a:bodyPr>
             <a:lstStyle/>
             <a:p>
-              <a:endParaRPr lang="en-NZ"/>
+              <a:endParaRPr lang="en-NZ">
+                <a:latin typeface="+mj-lt"/>
+              </a:endParaRPr>
             </a:p>
           </p:txBody>
         </p:sp>
@@ -17589,7 +18468,7 @@
                     <a:srgbClr val="444444"/>
                   </a:solidFill>
                   <a:effectLst/>
-                  <a:latin typeface="Gill Sans MT" panose="020B0502020104020203" pitchFamily="34" charset="0"/>
+                  <a:latin typeface="+mj-lt"/>
                 </a:rPr>
                 <a:t>Client Meeting 2</a:t>
               </a:r>
@@ -17602,6 +18481,7 @@
                     <a:schemeClr val="tx1"/>
                   </a:solidFill>
                   <a:effectLst/>
+                  <a:latin typeface="+mj-lt"/>
                 </a:rPr>
                 <a:t/>
               </a:r>
@@ -17614,6 +18494,7 @@
                     <a:schemeClr val="tx1"/>
                   </a:solidFill>
                   <a:effectLst/>
+                  <a:latin typeface="+mj-lt"/>
                 </a:rPr>
               </a:br>
               <a:r>
@@ -17625,7 +18506,7 @@
                     <a:srgbClr val="444444"/>
                   </a:solidFill>
                   <a:effectLst/>
-                  <a:latin typeface="Gill Sans MT" panose="020B0502020104020203" pitchFamily="34" charset="0"/>
+                  <a:latin typeface="+mj-lt"/>
                 </a:rPr>
                 <a:t>Wed 7/03/18</a:t>
               </a:r>
@@ -17637,7 +18518,7 @@
                   <a:schemeClr val="tx1"/>
                 </a:solidFill>
                 <a:effectLst/>
-                <a:latin typeface="Arial" panose="020B0604020202020204" pitchFamily="34" charset="0"/>
+                <a:latin typeface="+mj-lt"/>
               </a:endParaRPr>
             </a:p>
           </p:txBody>
@@ -17751,7 +18632,9 @@
               </a:bodyPr>
               <a:lstStyle/>
               <a:p>
-                <a:endParaRPr lang="en-NZ"/>
+                <a:endParaRPr lang="en-NZ">
+                  <a:latin typeface="+mj-lt"/>
+                </a:endParaRPr>
               </a:p>
             </p:txBody>
           </p:sp>
@@ -17841,7 +18724,9 @@
               </a:bodyPr>
               <a:lstStyle/>
               <a:p>
-                <a:endParaRPr lang="en-NZ"/>
+                <a:endParaRPr lang="en-NZ">
+                  <a:latin typeface="+mj-lt"/>
+                </a:endParaRPr>
               </a:p>
             </p:txBody>
           </p:sp>
@@ -17907,7 +18792,9 @@
             </a:bodyPr>
             <a:lstStyle/>
             <a:p>
-              <a:endParaRPr lang="en-NZ"/>
+              <a:endParaRPr lang="en-NZ">
+                <a:latin typeface="+mj-lt"/>
+              </a:endParaRPr>
             </a:p>
           </p:txBody>
         </p:sp>
@@ -17984,7 +18871,7 @@
                     <a:srgbClr val="444444"/>
                   </a:solidFill>
                   <a:effectLst/>
-                  <a:latin typeface="Gill Sans MT" panose="020B0502020104020203" pitchFamily="34" charset="0"/>
+                  <a:latin typeface="+mj-lt"/>
                 </a:rPr>
                 <a:t>Client Meeting 3</a:t>
               </a:r>
@@ -17997,6 +18884,7 @@
                     <a:schemeClr val="tx1"/>
                   </a:solidFill>
                   <a:effectLst/>
+                  <a:latin typeface="+mj-lt"/>
                 </a:rPr>
                 <a:t/>
               </a:r>
@@ -18009,6 +18897,7 @@
                     <a:schemeClr val="tx1"/>
                   </a:solidFill>
                   <a:effectLst/>
+                  <a:latin typeface="+mj-lt"/>
                 </a:rPr>
               </a:br>
               <a:r>
@@ -18020,7 +18909,7 @@
                     <a:srgbClr val="444444"/>
                   </a:solidFill>
                   <a:effectLst/>
-                  <a:latin typeface="Gill Sans MT" panose="020B0502020104020203" pitchFamily="34" charset="0"/>
+                  <a:latin typeface="+mj-lt"/>
                 </a:rPr>
                 <a:t>Wed 14/03/18</a:t>
               </a:r>
@@ -18032,7 +18921,7 @@
                   <a:schemeClr val="tx1"/>
                 </a:solidFill>
                 <a:effectLst/>
-                <a:latin typeface="Arial" panose="020B0604020202020204" pitchFamily="34" charset="0"/>
+                <a:latin typeface="+mj-lt"/>
               </a:endParaRPr>
             </a:p>
           </p:txBody>
@@ -18146,7 +19035,9 @@
               </a:bodyPr>
               <a:lstStyle/>
               <a:p>
-                <a:endParaRPr lang="en-NZ"/>
+                <a:endParaRPr lang="en-NZ">
+                  <a:latin typeface="+mj-lt"/>
+                </a:endParaRPr>
               </a:p>
             </p:txBody>
           </p:sp>
@@ -18236,7 +19127,9 @@
               </a:bodyPr>
               <a:lstStyle/>
               <a:p>
-                <a:endParaRPr lang="en-NZ"/>
+                <a:endParaRPr lang="en-NZ">
+                  <a:latin typeface="+mj-lt"/>
+                </a:endParaRPr>
               </a:p>
             </p:txBody>
           </p:sp>
@@ -18302,7 +19195,9 @@
             </a:bodyPr>
             <a:lstStyle/>
             <a:p>
-              <a:endParaRPr lang="en-NZ"/>
+              <a:endParaRPr lang="en-NZ">
+                <a:latin typeface="+mj-lt"/>
+              </a:endParaRPr>
             </a:p>
           </p:txBody>
         </p:sp>
@@ -18379,7 +19274,7 @@
                     <a:srgbClr val="444444"/>
                   </a:solidFill>
                   <a:effectLst/>
-                  <a:latin typeface="Gill Sans MT" panose="020B0502020104020203" pitchFamily="34" charset="0"/>
+                  <a:latin typeface="+mj-lt"/>
                 </a:rPr>
                 <a:t>Client Meeting 5</a:t>
               </a:r>
@@ -18392,6 +19287,7 @@
                     <a:schemeClr val="tx1"/>
                   </a:solidFill>
                   <a:effectLst/>
+                  <a:latin typeface="+mj-lt"/>
                 </a:rPr>
                 <a:t/>
               </a:r>
@@ -18404,6 +19300,7 @@
                     <a:schemeClr val="tx1"/>
                   </a:solidFill>
                   <a:effectLst/>
+                  <a:latin typeface="+mj-lt"/>
                 </a:rPr>
               </a:br>
               <a:r>
@@ -18415,7 +19312,7 @@
                     <a:srgbClr val="444444"/>
                   </a:solidFill>
                   <a:effectLst/>
-                  <a:latin typeface="Gill Sans MT" panose="020B0502020104020203" pitchFamily="34" charset="0"/>
+                  <a:latin typeface="+mj-lt"/>
                 </a:rPr>
                 <a:t>Wed 28/03/18</a:t>
               </a:r>
@@ -18427,7 +19324,7 @@
                   <a:schemeClr val="tx1"/>
                 </a:solidFill>
                 <a:effectLst/>
-                <a:latin typeface="Arial" panose="020B0604020202020204" pitchFamily="34" charset="0"/>
+                <a:latin typeface="+mj-lt"/>
               </a:endParaRPr>
             </a:p>
           </p:txBody>
@@ -18541,7 +19438,9 @@
               </a:bodyPr>
               <a:lstStyle/>
               <a:p>
-                <a:endParaRPr lang="en-NZ"/>
+                <a:endParaRPr lang="en-NZ">
+                  <a:latin typeface="+mj-lt"/>
+                </a:endParaRPr>
               </a:p>
             </p:txBody>
           </p:sp>
@@ -18631,7 +19530,9 @@
               </a:bodyPr>
               <a:lstStyle/>
               <a:p>
-                <a:endParaRPr lang="en-NZ"/>
+                <a:endParaRPr lang="en-NZ">
+                  <a:latin typeface="+mj-lt"/>
+                </a:endParaRPr>
               </a:p>
             </p:txBody>
           </p:sp>
@@ -18697,7 +19598,9 @@
             </a:bodyPr>
             <a:lstStyle/>
             <a:p>
-              <a:endParaRPr lang="en-NZ"/>
+              <a:endParaRPr lang="en-NZ">
+                <a:latin typeface="+mj-lt"/>
+              </a:endParaRPr>
             </a:p>
           </p:txBody>
         </p:sp>
@@ -18774,7 +19677,7 @@
                     <a:srgbClr val="444444"/>
                   </a:solidFill>
                   <a:effectLst/>
-                  <a:latin typeface="Gill Sans MT" panose="020B0502020104020203" pitchFamily="34" charset="0"/>
+                  <a:latin typeface="+mj-lt"/>
                 </a:rPr>
                 <a:t>Client Meeting 6</a:t>
               </a:r>
@@ -18787,6 +19690,7 @@
                     <a:schemeClr val="tx1"/>
                   </a:solidFill>
                   <a:effectLst/>
+                  <a:latin typeface="+mj-lt"/>
                 </a:rPr>
                 <a:t/>
               </a:r>
@@ -18799,6 +19703,7 @@
                     <a:schemeClr val="tx1"/>
                   </a:solidFill>
                   <a:effectLst/>
+                  <a:latin typeface="+mj-lt"/>
                 </a:rPr>
               </a:br>
               <a:r>
@@ -18810,7 +19715,7 @@
                     <a:srgbClr val="444444"/>
                   </a:solidFill>
                   <a:effectLst/>
-                  <a:latin typeface="Gill Sans MT" panose="020B0502020104020203" pitchFamily="34" charset="0"/>
+                  <a:latin typeface="+mj-lt"/>
                 </a:rPr>
                 <a:t>Wed 4/04/18</a:t>
               </a:r>
@@ -18822,7 +19727,7 @@
                   <a:schemeClr val="tx1"/>
                 </a:solidFill>
                 <a:effectLst/>
-                <a:latin typeface="Arial" panose="020B0604020202020204" pitchFamily="34" charset="0"/>
+                <a:latin typeface="+mj-lt"/>
               </a:endParaRPr>
             </a:p>
           </p:txBody>
@@ -18936,7 +19841,9 @@
               </a:bodyPr>
               <a:lstStyle/>
               <a:p>
-                <a:endParaRPr lang="en-NZ"/>
+                <a:endParaRPr lang="en-NZ">
+                  <a:latin typeface="+mj-lt"/>
+                </a:endParaRPr>
               </a:p>
             </p:txBody>
           </p:sp>
@@ -19026,7 +19933,9 @@
               </a:bodyPr>
               <a:lstStyle/>
               <a:p>
-                <a:endParaRPr lang="en-NZ"/>
+                <a:endParaRPr lang="en-NZ">
+                  <a:latin typeface="+mj-lt"/>
+                </a:endParaRPr>
               </a:p>
             </p:txBody>
           </p:sp>
@@ -19092,7 +20001,9 @@
             </a:bodyPr>
             <a:lstStyle/>
             <a:p>
-              <a:endParaRPr lang="en-NZ"/>
+              <a:endParaRPr lang="en-NZ">
+                <a:latin typeface="+mj-lt"/>
+              </a:endParaRPr>
             </a:p>
           </p:txBody>
         </p:sp>
@@ -19169,7 +20080,7 @@
                     <a:srgbClr val="444444"/>
                   </a:solidFill>
                   <a:effectLst/>
-                  <a:latin typeface="Gill Sans MT" panose="020B0502020104020203" pitchFamily="34" charset="0"/>
+                  <a:latin typeface="+mj-lt"/>
                 </a:rPr>
                 <a:t>Client Meeting 7</a:t>
               </a:r>
@@ -19182,6 +20093,7 @@
                     <a:schemeClr val="tx1"/>
                   </a:solidFill>
                   <a:effectLst/>
+                  <a:latin typeface="+mj-lt"/>
                 </a:rPr>
                 <a:t/>
               </a:r>
@@ -19194,6 +20106,7 @@
                     <a:schemeClr val="tx1"/>
                   </a:solidFill>
                   <a:effectLst/>
+                  <a:latin typeface="+mj-lt"/>
                 </a:rPr>
               </a:br>
               <a:r>
@@ -19205,7 +20118,7 @@
                     <a:srgbClr val="444444"/>
                   </a:solidFill>
                   <a:effectLst/>
-                  <a:latin typeface="Gill Sans MT" panose="020B0502020104020203" pitchFamily="34" charset="0"/>
+                  <a:latin typeface="+mj-lt"/>
                 </a:rPr>
                 <a:t>Wed 11/04/18</a:t>
               </a:r>
@@ -19217,7 +20130,7 @@
                   <a:schemeClr val="tx1"/>
                 </a:solidFill>
                 <a:effectLst/>
-                <a:latin typeface="Arial" panose="020B0604020202020204" pitchFamily="34" charset="0"/>
+                <a:latin typeface="+mj-lt"/>
               </a:endParaRPr>
             </a:p>
           </p:txBody>
@@ -19331,7 +20244,9 @@
               </a:bodyPr>
               <a:lstStyle/>
               <a:p>
-                <a:endParaRPr lang="en-NZ"/>
+                <a:endParaRPr lang="en-NZ">
+                  <a:latin typeface="+mj-lt"/>
+                </a:endParaRPr>
               </a:p>
             </p:txBody>
           </p:sp>
@@ -19421,7 +20336,9 @@
               </a:bodyPr>
               <a:lstStyle/>
               <a:p>
-                <a:endParaRPr lang="en-NZ"/>
+                <a:endParaRPr lang="en-NZ">
+                  <a:latin typeface="+mj-lt"/>
+                </a:endParaRPr>
               </a:p>
             </p:txBody>
           </p:sp>
@@ -19487,7 +20404,9 @@
             </a:bodyPr>
             <a:lstStyle/>
             <a:p>
-              <a:endParaRPr lang="en-NZ"/>
+              <a:endParaRPr lang="en-NZ">
+                <a:latin typeface="+mj-lt"/>
+              </a:endParaRPr>
             </a:p>
           </p:txBody>
         </p:sp>
@@ -19564,7 +20483,7 @@
                     <a:srgbClr val="444444"/>
                   </a:solidFill>
                   <a:effectLst/>
-                  <a:latin typeface="Gill Sans MT" panose="020B0502020104020203" pitchFamily="34" charset="0"/>
+                  <a:latin typeface="+mj-lt"/>
                 </a:rPr>
                 <a:t>Client Meeting 8</a:t>
               </a:r>
@@ -19577,6 +20496,7 @@
                     <a:schemeClr val="tx1"/>
                   </a:solidFill>
                   <a:effectLst/>
+                  <a:latin typeface="+mj-lt"/>
                 </a:rPr>
                 <a:t/>
               </a:r>
@@ -19589,6 +20509,7 @@
                     <a:schemeClr val="tx1"/>
                   </a:solidFill>
                   <a:effectLst/>
+                  <a:latin typeface="+mj-lt"/>
                 </a:rPr>
               </a:br>
               <a:r>
@@ -19600,7 +20521,7 @@
                     <a:srgbClr val="444444"/>
                   </a:solidFill>
                   <a:effectLst/>
-                  <a:latin typeface="Gill Sans MT" panose="020B0502020104020203" pitchFamily="34" charset="0"/>
+                  <a:latin typeface="+mj-lt"/>
                 </a:rPr>
                 <a:t>Wed 18/04/18</a:t>
               </a:r>
@@ -19612,7 +20533,7 @@
                   <a:schemeClr val="tx1"/>
                 </a:solidFill>
                 <a:effectLst/>
-                <a:latin typeface="Arial" panose="020B0604020202020204" pitchFamily="34" charset="0"/>
+                <a:latin typeface="+mj-lt"/>
               </a:endParaRPr>
             </a:p>
           </p:txBody>
@@ -19726,7 +20647,9 @@
               </a:bodyPr>
               <a:lstStyle/>
               <a:p>
-                <a:endParaRPr lang="en-NZ"/>
+                <a:endParaRPr lang="en-NZ">
+                  <a:latin typeface="+mj-lt"/>
+                </a:endParaRPr>
               </a:p>
             </p:txBody>
           </p:sp>
@@ -19816,7 +20739,9 @@
               </a:bodyPr>
               <a:lstStyle/>
               <a:p>
-                <a:endParaRPr lang="en-NZ"/>
+                <a:endParaRPr lang="en-NZ">
+                  <a:latin typeface="+mj-lt"/>
+                </a:endParaRPr>
               </a:p>
             </p:txBody>
           </p:sp>
@@ -19882,7 +20807,9 @@
             </a:bodyPr>
             <a:lstStyle/>
             <a:p>
-              <a:endParaRPr lang="en-NZ"/>
+              <a:endParaRPr lang="en-NZ">
+                <a:latin typeface="+mj-lt"/>
+              </a:endParaRPr>
             </a:p>
           </p:txBody>
         </p:sp>
@@ -19959,7 +20886,7 @@
                     <a:srgbClr val="444444"/>
                   </a:solidFill>
                   <a:effectLst/>
-                  <a:latin typeface="Gill Sans MT" panose="020B0502020104020203" pitchFamily="34" charset="0"/>
+                  <a:latin typeface="+mj-lt"/>
                 </a:rPr>
                 <a:t>Client Meeting 9</a:t>
               </a:r>
@@ -19972,6 +20899,7 @@
                     <a:schemeClr val="tx1"/>
                   </a:solidFill>
                   <a:effectLst/>
+                  <a:latin typeface="+mj-lt"/>
                 </a:rPr>
                 <a:t/>
               </a:r>
@@ -19984,6 +20912,7 @@
                     <a:schemeClr val="tx1"/>
                   </a:solidFill>
                   <a:effectLst/>
+                  <a:latin typeface="+mj-lt"/>
                 </a:rPr>
               </a:br>
               <a:r>
@@ -19995,7 +20924,7 @@
                     <a:srgbClr val="444444"/>
                   </a:solidFill>
                   <a:effectLst/>
-                  <a:latin typeface="Gill Sans MT" panose="020B0502020104020203" pitchFamily="34" charset="0"/>
+                  <a:latin typeface="+mj-lt"/>
                 </a:rPr>
                 <a:t>Wed 25/04/18</a:t>
               </a:r>
@@ -20007,7 +20936,7 @@
                   <a:schemeClr val="tx1"/>
                 </a:solidFill>
                 <a:effectLst/>
-                <a:latin typeface="Arial" panose="020B0604020202020204" pitchFamily="34" charset="0"/>
+                <a:latin typeface="+mj-lt"/>
               </a:endParaRPr>
             </a:p>
           </p:txBody>
@@ -20121,7 +21050,9 @@
               </a:bodyPr>
               <a:lstStyle/>
               <a:p>
-                <a:endParaRPr lang="en-NZ"/>
+                <a:endParaRPr lang="en-NZ">
+                  <a:latin typeface="+mj-lt"/>
+                </a:endParaRPr>
               </a:p>
             </p:txBody>
           </p:sp>
@@ -20211,7 +21142,9 @@
               </a:bodyPr>
               <a:lstStyle/>
               <a:p>
-                <a:endParaRPr lang="en-NZ"/>
+                <a:endParaRPr lang="en-NZ">
+                  <a:latin typeface="+mj-lt"/>
+                </a:endParaRPr>
               </a:p>
             </p:txBody>
           </p:sp>
@@ -20277,7 +21210,9 @@
             </a:bodyPr>
             <a:lstStyle/>
             <a:p>
-              <a:endParaRPr lang="en-NZ"/>
+              <a:endParaRPr lang="en-NZ">
+                <a:latin typeface="+mj-lt"/>
+              </a:endParaRPr>
             </a:p>
           </p:txBody>
         </p:sp>
@@ -20354,7 +21289,7 @@
                     <a:srgbClr val="444444"/>
                   </a:solidFill>
                   <a:effectLst/>
-                  <a:latin typeface="Gill Sans MT" panose="020B0502020104020203" pitchFamily="34" charset="0"/>
+                  <a:latin typeface="+mj-lt"/>
                 </a:rPr>
                 <a:t>Client Meeting 10</a:t>
               </a:r>
@@ -20367,6 +21302,7 @@
                     <a:schemeClr val="tx1"/>
                   </a:solidFill>
                   <a:effectLst/>
+                  <a:latin typeface="+mj-lt"/>
                 </a:rPr>
                 <a:t/>
               </a:r>
@@ -20379,6 +21315,7 @@
                     <a:schemeClr val="tx1"/>
                   </a:solidFill>
                   <a:effectLst/>
+                  <a:latin typeface="+mj-lt"/>
                 </a:rPr>
               </a:br>
               <a:r>
@@ -20390,7 +21327,7 @@
                     <a:srgbClr val="444444"/>
                   </a:solidFill>
                   <a:effectLst/>
-                  <a:latin typeface="Gill Sans MT" panose="020B0502020104020203" pitchFamily="34" charset="0"/>
+                  <a:latin typeface="+mj-lt"/>
                 </a:rPr>
                 <a:t>Wed 2/05/18</a:t>
               </a:r>
@@ -20402,7 +21339,7 @@
                   <a:schemeClr val="tx1"/>
                 </a:solidFill>
                 <a:effectLst/>
-                <a:latin typeface="Arial" panose="020B0604020202020204" pitchFamily="34" charset="0"/>
+                <a:latin typeface="+mj-lt"/>
               </a:endParaRPr>
             </a:p>
           </p:txBody>
@@ -20417,8 +21354,8 @@
           </p:nvSpPr>
           <p:spPr bwMode="auto">
             <a:xfrm>
-              <a:off x="632" y="-39"/>
-              <a:ext cx="50" cy="16"/>
+              <a:off x="653" y="-43"/>
+              <a:ext cx="50" cy="17"/>
             </a:xfrm>
             <a:prstGeom prst="roundRect">
               <a:avLst>
@@ -20469,7 +21406,7 @@
                 <a:tabLst/>
               </a:pPr>
               <a:r>
-                <a:rPr kumimoji="0" lang="en-US" altLang="en-US" sz="800" b="1" i="0" u="none" strike="noStrike" cap="none" normalizeH="0" baseline="0" smtClean="0">
+                <a:rPr kumimoji="0" lang="en-US" altLang="en-US" sz="1000" i="0" u="none" strike="noStrike" cap="none" normalizeH="0" baseline="0" dirty="0" smtClean="0">
                   <a:ln>
                     <a:noFill/>
                   </a:ln>
@@ -20477,12 +21414,12 @@
                     <a:srgbClr val="FFFFFF"/>
                   </a:solidFill>
                   <a:effectLst/>
-                  <a:latin typeface="Segoe UI" panose="020B0502040204020203" pitchFamily="34" charset="0"/>
+                  <a:latin typeface="Garamond" panose="02020404030301010803" pitchFamily="18" charset="0"/>
                   <a:cs typeface="Segoe UI" panose="020B0502040204020203" pitchFamily="34" charset="0"/>
                 </a:rPr>
                 <a:t>Today</a:t>
               </a:r>
-              <a:endParaRPr kumimoji="0" lang="en-US" altLang="en-US" sz="1800" b="0" i="0" u="none" strike="noStrike" cap="none" normalizeH="0" baseline="0" smtClean="0">
+              <a:endParaRPr kumimoji="0" lang="en-US" altLang="en-US" sz="2400" i="0" u="none" strike="noStrike" cap="none" normalizeH="0" baseline="0" dirty="0" smtClean="0">
                 <a:ln>
                   <a:noFill/>
                 </a:ln>
@@ -20490,73 +21427,8 @@
                   <a:schemeClr val="tx1"/>
                 </a:solidFill>
                 <a:effectLst/>
-                <a:latin typeface="Arial" panose="020B0604020202020204" pitchFamily="34" charset="0"/>
+                <a:latin typeface="Garamond" panose="02020404030301010803" pitchFamily="18" charset="0"/>
               </a:endParaRPr>
-            </a:p>
-          </p:txBody>
-        </p:sp>
-        <p:sp>
-          <p:nvSpPr>
-            <p:cNvPr id="120" name="Freeform 2"/>
-            <p:cNvSpPr>
-              <a:spLocks noChangeArrowheads="1"/>
-            </p:cNvSpPr>
-            <p:nvPr/>
-          </p:nvSpPr>
-          <p:spPr bwMode="auto">
-            <a:xfrm>
-              <a:off x="657" y="-23"/>
-              <a:ext cx="0" cy="98"/>
-            </a:xfrm>
-            <a:custGeom>
-              <a:avLst/>
-              <a:gdLst>
-                <a:gd name="T0" fmla="*/ 0 h 98"/>
-                <a:gd name="T1" fmla="*/ 98 h 98"/>
-              </a:gdLst>
-              <a:ahLst/>
-              <a:cxnLst>
-                <a:cxn ang="0">
-                  <a:pos x="0" y="T0"/>
-                </a:cxn>
-                <a:cxn ang="0">
-                  <a:pos x="0" y="T1"/>
-                </a:cxn>
-              </a:cxnLst>
-              <a:rect l="0" t="0" r="r" b="b"/>
-              <a:pathLst>
-                <a:path h="98">
-                  <a:moveTo>
-                    <a:pt x="0" y="0"/>
-                  </a:moveTo>
-                  <a:lnTo>
-                    <a:pt x="0" y="98"/>
-                  </a:lnTo>
-                </a:path>
-              </a:pathLst>
-            </a:custGeom>
-            <a:solidFill>
-              <a:srgbClr val="FFFFFF"/>
-            </a:solidFill>
-            <a:ln w="3">
-              <a:solidFill>
-                <a:srgbClr val="31752F"/>
-              </a:solidFill>
-              <a:prstDash val="solid"/>
-              <a:round/>
-              <a:headEnd/>
-              <a:tailEnd/>
-            </a:ln>
-          </p:spPr>
-          <p:txBody>
-            <a:bodyPr vert="horz" wrap="square" lIns="91440" tIns="45720" rIns="91440" bIns="45720" numCol="1" anchor="t" anchorCtr="0" compatLnSpc="1">
-              <a:prstTxWarp prst="textNoShape">
-                <a:avLst/>
-              </a:prstTxWarp>
-            </a:bodyPr>
-            <a:lstStyle/>
-            <a:p>
-              <a:endParaRPr lang="en-NZ"/>
             </a:p>
           </p:txBody>
         </p:sp>
@@ -20856,7 +21728,7 @@
                                     <p:cond delay="0"/>
                                   </p:stCondLst>
                                   <p:childTnLst>
-                                    <p:animMotion origin="layout" path="M -4.16667E-7 3.33333E-6 L -0.89453 0.00023 " pathEditMode="relative" rAng="0" ptsTypes="AA">
+                                    <p:animMotion origin="layout" path="M 1.25E-6 -2.22222E-6 L -0.89453 0.00023 " pathEditMode="relative" rAng="0" ptsTypes="AA">
                                       <p:cBhvr>
                                         <p:cTn id="8" dur="2000" fill="hold"/>
                                         <p:tgtEl>
@@ -20913,7 +21785,7 @@
                                     <p:cond delay="0"/>
                                   </p:stCondLst>
                                   <p:childTnLst>
-                                    <p:animMotion origin="layout" path="M 4.16667E-7 -3.7037E-7 L -0.89453 0.00023 " pathEditMode="relative" rAng="0" ptsTypes="AA">
+                                    <p:animMotion origin="layout" path="M -4.79167E-6 -2.22222E-6 L -0.89453 0.00023 " pathEditMode="relative" rAng="0" ptsTypes="AA">
                                       <p:cBhvr>
                                         <p:cTn id="13" dur="2000" fill="hold"/>
                                         <p:tgtEl>
@@ -20935,7 +21807,7 @@
                                     <p:cond delay="0"/>
                                   </p:stCondLst>
                                   <p:childTnLst>
-                                    <p:animMotion origin="layout" path="M 2.29167E-6 3.33333E-6 L -0.89453 0.00023 " pathEditMode="relative" rAng="0" ptsTypes="AA">
+                                    <p:animMotion origin="layout" path="M 2.29167E-6 -2.22222E-6 L -0.89453 0.00023 " pathEditMode="relative" rAng="0" ptsTypes="AA">
                                       <p:cBhvr>
                                         <p:cTn id="15" dur="2000" fill="hold"/>
                                         <p:tgtEl>
@@ -21041,7 +21913,7 @@
                                     <p:cond delay="0"/>
                                   </p:stCondLst>
                                   <p:childTnLst>
-                                    <p:animMotion origin="layout" path="M -0.89453 0.00023 L -1.03919 -0.0007 " pathEditMode="relative" rAng="0" ptsTypes="AA">
+                                    <p:animMotion origin="layout" path="M -0.89453 0.00023 L -1.03919 -0.00069 " pathEditMode="relative" rAng="0" ptsTypes="AA">
                                       <p:cBhvr>
                                         <p:cTn id="25" dur="1500" fill="hold"/>
                                         <p:tgtEl>
@@ -21130,7 +22002,7 @@
                                     <p:cond delay="0"/>
                                   </p:stCondLst>
                                   <p:childTnLst>
-                                    <p:animMotion origin="layout" path="M -0.89453 0.00023 L -1.03919 -0.0007 " pathEditMode="relative" rAng="0" ptsTypes="AA">
+                                    <p:animMotion origin="layout" path="M -0.89453 0.00023 L -1.03919 -0.00069 " pathEditMode="relative" rAng="0" ptsTypes="AA">
                                       <p:cBhvr>
                                         <p:cTn id="33" dur="1500" fill="hold"/>
                                         <p:tgtEl>
@@ -21237,7 +22109,7 @@
                                     <p:cond delay="0"/>
                                   </p:stCondLst>
                                   <p:childTnLst>
-                                    <p:animMotion origin="layout" path="M -1.03919 -0.0007 L -1.18724 0.00393 " pathEditMode="relative" rAng="0" ptsTypes="AA">
+                                    <p:animMotion origin="layout" path="M -1.03919 -0.00069 L -1.18724 0.00394 " pathEditMode="relative" rAng="0" ptsTypes="AA">
                                       <p:cBhvr>
                                         <p:cTn id="43" dur="1500" fill="hold"/>
                                         <p:tgtEl>
@@ -21259,7 +22131,7 @@
                                     <p:cond delay="0"/>
                                   </p:stCondLst>
                                   <p:childTnLst>
-                                    <p:animMotion origin="layout" path="M -1.03919 -0.00069 L -1.18724 0.00394 " pathEditMode="relative" rAng="0" ptsTypes="AA">
+                                    <p:animMotion origin="layout" path="M -1.03919 -0.00069 L -1.18723 0.00394 " pathEditMode="relative" rAng="0" ptsTypes="AA">
                                       <p:cBhvr>
                                         <p:cTn id="45" dur="1500" fill="hold"/>
                                         <p:tgtEl>
@@ -21303,7 +22175,7 @@
                                     <p:cond delay="0"/>
                                   </p:stCondLst>
                                   <p:childTnLst>
-                                    <p:animMotion origin="layout" path="M -1.03919 -0.0007 L -1.18724 0.00393 " pathEditMode="relative" rAng="0" ptsTypes="AA">
+                                    <p:animMotion origin="layout" path="M -1.03919 -0.00069 L -1.18724 0.00394 " pathEditMode="relative" rAng="0" ptsTypes="AA">
                                       <p:cBhvr>
                                         <p:cTn id="49" dur="1500" fill="hold"/>
                                         <p:tgtEl>

--- a/Documentation/Audit_2/Powerpoint/Audit_Presentation.pptx
+++ b/Documentation/Audit_2/Powerpoint/Audit_Presentation.pptx
@@ -166,19 +166,30 @@
             <c:idx val="0"/>
             <c:bubble3D val="0"/>
             <c:spPr>
-              <a:gradFill>
+              <a:gradFill flip="none" rotWithShape="1">
                 <a:gsLst>
+                  <a:gs pos="0">
+                    <a:schemeClr val="accent1">
+                      <a:lumMod val="0"/>
+                      <a:lumOff val="100000"/>
+                    </a:schemeClr>
+                  </a:gs>
+                  <a:gs pos="35000">
+                    <a:schemeClr val="accent1">
+                      <a:lumMod val="0"/>
+                      <a:lumOff val="100000"/>
+                    </a:schemeClr>
+                  </a:gs>
                   <a:gs pos="100000">
                     <a:schemeClr val="accent1">
-                      <a:lumMod val="60000"/>
-                      <a:lumOff val="40000"/>
+                      <a:lumMod val="100000"/>
                     </a:schemeClr>
                   </a:gs>
-                  <a:gs pos="0">
-                    <a:schemeClr val="accent1"/>
-                  </a:gs>
                 </a:gsLst>
-                <a:lin ang="5400000" scaled="0"/>
+                <a:path path="circle">
+                  <a:fillToRect l="50000" t="-80000" r="50000" b="180000"/>
+                </a:path>
+                <a:tileRect/>
               </a:gradFill>
               <a:ln w="19050">
                 <a:solidFill>
@@ -197,19 +208,30 @@
             <c:idx val="1"/>
             <c:bubble3D val="0"/>
             <c:spPr>
-              <a:gradFill>
+              <a:gradFill flip="none" rotWithShape="1">
                 <a:gsLst>
+                  <a:gs pos="0">
+                    <a:schemeClr val="accent2">
+                      <a:lumMod val="0"/>
+                      <a:lumOff val="100000"/>
+                    </a:schemeClr>
+                  </a:gs>
+                  <a:gs pos="23000">
+                    <a:schemeClr val="accent2">
+                      <a:lumMod val="0"/>
+                      <a:lumOff val="100000"/>
+                    </a:schemeClr>
+                  </a:gs>
                   <a:gs pos="100000">
                     <a:schemeClr val="accent2">
-                      <a:lumMod val="60000"/>
-                      <a:lumOff val="40000"/>
+                      <a:lumMod val="100000"/>
                     </a:schemeClr>
                   </a:gs>
-                  <a:gs pos="0">
-                    <a:schemeClr val="accent2"/>
-                  </a:gs>
                 </a:gsLst>
-                <a:lin ang="5400000" scaled="0"/>
+                <a:path path="circle">
+                  <a:fillToRect l="50000" t="-80000" r="50000" b="180000"/>
+                </a:path>
+                <a:tileRect/>
               </a:gradFill>
               <a:ln w="19050">
                 <a:solidFill>
@@ -228,19 +250,30 @@
             <c:idx val="2"/>
             <c:bubble3D val="0"/>
             <c:spPr>
-              <a:gradFill>
+              <a:gradFill flip="none" rotWithShape="1">
                 <a:gsLst>
+                  <a:gs pos="0">
+                    <a:schemeClr val="accent3">
+                      <a:lumMod val="0"/>
+                      <a:lumOff val="100000"/>
+                    </a:schemeClr>
+                  </a:gs>
+                  <a:gs pos="23000">
+                    <a:schemeClr val="accent3">
+                      <a:lumMod val="0"/>
+                      <a:lumOff val="100000"/>
+                    </a:schemeClr>
+                  </a:gs>
                   <a:gs pos="100000">
                     <a:schemeClr val="accent3">
-                      <a:lumMod val="60000"/>
-                      <a:lumOff val="40000"/>
+                      <a:lumMod val="100000"/>
                     </a:schemeClr>
                   </a:gs>
-                  <a:gs pos="0">
-                    <a:schemeClr val="accent3"/>
-                  </a:gs>
                 </a:gsLst>
-                <a:lin ang="5400000" scaled="0"/>
+                <a:path path="circle">
+                  <a:fillToRect l="50000" t="-80000" r="50000" b="180000"/>
+                </a:path>
+                <a:tileRect/>
               </a:gradFill>
               <a:ln w="19050">
                 <a:solidFill>
@@ -284,7 +317,7 @@
                         <a:cs typeface="+mn-cs"/>
                       </a:defRPr>
                     </a:pPr>
-                    <a:fld id="{F35D0E5C-7751-419F-9C29-6D42BF5020BE}" type="CELLRANGE">
+                    <a:fld id="{1FA08148-7C53-4AAF-A998-82A6965EA6D0}" type="CELLRANGE">
                       <a:rPr lang="en-US" baseline="0" dirty="0"/>
                       <a:pPr>
                         <a:defRPr b="1"/>
@@ -295,7 +328,7 @@
                       <a:rPr lang="en-US" baseline="0" dirty="0"/>
                       <a:t>: </a:t>
                     </a:r>
-                    <a:fld id="{28BBE903-C8B9-4EA1-83BA-9717587655C1}" type="VALUE">
+                    <a:fld id="{E63A57D5-B96C-450F-B216-A7D3D43A53A3}" type="VALUE">
                       <a:rPr lang="en-US" baseline="0" dirty="0"/>
                       <a:pPr>
                         <a:defRPr b="1"/>
@@ -367,7 +400,7 @@
                   <a:bodyPr/>
                   <a:lstStyle/>
                   <a:p>
-                    <a:fld id="{AE0F9C02-C524-413B-8E24-F3626CF0A3EE}" type="CELLRANGE">
+                    <a:fld id="{85CF8642-984F-4142-89A6-DDE4E6AFBFF0}" type="CELLRANGE">
                       <a:rPr lang="en-US"/>
                       <a:pPr/>
                       <a:t>[CELLRANGE]</a:t>
@@ -376,7 +409,7 @@
                       <a:rPr lang="en-US" baseline="0"/>
                       <a:t>: </a:t>
                     </a:r>
-                    <a:fld id="{BADBD80C-5ED4-42B7-A2CA-BD56C4F262C1}" type="VALUE">
+                    <a:fld id="{A30FE0E0-1951-4F57-B460-B3DA9A07FA6A}" type="VALUE">
                       <a:rPr lang="en-US" baseline="0"/>
                       <a:pPr/>
                       <a:t>[VALUE]</a:t>
@@ -413,7 +446,7 @@
                   <a:bodyPr/>
                   <a:lstStyle/>
                   <a:p>
-                    <a:fld id="{728A9C34-1EB0-4745-B037-A41F1079CEDF}" type="CELLRANGE">
+                    <a:fld id="{EA9D38D7-D207-4DC0-9D53-F3458426A858}" type="CELLRANGE">
                       <a:rPr lang="en-US"/>
                       <a:pPr/>
                       <a:t>[CELLRANGE]</a:t>
@@ -422,7 +455,7 @@
                       <a:rPr lang="en-US" baseline="0"/>
                       <a:t>: </a:t>
                     </a:r>
-                    <a:fld id="{9F07BAC6-1A0B-4114-9E87-68294472492F}" type="VALUE">
+                    <a:fld id="{0ECD57CD-C251-4588-B3C8-FD673FB63179}" type="VALUE">
                       <a:rPr lang="en-US" baseline="0"/>
                       <a:pPr/>
                       <a:t>[VALUE]</a:t>
@@ -660,19 +693,30 @@
             <c:idx val="0"/>
             <c:bubble3D val="0"/>
             <c:spPr>
-              <a:gradFill>
+              <a:gradFill flip="none" rotWithShape="1">
                 <a:gsLst>
+                  <a:gs pos="0">
+                    <a:schemeClr val="accent1">
+                      <a:lumMod val="0"/>
+                      <a:lumOff val="100000"/>
+                    </a:schemeClr>
+                  </a:gs>
+                  <a:gs pos="21000">
+                    <a:schemeClr val="accent1">
+                      <a:lumMod val="0"/>
+                      <a:lumOff val="100000"/>
+                    </a:schemeClr>
+                  </a:gs>
                   <a:gs pos="100000">
                     <a:schemeClr val="accent1">
-                      <a:lumMod val="60000"/>
-                      <a:lumOff val="40000"/>
+                      <a:lumMod val="100000"/>
                     </a:schemeClr>
                   </a:gs>
-                  <a:gs pos="0">
-                    <a:schemeClr val="accent1"/>
-                  </a:gs>
                 </a:gsLst>
-                <a:lin ang="5400000" scaled="0"/>
+                <a:path path="circle">
+                  <a:fillToRect l="50000" t="-80000" r="50000" b="180000"/>
+                </a:path>
+                <a:tileRect/>
               </a:gradFill>
               <a:ln w="19050">
                 <a:solidFill>
@@ -691,19 +735,30 @@
             <c:idx val="1"/>
             <c:bubble3D val="0"/>
             <c:spPr>
-              <a:gradFill>
+              <a:gradFill flip="none" rotWithShape="1">
                 <a:gsLst>
+                  <a:gs pos="0">
+                    <a:schemeClr val="accent2">
+                      <a:lumMod val="0"/>
+                      <a:lumOff val="100000"/>
+                    </a:schemeClr>
+                  </a:gs>
+                  <a:gs pos="23000">
+                    <a:schemeClr val="accent2">
+                      <a:lumMod val="0"/>
+                      <a:lumOff val="100000"/>
+                    </a:schemeClr>
+                  </a:gs>
                   <a:gs pos="100000">
                     <a:schemeClr val="accent2">
-                      <a:lumMod val="60000"/>
-                      <a:lumOff val="40000"/>
+                      <a:lumMod val="100000"/>
                     </a:schemeClr>
                   </a:gs>
-                  <a:gs pos="0">
-                    <a:schemeClr val="accent2"/>
-                  </a:gs>
                 </a:gsLst>
-                <a:lin ang="5400000" scaled="0"/>
+                <a:path path="circle">
+                  <a:fillToRect l="50000" t="-80000" r="50000" b="180000"/>
+                </a:path>
+                <a:tileRect/>
               </a:gradFill>
               <a:ln w="19050">
                 <a:solidFill>
@@ -724,17 +779,27 @@
             <c:spPr>
               <a:gradFill>
                 <a:gsLst>
+                  <a:gs pos="0">
+                    <a:schemeClr val="accent3">
+                      <a:lumMod val="0"/>
+                      <a:lumOff val="100000"/>
+                    </a:schemeClr>
+                  </a:gs>
+                  <a:gs pos="23000">
+                    <a:schemeClr val="accent3">
+                      <a:lumMod val="0"/>
+                      <a:lumOff val="100000"/>
+                    </a:schemeClr>
+                  </a:gs>
                   <a:gs pos="100000">
                     <a:schemeClr val="accent3">
-                      <a:lumMod val="60000"/>
-                      <a:lumOff val="40000"/>
+                      <a:lumMod val="100000"/>
                     </a:schemeClr>
                   </a:gs>
-                  <a:gs pos="0">
-                    <a:schemeClr val="accent3"/>
-                  </a:gs>
                 </a:gsLst>
-                <a:lin ang="5400000" scaled="0"/>
+                <a:path path="circle">
+                  <a:fillToRect l="50000" t="-80000" r="50000" b="180000"/>
+                </a:path>
               </a:gradFill>
               <a:ln w="19050">
                 <a:solidFill>
@@ -758,7 +823,7 @@
                   <a:bodyPr/>
                   <a:lstStyle/>
                   <a:p>
-                    <a:fld id="{80F54C9A-142E-4C21-A546-4320DCCB1D3B}" type="CELLRANGE">
+                    <a:fld id="{320345BD-A75E-4BBF-A5D5-1DE33975DC28}" type="CELLRANGE">
                       <a:rPr lang="en-US"/>
                       <a:pPr/>
                       <a:t>[CELLRANGE]</a:t>
@@ -767,7 +832,7 @@
                       <a:rPr lang="en-US" baseline="0"/>
                       <a:t>: </a:t>
                     </a:r>
-                    <a:fld id="{904CB0A3-1CC4-48A9-9287-CF6DFF4C4037}" type="VALUE">
+                    <a:fld id="{DB05D552-EA6B-43D5-929F-F7E00D687B82}" type="VALUE">
                       <a:rPr lang="en-US" baseline="0"/>
                       <a:pPr/>
                       <a:t>[VALUE]</a:t>
@@ -804,7 +869,7 @@
                   <a:bodyPr/>
                   <a:lstStyle/>
                   <a:p>
-                    <a:fld id="{2DF38124-E925-4DEB-AA7D-1D887AB16FB4}" type="CELLRANGE">
+                    <a:fld id="{9A953186-8C8A-4ED5-A53B-50C7DCAA3CBE}" type="CELLRANGE">
                       <a:rPr lang="en-US"/>
                       <a:pPr/>
                       <a:t>[CELLRANGE]</a:t>
@@ -813,7 +878,7 @@
                       <a:rPr lang="en-US" baseline="0"/>
                       <a:t>: </a:t>
                     </a:r>
-                    <a:fld id="{9568D403-664A-4F70-A723-99D8D2210713}" type="VALUE">
+                    <a:fld id="{8C39D47E-F926-4328-91AF-7B1E07D294A4}" type="VALUE">
                       <a:rPr lang="en-US" baseline="0"/>
                       <a:pPr/>
                       <a:t>[VALUE]</a:t>
@@ -850,7 +915,7 @@
                   <a:bodyPr/>
                   <a:lstStyle/>
                   <a:p>
-                    <a:fld id="{BED2F26A-5FCD-4E46-B05D-3A41890B7CA2}" type="CELLRANGE">
+                    <a:fld id="{FA39F721-84D3-43B9-9C51-7ED58DC425DB}" type="CELLRANGE">
                       <a:rPr lang="en-US"/>
                       <a:pPr/>
                       <a:t>[CELLRANGE]</a:t>
@@ -859,7 +924,7 @@
                       <a:rPr lang="en-US" baseline="0"/>
                       <a:t>: </a:t>
                     </a:r>
-                    <a:fld id="{5B0ABD64-2243-4EF4-8CEA-CA98B5690AD7}" type="VALUE">
+                    <a:fld id="{AE0C27B7-FA00-4130-9744-8BD033DA2626}" type="VALUE">
                       <a:rPr lang="en-US" baseline="0"/>
                       <a:pPr/>
                       <a:t>[VALUE]</a:t>
@@ -6550,13 +6615,13 @@
   <p:clrMapOvr>
     <a:masterClrMapping/>
   </p:clrMapOvr>
-  <mc:AlternateContent xmlns:mc="http://schemas.openxmlformats.org/markup-compatibility/2006">
-    <mc:Choice xmlns:p14="http://schemas.microsoft.com/office/powerpoint/2010/main" Requires="p14">
+  <mc:AlternateContent xmlns:mc="http://schemas.openxmlformats.org/markup-compatibility/2006" xmlns:p14="http://schemas.microsoft.com/office/powerpoint/2010/main">
+    <mc:Choice Requires="p14">
       <p:transition spd="med" p14:dur="700">
         <p:fade/>
       </p:transition>
     </mc:Choice>
-    <mc:Fallback>
+    <mc:Fallback xmlns="">
       <p:transition spd="med">
         <p:fade/>
       </p:transition>
@@ -8306,13 +8371,13 @@
   <p:clrMapOvr>
     <a:masterClrMapping/>
   </p:clrMapOvr>
-  <mc:AlternateContent xmlns:mc="http://schemas.openxmlformats.org/markup-compatibility/2006">
-    <mc:Choice xmlns:p14="http://schemas.microsoft.com/office/powerpoint/2010/main" Requires="p14">
+  <mc:AlternateContent xmlns:mc="http://schemas.openxmlformats.org/markup-compatibility/2006" xmlns:p14="http://schemas.microsoft.com/office/powerpoint/2010/main">
+    <mc:Choice Requires="p14">
       <p:transition spd="med" p14:dur="700">
         <p:fade/>
       </p:transition>
     </mc:Choice>
-    <mc:Fallback>
+    <mc:Fallback xmlns="">
       <p:transition spd="med">
         <p:fade/>
       </p:transition>
@@ -8448,13 +8513,13 @@
   <p:clrMapOvr>
     <a:masterClrMapping/>
   </p:clrMapOvr>
-  <mc:AlternateContent xmlns:mc="http://schemas.openxmlformats.org/markup-compatibility/2006">
-    <mc:Choice xmlns:p14="http://schemas.microsoft.com/office/powerpoint/2010/main" Requires="p14">
+  <mc:AlternateContent xmlns:mc="http://schemas.openxmlformats.org/markup-compatibility/2006" xmlns:p14="http://schemas.microsoft.com/office/powerpoint/2010/main">
+    <mc:Choice Requires="p14">
       <p:transition spd="med" p14:dur="700">
         <p:fade/>
       </p:transition>
     </mc:Choice>
-    <mc:Fallback>
+    <mc:Fallback xmlns="">
       <p:transition spd="med">
         <p:fade/>
       </p:transition>
@@ -8560,13 +8625,13 @@
   <p:clrMapOvr>
     <a:masterClrMapping/>
   </p:clrMapOvr>
-  <mc:AlternateContent xmlns:mc="http://schemas.openxmlformats.org/markup-compatibility/2006">
-    <mc:Choice xmlns:p14="http://schemas.microsoft.com/office/powerpoint/2010/main" Requires="p14">
+  <mc:AlternateContent xmlns:mc="http://schemas.openxmlformats.org/markup-compatibility/2006" xmlns:p14="http://schemas.microsoft.com/office/powerpoint/2010/main">
+    <mc:Choice Requires="p14">
       <p:transition spd="med" p14:dur="700">
         <p:fade/>
       </p:transition>
     </mc:Choice>
-    <mc:Fallback>
+    <mc:Fallback xmlns="">
       <p:transition spd="med">
         <p:fade/>
       </p:transition>
@@ -11909,20 +11974,7 @@
                   <a:effectLst/>
                   <a:latin typeface="+mj-lt"/>
                 </a:rPr>
-                <a:t>Wed 28/03/18 - Tue </a:t>
-              </a:r>
-              <a:r>
-                <a:rPr kumimoji="0" lang="en-US" altLang="en-US" sz="1000" i="0" u="none" strike="noStrike" cap="none" normalizeH="0" baseline="0" dirty="0" smtClean="0">
-                  <a:ln>
-                    <a:noFill/>
-                  </a:ln>
-                  <a:solidFill>
-                    <a:srgbClr val="444444"/>
-                  </a:solidFill>
-                  <a:effectLst/>
-                  <a:latin typeface="+mj-lt"/>
-                </a:rPr>
-                <a:t>10/04/18</a:t>
+                <a:t>Wed 28/03/18 - Tue 10/04/18</a:t>
               </a:r>
               <a:endParaRPr kumimoji="0" lang="en-US" altLang="en-US" sz="1800" i="0" u="none" strike="noStrike" cap="none" normalizeH="0" baseline="0" dirty="0" smtClean="0">
                 <a:ln>
@@ -23816,7 +23868,7 @@
           </a:fontRef>
         </p:style>
         <p:txBody>
-          <a:bodyPr spcFirstLastPara="0" vert="horz" wrap="square" lIns="74676" tIns="74676" rIns="99568" bIns="112014" numCol="1" spcCol="1270" anchor="t" anchorCtr="0">
+          <a:bodyPr spcFirstLastPara="0" vert="horz" wrap="square" lIns="68400" tIns="74676" rIns="90000" bIns="112014" numCol="1" spcCol="1270" anchor="t" anchorCtr="0">
             <a:noAutofit/>
           </a:bodyPr>
           <a:lstStyle/>
@@ -23895,7 +23947,11 @@
             </a:pPr>
             <a:r>
               <a:rPr lang="en-US" sz="1400" kern="1200" dirty="0" smtClean="0"/>
-              <a:t>Unbiased sample</a:t>
+              <a:t>Large unbiased </a:t>
+            </a:r>
+            <a:r>
+              <a:rPr lang="en-US" sz="1400" kern="1200" dirty="0" smtClean="0"/>
+              <a:t>sample</a:t>
             </a:r>
             <a:endParaRPr lang="en-US" sz="1400" kern="1200" dirty="0"/>
           </a:p>
@@ -25152,7 +25208,7 @@
           <p:nvPr>
             <p:extLst>
               <p:ext uri="{D42A27DB-BD31-4B8C-83A1-F6EECF244321}">
-                <p14:modId xmlns:p14="http://schemas.microsoft.com/office/powerpoint/2010/main" val="3136807784"/>
+                <p14:modId xmlns:p14="http://schemas.microsoft.com/office/powerpoint/2010/main" val="1117858264"/>
               </p:ext>
             </p:extLst>
           </p:nvPr>
@@ -25457,7 +25513,7 @@
           <p:nvPr>
             <p:extLst>
               <p:ext uri="{D42A27DB-BD31-4B8C-83A1-F6EECF244321}">
-                <p14:modId xmlns:p14="http://schemas.microsoft.com/office/powerpoint/2010/main" val="1119064266"/>
+                <p14:modId xmlns:p14="http://schemas.microsoft.com/office/powerpoint/2010/main" val="858980369"/>
               </p:ext>
             </p:extLst>
           </p:nvPr>

--- a/Documentation/Audit_2/Powerpoint/Audit_Presentation.pptx
+++ b/Documentation/Audit_2/Powerpoint/Audit_Presentation.pptx
@@ -317,7 +317,7 @@
                         <a:cs typeface="+mn-cs"/>
                       </a:defRPr>
                     </a:pPr>
-                    <a:fld id="{1FA08148-7C53-4AAF-A998-82A6965EA6D0}" type="CELLRANGE">
+                    <a:fld id="{0007C368-613F-4B50-8745-40B937ED1732}" type="CELLRANGE">
                       <a:rPr lang="en-US" baseline="0" dirty="0"/>
                       <a:pPr>
                         <a:defRPr b="1"/>
@@ -328,7 +328,7 @@
                       <a:rPr lang="en-US" baseline="0" dirty="0"/>
                       <a:t>: </a:t>
                     </a:r>
-                    <a:fld id="{E63A57D5-B96C-450F-B216-A7D3D43A53A3}" type="VALUE">
+                    <a:fld id="{D058E527-FAC8-420C-9364-DDD8ACAD9253}" type="VALUE">
                       <a:rPr lang="en-US" baseline="0" dirty="0"/>
                       <a:pPr>
                         <a:defRPr b="1"/>
@@ -400,7 +400,7 @@
                   <a:bodyPr/>
                   <a:lstStyle/>
                   <a:p>
-                    <a:fld id="{85CF8642-984F-4142-89A6-DDE4E6AFBFF0}" type="CELLRANGE">
+                    <a:fld id="{FED9D156-50C5-44C3-8A97-003B1C0B3CAE}" type="CELLRANGE">
                       <a:rPr lang="en-US"/>
                       <a:pPr/>
                       <a:t>[CELLRANGE]</a:t>
@@ -409,7 +409,7 @@
                       <a:rPr lang="en-US" baseline="0"/>
                       <a:t>: </a:t>
                     </a:r>
-                    <a:fld id="{A30FE0E0-1951-4F57-B460-B3DA9A07FA6A}" type="VALUE">
+                    <a:fld id="{689D35C0-3B59-4F60-94A4-EA3C55DE780A}" type="VALUE">
                       <a:rPr lang="en-US" baseline="0"/>
                       <a:pPr/>
                       <a:t>[VALUE]</a:t>
@@ -446,7 +446,7 @@
                   <a:bodyPr/>
                   <a:lstStyle/>
                   <a:p>
-                    <a:fld id="{EA9D38D7-D207-4DC0-9D53-F3458426A858}" type="CELLRANGE">
+                    <a:fld id="{4D41E3D7-DEE8-4A53-B345-A379189B84A6}" type="CELLRANGE">
                       <a:rPr lang="en-US"/>
                       <a:pPr/>
                       <a:t>[CELLRANGE]</a:t>
@@ -455,7 +455,7 @@
                       <a:rPr lang="en-US" baseline="0"/>
                       <a:t>: </a:t>
                     </a:r>
-                    <a:fld id="{0ECD57CD-C251-4588-B3C8-FD673FB63179}" type="VALUE">
+                    <a:fld id="{C6CCAC78-0865-4BBC-A811-57685E60869D}" type="VALUE">
                       <a:rPr lang="en-US" baseline="0"/>
                       <a:pPr/>
                       <a:t>[VALUE]</a:t>
@@ -823,7 +823,7 @@
                   <a:bodyPr/>
                   <a:lstStyle/>
                   <a:p>
-                    <a:fld id="{320345BD-A75E-4BBF-A5D5-1DE33975DC28}" type="CELLRANGE">
+                    <a:fld id="{2A384E70-9332-477F-90B7-41C01369002B}" type="CELLRANGE">
                       <a:rPr lang="en-US"/>
                       <a:pPr/>
                       <a:t>[CELLRANGE]</a:t>
@@ -832,7 +832,7 @@
                       <a:rPr lang="en-US" baseline="0"/>
                       <a:t>: </a:t>
                     </a:r>
-                    <a:fld id="{DB05D552-EA6B-43D5-929F-F7E00D687B82}" type="VALUE">
+                    <a:fld id="{8E20BC01-9EF3-4CB9-8EAA-91C153253D4E}" type="VALUE">
                       <a:rPr lang="en-US" baseline="0"/>
                       <a:pPr/>
                       <a:t>[VALUE]</a:t>
@@ -869,7 +869,7 @@
                   <a:bodyPr/>
                   <a:lstStyle/>
                   <a:p>
-                    <a:fld id="{9A953186-8C8A-4ED5-A53B-50C7DCAA3CBE}" type="CELLRANGE">
+                    <a:fld id="{A15635F2-B8A6-4047-86B9-4C0295748185}" type="CELLRANGE">
                       <a:rPr lang="en-US"/>
                       <a:pPr/>
                       <a:t>[CELLRANGE]</a:t>
@@ -878,7 +878,7 @@
                       <a:rPr lang="en-US" baseline="0"/>
                       <a:t>: </a:t>
                     </a:r>
-                    <a:fld id="{8C39D47E-F926-4328-91AF-7B1E07D294A4}" type="VALUE">
+                    <a:fld id="{AEE7E887-9865-4BFC-BFA7-4F6D66F2AF2B}" type="VALUE">
                       <a:rPr lang="en-US" baseline="0"/>
                       <a:pPr/>
                       <a:t>[VALUE]</a:t>
@@ -915,7 +915,7 @@
                   <a:bodyPr/>
                   <a:lstStyle/>
                   <a:p>
-                    <a:fld id="{FA39F721-84D3-43B9-9C51-7ED58DC425DB}" type="CELLRANGE">
+                    <a:fld id="{7E1D372C-B7AD-4770-BAC4-C165D76F6E9B}" type="CELLRANGE">
                       <a:rPr lang="en-US"/>
                       <a:pPr/>
                       <a:t>[CELLRANGE]</a:t>
@@ -924,7 +924,7 @@
                       <a:rPr lang="en-US" baseline="0"/>
                       <a:t>: </a:t>
                     </a:r>
-                    <a:fld id="{AE0C27B7-FA00-4130-9744-8BD033DA2626}" type="VALUE">
+                    <a:fld id="{EB4362E8-5F83-4DAA-A101-D1857CBD61B5}" type="VALUE">
                       <a:rPr lang="en-US" baseline="0"/>
                       <a:pPr/>
                       <a:t>[VALUE]</a:t>
@@ -2373,7 +2373,7 @@
           <a:p>
             <a:fld id="{CBA3A4ED-0D4E-42B1-A475-12869A2FA002}" type="datetimeFigureOut">
               <a:rPr lang="en-NZ" smtClean="0"/>
-              <a:t>25/03/2018</a:t>
+              <a:t>26/03/2018</a:t>
             </a:fld>
             <a:endParaRPr lang="en-NZ"/>
           </a:p>
@@ -2893,7 +2893,7 @@
           <a:p>
             <a:fld id="{3A571A71-22B1-40B0-82E9-B94787CC5DE0}" type="datetimeFigureOut">
               <a:rPr lang="en-AU" smtClean="0"/>
-              <a:t>25/03/2018</a:t>
+              <a:t>26/03/2018</a:t>
             </a:fld>
             <a:endParaRPr lang="en-AU"/>
           </a:p>
@@ -3121,7 +3121,7 @@
           <a:p>
             <a:fld id="{3A571A71-22B1-40B0-82E9-B94787CC5DE0}" type="datetimeFigureOut">
               <a:rPr lang="en-AU" smtClean="0"/>
-              <a:t>25/03/2018</a:t>
+              <a:t>26/03/2018</a:t>
             </a:fld>
             <a:endParaRPr lang="en-AU"/>
           </a:p>
@@ -3301,7 +3301,7 @@
           <a:p>
             <a:fld id="{3A571A71-22B1-40B0-82E9-B94787CC5DE0}" type="datetimeFigureOut">
               <a:rPr lang="en-AU" smtClean="0"/>
-              <a:t>25/03/2018</a:t>
+              <a:t>26/03/2018</a:t>
             </a:fld>
             <a:endParaRPr lang="en-AU"/>
           </a:p>
@@ -3471,7 +3471,7 @@
           <a:p>
             <a:fld id="{3A571A71-22B1-40B0-82E9-B94787CC5DE0}" type="datetimeFigureOut">
               <a:rPr lang="en-AU" smtClean="0"/>
-              <a:t>25/03/2018</a:t>
+              <a:t>26/03/2018</a:t>
             </a:fld>
             <a:endParaRPr lang="en-AU"/>
           </a:p>
@@ -3725,7 +3725,7 @@
           <a:p>
             <a:fld id="{3A571A71-22B1-40B0-82E9-B94787CC5DE0}" type="datetimeFigureOut">
               <a:rPr lang="en-AU" smtClean="0"/>
-              <a:t>25/03/2018</a:t>
+              <a:t>26/03/2018</a:t>
             </a:fld>
             <a:endParaRPr lang="en-AU"/>
           </a:p>
@@ -4051,7 +4051,7 @@
           <a:p>
             <a:fld id="{3A571A71-22B1-40B0-82E9-B94787CC5DE0}" type="datetimeFigureOut">
               <a:rPr lang="en-AU" smtClean="0"/>
-              <a:t>25/03/2018</a:t>
+              <a:t>26/03/2018</a:t>
             </a:fld>
             <a:endParaRPr lang="en-AU"/>
           </a:p>
@@ -4502,7 +4502,7 @@
           <a:p>
             <a:fld id="{3A571A71-22B1-40B0-82E9-B94787CC5DE0}" type="datetimeFigureOut">
               <a:rPr lang="en-AU" smtClean="0"/>
-              <a:t>25/03/2018</a:t>
+              <a:t>26/03/2018</a:t>
             </a:fld>
             <a:endParaRPr lang="en-AU"/>
           </a:p>
@@ -4620,7 +4620,7 @@
           <a:p>
             <a:fld id="{3A571A71-22B1-40B0-82E9-B94787CC5DE0}" type="datetimeFigureOut">
               <a:rPr lang="en-AU" smtClean="0"/>
-              <a:t>25/03/2018</a:t>
+              <a:t>26/03/2018</a:t>
             </a:fld>
             <a:endParaRPr lang="en-AU"/>
           </a:p>
@@ -4715,7 +4715,7 @@
           <a:p>
             <a:fld id="{3A571A71-22B1-40B0-82E9-B94787CC5DE0}" type="datetimeFigureOut">
               <a:rPr lang="en-AU" smtClean="0"/>
-              <a:t>25/03/2018</a:t>
+              <a:t>26/03/2018</a:t>
             </a:fld>
             <a:endParaRPr lang="en-AU"/>
           </a:p>
@@ -5002,7 +5002,7 @@
           <a:p>
             <a:fld id="{3A571A71-22B1-40B0-82E9-B94787CC5DE0}" type="datetimeFigureOut">
               <a:rPr lang="en-AU" smtClean="0"/>
-              <a:t>25/03/2018</a:t>
+              <a:t>26/03/2018</a:t>
             </a:fld>
             <a:endParaRPr lang="en-AU"/>
           </a:p>
@@ -5324,7 +5324,7 @@
           <a:p>
             <a:fld id="{3A571A71-22B1-40B0-82E9-B94787CC5DE0}" type="datetimeFigureOut">
               <a:rPr lang="en-AU" smtClean="0"/>
-              <a:t>25/03/2018</a:t>
+              <a:t>26/03/2018</a:t>
             </a:fld>
             <a:endParaRPr lang="en-AU"/>
           </a:p>
@@ -5578,7 +5578,7 @@
           <a:p>
             <a:fld id="{3A571A71-22B1-40B0-82E9-B94787CC5DE0}" type="datetimeFigureOut">
               <a:rPr lang="en-AU" smtClean="0"/>
-              <a:t>25/03/2018</a:t>
+              <a:t>26/03/2018</a:t>
             </a:fld>
             <a:endParaRPr lang="en-AU"/>
           </a:p>
@@ -23947,11 +23947,7 @@
             </a:pPr>
             <a:r>
               <a:rPr lang="en-US" sz="1400" kern="1200" dirty="0" smtClean="0"/>
-              <a:t>Large unbiased </a:t>
-            </a:r>
-            <a:r>
-              <a:rPr lang="en-US" sz="1400" kern="1200" dirty="0" smtClean="0"/>
-              <a:t>sample</a:t>
+              <a:t>Large unbiased sample</a:t>
             </a:r>
             <a:endParaRPr lang="en-US" sz="1400" kern="1200" dirty="0"/>
           </a:p>
@@ -24008,7 +24004,7 @@
             </a:pPr>
             <a:r>
               <a:rPr lang="en-US" sz="1400" kern="1200" dirty="0" smtClean="0"/>
-              <a:t>Planning and Performance Measurement (PPM)</a:t>
+              <a:t>PPM</a:t>
             </a:r>
             <a:endParaRPr lang="en-US" sz="1400" kern="1200" dirty="0"/>
           </a:p>
@@ -24027,7 +24023,29 @@
             </a:pPr>
             <a:r>
               <a:rPr lang="en-US" sz="1400" kern="1200" dirty="0" smtClean="0"/>
-              <a:t>Recommended action: Ethics approval</a:t>
+              <a:t>Survey approved</a:t>
+            </a:r>
+          </a:p>
+          <a:p>
+            <a:pPr marL="114300" lvl="1" indent="-114300" algn="l" defTabSz="622300">
+              <a:lnSpc>
+                <a:spcPct val="100000"/>
+              </a:lnSpc>
+              <a:spcBef>
+                <a:spcPct val="0"/>
+              </a:spcBef>
+              <a:spcAft>
+                <a:spcPct val="15000"/>
+              </a:spcAft>
+              <a:buChar char="••"/>
+            </a:pPr>
+            <a:r>
+              <a:rPr lang="en-US" sz="1400" kern="1200" dirty="0" smtClean="0"/>
+              <a:t>Recommended </a:t>
+            </a:r>
+            <a:r>
+              <a:rPr lang="en-US" sz="1400" kern="1200" dirty="0" smtClean="0"/>
+              <a:t>action: Ethics approval</a:t>
             </a:r>
             <a:endParaRPr lang="en-US" sz="1400" kern="1200" dirty="0"/>
           </a:p>
